--- a/prestentation.pptx
+++ b/prestentation.pptx
@@ -3,32 +3,35 @@
 <p:presentation xmlns:a="http://schemas.openxmlformats.org/drawingml/2006/main" xmlns:r="http://schemas.openxmlformats.org/officeDocument/2006/relationships" xmlns:p="http://schemas.openxmlformats.org/presentationml/2006/main" saveSubsetFonts="1">
   <p:sldMasterIdLst>
     <p:sldMasterId id="2147483651" r:id="rId1"/>
+    <p:sldMasterId id="2147483685" r:id="rId2"/>
   </p:sldMasterIdLst>
   <p:notesMasterIdLst>
-    <p:notesMasterId r:id="rId23"/>
+    <p:notesMasterId r:id="rId26"/>
   </p:notesMasterIdLst>
   <p:sldIdLst>
-    <p:sldId id="270" r:id="rId2"/>
-    <p:sldId id="317" r:id="rId3"/>
-    <p:sldId id="361" r:id="rId4"/>
-    <p:sldId id="356" r:id="rId5"/>
-    <p:sldId id="289" r:id="rId6"/>
-    <p:sldId id="296" r:id="rId7"/>
-    <p:sldId id="271" r:id="rId8"/>
-    <p:sldId id="278" r:id="rId9"/>
-    <p:sldId id="315" r:id="rId10"/>
-    <p:sldId id="353" r:id="rId11"/>
-    <p:sldId id="347" r:id="rId12"/>
-    <p:sldId id="348" r:id="rId13"/>
-    <p:sldId id="349" r:id="rId14"/>
-    <p:sldId id="354" r:id="rId15"/>
-    <p:sldId id="360" r:id="rId16"/>
-    <p:sldId id="358" r:id="rId17"/>
-    <p:sldId id="352" r:id="rId18"/>
-    <p:sldId id="362" r:id="rId19"/>
-    <p:sldId id="363" r:id="rId20"/>
-    <p:sldId id="357" r:id="rId21"/>
-    <p:sldId id="316" r:id="rId22"/>
+    <p:sldId id="270" r:id="rId3"/>
+    <p:sldId id="317" r:id="rId4"/>
+    <p:sldId id="361" r:id="rId5"/>
+    <p:sldId id="356" r:id="rId6"/>
+    <p:sldId id="289" r:id="rId7"/>
+    <p:sldId id="296" r:id="rId8"/>
+    <p:sldId id="271" r:id="rId9"/>
+    <p:sldId id="278" r:id="rId10"/>
+    <p:sldId id="315" r:id="rId11"/>
+    <p:sldId id="353" r:id="rId12"/>
+    <p:sldId id="347" r:id="rId13"/>
+    <p:sldId id="348" r:id="rId14"/>
+    <p:sldId id="349" r:id="rId15"/>
+    <p:sldId id="354" r:id="rId16"/>
+    <p:sldId id="360" r:id="rId17"/>
+    <p:sldId id="364" r:id="rId18"/>
+    <p:sldId id="358" r:id="rId19"/>
+    <p:sldId id="352" r:id="rId20"/>
+    <p:sldId id="362" r:id="rId21"/>
+    <p:sldId id="363" r:id="rId22"/>
+    <p:sldId id="365" r:id="rId23"/>
+    <p:sldId id="357" r:id="rId24"/>
+    <p:sldId id="316" r:id="rId25"/>
   </p:sldIdLst>
   <p:sldSz cx="12192000" cy="6858000"/>
   <p:notesSz cx="6858000" cy="9144000"/>
@@ -141,6 +144,9 @@
           </p15:clr>
         </p15:guide>
       </p15:sldGuideLst>
+    </p:ext>
+    <p:ext uri="{2D200454-40CA-4A62-9FC3-DE9A4176ACB9}">
+      <p15:notesGuideLst xmlns:p15="http://schemas.microsoft.com/office/powerpoint/2012/main"/>
     </p:ext>
   </p:extLst>
 </p:presentation>
@@ -631,6 +637,192 @@
 </p:sldLayout>
 </file>
 
+<file path=ppt/slideLayouts/slideLayout10.xml><?xml version="1.0" encoding="utf-8"?>
+<p:sldLayout xmlns:a="http://schemas.openxmlformats.org/drawingml/2006/main" xmlns:r="http://schemas.openxmlformats.org/officeDocument/2006/relationships" xmlns:p="http://schemas.openxmlformats.org/presentationml/2006/main" preserve="1" userDrawn="1">
+  <p:cSld name="12_Contents slide layout">
+    <p:bg>
+      <p:bgPr>
+        <a:blipFill dpi="0" rotWithShape="1">
+          <a:blip r:embed="rId2">
+            <a:lum/>
+          </a:blip>
+          <a:srcRect/>
+          <a:stretch>
+            <a:fillRect/>
+          </a:stretch>
+        </a:blipFill>
+        <a:effectLst/>
+      </p:bgPr>
+    </p:bg>
+    <p:spTree>
+      <p:nvGrpSpPr>
+        <p:cNvPr id="1" name=""/>
+        <p:cNvGrpSpPr/>
+        <p:nvPr/>
+      </p:nvGrpSpPr>
+      <p:grpSpPr>
+        <a:xfrm>
+          <a:off x="0" y="0"/>
+          <a:ext cx="0" cy="0"/>
+          <a:chOff x="0" y="0"/>
+          <a:chExt cx="0" cy="0"/>
+        </a:xfrm>
+      </p:grpSpPr>
+    </p:spTree>
+    <p:extLst>
+      <p:ext uri="{BB962C8B-B14F-4D97-AF65-F5344CB8AC3E}">
+        <p14:creationId xmlns:p14="http://schemas.microsoft.com/office/powerpoint/2010/main" val="3073143177"/>
+      </p:ext>
+    </p:extLst>
+  </p:cSld>
+  <p:clrMapOvr>
+    <a:masterClrMapping/>
+  </p:clrMapOvr>
+</p:sldLayout>
+</file>
+
+<file path=ppt/slideLayouts/slideLayout11.xml><?xml version="1.0" encoding="utf-8"?>
+<p:sldLayout xmlns:a="http://schemas.openxmlformats.org/drawingml/2006/main" xmlns:r="http://schemas.openxmlformats.org/officeDocument/2006/relationships" xmlns:p="http://schemas.openxmlformats.org/presentationml/2006/main" preserve="1" userDrawn="1">
+  <p:cSld name="13_Contents slide layout">
+    <p:bg>
+      <p:bgPr>
+        <a:blipFill dpi="0" rotWithShape="1">
+          <a:blip r:embed="rId2">
+            <a:lum/>
+          </a:blip>
+          <a:srcRect/>
+          <a:stretch>
+            <a:fillRect/>
+          </a:stretch>
+        </a:blipFill>
+        <a:effectLst/>
+      </p:bgPr>
+    </p:bg>
+    <p:spTree>
+      <p:nvGrpSpPr>
+        <p:cNvPr id="1" name=""/>
+        <p:cNvGrpSpPr/>
+        <p:nvPr/>
+      </p:nvGrpSpPr>
+      <p:grpSpPr>
+        <a:xfrm>
+          <a:off x="0" y="0"/>
+          <a:ext cx="0" cy="0"/>
+          <a:chOff x="0" y="0"/>
+          <a:chExt cx="0" cy="0"/>
+        </a:xfrm>
+      </p:grpSpPr>
+    </p:spTree>
+    <p:extLst>
+      <p:ext uri="{BB962C8B-B14F-4D97-AF65-F5344CB8AC3E}">
+        <p14:creationId xmlns:p14="http://schemas.microsoft.com/office/powerpoint/2010/main" val="1008435800"/>
+      </p:ext>
+    </p:extLst>
+  </p:cSld>
+  <p:clrMapOvr>
+    <a:masterClrMapping/>
+  </p:clrMapOvr>
+</p:sldLayout>
+</file>
+
+<file path=ppt/slideLayouts/slideLayout12.xml><?xml version="1.0" encoding="utf-8"?>
+<p:sldLayout xmlns:a="http://schemas.openxmlformats.org/drawingml/2006/main" xmlns:r="http://schemas.openxmlformats.org/officeDocument/2006/relationships" xmlns:p="http://schemas.openxmlformats.org/presentationml/2006/main" preserve="1" userDrawn="1">
+  <p:cSld name="16_Contents slide layout">
+    <p:bg>
+      <p:bgPr>
+        <a:blipFill dpi="0" rotWithShape="1">
+          <a:blip r:embed="rId2">
+            <a:lum/>
+          </a:blip>
+          <a:srcRect/>
+          <a:stretch>
+            <a:fillRect/>
+          </a:stretch>
+        </a:blipFill>
+        <a:effectLst/>
+      </p:bgPr>
+    </p:bg>
+    <p:spTree>
+      <p:nvGrpSpPr>
+        <p:cNvPr id="1" name=""/>
+        <p:cNvGrpSpPr/>
+        <p:nvPr/>
+      </p:nvGrpSpPr>
+      <p:grpSpPr>
+        <a:xfrm>
+          <a:off x="0" y="0"/>
+          <a:ext cx="0" cy="0"/>
+          <a:chOff x="0" y="0"/>
+          <a:chExt cx="0" cy="0"/>
+        </a:xfrm>
+      </p:grpSpPr>
+      <p:sp>
+        <p:nvSpPr>
+          <p:cNvPr id="2" name="Rectangle 1">
+            <a:extLst>
+              <a:ext uri="{FF2B5EF4-FFF2-40B4-BE49-F238E27FC236}">
+                <a16:creationId xmlns:a16="http://schemas.microsoft.com/office/drawing/2014/main" id="{CC5B47D6-DAD7-40A6-BD10-CD2FABB13213}"/>
+              </a:ext>
+            </a:extLst>
+          </p:cNvPr>
+          <p:cNvSpPr/>
+          <p:nvPr userDrawn="1"/>
+        </p:nvSpPr>
+        <p:spPr>
+          <a:xfrm>
+            <a:off x="0" y="0"/>
+            <a:ext cx="12192000" cy="6858000"/>
+          </a:xfrm>
+          <a:prstGeom prst="rect">
+            <a:avLst/>
+          </a:prstGeom>
+          <a:solidFill>
+            <a:schemeClr val="tx1">
+              <a:alpha val="70000"/>
+            </a:schemeClr>
+          </a:solidFill>
+          <a:ln>
+            <a:noFill/>
+          </a:ln>
+        </p:spPr>
+        <p:style>
+          <a:lnRef idx="2">
+            <a:schemeClr val="accent1">
+              <a:shade val="50000"/>
+            </a:schemeClr>
+          </a:lnRef>
+          <a:fillRef idx="1">
+            <a:schemeClr val="accent1"/>
+          </a:fillRef>
+          <a:effectRef idx="0">
+            <a:schemeClr val="accent1"/>
+          </a:effectRef>
+          <a:fontRef idx="minor">
+            <a:schemeClr val="lt1"/>
+          </a:fontRef>
+        </p:style>
+        <p:txBody>
+          <a:bodyPr rtlCol="0" anchor="ctr"/>
+          <a:lstStyle/>
+          <a:p>
+            <a:pPr algn="ctr"/>
+            <a:endParaRPr lang="ko-KR" altLang="en-US"/>
+          </a:p>
+        </p:txBody>
+      </p:sp>
+    </p:spTree>
+    <p:extLst>
+      <p:ext uri="{BB962C8B-B14F-4D97-AF65-F5344CB8AC3E}">
+        <p14:creationId xmlns:p14="http://schemas.microsoft.com/office/powerpoint/2010/main" val="3225438411"/>
+      </p:ext>
+    </p:extLst>
+  </p:cSld>
+  <p:clrMapOvr>
+    <a:masterClrMapping/>
+  </p:clrMapOvr>
+</p:sldLayout>
+</file>
+
 <file path=ppt/slideLayouts/slideLayout2.xml><?xml version="1.0" encoding="utf-8"?>
 <p:sldLayout xmlns:a="http://schemas.openxmlformats.org/drawingml/2006/main" xmlns:r="http://schemas.openxmlformats.org/officeDocument/2006/relationships" xmlns:p="http://schemas.openxmlformats.org/presentationml/2006/main" preserve="1" userDrawn="1">
   <p:cSld name="End slide layout">
@@ -735,94 +927,6 @@
 
 <file path=ppt/slideLayouts/slideLayout4.xml><?xml version="1.0" encoding="utf-8"?>
 <p:sldLayout xmlns:a="http://schemas.openxmlformats.org/drawingml/2006/main" xmlns:r="http://schemas.openxmlformats.org/officeDocument/2006/relationships" xmlns:p="http://schemas.openxmlformats.org/presentationml/2006/main" userDrawn="1">
-  <p:cSld name="Contents slide layout">
-    <p:spTree>
-      <p:nvGrpSpPr>
-        <p:cNvPr id="1" name=""/>
-        <p:cNvGrpSpPr/>
-        <p:nvPr/>
-      </p:nvGrpSpPr>
-      <p:grpSpPr>
-        <a:xfrm>
-          <a:off x="0" y="0"/>
-          <a:ext cx="0" cy="0"/>
-          <a:chOff x="0" y="0"/>
-          <a:chExt cx="0" cy="0"/>
-        </a:xfrm>
-      </p:grpSpPr>
-      <p:sp>
-        <p:nvSpPr>
-          <p:cNvPr id="2" name="Text Placeholder 9">
-            <a:extLst>
-              <a:ext uri="{FF2B5EF4-FFF2-40B4-BE49-F238E27FC236}">
-                <a16:creationId xmlns:a16="http://schemas.microsoft.com/office/drawing/2014/main" id="{23DE32A5-6181-4C51-AD5C-3F1A448478A1}"/>
-              </a:ext>
-            </a:extLst>
-          </p:cNvPr>
-          <p:cNvSpPr>
-            <a:spLocks noGrp="1"/>
-          </p:cNvSpPr>
-          <p:nvPr>
-            <p:ph type="body" sz="quarter" idx="10" hasCustomPrompt="1"/>
-          </p:nvPr>
-        </p:nvSpPr>
-        <p:spPr>
-          <a:xfrm>
-            <a:off x="323529" y="339509"/>
-            <a:ext cx="11573197" cy="724247"/>
-          </a:xfrm>
-          <a:prstGeom prst="rect">
-            <a:avLst/>
-          </a:prstGeom>
-        </p:spPr>
-        <p:txBody>
-          <a:bodyPr anchor="ctr"/>
-          <a:lstStyle>
-            <a:lvl1pPr marL="0" indent="0" algn="ctr">
-              <a:buNone/>
-              <a:defRPr sz="5400" b="0" baseline="0">
-                <a:solidFill>
-                  <a:schemeClr val="tx1">
-                    <a:lumMod val="85000"/>
-                    <a:lumOff val="15000"/>
-                  </a:schemeClr>
-                </a:solidFill>
-                <a:latin typeface="+mj-lt"/>
-                <a:cs typeface="Arial" pitchFamily="34" charset="0"/>
-              </a:defRPr>
-            </a:lvl1pPr>
-          </a:lstStyle>
-          <a:p>
-            <a:pPr lvl="0"/>
-            <a:r>
-              <a:rPr lang="en-US" altLang="ko-KR" dirty="0"/>
-              <a:t>BASIC LAYOUT</a:t>
-            </a:r>
-          </a:p>
-        </p:txBody>
-      </p:sp>
-    </p:spTree>
-    <p:extLst>
-      <p:ext uri="{BB962C8B-B14F-4D97-AF65-F5344CB8AC3E}">
-        <p14:creationId xmlns:p14="http://schemas.microsoft.com/office/powerpoint/2010/main" val="3669968809"/>
-      </p:ext>
-    </p:extLst>
-  </p:cSld>
-  <p:clrMapOvr>
-    <a:masterClrMapping/>
-  </p:clrMapOvr>
-  <p:timing>
-    <p:tnLst>
-      <p:par>
-        <p:cTn id="1" dur="indefinite" restart="never" nodeType="tmRoot"/>
-      </p:par>
-    </p:tnLst>
-  </p:timing>
-</p:sldLayout>
-</file>
-
-<file path=ppt/slideLayouts/slideLayout5.xml><?xml version="1.0" encoding="utf-8"?>
-<p:sldLayout xmlns:a="http://schemas.openxmlformats.org/drawingml/2006/main" xmlns:r="http://schemas.openxmlformats.org/officeDocument/2006/relationships" xmlns:p="http://schemas.openxmlformats.org/presentationml/2006/main" userDrawn="1">
   <p:cSld name="Section Break Slide layout">
     <p:bg>
       <p:bgPr>
@@ -872,6 +976,412 @@
 </p:sldLayout>
 </file>
 
+<file path=ppt/slideLayouts/slideLayout5.xml><?xml version="1.0" encoding="utf-8"?>
+<p:sldLayout xmlns:a="http://schemas.openxmlformats.org/drawingml/2006/main" xmlns:r="http://schemas.openxmlformats.org/officeDocument/2006/relationships" xmlns:p="http://schemas.openxmlformats.org/presentationml/2006/main" userDrawn="1">
+  <p:cSld name="Contents slide layout">
+    <p:spTree>
+      <p:nvGrpSpPr>
+        <p:cNvPr id="1" name=""/>
+        <p:cNvGrpSpPr/>
+        <p:nvPr/>
+      </p:nvGrpSpPr>
+      <p:grpSpPr>
+        <a:xfrm>
+          <a:off x="0" y="0"/>
+          <a:ext cx="0" cy="0"/>
+          <a:chOff x="0" y="0"/>
+          <a:chExt cx="0" cy="0"/>
+        </a:xfrm>
+      </p:grpSpPr>
+      <p:sp>
+        <p:nvSpPr>
+          <p:cNvPr id="2" name="Text Placeholder 9">
+            <a:extLst>
+              <a:ext uri="{FF2B5EF4-FFF2-40B4-BE49-F238E27FC236}">
+                <a16:creationId xmlns:a16="http://schemas.microsoft.com/office/drawing/2014/main" id="{23DE32A5-6181-4C51-AD5C-3F1A448478A1}"/>
+              </a:ext>
+            </a:extLst>
+          </p:cNvPr>
+          <p:cNvSpPr>
+            <a:spLocks noGrp="1"/>
+          </p:cNvSpPr>
+          <p:nvPr>
+            <p:ph type="body" sz="quarter" idx="10" hasCustomPrompt="1"/>
+          </p:nvPr>
+        </p:nvSpPr>
+        <p:spPr>
+          <a:xfrm>
+            <a:off x="323529" y="339509"/>
+            <a:ext cx="11573197" cy="724247"/>
+          </a:xfrm>
+          <a:prstGeom prst="rect">
+            <a:avLst/>
+          </a:prstGeom>
+        </p:spPr>
+        <p:txBody>
+          <a:bodyPr anchor="ctr"/>
+          <a:lstStyle>
+            <a:lvl1pPr marL="0" indent="0" algn="ctr">
+              <a:buNone/>
+              <a:defRPr sz="5400" b="0" baseline="0">
+                <a:solidFill>
+                  <a:schemeClr val="tx1">
+                    <a:lumMod val="85000"/>
+                    <a:lumOff val="15000"/>
+                  </a:schemeClr>
+                </a:solidFill>
+                <a:latin typeface="+mj-lt"/>
+                <a:cs typeface="Arial" pitchFamily="34" charset="0"/>
+              </a:defRPr>
+            </a:lvl1pPr>
+          </a:lstStyle>
+          <a:p>
+            <a:pPr lvl="0"/>
+            <a:r>
+              <a:rPr lang="en-US" altLang="ko-KR" dirty="0"/>
+              <a:t>BASIC LAYOUT</a:t>
+            </a:r>
+          </a:p>
+        </p:txBody>
+      </p:sp>
+    </p:spTree>
+    <p:extLst>
+      <p:ext uri="{BB962C8B-B14F-4D97-AF65-F5344CB8AC3E}">
+        <p14:creationId xmlns:p14="http://schemas.microsoft.com/office/powerpoint/2010/main" val="3669968809"/>
+      </p:ext>
+    </p:extLst>
+  </p:cSld>
+  <p:clrMapOvr>
+    <a:masterClrMapping/>
+  </p:clrMapOvr>
+  <p:timing>
+    <p:tnLst>
+      <p:par>
+        <p:cTn id="1" dur="indefinite" restart="never" nodeType="tmRoot"/>
+      </p:par>
+    </p:tnLst>
+  </p:timing>
+</p:sldLayout>
+</file>
+
+<file path=ppt/slideLayouts/slideLayout6.xml><?xml version="1.0" encoding="utf-8"?>
+<p:sldLayout xmlns:a="http://schemas.openxmlformats.org/drawingml/2006/main" xmlns:r="http://schemas.openxmlformats.org/officeDocument/2006/relationships" xmlns:p="http://schemas.openxmlformats.org/presentationml/2006/main" userDrawn="1">
+  <p:cSld name="32_Images &amp; Contents">
+    <p:spTree>
+      <p:nvGrpSpPr>
+        <p:cNvPr id="1" name=""/>
+        <p:cNvGrpSpPr/>
+        <p:nvPr/>
+      </p:nvGrpSpPr>
+      <p:grpSpPr>
+        <a:xfrm>
+          <a:off x="0" y="0"/>
+          <a:ext cx="0" cy="0"/>
+          <a:chOff x="0" y="0"/>
+          <a:chExt cx="0" cy="0"/>
+        </a:xfrm>
+      </p:grpSpPr>
+      <p:sp>
+        <p:nvSpPr>
+          <p:cNvPr id="8" name="그림 개체 틀 7">
+            <a:extLst>
+              <a:ext uri="{FF2B5EF4-FFF2-40B4-BE49-F238E27FC236}">
+                <a16:creationId xmlns:a16="http://schemas.microsoft.com/office/drawing/2014/main" id="{3CD10489-647D-4424-92F3-2E31185A69B8}"/>
+              </a:ext>
+            </a:extLst>
+          </p:cNvPr>
+          <p:cNvSpPr>
+            <a:spLocks noGrp="1"/>
+          </p:cNvSpPr>
+          <p:nvPr>
+            <p:ph type="pic" sz="quarter" idx="10" hasCustomPrompt="1"/>
+          </p:nvPr>
+        </p:nvSpPr>
+        <p:spPr>
+          <a:xfrm>
+            <a:off x="4227514" y="0"/>
+            <a:ext cx="7964489" cy="6858000"/>
+          </a:xfrm>
+          <a:custGeom>
+            <a:avLst/>
+            <a:gdLst>
+              <a:gd name="connsiteX0" fmla="*/ 7895557 w 7964489"/>
+              <a:gd name="connsiteY0" fmla="*/ 1035541 h 6858000"/>
+              <a:gd name="connsiteX1" fmla="*/ 6561027 w 7964489"/>
+              <a:gd name="connsiteY1" fmla="*/ 6858000 h 6858000"/>
+              <a:gd name="connsiteX2" fmla="*/ 3421268 w 7964489"/>
+              <a:gd name="connsiteY2" fmla="*/ 6858000 h 6858000"/>
+              <a:gd name="connsiteX3" fmla="*/ 4816845 w 7964489"/>
+              <a:gd name="connsiteY3" fmla="*/ 380744 h 6858000"/>
+              <a:gd name="connsiteX4" fmla="*/ 3224260 w 7964489"/>
+              <a:gd name="connsiteY4" fmla="*/ 6858000 h 6858000"/>
+              <a:gd name="connsiteX5" fmla="*/ 0 w 7964489"/>
+              <a:gd name="connsiteY5" fmla="*/ 6858000 h 6858000"/>
+              <a:gd name="connsiteX6" fmla="*/ 5167647 w 7964489"/>
+              <a:gd name="connsiteY6" fmla="*/ 0 h 6858000"/>
+              <a:gd name="connsiteX7" fmla="*/ 7964489 w 7964489"/>
+              <a:gd name="connsiteY7" fmla="*/ 0 h 6858000"/>
+              <a:gd name="connsiteX8" fmla="*/ 7964489 w 7964489"/>
+              <a:gd name="connsiteY8" fmla="*/ 581734 h 6858000"/>
+              <a:gd name="connsiteX9" fmla="*/ 3748483 w 7964489"/>
+              <a:gd name="connsiteY9" fmla="*/ 5982679 h 6858000"/>
+            </a:gdLst>
+            <a:ahLst/>
+            <a:cxnLst>
+              <a:cxn ang="0">
+                <a:pos x="connsiteX0" y="connsiteY0"/>
+              </a:cxn>
+              <a:cxn ang="0">
+                <a:pos x="connsiteX1" y="connsiteY1"/>
+              </a:cxn>
+              <a:cxn ang="0">
+                <a:pos x="connsiteX2" y="connsiteY2"/>
+              </a:cxn>
+              <a:cxn ang="0">
+                <a:pos x="connsiteX3" y="connsiteY3"/>
+              </a:cxn>
+              <a:cxn ang="0">
+                <a:pos x="connsiteX4" y="connsiteY4"/>
+              </a:cxn>
+              <a:cxn ang="0">
+                <a:pos x="connsiteX5" y="connsiteY5"/>
+              </a:cxn>
+              <a:cxn ang="0">
+                <a:pos x="connsiteX6" y="connsiteY6"/>
+              </a:cxn>
+              <a:cxn ang="0">
+                <a:pos x="connsiteX7" y="connsiteY7"/>
+              </a:cxn>
+              <a:cxn ang="0">
+                <a:pos x="connsiteX8" y="connsiteY8"/>
+              </a:cxn>
+              <a:cxn ang="0">
+                <a:pos x="connsiteX9" y="connsiteY9"/>
+              </a:cxn>
+            </a:cxnLst>
+            <a:rect l="l" t="t" r="r" b="b"/>
+            <a:pathLst>
+              <a:path w="7964489" h="6858000">
+                <a:moveTo>
+                  <a:pt x="7895557" y="1035541"/>
+                </a:moveTo>
+                <a:lnTo>
+                  <a:pt x="6561027" y="6858000"/>
+                </a:lnTo>
+                <a:lnTo>
+                  <a:pt x="3421268" y="6858000"/>
+                </a:lnTo>
+                <a:close/>
+                <a:moveTo>
+                  <a:pt x="4816845" y="380744"/>
+                </a:moveTo>
+                <a:lnTo>
+                  <a:pt x="3224260" y="6858000"/>
+                </a:lnTo>
+                <a:lnTo>
+                  <a:pt x="0" y="6858000"/>
+                </a:lnTo>
+                <a:close/>
+                <a:moveTo>
+                  <a:pt x="5167647" y="0"/>
+                </a:moveTo>
+                <a:lnTo>
+                  <a:pt x="7964489" y="0"/>
+                </a:lnTo>
+                <a:lnTo>
+                  <a:pt x="7964489" y="581734"/>
+                </a:lnTo>
+                <a:lnTo>
+                  <a:pt x="3748483" y="5982679"/>
+                </a:lnTo>
+                <a:close/>
+              </a:path>
+            </a:pathLst>
+          </a:custGeom>
+          <a:solidFill>
+            <a:schemeClr val="bg1">
+              <a:lumMod val="95000"/>
+            </a:schemeClr>
+          </a:solidFill>
+          <a:effectLst/>
+        </p:spPr>
+        <p:txBody>
+          <a:bodyPr wrap="square" anchor="ctr">
+            <a:noAutofit/>
+          </a:bodyPr>
+          <a:lstStyle>
+            <a:lvl1pPr marL="0" marR="0" indent="0" algn="ctr" defTabSz="914446" rtl="0" eaLnBrk="1" fontAlgn="auto" latinLnBrk="1" hangingPunct="1">
+              <a:lnSpc>
+                <a:spcPct val="90000"/>
+              </a:lnSpc>
+              <a:spcBef>
+                <a:spcPts val="1000"/>
+              </a:spcBef>
+              <a:spcAft>
+                <a:spcPts val="0"/>
+              </a:spcAft>
+              <a:buClrTx/>
+              <a:buSzTx/>
+              <a:buFontTx/>
+              <a:buNone/>
+              <a:tabLst/>
+              <a:defRPr sz="1200"/>
+            </a:lvl1pPr>
+          </a:lstStyle>
+          <a:p>
+            <a:r>
+              <a:rPr lang="en-US" altLang="ko-KR" dirty="0"/>
+              <a:t>Your Picture Here</a:t>
+            </a:r>
+            <a:endParaRPr lang="ko-KR" altLang="en-US" dirty="0"/>
+          </a:p>
+        </p:txBody>
+      </p:sp>
+    </p:spTree>
+    <p:extLst>
+      <p:ext uri="{BB962C8B-B14F-4D97-AF65-F5344CB8AC3E}">
+        <p14:creationId xmlns:p14="http://schemas.microsoft.com/office/powerpoint/2010/main" val="3031107722"/>
+      </p:ext>
+    </p:extLst>
+  </p:cSld>
+  <p:clrMapOvr>
+    <a:masterClrMapping/>
+  </p:clrMapOvr>
+</p:sldLayout>
+</file>
+
+<file path=ppt/slideLayouts/slideLayout7.xml><?xml version="1.0" encoding="utf-8"?>
+<p:sldLayout xmlns:a="http://schemas.openxmlformats.org/drawingml/2006/main" xmlns:r="http://schemas.openxmlformats.org/officeDocument/2006/relationships" xmlns:p="http://schemas.openxmlformats.org/presentationml/2006/main" preserve="1" userDrawn="1">
+  <p:cSld name="9_Contents slide layout">
+    <p:bg>
+      <p:bgPr>
+        <a:blipFill dpi="0" rotWithShape="1">
+          <a:blip r:embed="rId2">
+            <a:lum/>
+          </a:blip>
+          <a:srcRect/>
+          <a:stretch>
+            <a:fillRect/>
+          </a:stretch>
+        </a:blipFill>
+        <a:effectLst/>
+      </p:bgPr>
+    </p:bg>
+    <p:spTree>
+      <p:nvGrpSpPr>
+        <p:cNvPr id="1" name=""/>
+        <p:cNvGrpSpPr/>
+        <p:nvPr/>
+      </p:nvGrpSpPr>
+      <p:grpSpPr>
+        <a:xfrm>
+          <a:off x="0" y="0"/>
+          <a:ext cx="0" cy="0"/>
+          <a:chOff x="0" y="0"/>
+          <a:chExt cx="0" cy="0"/>
+        </a:xfrm>
+      </p:grpSpPr>
+    </p:spTree>
+    <p:extLst>
+      <p:ext uri="{BB962C8B-B14F-4D97-AF65-F5344CB8AC3E}">
+        <p14:creationId xmlns:p14="http://schemas.microsoft.com/office/powerpoint/2010/main" val="430094301"/>
+      </p:ext>
+    </p:extLst>
+  </p:cSld>
+  <p:clrMapOvr>
+    <a:masterClrMapping/>
+  </p:clrMapOvr>
+</p:sldLayout>
+</file>
+
+<file path=ppt/slideLayouts/slideLayout8.xml><?xml version="1.0" encoding="utf-8"?>
+<p:sldLayout xmlns:a="http://schemas.openxmlformats.org/drawingml/2006/main" xmlns:r="http://schemas.openxmlformats.org/officeDocument/2006/relationships" xmlns:p="http://schemas.openxmlformats.org/presentationml/2006/main" preserve="1" userDrawn="1">
+  <p:cSld name="15_Contents slide layout">
+    <p:bg>
+      <p:bgPr>
+        <a:blipFill dpi="0" rotWithShape="1">
+          <a:blip r:embed="rId2">
+            <a:lum/>
+          </a:blip>
+          <a:srcRect/>
+          <a:stretch>
+            <a:fillRect/>
+          </a:stretch>
+        </a:blipFill>
+        <a:effectLst/>
+      </p:bgPr>
+    </p:bg>
+    <p:spTree>
+      <p:nvGrpSpPr>
+        <p:cNvPr id="1" name=""/>
+        <p:cNvGrpSpPr/>
+        <p:nvPr/>
+      </p:nvGrpSpPr>
+      <p:grpSpPr>
+        <a:xfrm>
+          <a:off x="0" y="0"/>
+          <a:ext cx="0" cy="0"/>
+          <a:chOff x="0" y="0"/>
+          <a:chExt cx="0" cy="0"/>
+        </a:xfrm>
+      </p:grpSpPr>
+    </p:spTree>
+    <p:extLst>
+      <p:ext uri="{BB962C8B-B14F-4D97-AF65-F5344CB8AC3E}">
+        <p14:creationId xmlns:p14="http://schemas.microsoft.com/office/powerpoint/2010/main" val="2438535471"/>
+      </p:ext>
+    </p:extLst>
+  </p:cSld>
+  <p:clrMapOvr>
+    <a:overrideClrMapping bg1="lt1" tx1="dk1" bg2="lt2" tx2="dk2" accent1="accent1" accent2="accent2" accent3="accent3" accent4="accent4" accent5="accent5" accent6="accent6" hlink="hlink" folHlink="folHlink"/>
+  </p:clrMapOvr>
+</p:sldLayout>
+</file>
+
+<file path=ppt/slideLayouts/slideLayout9.xml><?xml version="1.0" encoding="utf-8"?>
+<p:sldLayout xmlns:a="http://schemas.openxmlformats.org/drawingml/2006/main" xmlns:r="http://schemas.openxmlformats.org/officeDocument/2006/relationships" xmlns:p="http://schemas.openxmlformats.org/presentationml/2006/main" preserve="1" userDrawn="1">
+  <p:cSld name="11_Contents slide layout">
+    <p:bg>
+      <p:bgPr>
+        <a:blipFill dpi="0" rotWithShape="1">
+          <a:blip r:embed="rId2">
+            <a:lum/>
+          </a:blip>
+          <a:srcRect/>
+          <a:stretch>
+            <a:fillRect/>
+          </a:stretch>
+        </a:blipFill>
+        <a:effectLst/>
+      </p:bgPr>
+    </p:bg>
+    <p:spTree>
+      <p:nvGrpSpPr>
+        <p:cNvPr id="1" name=""/>
+        <p:cNvGrpSpPr/>
+        <p:nvPr/>
+      </p:nvGrpSpPr>
+      <p:grpSpPr>
+        <a:xfrm>
+          <a:off x="0" y="0"/>
+          <a:ext cx="0" cy="0"/>
+          <a:chOff x="0" y="0"/>
+          <a:chExt cx="0" cy="0"/>
+        </a:xfrm>
+      </p:grpSpPr>
+    </p:spTree>
+    <p:extLst>
+      <p:ext uri="{BB962C8B-B14F-4D97-AF65-F5344CB8AC3E}">
+        <p14:creationId xmlns:p14="http://schemas.microsoft.com/office/powerpoint/2010/main" val="2632935906"/>
+      </p:ext>
+    </p:extLst>
+  </p:cSld>
+  <p:clrMapOvr>
+    <a:masterClrMapping/>
+  </p:clrMapOvr>
+</p:sldLayout>
+</file>
+
 <file path=ppt/slideMasters/slideMaster1.xml><?xml version="1.0" encoding="utf-8"?>
 <p:sldMaster xmlns:a="http://schemas.openxmlformats.org/drawingml/2006/main" xmlns:r="http://schemas.openxmlformats.org/officeDocument/2006/relationships" xmlns:p="http://schemas.openxmlformats.org/presentationml/2006/main" preserve="1">
   <p:cSld>
@@ -906,8 +1416,9 @@
     <p:sldLayoutId id="2147483652" r:id="rId1"/>
     <p:sldLayoutId id="2147483653" r:id="rId2"/>
     <p:sldLayoutId id="2147483682" r:id="rId3"/>
-    <p:sldLayoutId id="2147483683" r:id="rId4"/>
-    <p:sldLayoutId id="2147483684" r:id="rId5"/>
+    <p:sldLayoutId id="2147483684" r:id="rId4"/>
+    <p:sldLayoutId id="2147483683" r:id="rId5"/>
+    <p:sldLayoutId id="2147483696" r:id="rId6"/>
   </p:sldLayoutIdLst>
   <p:timing>
     <p:tnLst>
@@ -916,6 +1427,327 @@
       </p:par>
     </p:tnLst>
   </p:timing>
+  <p:txStyles>
+    <p:titleStyle>
+      <a:lvl1pPr algn="l" defTabSz="914400" rtl="0" eaLnBrk="1" latinLnBrk="0" hangingPunct="1">
+        <a:lnSpc>
+          <a:spcPct val="90000"/>
+        </a:lnSpc>
+        <a:spcBef>
+          <a:spcPct val="0"/>
+        </a:spcBef>
+        <a:buNone/>
+        <a:defRPr sz="4400" kern="1200">
+          <a:solidFill>
+            <a:schemeClr val="tx1"/>
+          </a:solidFill>
+          <a:latin typeface="+mj-lt"/>
+          <a:ea typeface="+mj-ea"/>
+          <a:cs typeface="+mj-cs"/>
+        </a:defRPr>
+      </a:lvl1pPr>
+    </p:titleStyle>
+    <p:bodyStyle>
+      <a:lvl1pPr marL="228600" indent="-228600" algn="l" defTabSz="914400" rtl="0" eaLnBrk="1" latinLnBrk="0" hangingPunct="1">
+        <a:lnSpc>
+          <a:spcPct val="90000"/>
+        </a:lnSpc>
+        <a:spcBef>
+          <a:spcPts val="1000"/>
+        </a:spcBef>
+        <a:buFont typeface="Arial" panose="020B0604020202020204" pitchFamily="34" charset="0"/>
+        <a:buChar char="•"/>
+        <a:defRPr sz="2800" kern="1200">
+          <a:solidFill>
+            <a:schemeClr val="tx1"/>
+          </a:solidFill>
+          <a:latin typeface="+mn-lt"/>
+          <a:ea typeface="+mn-ea"/>
+          <a:cs typeface="+mn-cs"/>
+        </a:defRPr>
+      </a:lvl1pPr>
+      <a:lvl2pPr marL="685800" indent="-228600" algn="l" defTabSz="914400" rtl="0" eaLnBrk="1" latinLnBrk="0" hangingPunct="1">
+        <a:lnSpc>
+          <a:spcPct val="90000"/>
+        </a:lnSpc>
+        <a:spcBef>
+          <a:spcPts val="500"/>
+        </a:spcBef>
+        <a:buFont typeface="Arial" panose="020B0604020202020204" pitchFamily="34" charset="0"/>
+        <a:buChar char="•"/>
+        <a:defRPr sz="2400" kern="1200">
+          <a:solidFill>
+            <a:schemeClr val="tx1"/>
+          </a:solidFill>
+          <a:latin typeface="+mn-lt"/>
+          <a:ea typeface="+mn-ea"/>
+          <a:cs typeface="+mn-cs"/>
+        </a:defRPr>
+      </a:lvl2pPr>
+      <a:lvl3pPr marL="1143000" indent="-228600" algn="l" defTabSz="914400" rtl="0" eaLnBrk="1" latinLnBrk="0" hangingPunct="1">
+        <a:lnSpc>
+          <a:spcPct val="90000"/>
+        </a:lnSpc>
+        <a:spcBef>
+          <a:spcPts val="500"/>
+        </a:spcBef>
+        <a:buFont typeface="Arial" panose="020B0604020202020204" pitchFamily="34" charset="0"/>
+        <a:buChar char="•"/>
+        <a:defRPr sz="2000" kern="1200">
+          <a:solidFill>
+            <a:schemeClr val="tx1"/>
+          </a:solidFill>
+          <a:latin typeface="+mn-lt"/>
+          <a:ea typeface="+mn-ea"/>
+          <a:cs typeface="+mn-cs"/>
+        </a:defRPr>
+      </a:lvl3pPr>
+      <a:lvl4pPr marL="1600200" indent="-228600" algn="l" defTabSz="914400" rtl="0" eaLnBrk="1" latinLnBrk="0" hangingPunct="1">
+        <a:lnSpc>
+          <a:spcPct val="90000"/>
+        </a:lnSpc>
+        <a:spcBef>
+          <a:spcPts val="500"/>
+        </a:spcBef>
+        <a:buFont typeface="Arial" panose="020B0604020202020204" pitchFamily="34" charset="0"/>
+        <a:buChar char="•"/>
+        <a:defRPr sz="1800" kern="1200">
+          <a:solidFill>
+            <a:schemeClr val="tx1"/>
+          </a:solidFill>
+          <a:latin typeface="+mn-lt"/>
+          <a:ea typeface="+mn-ea"/>
+          <a:cs typeface="+mn-cs"/>
+        </a:defRPr>
+      </a:lvl4pPr>
+      <a:lvl5pPr marL="2057400" indent="-228600" algn="l" defTabSz="914400" rtl="0" eaLnBrk="1" latinLnBrk="0" hangingPunct="1">
+        <a:lnSpc>
+          <a:spcPct val="90000"/>
+        </a:lnSpc>
+        <a:spcBef>
+          <a:spcPts val="500"/>
+        </a:spcBef>
+        <a:buFont typeface="Arial" panose="020B0604020202020204" pitchFamily="34" charset="0"/>
+        <a:buChar char="•"/>
+        <a:defRPr sz="1800" kern="1200">
+          <a:solidFill>
+            <a:schemeClr val="tx1"/>
+          </a:solidFill>
+          <a:latin typeface="+mn-lt"/>
+          <a:ea typeface="+mn-ea"/>
+          <a:cs typeface="+mn-cs"/>
+        </a:defRPr>
+      </a:lvl5pPr>
+      <a:lvl6pPr marL="2514600" indent="-228600" algn="l" defTabSz="914400" rtl="0" eaLnBrk="1" latinLnBrk="0" hangingPunct="1">
+        <a:lnSpc>
+          <a:spcPct val="90000"/>
+        </a:lnSpc>
+        <a:spcBef>
+          <a:spcPts val="500"/>
+        </a:spcBef>
+        <a:buFont typeface="Arial" panose="020B0604020202020204" pitchFamily="34" charset="0"/>
+        <a:buChar char="•"/>
+        <a:defRPr sz="1800" kern="1200">
+          <a:solidFill>
+            <a:schemeClr val="tx1"/>
+          </a:solidFill>
+          <a:latin typeface="+mn-lt"/>
+          <a:ea typeface="+mn-ea"/>
+          <a:cs typeface="+mn-cs"/>
+        </a:defRPr>
+      </a:lvl6pPr>
+      <a:lvl7pPr marL="2971800" indent="-228600" algn="l" defTabSz="914400" rtl="0" eaLnBrk="1" latinLnBrk="0" hangingPunct="1">
+        <a:lnSpc>
+          <a:spcPct val="90000"/>
+        </a:lnSpc>
+        <a:spcBef>
+          <a:spcPts val="500"/>
+        </a:spcBef>
+        <a:buFont typeface="Arial" panose="020B0604020202020204" pitchFamily="34" charset="0"/>
+        <a:buChar char="•"/>
+        <a:defRPr sz="1800" kern="1200">
+          <a:solidFill>
+            <a:schemeClr val="tx1"/>
+          </a:solidFill>
+          <a:latin typeface="+mn-lt"/>
+          <a:ea typeface="+mn-ea"/>
+          <a:cs typeface="+mn-cs"/>
+        </a:defRPr>
+      </a:lvl7pPr>
+      <a:lvl8pPr marL="3429000" indent="-228600" algn="l" defTabSz="914400" rtl="0" eaLnBrk="1" latinLnBrk="0" hangingPunct="1">
+        <a:lnSpc>
+          <a:spcPct val="90000"/>
+        </a:lnSpc>
+        <a:spcBef>
+          <a:spcPts val="500"/>
+        </a:spcBef>
+        <a:buFont typeface="Arial" panose="020B0604020202020204" pitchFamily="34" charset="0"/>
+        <a:buChar char="•"/>
+        <a:defRPr sz="1800" kern="1200">
+          <a:solidFill>
+            <a:schemeClr val="tx1"/>
+          </a:solidFill>
+          <a:latin typeface="+mn-lt"/>
+          <a:ea typeface="+mn-ea"/>
+          <a:cs typeface="+mn-cs"/>
+        </a:defRPr>
+      </a:lvl8pPr>
+      <a:lvl9pPr marL="3886200" indent="-228600" algn="l" defTabSz="914400" rtl="0" eaLnBrk="1" latinLnBrk="0" hangingPunct="1">
+        <a:lnSpc>
+          <a:spcPct val="90000"/>
+        </a:lnSpc>
+        <a:spcBef>
+          <a:spcPts val="500"/>
+        </a:spcBef>
+        <a:buFont typeface="Arial" panose="020B0604020202020204" pitchFamily="34" charset="0"/>
+        <a:buChar char="•"/>
+        <a:defRPr sz="1800" kern="1200">
+          <a:solidFill>
+            <a:schemeClr val="tx1"/>
+          </a:solidFill>
+          <a:latin typeface="+mn-lt"/>
+          <a:ea typeface="+mn-ea"/>
+          <a:cs typeface="+mn-cs"/>
+        </a:defRPr>
+      </a:lvl9pPr>
+    </p:bodyStyle>
+    <p:otherStyle>
+      <a:defPPr>
+        <a:defRPr lang="en-US"/>
+      </a:defPPr>
+      <a:lvl1pPr marL="0" algn="l" defTabSz="914400" rtl="0" eaLnBrk="1" latinLnBrk="0" hangingPunct="1">
+        <a:defRPr sz="1800" kern="1200">
+          <a:solidFill>
+            <a:schemeClr val="tx1"/>
+          </a:solidFill>
+          <a:latin typeface="+mn-lt"/>
+          <a:ea typeface="+mn-ea"/>
+          <a:cs typeface="+mn-cs"/>
+        </a:defRPr>
+      </a:lvl1pPr>
+      <a:lvl2pPr marL="457200" algn="l" defTabSz="914400" rtl="0" eaLnBrk="1" latinLnBrk="0" hangingPunct="1">
+        <a:defRPr sz="1800" kern="1200">
+          <a:solidFill>
+            <a:schemeClr val="tx1"/>
+          </a:solidFill>
+          <a:latin typeface="+mn-lt"/>
+          <a:ea typeface="+mn-ea"/>
+          <a:cs typeface="+mn-cs"/>
+        </a:defRPr>
+      </a:lvl2pPr>
+      <a:lvl3pPr marL="914400" algn="l" defTabSz="914400" rtl="0" eaLnBrk="1" latinLnBrk="0" hangingPunct="1">
+        <a:defRPr sz="1800" kern="1200">
+          <a:solidFill>
+            <a:schemeClr val="tx1"/>
+          </a:solidFill>
+          <a:latin typeface="+mn-lt"/>
+          <a:ea typeface="+mn-ea"/>
+          <a:cs typeface="+mn-cs"/>
+        </a:defRPr>
+      </a:lvl3pPr>
+      <a:lvl4pPr marL="1371600" algn="l" defTabSz="914400" rtl="0" eaLnBrk="1" latinLnBrk="0" hangingPunct="1">
+        <a:defRPr sz="1800" kern="1200">
+          <a:solidFill>
+            <a:schemeClr val="tx1"/>
+          </a:solidFill>
+          <a:latin typeface="+mn-lt"/>
+          <a:ea typeface="+mn-ea"/>
+          <a:cs typeface="+mn-cs"/>
+        </a:defRPr>
+      </a:lvl4pPr>
+      <a:lvl5pPr marL="1828800" algn="l" defTabSz="914400" rtl="0" eaLnBrk="1" latinLnBrk="0" hangingPunct="1">
+        <a:defRPr sz="1800" kern="1200">
+          <a:solidFill>
+            <a:schemeClr val="tx1"/>
+          </a:solidFill>
+          <a:latin typeface="+mn-lt"/>
+          <a:ea typeface="+mn-ea"/>
+          <a:cs typeface="+mn-cs"/>
+        </a:defRPr>
+      </a:lvl5pPr>
+      <a:lvl6pPr marL="2286000" algn="l" defTabSz="914400" rtl="0" eaLnBrk="1" latinLnBrk="0" hangingPunct="1">
+        <a:defRPr sz="1800" kern="1200">
+          <a:solidFill>
+            <a:schemeClr val="tx1"/>
+          </a:solidFill>
+          <a:latin typeface="+mn-lt"/>
+          <a:ea typeface="+mn-ea"/>
+          <a:cs typeface="+mn-cs"/>
+        </a:defRPr>
+      </a:lvl6pPr>
+      <a:lvl7pPr marL="2743200" algn="l" defTabSz="914400" rtl="0" eaLnBrk="1" latinLnBrk="0" hangingPunct="1">
+        <a:defRPr sz="1800" kern="1200">
+          <a:solidFill>
+            <a:schemeClr val="tx1"/>
+          </a:solidFill>
+          <a:latin typeface="+mn-lt"/>
+          <a:ea typeface="+mn-ea"/>
+          <a:cs typeface="+mn-cs"/>
+        </a:defRPr>
+      </a:lvl7pPr>
+      <a:lvl8pPr marL="3200400" algn="l" defTabSz="914400" rtl="0" eaLnBrk="1" latinLnBrk="0" hangingPunct="1">
+        <a:defRPr sz="1800" kern="1200">
+          <a:solidFill>
+            <a:schemeClr val="tx1"/>
+          </a:solidFill>
+          <a:latin typeface="+mn-lt"/>
+          <a:ea typeface="+mn-ea"/>
+          <a:cs typeface="+mn-cs"/>
+        </a:defRPr>
+      </a:lvl8pPr>
+      <a:lvl9pPr marL="3657600" algn="l" defTabSz="914400" rtl="0" eaLnBrk="1" latinLnBrk="0" hangingPunct="1">
+        <a:defRPr sz="1800" kern="1200">
+          <a:solidFill>
+            <a:schemeClr val="tx1"/>
+          </a:solidFill>
+          <a:latin typeface="+mn-lt"/>
+          <a:ea typeface="+mn-ea"/>
+          <a:cs typeface="+mn-cs"/>
+        </a:defRPr>
+      </a:lvl9pPr>
+    </p:otherStyle>
+  </p:txStyles>
+</p:sldMaster>
+</file>
+
+<file path=ppt/slideMasters/slideMaster2.xml><?xml version="1.0" encoding="utf-8"?>
+<p:sldMaster xmlns:a="http://schemas.openxmlformats.org/drawingml/2006/main" xmlns:r="http://schemas.openxmlformats.org/officeDocument/2006/relationships" xmlns:p="http://schemas.openxmlformats.org/presentationml/2006/main" preserve="1">
+  <p:cSld>
+    <p:bg>
+      <p:bgRef idx="1001">
+        <a:schemeClr val="bg1"/>
+      </p:bgRef>
+    </p:bg>
+    <p:spTree>
+      <p:nvGrpSpPr>
+        <p:cNvPr id="1" name=""/>
+        <p:cNvGrpSpPr/>
+        <p:nvPr/>
+      </p:nvGrpSpPr>
+      <p:grpSpPr>
+        <a:xfrm>
+          <a:off x="0" y="0"/>
+          <a:ext cx="0" cy="0"/>
+          <a:chOff x="0" y="0"/>
+          <a:chExt cx="0" cy="0"/>
+        </a:xfrm>
+      </p:grpSpPr>
+    </p:spTree>
+    <p:extLst>
+      <p:ext uri="{BB962C8B-B14F-4D97-AF65-F5344CB8AC3E}">
+        <p14:creationId xmlns:p14="http://schemas.microsoft.com/office/powerpoint/2010/main" val="2130279741"/>
+      </p:ext>
+    </p:extLst>
+  </p:cSld>
+  <p:clrMap bg1="lt1" tx1="dk1" bg2="lt2" tx2="dk2" accent1="accent1" accent2="accent2" accent3="accent3" accent4="accent4" accent5="accent5" accent6="accent6" hlink="hlink" folHlink="folHlink"/>
+  <p:sldLayoutIdLst>
+    <p:sldLayoutId id="2147483689" r:id="rId1"/>
+    <p:sldLayoutId id="2147483690" r:id="rId2"/>
+    <p:sldLayoutId id="2147483691" r:id="rId3"/>
+    <p:sldLayoutId id="2147483692" r:id="rId4"/>
+    <p:sldLayoutId id="2147483693" r:id="rId5"/>
+    <p:sldLayoutId id="2147483695" r:id="rId6"/>
+  </p:sldLayoutIdLst>
   <p:txStyles>
     <p:titleStyle>
       <a:lvl1pPr algn="l" defTabSz="914400" rtl="0" eaLnBrk="1" latinLnBrk="0" hangingPunct="1">
@@ -2694,7 +3526,7 @@
                 <a:hlinkClick r:id="rId3">
                   <a:extLst>
                     <a:ext uri="{A12FA001-AC4F-418D-AE19-62706E023703}">
-                      <ahyp:hlinkClr xmlns="" xmlns:ahyp="http://schemas.microsoft.com/office/drawing/2018/hyperlinkcolor" val="tx"/>
+                      <ahyp:hlinkClr xmlns:ahyp="http://schemas.microsoft.com/office/drawing/2018/hyperlinkcolor" xmlns="" val="tx"/>
                     </a:ext>
                   </a:extLst>
                 </a:hlinkClick>
@@ -3593,6 +4425,62 @@
       </p:grpSpPr>
       <p:sp>
         <p:nvSpPr>
+          <p:cNvPr id="21" name="Rectangle à coins arrondis 20">
+            <a:extLst>
+              <a:ext uri="{FF2B5EF4-FFF2-40B4-BE49-F238E27FC236}">
+                <a16:creationId xmlns:a16="http://schemas.microsoft.com/office/drawing/2014/main" id="{B04823C5-AAD3-4FB3-A25D-C238181A022C}"/>
+              </a:ext>
+            </a:extLst>
+          </p:cNvPr>
+          <p:cNvSpPr/>
+          <p:nvPr/>
+        </p:nvSpPr>
+        <p:spPr>
+          <a:xfrm>
+            <a:off x="824887" y="1632016"/>
+            <a:ext cx="11094563" cy="1573514"/>
+          </a:xfrm>
+          <a:prstGeom prst="roundRect">
+            <a:avLst/>
+          </a:prstGeom>
+          <a:solidFill>
+            <a:schemeClr val="dk1">
+              <a:alpha val="50000"/>
+            </a:schemeClr>
+          </a:solidFill>
+          <a:ln>
+            <a:solidFill>
+              <a:schemeClr val="bg1">
+                <a:lumMod val="65000"/>
+              </a:schemeClr>
+            </a:solidFill>
+          </a:ln>
+        </p:spPr>
+        <p:style>
+          <a:lnRef idx="0">
+            <a:scrgbClr r="0" g="0" b="0"/>
+          </a:lnRef>
+          <a:fillRef idx="0">
+            <a:scrgbClr r="0" g="0" b="0"/>
+          </a:fillRef>
+          <a:effectRef idx="0">
+            <a:scrgbClr r="0" g="0" b="0"/>
+          </a:effectRef>
+          <a:fontRef idx="minor">
+            <a:schemeClr val="lt1"/>
+          </a:fontRef>
+        </p:style>
+        <p:txBody>
+          <a:bodyPr rtlCol="0" anchor="ctr"/>
+          <a:lstStyle/>
+          <a:p>
+            <a:pPr algn="ctr"/>
+            <a:endParaRPr lang="en-US"/>
+          </a:p>
+        </p:txBody>
+      </p:sp>
+      <p:sp>
+        <p:nvSpPr>
           <p:cNvPr id="18" name="Rectangle: Rounded Corners 19">
             <a:extLst>
               <a:ext uri="{FF2B5EF4-FFF2-40B4-BE49-F238E27FC236}">
@@ -5221,7 +6109,7 @@
         </p:nvSpPr>
         <p:spPr>
           <a:xfrm>
-            <a:off x="7960568" y="2859308"/>
+            <a:off x="9133386" y="3813466"/>
             <a:ext cx="2242453" cy="605846"/>
           </a:xfrm>
           <a:prstGeom prst="roundRect">
@@ -5283,7 +6171,7 @@
         </p:nvSpPr>
         <p:spPr>
           <a:xfrm>
-            <a:off x="8025881" y="3020204"/>
+            <a:off x="9198699" y="3974362"/>
             <a:ext cx="2111826" cy="276999"/>
           </a:xfrm>
           <a:prstGeom prst="rect">
@@ -5380,6 +6268,62 @@
           <a:chExt cx="0" cy="0"/>
         </a:xfrm>
       </p:grpSpPr>
+      <p:sp>
+        <p:nvSpPr>
+          <p:cNvPr id="11" name="Rectangle à coins arrondis 10">
+            <a:extLst>
+              <a:ext uri="{FF2B5EF4-FFF2-40B4-BE49-F238E27FC236}">
+                <a16:creationId xmlns:a16="http://schemas.microsoft.com/office/drawing/2014/main" id="{B04823C5-AAD3-4FB3-A25D-C238181A022C}"/>
+              </a:ext>
+            </a:extLst>
+          </p:cNvPr>
+          <p:cNvSpPr/>
+          <p:nvPr/>
+        </p:nvSpPr>
+        <p:spPr>
+          <a:xfrm>
+            <a:off x="789998" y="1541918"/>
+            <a:ext cx="10242437" cy="833534"/>
+          </a:xfrm>
+          <a:prstGeom prst="roundRect">
+            <a:avLst/>
+          </a:prstGeom>
+          <a:solidFill>
+            <a:schemeClr val="dk1">
+              <a:alpha val="50000"/>
+            </a:schemeClr>
+          </a:solidFill>
+          <a:ln>
+            <a:solidFill>
+              <a:schemeClr val="bg1">
+                <a:lumMod val="65000"/>
+              </a:schemeClr>
+            </a:solidFill>
+          </a:ln>
+        </p:spPr>
+        <p:style>
+          <a:lnRef idx="0">
+            <a:scrgbClr r="0" g="0" b="0"/>
+          </a:lnRef>
+          <a:fillRef idx="0">
+            <a:scrgbClr r="0" g="0" b="0"/>
+          </a:fillRef>
+          <a:effectRef idx="0">
+            <a:scrgbClr r="0" g="0" b="0"/>
+          </a:effectRef>
+          <a:fontRef idx="minor">
+            <a:schemeClr val="lt1"/>
+          </a:fontRef>
+        </p:style>
+        <p:txBody>
+          <a:bodyPr rtlCol="0" anchor="ctr"/>
+          <a:lstStyle/>
+          <a:p>
+            <a:pPr algn="ctr"/>
+            <a:endParaRPr lang="en-US"/>
+          </a:p>
+        </p:txBody>
+      </p:sp>
       <p:sp>
         <p:nvSpPr>
           <p:cNvPr id="14" name="Rectangle: Rounded Corners 19">
@@ -6192,6 +7136,62 @@
           <a:chExt cx="0" cy="0"/>
         </a:xfrm>
       </p:grpSpPr>
+      <p:sp>
+        <p:nvSpPr>
+          <p:cNvPr id="16" name="Rectangle à coins arrondis 15">
+            <a:extLst>
+              <a:ext uri="{FF2B5EF4-FFF2-40B4-BE49-F238E27FC236}">
+                <a16:creationId xmlns:a16="http://schemas.microsoft.com/office/drawing/2014/main" id="{B04823C5-AAD3-4FB3-A25D-C238181A022C}"/>
+              </a:ext>
+            </a:extLst>
+          </p:cNvPr>
+          <p:cNvSpPr/>
+          <p:nvPr/>
+        </p:nvSpPr>
+        <p:spPr>
+          <a:xfrm>
+            <a:off x="724683" y="1330641"/>
+            <a:ext cx="11062990" cy="974355"/>
+          </a:xfrm>
+          <a:prstGeom prst="roundRect">
+            <a:avLst/>
+          </a:prstGeom>
+          <a:solidFill>
+            <a:schemeClr val="dk1">
+              <a:alpha val="50000"/>
+            </a:schemeClr>
+          </a:solidFill>
+          <a:ln>
+            <a:solidFill>
+              <a:schemeClr val="bg1">
+                <a:lumMod val="65000"/>
+              </a:schemeClr>
+            </a:solidFill>
+          </a:ln>
+        </p:spPr>
+        <p:style>
+          <a:lnRef idx="0">
+            <a:scrgbClr r="0" g="0" b="0"/>
+          </a:lnRef>
+          <a:fillRef idx="0">
+            <a:scrgbClr r="0" g="0" b="0"/>
+          </a:fillRef>
+          <a:effectRef idx="0">
+            <a:scrgbClr r="0" g="0" b="0"/>
+          </a:effectRef>
+          <a:fontRef idx="minor">
+            <a:schemeClr val="lt1"/>
+          </a:fontRef>
+        </p:style>
+        <p:txBody>
+          <a:bodyPr rtlCol="0" anchor="ctr"/>
+          <a:lstStyle/>
+          <a:p>
+            <a:pPr algn="ctr"/>
+            <a:endParaRPr lang="en-US"/>
+          </a:p>
+        </p:txBody>
+      </p:sp>
       <p:sp>
         <p:nvSpPr>
           <p:cNvPr id="15" name="Rectangle: Rounded Corners 19">
@@ -7598,6 +8598,62 @@
       </p:grpSpPr>
       <p:sp>
         <p:nvSpPr>
+          <p:cNvPr id="24" name="Rectangle à coins arrondis 23">
+            <a:extLst>
+              <a:ext uri="{FF2B5EF4-FFF2-40B4-BE49-F238E27FC236}">
+                <a16:creationId xmlns:a16="http://schemas.microsoft.com/office/drawing/2014/main" id="{B04823C5-AAD3-4FB3-A25D-C238181A022C}"/>
+              </a:ext>
+            </a:extLst>
+          </p:cNvPr>
+          <p:cNvSpPr/>
+          <p:nvPr/>
+        </p:nvSpPr>
+        <p:spPr>
+          <a:xfrm>
+            <a:off x="683203" y="1520831"/>
+            <a:ext cx="11184119" cy="804935"/>
+          </a:xfrm>
+          <a:prstGeom prst="roundRect">
+            <a:avLst/>
+          </a:prstGeom>
+          <a:solidFill>
+            <a:schemeClr val="dk1">
+              <a:alpha val="50000"/>
+            </a:schemeClr>
+          </a:solidFill>
+          <a:ln>
+            <a:solidFill>
+              <a:schemeClr val="bg1">
+                <a:lumMod val="65000"/>
+              </a:schemeClr>
+            </a:solidFill>
+          </a:ln>
+        </p:spPr>
+        <p:style>
+          <a:lnRef idx="0">
+            <a:scrgbClr r="0" g="0" b="0"/>
+          </a:lnRef>
+          <a:fillRef idx="0">
+            <a:scrgbClr r="0" g="0" b="0"/>
+          </a:fillRef>
+          <a:effectRef idx="0">
+            <a:scrgbClr r="0" g="0" b="0"/>
+          </a:effectRef>
+          <a:fontRef idx="minor">
+            <a:schemeClr val="lt1"/>
+          </a:fontRef>
+        </p:style>
+        <p:txBody>
+          <a:bodyPr rtlCol="0" anchor="ctr"/>
+          <a:lstStyle/>
+          <a:p>
+            <a:pPr algn="ctr"/>
+            <a:endParaRPr lang="en-US"/>
+          </a:p>
+        </p:txBody>
+      </p:sp>
+      <p:sp>
+        <p:nvSpPr>
           <p:cNvPr id="15" name="Rectangle: Rounded Corners 19">
             <a:extLst>
               <a:ext uri="{FF2B5EF4-FFF2-40B4-BE49-F238E27FC236}">
@@ -7824,10 +8880,10 @@
         </p:nvGrpSpPr>
         <p:grpSpPr>
           <a:xfrm>
-            <a:off x="789998" y="463850"/>
-            <a:ext cx="10997675" cy="1480002"/>
-            <a:chOff x="2408971" y="776820"/>
-            <a:chExt cx="24709000" cy="1480002"/>
+            <a:off x="789998" y="467541"/>
+            <a:ext cx="10997675" cy="1744666"/>
+            <a:chOff x="2408971" y="512156"/>
+            <a:chExt cx="24709000" cy="1744666"/>
           </a:xfrm>
         </p:grpSpPr>
         <p:sp>
@@ -7844,7 +8900,7 @@
           </p:nvSpPr>
           <p:spPr>
             <a:xfrm>
-              <a:off x="9114068" y="776820"/>
+              <a:off x="9303635" y="512156"/>
               <a:ext cx="10331251" cy="338554"/>
             </a:xfrm>
             <a:prstGeom prst="rect">
@@ -7965,7 +9021,7 @@
         </p:nvSpPr>
         <p:spPr>
           <a:xfrm>
-            <a:off x="537349" y="2455364"/>
+            <a:off x="537349" y="2952317"/>
             <a:ext cx="5536163" cy="2351935"/>
           </a:xfrm>
           <a:prstGeom prst="rect">
@@ -8026,7 +9082,7 @@
         </p:nvSpPr>
         <p:spPr>
           <a:xfrm>
-            <a:off x="348343" y="2110160"/>
+            <a:off x="348343" y="2607113"/>
             <a:ext cx="2515438" cy="420090"/>
           </a:xfrm>
           <a:prstGeom prst="roundRect">
@@ -8087,7 +9143,7 @@
         </p:nvSpPr>
         <p:spPr>
           <a:xfrm>
-            <a:off x="417483" y="2165569"/>
+            <a:off x="417483" y="2662522"/>
             <a:ext cx="2446298" cy="276999"/>
           </a:xfrm>
           <a:prstGeom prst="rect">
@@ -8161,7 +9217,7 @@
         </p:nvSpPr>
         <p:spPr>
           <a:xfrm>
-            <a:off x="537349" y="2569502"/>
+            <a:off x="537349" y="3066455"/>
             <a:ext cx="5484006" cy="2123658"/>
           </a:xfrm>
           <a:prstGeom prst="rect">
@@ -8493,7 +9549,7 @@
         </p:nvSpPr>
         <p:spPr>
           <a:xfrm>
-            <a:off x="6392177" y="3074292"/>
+            <a:off x="6392177" y="3571245"/>
             <a:ext cx="5656029" cy="1129801"/>
           </a:xfrm>
           <a:prstGeom prst="rect">
@@ -8554,7 +9610,7 @@
         </p:nvSpPr>
         <p:spPr>
           <a:xfrm>
-            <a:off x="6323037" y="2729088"/>
+            <a:off x="6323037" y="3226041"/>
             <a:ext cx="2326432" cy="420090"/>
           </a:xfrm>
           <a:prstGeom prst="roundRect">
@@ -8615,7 +9671,7 @@
         </p:nvSpPr>
         <p:spPr>
           <a:xfrm>
-            <a:off x="6392177" y="2784497"/>
+            <a:off x="6392177" y="3281450"/>
             <a:ext cx="2188151" cy="276999"/>
           </a:xfrm>
           <a:prstGeom prst="rect">
@@ -8698,7 +9754,7 @@
         </p:nvSpPr>
         <p:spPr>
           <a:xfrm>
-            <a:off x="6444343" y="3188430"/>
+            <a:off x="6444343" y="3685383"/>
             <a:ext cx="5551706" cy="1015663"/>
           </a:xfrm>
           <a:prstGeom prst="rect">
@@ -8861,7 +9917,7 @@
         </p:nvSpPr>
         <p:spPr>
           <a:xfrm>
-            <a:off x="4005944" y="5372723"/>
+            <a:off x="4005944" y="5869676"/>
             <a:ext cx="7174520" cy="654854"/>
           </a:xfrm>
           <a:prstGeom prst="rect">
@@ -8922,7 +9978,7 @@
         </p:nvSpPr>
         <p:spPr>
           <a:xfrm>
-            <a:off x="3713583" y="5027518"/>
+            <a:off x="3713583" y="5524471"/>
             <a:ext cx="7011115" cy="420090"/>
           </a:xfrm>
           <a:prstGeom prst="roundRect">
@@ -8983,7 +10039,7 @@
         </p:nvSpPr>
         <p:spPr>
           <a:xfrm>
-            <a:off x="3713584" y="5082927"/>
+            <a:off x="3713584" y="5579880"/>
             <a:ext cx="6941975" cy="276999"/>
           </a:xfrm>
           <a:prstGeom prst="rect">
@@ -9039,7 +10095,7 @@
         </p:nvSpPr>
         <p:spPr>
           <a:xfrm>
-            <a:off x="4117910" y="5486860"/>
+            <a:off x="4117910" y="5983813"/>
             <a:ext cx="6889090" cy="461665"/>
           </a:xfrm>
           <a:prstGeom prst="rect">
@@ -9151,7 +10207,7 @@
       </p:grpSpPr>
       <p:sp>
         <p:nvSpPr>
-          <p:cNvPr id="19" name="Rectangle 18">
+          <p:cNvPr id="27" name="Rectangle à coins arrondis 26">
             <a:extLst>
               <a:ext uri="{FF2B5EF4-FFF2-40B4-BE49-F238E27FC236}">
                 <a16:creationId xmlns:a16="http://schemas.microsoft.com/office/drawing/2014/main" id="{B04823C5-AAD3-4FB3-A25D-C238181A022C}"/>
@@ -9163,39 +10219,34 @@
         </p:nvSpPr>
         <p:spPr>
           <a:xfrm>
-            <a:off x="6920427" y="2725821"/>
-            <a:ext cx="3750906" cy="757192"/>
+            <a:off x="3282030" y="5432715"/>
+            <a:ext cx="1879192" cy="435255"/>
           </a:xfrm>
-          <a:prstGeom prst="rect">
+          <a:prstGeom prst="roundRect">
             <a:avLst/>
           </a:prstGeom>
           <a:solidFill>
-            <a:schemeClr val="accent5">
-              <a:alpha val="70000"/>
+            <a:schemeClr val="dk1">
+              <a:alpha val="50000"/>
             </a:schemeClr>
           </a:solidFill>
           <a:ln>
-            <a:noFill/>
+            <a:solidFill>
+              <a:schemeClr val="bg1">
+                <a:lumMod val="65000"/>
+              </a:schemeClr>
+            </a:solidFill>
           </a:ln>
-          <a:effectLst>
-            <a:outerShdw blurRad="63500" sx="102000" sy="102000" algn="ctr" rotWithShape="0">
-              <a:prstClr val="black">
-                <a:alpha val="40000"/>
-              </a:prstClr>
-            </a:outerShdw>
-          </a:effectLst>
         </p:spPr>
         <p:style>
-          <a:lnRef idx="2">
-            <a:schemeClr val="accent1">
-              <a:shade val="50000"/>
-            </a:schemeClr>
+          <a:lnRef idx="0">
+            <a:scrgbClr r="0" g="0" b="0"/>
           </a:lnRef>
-          <a:fillRef idx="1">
-            <a:schemeClr val="accent1"/>
+          <a:fillRef idx="0">
+            <a:scrgbClr r="0" g="0" b="0"/>
           </a:fillRef>
           <a:effectRef idx="0">
-            <a:schemeClr val="accent1"/>
+            <a:scrgbClr r="0" g="0" b="0"/>
           </a:effectRef>
           <a:fontRef idx="minor">
             <a:schemeClr val="lt1"/>
@@ -9212,7 +10263,7 @@
       </p:sp>
       <p:sp>
         <p:nvSpPr>
-          <p:cNvPr id="20" name="Rectangle 19">
+          <p:cNvPr id="29" name="Rectangle à coins arrondis 28">
             <a:extLst>
               <a:ext uri="{FF2B5EF4-FFF2-40B4-BE49-F238E27FC236}">
                 <a16:creationId xmlns:a16="http://schemas.microsoft.com/office/drawing/2014/main" id="{B04823C5-AAD3-4FB3-A25D-C238181A022C}"/>
@@ -9224,39 +10275,34 @@
         </p:nvSpPr>
         <p:spPr>
           <a:xfrm>
-            <a:off x="6979744" y="4446610"/>
-            <a:ext cx="3632272" cy="646655"/>
+            <a:off x="1550504" y="3743051"/>
+            <a:ext cx="3720524" cy="542049"/>
           </a:xfrm>
-          <a:prstGeom prst="rect">
+          <a:prstGeom prst="roundRect">
             <a:avLst/>
           </a:prstGeom>
           <a:solidFill>
-            <a:schemeClr val="accent5">
-              <a:alpha val="70000"/>
+            <a:schemeClr val="dk1">
+              <a:alpha val="50000"/>
             </a:schemeClr>
           </a:solidFill>
           <a:ln>
-            <a:noFill/>
+            <a:solidFill>
+              <a:schemeClr val="bg1">
+                <a:lumMod val="65000"/>
+              </a:schemeClr>
+            </a:solidFill>
           </a:ln>
-          <a:effectLst>
-            <a:outerShdw blurRad="63500" sx="102000" sy="102000" algn="ctr" rotWithShape="0">
-              <a:prstClr val="black">
-                <a:alpha val="40000"/>
-              </a:prstClr>
-            </a:outerShdw>
-          </a:effectLst>
         </p:spPr>
         <p:style>
-          <a:lnRef idx="2">
-            <a:schemeClr val="accent1">
-              <a:shade val="50000"/>
-            </a:schemeClr>
+          <a:lnRef idx="0">
+            <a:scrgbClr r="0" g="0" b="0"/>
           </a:lnRef>
-          <a:fillRef idx="1">
-            <a:schemeClr val="accent1"/>
+          <a:fillRef idx="0">
+            <a:scrgbClr r="0" g="0" b="0"/>
           </a:fillRef>
           <a:effectRef idx="0">
-            <a:schemeClr val="accent1"/>
+            <a:scrgbClr r="0" g="0" b="0"/>
           </a:effectRef>
           <a:fontRef idx="minor">
             <a:schemeClr val="lt1"/>
@@ -9273,7 +10319,7 @@
       </p:sp>
       <p:sp>
         <p:nvSpPr>
-          <p:cNvPr id="21" name="Rectangle 20">
+          <p:cNvPr id="28" name="Rectangle à coins arrondis 27">
             <a:extLst>
               <a:ext uri="{FF2B5EF4-FFF2-40B4-BE49-F238E27FC236}">
                 <a16:creationId xmlns:a16="http://schemas.microsoft.com/office/drawing/2014/main" id="{B04823C5-AAD3-4FB3-A25D-C238181A022C}"/>
@@ -9285,39 +10331,34 @@
         </p:nvSpPr>
         <p:spPr>
           <a:xfrm>
-            <a:off x="1725396" y="3720489"/>
-            <a:ext cx="3321292" cy="564612"/>
+            <a:off x="1550504" y="1821839"/>
+            <a:ext cx="3720524" cy="969106"/>
           </a:xfrm>
-          <a:prstGeom prst="rect">
+          <a:prstGeom prst="roundRect">
             <a:avLst/>
           </a:prstGeom>
           <a:solidFill>
-            <a:schemeClr val="accent5">
-              <a:alpha val="70000"/>
+            <a:schemeClr val="dk1">
+              <a:alpha val="50000"/>
             </a:schemeClr>
           </a:solidFill>
           <a:ln>
-            <a:noFill/>
+            <a:solidFill>
+              <a:schemeClr val="bg1">
+                <a:lumMod val="65000"/>
+              </a:schemeClr>
+            </a:solidFill>
           </a:ln>
-          <a:effectLst>
-            <a:outerShdw blurRad="63500" sx="102000" sy="102000" algn="ctr" rotWithShape="0">
-              <a:prstClr val="black">
-                <a:alpha val="40000"/>
-              </a:prstClr>
-            </a:outerShdw>
-          </a:effectLst>
         </p:spPr>
         <p:style>
-          <a:lnRef idx="2">
-            <a:schemeClr val="accent1">
-              <a:shade val="50000"/>
-            </a:schemeClr>
+          <a:lnRef idx="0">
+            <a:scrgbClr r="0" g="0" b="0"/>
           </a:lnRef>
-          <a:fillRef idx="1">
-            <a:schemeClr val="accent1"/>
+          <a:fillRef idx="0">
+            <a:scrgbClr r="0" g="0" b="0"/>
           </a:fillRef>
           <a:effectRef idx="0">
-            <a:schemeClr val="accent1"/>
+            <a:scrgbClr r="0" g="0" b="0"/>
           </a:effectRef>
           <a:fontRef idx="minor">
             <a:schemeClr val="lt1"/>
@@ -9334,7 +10375,7 @@
       </p:sp>
       <p:sp>
         <p:nvSpPr>
-          <p:cNvPr id="22" name="Rectangle 21">
+          <p:cNvPr id="25" name="Rectangle à coins arrondis 24">
             <a:extLst>
               <a:ext uri="{FF2B5EF4-FFF2-40B4-BE49-F238E27FC236}">
                 <a16:creationId xmlns:a16="http://schemas.microsoft.com/office/drawing/2014/main" id="{B04823C5-AAD3-4FB3-A25D-C238181A022C}"/>
@@ -9346,39 +10387,34 @@
         </p:nvSpPr>
         <p:spPr>
           <a:xfrm>
-            <a:off x="1725396" y="1852976"/>
-            <a:ext cx="3587280" cy="778257"/>
+            <a:off x="7074222" y="4454108"/>
+            <a:ext cx="3537794" cy="622427"/>
           </a:xfrm>
-          <a:prstGeom prst="rect">
+          <a:prstGeom prst="roundRect">
             <a:avLst/>
           </a:prstGeom>
           <a:solidFill>
-            <a:schemeClr val="accent5">
-              <a:alpha val="70000"/>
+            <a:schemeClr val="dk1">
+              <a:alpha val="50000"/>
             </a:schemeClr>
           </a:solidFill>
           <a:ln>
-            <a:noFill/>
+            <a:solidFill>
+              <a:schemeClr val="bg1">
+                <a:lumMod val="65000"/>
+              </a:schemeClr>
+            </a:solidFill>
           </a:ln>
-          <a:effectLst>
-            <a:outerShdw blurRad="63500" sx="102000" sy="102000" algn="ctr" rotWithShape="0">
-              <a:prstClr val="black">
-                <a:alpha val="40000"/>
-              </a:prstClr>
-            </a:outerShdw>
-          </a:effectLst>
         </p:spPr>
         <p:style>
-          <a:lnRef idx="2">
-            <a:schemeClr val="accent1">
-              <a:shade val="50000"/>
-            </a:schemeClr>
+          <a:lnRef idx="0">
+            <a:scrgbClr r="0" g="0" b="0"/>
           </a:lnRef>
-          <a:fillRef idx="1">
-            <a:schemeClr val="accent1"/>
+          <a:fillRef idx="0">
+            <a:scrgbClr r="0" g="0" b="0"/>
           </a:fillRef>
           <a:effectRef idx="0">
-            <a:schemeClr val="accent1"/>
+            <a:scrgbClr r="0" g="0" b="0"/>
           </a:effectRef>
           <a:fontRef idx="minor">
             <a:schemeClr val="lt1"/>
@@ -9395,7 +10431,7 @@
       </p:sp>
       <p:sp>
         <p:nvSpPr>
-          <p:cNvPr id="23" name="Rectangle 22">
+          <p:cNvPr id="24" name="Rectangle à coins arrondis 23">
             <a:extLst>
               <a:ext uri="{FF2B5EF4-FFF2-40B4-BE49-F238E27FC236}">
                 <a16:creationId xmlns:a16="http://schemas.microsoft.com/office/drawing/2014/main" id="{B04823C5-AAD3-4FB3-A25D-C238181A022C}"/>
@@ -9407,39 +10443,34 @@
         </p:nvSpPr>
         <p:spPr>
           <a:xfrm>
-            <a:off x="3342701" y="5503681"/>
-            <a:ext cx="1782915" cy="364289"/>
+            <a:off x="7074222" y="2631233"/>
+            <a:ext cx="3537794" cy="969106"/>
           </a:xfrm>
-          <a:prstGeom prst="rect">
+          <a:prstGeom prst="roundRect">
             <a:avLst/>
           </a:prstGeom>
           <a:solidFill>
-            <a:schemeClr val="accent5">
-              <a:alpha val="70000"/>
+            <a:schemeClr val="dk1">
+              <a:alpha val="50000"/>
             </a:schemeClr>
           </a:solidFill>
           <a:ln>
-            <a:noFill/>
+            <a:solidFill>
+              <a:schemeClr val="bg1">
+                <a:lumMod val="65000"/>
+              </a:schemeClr>
+            </a:solidFill>
           </a:ln>
-          <a:effectLst>
-            <a:outerShdw blurRad="63500" sx="102000" sy="102000" algn="ctr" rotWithShape="0">
-              <a:prstClr val="black">
-                <a:alpha val="40000"/>
-              </a:prstClr>
-            </a:outerShdw>
-          </a:effectLst>
         </p:spPr>
         <p:style>
-          <a:lnRef idx="2">
-            <a:schemeClr val="accent1">
-              <a:shade val="50000"/>
-            </a:schemeClr>
+          <a:lnRef idx="0">
+            <a:scrgbClr r="0" g="0" b="0"/>
           </a:lnRef>
-          <a:fillRef idx="1">
-            <a:schemeClr val="accent1"/>
+          <a:fillRef idx="0">
+            <a:scrgbClr r="0" g="0" b="0"/>
           </a:fillRef>
           <a:effectRef idx="0">
-            <a:schemeClr val="accent1"/>
+            <a:scrgbClr r="0" g="0" b="0"/>
           </a:effectRef>
           <a:fontRef idx="minor">
             <a:schemeClr val="lt1"/>
@@ -10546,6 +11577,1191 @@
       </p:grpSpPr>
       <p:sp>
         <p:nvSpPr>
+          <p:cNvPr id="16" name="Rectangle à coins arrondis 15">
+            <a:extLst>
+              <a:ext uri="{FF2B5EF4-FFF2-40B4-BE49-F238E27FC236}">
+                <a16:creationId xmlns:a16="http://schemas.microsoft.com/office/drawing/2014/main" id="{B04823C5-AAD3-4FB3-A25D-C238181A022C}"/>
+              </a:ext>
+            </a:extLst>
+          </p:cNvPr>
+          <p:cNvSpPr/>
+          <p:nvPr/>
+        </p:nvSpPr>
+        <p:spPr>
+          <a:xfrm>
+            <a:off x="548320" y="792584"/>
+            <a:ext cx="6410717" cy="2593068"/>
+          </a:xfrm>
+          <a:prstGeom prst="roundRect">
+            <a:avLst/>
+          </a:prstGeom>
+          <a:solidFill>
+            <a:schemeClr val="dk1">
+              <a:alpha val="50000"/>
+            </a:schemeClr>
+          </a:solidFill>
+          <a:ln>
+            <a:solidFill>
+              <a:schemeClr val="bg1">
+                <a:lumMod val="65000"/>
+              </a:schemeClr>
+            </a:solidFill>
+          </a:ln>
+        </p:spPr>
+        <p:style>
+          <a:lnRef idx="0">
+            <a:scrgbClr r="0" g="0" b="0"/>
+          </a:lnRef>
+          <a:fillRef idx="0">
+            <a:scrgbClr r="0" g="0" b="0"/>
+          </a:fillRef>
+          <a:effectRef idx="0">
+            <a:scrgbClr r="0" g="0" b="0"/>
+          </a:effectRef>
+          <a:fontRef idx="minor">
+            <a:schemeClr val="lt1"/>
+          </a:fontRef>
+        </p:style>
+        <p:txBody>
+          <a:bodyPr rtlCol="0" anchor="ctr"/>
+          <a:lstStyle/>
+          <a:p>
+            <a:pPr algn="ctr"/>
+            <a:endParaRPr lang="en-US"/>
+          </a:p>
+        </p:txBody>
+      </p:sp>
+      <p:sp>
+        <p:nvSpPr>
+          <p:cNvPr id="5" name="TextBox 4">
+            <a:extLst>
+              <a:ext uri="{FF2B5EF4-FFF2-40B4-BE49-F238E27FC236}">
+                <a16:creationId xmlns:a16="http://schemas.microsoft.com/office/drawing/2014/main" id="{FCC6EBD0-DF5B-4EE2-A230-D05A6519618A}"/>
+              </a:ext>
+            </a:extLst>
+          </p:cNvPr>
+          <p:cNvSpPr txBox="1"/>
+          <p:nvPr/>
+        </p:nvSpPr>
+        <p:spPr>
+          <a:xfrm>
+            <a:off x="940382" y="896164"/>
+            <a:ext cx="957992" cy="461665"/>
+          </a:xfrm>
+          <a:prstGeom prst="rect">
+            <a:avLst/>
+          </a:prstGeom>
+          <a:noFill/>
+        </p:spPr>
+        <p:txBody>
+          <a:bodyPr wrap="square" lIns="108000" rIns="108000" rtlCol="0" anchor="ctr">
+            <a:spAutoFit/>
+          </a:bodyPr>
+          <a:lstStyle/>
+          <a:p>
+            <a:r>
+              <a:rPr lang="en-US" altLang="ko-KR" sz="2400" b="1" dirty="0" smtClean="0">
+                <a:solidFill>
+                  <a:srgbClr val="92D050"/>
+                </a:solidFill>
+                <a:cs typeface="Arial" pitchFamily="34" charset="0"/>
+              </a:rPr>
+              <a:t>Pour</a:t>
+            </a:r>
+            <a:endParaRPr lang="ko-KR" altLang="en-US" sz="2400" b="1" dirty="0">
+              <a:solidFill>
+                <a:srgbClr val="92D050"/>
+              </a:solidFill>
+              <a:cs typeface="Arial" pitchFamily="34" charset="0"/>
+            </a:endParaRPr>
+          </a:p>
+        </p:txBody>
+      </p:sp>
+      <p:sp>
+        <p:nvSpPr>
+          <p:cNvPr id="6" name="TextBox 5">
+            <a:extLst>
+              <a:ext uri="{FF2B5EF4-FFF2-40B4-BE49-F238E27FC236}">
+                <a16:creationId xmlns:a16="http://schemas.microsoft.com/office/drawing/2014/main" id="{606460CB-E570-43FD-893F-C1FD2E7830B3}"/>
+              </a:ext>
+            </a:extLst>
+          </p:cNvPr>
+          <p:cNvSpPr txBox="1"/>
+          <p:nvPr/>
+        </p:nvSpPr>
+        <p:spPr>
+          <a:xfrm>
+            <a:off x="811172" y="1427329"/>
+            <a:ext cx="3046452" cy="276999"/>
+          </a:xfrm>
+          <a:prstGeom prst="rect">
+            <a:avLst/>
+          </a:prstGeom>
+          <a:noFill/>
+        </p:spPr>
+        <p:txBody>
+          <a:bodyPr wrap="square" lIns="108000" rIns="108000" rtlCol="0">
+            <a:spAutoFit/>
+          </a:bodyPr>
+          <a:lstStyle/>
+          <a:p>
+            <a:pPr marL="171450" indent="-171450">
+              <a:buFont typeface="Wingdings" panose="05000000000000000000" pitchFamily="2" charset="2"/>
+              <a:buChar char="ü"/>
+            </a:pPr>
+            <a:r>
+              <a:rPr lang="fr-FR" sz="1200" dirty="0">
+                <a:solidFill>
+                  <a:schemeClr val="bg1"/>
+                </a:solidFill>
+              </a:rPr>
+              <a:t>Évoluera indéfiniment</a:t>
+            </a:r>
+            <a:endParaRPr lang="en-US" altLang="ko-KR" sz="1200" dirty="0">
+              <a:solidFill>
+                <a:schemeClr val="bg1"/>
+              </a:solidFill>
+              <a:ea typeface="FZShuTi" pitchFamily="2" charset="-122"/>
+              <a:cs typeface="Arial" pitchFamily="34" charset="0"/>
+            </a:endParaRPr>
+          </a:p>
+        </p:txBody>
+      </p:sp>
+      <p:sp>
+        <p:nvSpPr>
+          <p:cNvPr id="7" name="TextBox 6">
+            <a:extLst>
+              <a:ext uri="{FF2B5EF4-FFF2-40B4-BE49-F238E27FC236}">
+                <a16:creationId xmlns:a16="http://schemas.microsoft.com/office/drawing/2014/main" id="{357DD274-6419-4E37-BFF2-9D9446896092}"/>
+              </a:ext>
+            </a:extLst>
+          </p:cNvPr>
+          <p:cNvSpPr txBox="1"/>
+          <p:nvPr/>
+        </p:nvSpPr>
+        <p:spPr>
+          <a:xfrm>
+            <a:off x="811172" y="1695966"/>
+            <a:ext cx="3492471" cy="276999"/>
+          </a:xfrm>
+          <a:prstGeom prst="rect">
+            <a:avLst/>
+          </a:prstGeom>
+          <a:noFill/>
+        </p:spPr>
+        <p:txBody>
+          <a:bodyPr wrap="square" lIns="108000" rIns="108000" rtlCol="0">
+            <a:spAutoFit/>
+          </a:bodyPr>
+          <a:lstStyle/>
+          <a:p>
+            <a:pPr marL="171450" indent="-171450">
+              <a:buFont typeface="Wingdings" panose="05000000000000000000" pitchFamily="2" charset="2"/>
+              <a:buChar char="ü"/>
+            </a:pPr>
+            <a:r>
+              <a:rPr lang="fr-FR" altLang="ko-KR" sz="1200" dirty="0">
+                <a:solidFill>
+                  <a:schemeClr val="bg1"/>
+                </a:solidFill>
+                <a:cs typeface="Arial" pitchFamily="34" charset="0"/>
+              </a:rPr>
+              <a:t>Haute performance (en particulier sur HTTP2)</a:t>
+            </a:r>
+            <a:r>
+              <a:rPr lang="en-US" altLang="ko-KR" sz="1200" dirty="0" smtClean="0">
+                <a:solidFill>
+                  <a:schemeClr val="bg1"/>
+                </a:solidFill>
+                <a:cs typeface="Arial" pitchFamily="34" charset="0"/>
+              </a:rPr>
+              <a:t>.</a:t>
+            </a:r>
+            <a:endParaRPr lang="en-US" altLang="ko-KR" sz="1200" dirty="0">
+              <a:solidFill>
+                <a:schemeClr val="bg1"/>
+              </a:solidFill>
+              <a:ea typeface="FZShuTi" pitchFamily="2" charset="-122"/>
+              <a:cs typeface="Arial" pitchFamily="34" charset="0"/>
+            </a:endParaRPr>
+          </a:p>
+        </p:txBody>
+      </p:sp>
+      <p:sp>
+        <p:nvSpPr>
+          <p:cNvPr id="9" name="TextBox 8">
+            <a:extLst>
+              <a:ext uri="{FF2B5EF4-FFF2-40B4-BE49-F238E27FC236}">
+                <a16:creationId xmlns:a16="http://schemas.microsoft.com/office/drawing/2014/main" id="{141CE8CB-F23D-49AE-931B-E064ED37F5E9}"/>
+              </a:ext>
+            </a:extLst>
+          </p:cNvPr>
+          <p:cNvSpPr txBox="1"/>
+          <p:nvPr/>
+        </p:nvSpPr>
+        <p:spPr>
+          <a:xfrm>
+            <a:off x="811172" y="1964603"/>
+            <a:ext cx="3046452" cy="276999"/>
+          </a:xfrm>
+          <a:prstGeom prst="rect">
+            <a:avLst/>
+          </a:prstGeom>
+          <a:noFill/>
+        </p:spPr>
+        <p:txBody>
+          <a:bodyPr wrap="square" lIns="108000" rIns="108000" rtlCol="0">
+            <a:spAutoFit/>
+          </a:bodyPr>
+          <a:lstStyle/>
+          <a:p>
+            <a:pPr marL="171450" indent="-171450">
+              <a:buFont typeface="Wingdings" panose="05000000000000000000" pitchFamily="2" charset="2"/>
+              <a:buChar char="ü"/>
+            </a:pPr>
+            <a:r>
+              <a:rPr lang="en-US" altLang="ko-KR" sz="1200" dirty="0" err="1">
+                <a:solidFill>
+                  <a:schemeClr val="bg1"/>
+                </a:solidFill>
+                <a:cs typeface="Arial" pitchFamily="34" charset="0"/>
+              </a:rPr>
+              <a:t>Éprouvé</a:t>
+            </a:r>
+            <a:r>
+              <a:rPr lang="en-US" altLang="ko-KR" sz="1200" dirty="0">
+                <a:solidFill>
+                  <a:schemeClr val="bg1"/>
+                </a:solidFill>
+                <a:cs typeface="Arial" pitchFamily="34" charset="0"/>
+              </a:rPr>
+              <a:t> </a:t>
+            </a:r>
+            <a:r>
+              <a:rPr lang="en-US" altLang="ko-KR" sz="1200" dirty="0" err="1">
+                <a:solidFill>
+                  <a:schemeClr val="bg1"/>
+                </a:solidFill>
+                <a:cs typeface="Arial" pitchFamily="34" charset="0"/>
+              </a:rPr>
+              <a:t>depuis</a:t>
+            </a:r>
+            <a:r>
+              <a:rPr lang="en-US" altLang="ko-KR" sz="1200" dirty="0">
+                <a:solidFill>
+                  <a:schemeClr val="bg1"/>
+                </a:solidFill>
+                <a:cs typeface="Arial" pitchFamily="34" charset="0"/>
+              </a:rPr>
+              <a:t> des </a:t>
+            </a:r>
+            <a:r>
+              <a:rPr lang="en-US" altLang="ko-KR" sz="1200" dirty="0" err="1" smtClean="0">
+                <a:solidFill>
+                  <a:schemeClr val="bg1"/>
+                </a:solidFill>
+                <a:cs typeface="Arial" pitchFamily="34" charset="0"/>
+              </a:rPr>
+              <a:t>décennies</a:t>
+            </a:r>
+            <a:r>
+              <a:rPr lang="en-US" altLang="ko-KR" sz="1200" dirty="0" smtClean="0">
+                <a:solidFill>
+                  <a:schemeClr val="bg1"/>
+                </a:solidFill>
+                <a:cs typeface="Arial" pitchFamily="34" charset="0"/>
+              </a:rPr>
+              <a:t>.</a:t>
+            </a:r>
+            <a:endParaRPr lang="en-US" altLang="ko-KR" sz="1200" dirty="0">
+              <a:solidFill>
+                <a:schemeClr val="bg1"/>
+              </a:solidFill>
+              <a:ea typeface="FZShuTi" pitchFamily="2" charset="-122"/>
+              <a:cs typeface="Arial" pitchFamily="34" charset="0"/>
+            </a:endParaRPr>
+          </a:p>
+        </p:txBody>
+      </p:sp>
+      <p:sp>
+        <p:nvSpPr>
+          <p:cNvPr id="10" name="TextBox 9">
+            <a:extLst>
+              <a:ext uri="{FF2B5EF4-FFF2-40B4-BE49-F238E27FC236}">
+                <a16:creationId xmlns:a16="http://schemas.microsoft.com/office/drawing/2014/main" id="{8102D300-D7EA-4F7D-B7AA-40CD1851A935}"/>
+              </a:ext>
+            </a:extLst>
+          </p:cNvPr>
+          <p:cNvSpPr txBox="1"/>
+          <p:nvPr/>
+        </p:nvSpPr>
+        <p:spPr>
+          <a:xfrm>
+            <a:off x="811172" y="2233240"/>
+            <a:ext cx="3641558" cy="276999"/>
+          </a:xfrm>
+          <a:prstGeom prst="rect">
+            <a:avLst/>
+          </a:prstGeom>
+          <a:noFill/>
+        </p:spPr>
+        <p:txBody>
+          <a:bodyPr wrap="square" lIns="108000" rIns="108000" rtlCol="0">
+            <a:spAutoFit/>
+          </a:bodyPr>
+          <a:lstStyle/>
+          <a:p>
+            <a:pPr marL="171450" indent="-171450">
+              <a:buFont typeface="Wingdings" panose="05000000000000000000" pitchFamily="2" charset="2"/>
+              <a:buChar char="ü"/>
+            </a:pPr>
+            <a:r>
+              <a:rPr lang="fr-FR" altLang="ko-KR" sz="1200" dirty="0">
+                <a:solidFill>
+                  <a:schemeClr val="bg1"/>
+                </a:solidFill>
+                <a:cs typeface="Arial" pitchFamily="34" charset="0"/>
+              </a:rPr>
+              <a:t>Fonctionne avec n'importe quelle </a:t>
+            </a:r>
+            <a:r>
+              <a:rPr lang="fr-FR" altLang="ko-KR" sz="1200" dirty="0" smtClean="0">
+                <a:solidFill>
+                  <a:schemeClr val="bg1"/>
+                </a:solidFill>
+                <a:cs typeface="Arial" pitchFamily="34" charset="0"/>
+              </a:rPr>
+              <a:t>représentation.</a:t>
+            </a:r>
+            <a:endParaRPr lang="en-US" altLang="ko-KR" sz="1200" dirty="0">
+              <a:solidFill>
+                <a:schemeClr val="bg1"/>
+              </a:solidFill>
+              <a:ea typeface="FZShuTi" pitchFamily="2" charset="-122"/>
+              <a:cs typeface="Arial" pitchFamily="34" charset="0"/>
+            </a:endParaRPr>
+          </a:p>
+        </p:txBody>
+      </p:sp>
+      <p:sp>
+        <p:nvSpPr>
+          <p:cNvPr id="12" name="TextBox 5">
+            <a:extLst>
+              <a:ext uri="{FF2B5EF4-FFF2-40B4-BE49-F238E27FC236}">
+                <a16:creationId xmlns:a16="http://schemas.microsoft.com/office/drawing/2014/main" id="{606460CB-E570-43FD-893F-C1FD2E7830B3}"/>
+              </a:ext>
+            </a:extLst>
+          </p:cNvPr>
+          <p:cNvSpPr txBox="1"/>
+          <p:nvPr/>
+        </p:nvSpPr>
+        <p:spPr>
+          <a:xfrm>
+            <a:off x="811172" y="2501877"/>
+            <a:ext cx="3403087" cy="276999"/>
+          </a:xfrm>
+          <a:prstGeom prst="rect">
+            <a:avLst/>
+          </a:prstGeom>
+          <a:noFill/>
+        </p:spPr>
+        <p:txBody>
+          <a:bodyPr wrap="square" lIns="108000" rIns="108000" rtlCol="0">
+            <a:spAutoFit/>
+          </a:bodyPr>
+          <a:lstStyle/>
+          <a:p>
+            <a:pPr marL="171450" indent="-171450">
+              <a:buFont typeface="Wingdings" panose="05000000000000000000" pitchFamily="2" charset="2"/>
+              <a:buChar char="ü"/>
+            </a:pPr>
+            <a:r>
+              <a:rPr lang="fr-FR" altLang="ko-KR" sz="1200" dirty="0">
+                <a:solidFill>
+                  <a:schemeClr val="bg1"/>
+                </a:solidFill>
+                <a:ea typeface="FZShuTi" pitchFamily="2" charset="-122"/>
+                <a:cs typeface="Arial" pitchFamily="34" charset="0"/>
+              </a:rPr>
+              <a:t>État de l'application pilotée par le serveur</a:t>
+            </a:r>
+            <a:endParaRPr lang="en-US" altLang="ko-KR" sz="1200" dirty="0">
+              <a:solidFill>
+                <a:schemeClr val="bg1"/>
+              </a:solidFill>
+              <a:ea typeface="FZShuTi" pitchFamily="2" charset="-122"/>
+              <a:cs typeface="Arial" pitchFamily="34" charset="0"/>
+            </a:endParaRPr>
+          </a:p>
+        </p:txBody>
+      </p:sp>
+      <p:sp>
+        <p:nvSpPr>
+          <p:cNvPr id="13" name="TextBox 6">
+            <a:extLst>
+              <a:ext uri="{FF2B5EF4-FFF2-40B4-BE49-F238E27FC236}">
+                <a16:creationId xmlns:a16="http://schemas.microsoft.com/office/drawing/2014/main" id="{357DD274-6419-4E37-BFF2-9D9446896092}"/>
+              </a:ext>
+            </a:extLst>
+          </p:cNvPr>
+          <p:cNvSpPr txBox="1"/>
+          <p:nvPr/>
+        </p:nvSpPr>
+        <p:spPr>
+          <a:xfrm>
+            <a:off x="811172" y="2770516"/>
+            <a:ext cx="6063391" cy="276999"/>
+          </a:xfrm>
+          <a:prstGeom prst="rect">
+            <a:avLst/>
+          </a:prstGeom>
+          <a:noFill/>
+        </p:spPr>
+        <p:txBody>
+          <a:bodyPr wrap="square" lIns="108000" rIns="108000" rtlCol="0">
+            <a:spAutoFit/>
+          </a:bodyPr>
+          <a:lstStyle/>
+          <a:p>
+            <a:pPr marL="171450" indent="-171450">
+              <a:buFont typeface="Wingdings" panose="05000000000000000000" pitchFamily="2" charset="2"/>
+              <a:buChar char="ü"/>
+            </a:pPr>
+            <a:r>
+              <a:rPr lang="fr-FR" altLang="ko-KR" sz="1200" dirty="0">
+                <a:solidFill>
+                  <a:schemeClr val="bg1"/>
+                </a:solidFill>
+                <a:cs typeface="Arial" pitchFamily="34" charset="0"/>
+              </a:rPr>
+              <a:t>Découplage complet du client et du serveur permettant une évolution indépendante</a:t>
+            </a:r>
+            <a:endParaRPr lang="en-US" altLang="ko-KR" sz="1200" dirty="0">
+              <a:solidFill>
+                <a:schemeClr val="bg1"/>
+              </a:solidFill>
+              <a:ea typeface="FZShuTi" pitchFamily="2" charset="-122"/>
+              <a:cs typeface="Arial" pitchFamily="34" charset="0"/>
+            </a:endParaRPr>
+          </a:p>
+        </p:txBody>
+      </p:sp>
+      <p:sp>
+        <p:nvSpPr>
+          <p:cNvPr id="17" name="Rectangle à coins arrondis 16">
+            <a:extLst>
+              <a:ext uri="{FF2B5EF4-FFF2-40B4-BE49-F238E27FC236}">
+                <a16:creationId xmlns:a16="http://schemas.microsoft.com/office/drawing/2014/main" id="{B04823C5-AAD3-4FB3-A25D-C238181A022C}"/>
+              </a:ext>
+            </a:extLst>
+          </p:cNvPr>
+          <p:cNvSpPr/>
+          <p:nvPr/>
+        </p:nvSpPr>
+        <p:spPr>
+          <a:xfrm>
+            <a:off x="2961878" y="4020397"/>
+            <a:ext cx="5297539" cy="2593068"/>
+          </a:xfrm>
+          <a:prstGeom prst="roundRect">
+            <a:avLst/>
+          </a:prstGeom>
+          <a:solidFill>
+            <a:schemeClr val="dk1">
+              <a:alpha val="50000"/>
+            </a:schemeClr>
+          </a:solidFill>
+          <a:ln>
+            <a:solidFill>
+              <a:schemeClr val="bg1">
+                <a:lumMod val="65000"/>
+              </a:schemeClr>
+            </a:solidFill>
+          </a:ln>
+        </p:spPr>
+        <p:style>
+          <a:lnRef idx="0">
+            <a:scrgbClr r="0" g="0" b="0"/>
+          </a:lnRef>
+          <a:fillRef idx="0">
+            <a:scrgbClr r="0" g="0" b="0"/>
+          </a:fillRef>
+          <a:effectRef idx="0">
+            <a:scrgbClr r="0" g="0" b="0"/>
+          </a:effectRef>
+          <a:fontRef idx="minor">
+            <a:schemeClr val="lt1"/>
+          </a:fontRef>
+        </p:style>
+        <p:txBody>
+          <a:bodyPr rtlCol="0" anchor="ctr"/>
+          <a:lstStyle/>
+          <a:p>
+            <a:pPr algn="ctr"/>
+            <a:endParaRPr lang="en-US"/>
+          </a:p>
+        </p:txBody>
+      </p:sp>
+      <p:sp>
+        <p:nvSpPr>
+          <p:cNvPr id="18" name="TextBox 4">
+            <a:extLst>
+              <a:ext uri="{FF2B5EF4-FFF2-40B4-BE49-F238E27FC236}">
+                <a16:creationId xmlns:a16="http://schemas.microsoft.com/office/drawing/2014/main" id="{FCC6EBD0-DF5B-4EE2-A230-D05A6519618A}"/>
+              </a:ext>
+            </a:extLst>
+          </p:cNvPr>
+          <p:cNvSpPr txBox="1"/>
+          <p:nvPr/>
+        </p:nvSpPr>
+        <p:spPr>
+          <a:xfrm>
+            <a:off x="3438413" y="4089935"/>
+            <a:ext cx="1272737" cy="461665"/>
+          </a:xfrm>
+          <a:prstGeom prst="rect">
+            <a:avLst/>
+          </a:prstGeom>
+          <a:noFill/>
+        </p:spPr>
+        <p:txBody>
+          <a:bodyPr wrap="square" lIns="108000" rIns="108000" rtlCol="0" anchor="ctr">
+            <a:spAutoFit/>
+          </a:bodyPr>
+          <a:lstStyle/>
+          <a:p>
+            <a:r>
+              <a:rPr lang="en-US" altLang="ko-KR" sz="2400" b="1" dirty="0" err="1" smtClean="0">
+                <a:solidFill>
+                  <a:srgbClr val="FF0000"/>
+                </a:solidFill>
+                <a:cs typeface="Arial" pitchFamily="34" charset="0"/>
+              </a:rPr>
+              <a:t>Contre</a:t>
+            </a:r>
+            <a:endParaRPr lang="ko-KR" altLang="en-US" sz="2400" b="1" dirty="0">
+              <a:solidFill>
+                <a:srgbClr val="FF0000"/>
+              </a:solidFill>
+              <a:cs typeface="Arial" pitchFamily="34" charset="0"/>
+            </a:endParaRPr>
+          </a:p>
+        </p:txBody>
+      </p:sp>
+      <p:sp>
+        <p:nvSpPr>
+          <p:cNvPr id="19" name="TextBox 5">
+            <a:extLst>
+              <a:ext uri="{FF2B5EF4-FFF2-40B4-BE49-F238E27FC236}">
+                <a16:creationId xmlns:a16="http://schemas.microsoft.com/office/drawing/2014/main" id="{606460CB-E570-43FD-893F-C1FD2E7830B3}"/>
+              </a:ext>
+            </a:extLst>
+          </p:cNvPr>
+          <p:cNvSpPr txBox="1"/>
+          <p:nvPr/>
+        </p:nvSpPr>
+        <p:spPr>
+          <a:xfrm>
+            <a:off x="3309204" y="4621100"/>
+            <a:ext cx="5884492" cy="276999"/>
+          </a:xfrm>
+          <a:prstGeom prst="rect">
+            <a:avLst/>
+          </a:prstGeom>
+          <a:noFill/>
+        </p:spPr>
+        <p:txBody>
+          <a:bodyPr wrap="square" lIns="108000" rIns="108000" rtlCol="0">
+            <a:spAutoFit/>
+          </a:bodyPr>
+          <a:lstStyle/>
+          <a:p>
+            <a:pPr marL="171450" indent="-171450">
+              <a:buFont typeface="Wingdings" panose="05000000000000000000" pitchFamily="2" charset="2"/>
+              <a:buChar char="ü"/>
+            </a:pPr>
+            <a:r>
+              <a:rPr lang="fr-FR" sz="1200" dirty="0">
+                <a:solidFill>
+                  <a:schemeClr val="bg1"/>
+                </a:solidFill>
+              </a:rPr>
+              <a:t>Énorme barrière à l'entrée dans la formation et l'apprentissage</a:t>
+            </a:r>
+            <a:endParaRPr lang="en-US" altLang="ko-KR" sz="1200" dirty="0">
+              <a:solidFill>
+                <a:schemeClr val="bg1"/>
+              </a:solidFill>
+              <a:ea typeface="FZShuTi" pitchFamily="2" charset="-122"/>
+              <a:cs typeface="Arial" pitchFamily="34" charset="0"/>
+            </a:endParaRPr>
+          </a:p>
+        </p:txBody>
+      </p:sp>
+      <p:sp>
+        <p:nvSpPr>
+          <p:cNvPr id="20" name="TextBox 6">
+            <a:extLst>
+              <a:ext uri="{FF2B5EF4-FFF2-40B4-BE49-F238E27FC236}">
+                <a16:creationId xmlns:a16="http://schemas.microsoft.com/office/drawing/2014/main" id="{357DD274-6419-4E37-BFF2-9D9446896092}"/>
+              </a:ext>
+            </a:extLst>
+          </p:cNvPr>
+          <p:cNvSpPr txBox="1"/>
+          <p:nvPr/>
+        </p:nvSpPr>
+        <p:spPr>
+          <a:xfrm>
+            <a:off x="3309204" y="4889737"/>
+            <a:ext cx="3492471" cy="276999"/>
+          </a:xfrm>
+          <a:prstGeom prst="rect">
+            <a:avLst/>
+          </a:prstGeom>
+          <a:noFill/>
+        </p:spPr>
+        <p:txBody>
+          <a:bodyPr wrap="square" lIns="108000" rIns="108000" rtlCol="0">
+            <a:spAutoFit/>
+          </a:bodyPr>
+          <a:lstStyle/>
+          <a:p>
+            <a:pPr marL="171450" indent="-171450">
+              <a:buFont typeface="Wingdings" panose="05000000000000000000" pitchFamily="2" charset="2"/>
+              <a:buChar char="ü"/>
+            </a:pPr>
+            <a:r>
+              <a:rPr lang="fr-FR" altLang="ko-KR" sz="1200" dirty="0">
+                <a:solidFill>
+                  <a:schemeClr val="bg1"/>
+                </a:solidFill>
+                <a:cs typeface="Arial" pitchFamily="34" charset="0"/>
+              </a:rPr>
+              <a:t>Nécessite que les clients jouent avec</a:t>
+            </a:r>
+            <a:endParaRPr lang="en-US" altLang="ko-KR" sz="1200" dirty="0">
+              <a:solidFill>
+                <a:schemeClr val="bg1"/>
+              </a:solidFill>
+              <a:ea typeface="FZShuTi" pitchFamily="2" charset="-122"/>
+              <a:cs typeface="Arial" pitchFamily="34" charset="0"/>
+            </a:endParaRPr>
+          </a:p>
+        </p:txBody>
+      </p:sp>
+      <p:sp>
+        <p:nvSpPr>
+          <p:cNvPr id="21" name="TextBox 8">
+            <a:extLst>
+              <a:ext uri="{FF2B5EF4-FFF2-40B4-BE49-F238E27FC236}">
+                <a16:creationId xmlns:a16="http://schemas.microsoft.com/office/drawing/2014/main" id="{141CE8CB-F23D-49AE-931B-E064ED37F5E9}"/>
+              </a:ext>
+            </a:extLst>
+          </p:cNvPr>
+          <p:cNvSpPr txBox="1"/>
+          <p:nvPr/>
+        </p:nvSpPr>
+        <p:spPr>
+          <a:xfrm>
+            <a:off x="3309203" y="5158374"/>
+            <a:ext cx="4652039" cy="276999"/>
+          </a:xfrm>
+          <a:prstGeom prst="rect">
+            <a:avLst/>
+          </a:prstGeom>
+          <a:noFill/>
+        </p:spPr>
+        <p:txBody>
+          <a:bodyPr wrap="square" lIns="108000" rIns="108000" rtlCol="0">
+            <a:spAutoFit/>
+          </a:bodyPr>
+          <a:lstStyle/>
+          <a:p>
+            <a:pPr marL="171450" indent="-171450">
+              <a:buFont typeface="Wingdings" panose="05000000000000000000" pitchFamily="2" charset="2"/>
+              <a:buChar char="ü"/>
+            </a:pPr>
+            <a:r>
+              <a:rPr lang="fr-FR" altLang="ko-KR" sz="1200" dirty="0">
+                <a:solidFill>
+                  <a:schemeClr val="bg1"/>
+                </a:solidFill>
+                <a:cs typeface="Arial" pitchFamily="34" charset="0"/>
+              </a:rPr>
+              <a:t>Mauvais ou pas d'outillage pour les clients</a:t>
+            </a:r>
+            <a:endParaRPr lang="en-US" altLang="ko-KR" sz="1200" dirty="0">
+              <a:solidFill>
+                <a:schemeClr val="bg1"/>
+              </a:solidFill>
+              <a:ea typeface="FZShuTi" pitchFamily="2" charset="-122"/>
+              <a:cs typeface="Arial" pitchFamily="34" charset="0"/>
+            </a:endParaRPr>
+          </a:p>
+        </p:txBody>
+      </p:sp>
+      <p:sp>
+        <p:nvSpPr>
+          <p:cNvPr id="22" name="TextBox 9">
+            <a:extLst>
+              <a:ext uri="{FF2B5EF4-FFF2-40B4-BE49-F238E27FC236}">
+                <a16:creationId xmlns:a16="http://schemas.microsoft.com/office/drawing/2014/main" id="{8102D300-D7EA-4F7D-B7AA-40CD1851A935}"/>
+              </a:ext>
+            </a:extLst>
+          </p:cNvPr>
+          <p:cNvSpPr txBox="1"/>
+          <p:nvPr/>
+        </p:nvSpPr>
+        <p:spPr>
+          <a:xfrm>
+            <a:off x="3309204" y="5427011"/>
+            <a:ext cx="3641558" cy="276999"/>
+          </a:xfrm>
+          <a:prstGeom prst="rect">
+            <a:avLst/>
+          </a:prstGeom>
+          <a:noFill/>
+        </p:spPr>
+        <p:txBody>
+          <a:bodyPr wrap="square" lIns="108000" rIns="108000" rtlCol="0">
+            <a:spAutoFit/>
+          </a:bodyPr>
+          <a:lstStyle/>
+          <a:p>
+            <a:pPr marL="171450" indent="-171450">
+              <a:buFont typeface="Wingdings" panose="05000000000000000000" pitchFamily="2" charset="2"/>
+              <a:buChar char="ü"/>
+            </a:pPr>
+            <a:r>
+              <a:rPr lang="fr-FR" altLang="ko-KR" sz="1200" dirty="0">
+                <a:solidFill>
+                  <a:schemeClr val="bg1"/>
+                </a:solidFill>
+                <a:cs typeface="Arial" pitchFamily="34" charset="0"/>
+              </a:rPr>
+              <a:t>Pas de cadre ni de guide d'outillage</a:t>
+            </a:r>
+            <a:endParaRPr lang="en-US" altLang="ko-KR" sz="1200" dirty="0">
+              <a:solidFill>
+                <a:schemeClr val="bg1"/>
+              </a:solidFill>
+              <a:ea typeface="FZShuTi" pitchFamily="2" charset="-122"/>
+              <a:cs typeface="Arial" pitchFamily="34" charset="0"/>
+            </a:endParaRPr>
+          </a:p>
+        </p:txBody>
+      </p:sp>
+      <p:sp>
+        <p:nvSpPr>
+          <p:cNvPr id="23" name="TextBox 5">
+            <a:extLst>
+              <a:ext uri="{FF2B5EF4-FFF2-40B4-BE49-F238E27FC236}">
+                <a16:creationId xmlns:a16="http://schemas.microsoft.com/office/drawing/2014/main" id="{606460CB-E570-43FD-893F-C1FD2E7830B3}"/>
+              </a:ext>
+            </a:extLst>
+          </p:cNvPr>
+          <p:cNvSpPr txBox="1"/>
+          <p:nvPr/>
+        </p:nvSpPr>
+        <p:spPr>
+          <a:xfrm>
+            <a:off x="3309204" y="5695648"/>
+            <a:ext cx="3403087" cy="276999"/>
+          </a:xfrm>
+          <a:prstGeom prst="rect">
+            <a:avLst/>
+          </a:prstGeom>
+          <a:noFill/>
+        </p:spPr>
+        <p:txBody>
+          <a:bodyPr wrap="square" lIns="108000" rIns="108000" rtlCol="0">
+            <a:spAutoFit/>
+          </a:bodyPr>
+          <a:lstStyle/>
+          <a:p>
+            <a:pPr marL="171450" indent="-171450">
+              <a:buFont typeface="Wingdings" panose="05000000000000000000" pitchFamily="2" charset="2"/>
+              <a:buChar char="ü"/>
+            </a:pPr>
+            <a:r>
+              <a:rPr lang="fr-FR" altLang="ko-KR" sz="1200" dirty="0">
+                <a:solidFill>
+                  <a:schemeClr val="bg1"/>
+                </a:solidFill>
+                <a:ea typeface="FZShuTi" pitchFamily="2" charset="-122"/>
+                <a:cs typeface="Arial" pitchFamily="34" charset="0"/>
+              </a:rPr>
+              <a:t>Exige de la discipline de tous les côtés</a:t>
+            </a:r>
+            <a:endParaRPr lang="en-US" altLang="ko-KR" sz="1200" dirty="0">
+              <a:solidFill>
+                <a:schemeClr val="bg1"/>
+              </a:solidFill>
+              <a:ea typeface="FZShuTi" pitchFamily="2" charset="-122"/>
+              <a:cs typeface="Arial" pitchFamily="34" charset="0"/>
+            </a:endParaRPr>
+          </a:p>
+        </p:txBody>
+      </p:sp>
+      <p:sp>
+        <p:nvSpPr>
+          <p:cNvPr id="24" name="TextBox 6">
+            <a:extLst>
+              <a:ext uri="{FF2B5EF4-FFF2-40B4-BE49-F238E27FC236}">
+                <a16:creationId xmlns:a16="http://schemas.microsoft.com/office/drawing/2014/main" id="{357DD274-6419-4E37-BFF2-9D9446896092}"/>
+              </a:ext>
+            </a:extLst>
+          </p:cNvPr>
+          <p:cNvSpPr txBox="1"/>
+          <p:nvPr/>
+        </p:nvSpPr>
+        <p:spPr>
+          <a:xfrm>
+            <a:off x="3309204" y="5964287"/>
+            <a:ext cx="4493013" cy="276999"/>
+          </a:xfrm>
+          <a:prstGeom prst="rect">
+            <a:avLst/>
+          </a:prstGeom>
+          <a:noFill/>
+        </p:spPr>
+        <p:txBody>
+          <a:bodyPr wrap="square" lIns="108000" rIns="108000" rtlCol="0">
+            <a:spAutoFit/>
+          </a:bodyPr>
+          <a:lstStyle/>
+          <a:p>
+            <a:pPr marL="171450" indent="-171450">
+              <a:buFont typeface="Wingdings" panose="05000000000000000000" pitchFamily="2" charset="2"/>
+              <a:buChar char="ü"/>
+            </a:pPr>
+            <a:r>
+              <a:rPr lang="fr-FR" altLang="ko-KR" sz="1200" dirty="0">
+                <a:solidFill>
+                  <a:schemeClr val="bg1"/>
+                </a:solidFill>
+                <a:cs typeface="Arial" pitchFamily="34" charset="0"/>
+              </a:rPr>
+              <a:t>Difficile de garder la cohérence (à maintenir et à upgrader)</a:t>
+            </a:r>
+            <a:endParaRPr lang="en-US" altLang="ko-KR" sz="1200" dirty="0">
+              <a:solidFill>
+                <a:schemeClr val="bg1"/>
+              </a:solidFill>
+              <a:ea typeface="FZShuTi" pitchFamily="2" charset="-122"/>
+              <a:cs typeface="Arial" pitchFamily="34" charset="0"/>
+            </a:endParaRPr>
+          </a:p>
+        </p:txBody>
+      </p:sp>
+      <p:sp>
+        <p:nvSpPr>
+          <p:cNvPr id="25" name="Rectangle à coins arrondis 24">
+            <a:extLst>
+              <a:ext uri="{FF2B5EF4-FFF2-40B4-BE49-F238E27FC236}">
+                <a16:creationId xmlns:a16="http://schemas.microsoft.com/office/drawing/2014/main" id="{B04823C5-AAD3-4FB3-A25D-C238181A022C}"/>
+              </a:ext>
+            </a:extLst>
+          </p:cNvPr>
+          <p:cNvSpPr/>
+          <p:nvPr/>
+        </p:nvSpPr>
+        <p:spPr>
+          <a:xfrm>
+            <a:off x="7300282" y="1163645"/>
+            <a:ext cx="4586900" cy="1608046"/>
+          </a:xfrm>
+          <a:prstGeom prst="roundRect">
+            <a:avLst/>
+          </a:prstGeom>
+          <a:solidFill>
+            <a:schemeClr val="dk1">
+              <a:alpha val="50000"/>
+            </a:schemeClr>
+          </a:solidFill>
+          <a:ln>
+            <a:solidFill>
+              <a:schemeClr val="bg1">
+                <a:lumMod val="65000"/>
+              </a:schemeClr>
+            </a:solidFill>
+          </a:ln>
+        </p:spPr>
+        <p:style>
+          <a:lnRef idx="0">
+            <a:scrgbClr r="0" g="0" b="0"/>
+          </a:lnRef>
+          <a:fillRef idx="0">
+            <a:scrgbClr r="0" g="0" b="0"/>
+          </a:fillRef>
+          <a:effectRef idx="0">
+            <a:scrgbClr r="0" g="0" b="0"/>
+          </a:effectRef>
+          <a:fontRef idx="minor">
+            <a:schemeClr val="lt1"/>
+          </a:fontRef>
+        </p:style>
+        <p:txBody>
+          <a:bodyPr rtlCol="0" anchor="ctr"/>
+          <a:lstStyle/>
+          <a:p>
+            <a:pPr algn="ctr"/>
+            <a:endParaRPr lang="en-US"/>
+          </a:p>
+        </p:txBody>
+      </p:sp>
+      <p:sp>
+        <p:nvSpPr>
+          <p:cNvPr id="26" name="TextBox 4">
+            <a:extLst>
+              <a:ext uri="{FF2B5EF4-FFF2-40B4-BE49-F238E27FC236}">
+                <a16:creationId xmlns:a16="http://schemas.microsoft.com/office/drawing/2014/main" id="{FCC6EBD0-DF5B-4EE2-A230-D05A6519618A}"/>
+              </a:ext>
+            </a:extLst>
+          </p:cNvPr>
+          <p:cNvSpPr txBox="1"/>
+          <p:nvPr/>
+        </p:nvSpPr>
+        <p:spPr>
+          <a:xfrm>
+            <a:off x="7692343" y="1267225"/>
+            <a:ext cx="1232978" cy="461665"/>
+          </a:xfrm>
+          <a:prstGeom prst="rect">
+            <a:avLst/>
+          </a:prstGeom>
+          <a:noFill/>
+        </p:spPr>
+        <p:txBody>
+          <a:bodyPr wrap="square" lIns="108000" rIns="108000" rtlCol="0" anchor="ctr">
+            <a:spAutoFit/>
+          </a:bodyPr>
+          <a:lstStyle/>
+          <a:p>
+            <a:r>
+              <a:rPr lang="en-US" altLang="ko-KR" sz="2400" b="1" dirty="0" err="1" smtClean="0">
+                <a:solidFill>
+                  <a:schemeClr val="accent2">
+                    <a:lumMod val="60000"/>
+                    <a:lumOff val="40000"/>
+                  </a:schemeClr>
+                </a:solidFill>
+                <a:cs typeface="Arial" pitchFamily="34" charset="0"/>
+              </a:rPr>
+              <a:t>Neutre</a:t>
+            </a:r>
+            <a:endParaRPr lang="ko-KR" altLang="en-US" sz="2400" b="1" dirty="0">
+              <a:solidFill>
+                <a:schemeClr val="accent2">
+                  <a:lumMod val="60000"/>
+                  <a:lumOff val="40000"/>
+                </a:schemeClr>
+              </a:solidFill>
+              <a:cs typeface="Arial" pitchFamily="34" charset="0"/>
+            </a:endParaRPr>
+          </a:p>
+        </p:txBody>
+      </p:sp>
+      <p:sp>
+        <p:nvSpPr>
+          <p:cNvPr id="27" name="TextBox 5">
+            <a:extLst>
+              <a:ext uri="{FF2B5EF4-FFF2-40B4-BE49-F238E27FC236}">
+                <a16:creationId xmlns:a16="http://schemas.microsoft.com/office/drawing/2014/main" id="{606460CB-E570-43FD-893F-C1FD2E7830B3}"/>
+              </a:ext>
+            </a:extLst>
+          </p:cNvPr>
+          <p:cNvSpPr txBox="1"/>
+          <p:nvPr/>
+        </p:nvSpPr>
+        <p:spPr>
+          <a:xfrm>
+            <a:off x="7567566" y="1827681"/>
+            <a:ext cx="4463197" cy="276999"/>
+          </a:xfrm>
+          <a:prstGeom prst="rect">
+            <a:avLst/>
+          </a:prstGeom>
+          <a:noFill/>
+        </p:spPr>
+        <p:txBody>
+          <a:bodyPr wrap="square" lIns="108000" rIns="108000" rtlCol="0">
+            <a:spAutoFit/>
+          </a:bodyPr>
+          <a:lstStyle/>
+          <a:p>
+            <a:pPr marL="171450" indent="-171450">
+              <a:buFont typeface="Wingdings" panose="05000000000000000000" pitchFamily="2" charset="2"/>
+              <a:buChar char="ü"/>
+            </a:pPr>
+            <a:r>
+              <a:rPr lang="fr-FR" sz="1200" dirty="0">
+                <a:solidFill>
+                  <a:schemeClr val="bg1"/>
+                </a:solidFill>
+              </a:rPr>
+              <a:t>Vous devez penser aux cas d'utilisation dès la conception.</a:t>
+            </a:r>
+            <a:endParaRPr lang="en-US" altLang="ko-KR" sz="1200" dirty="0">
+              <a:solidFill>
+                <a:schemeClr val="bg1"/>
+              </a:solidFill>
+              <a:ea typeface="FZShuTi" pitchFamily="2" charset="-122"/>
+              <a:cs typeface="Arial" pitchFamily="34" charset="0"/>
+            </a:endParaRPr>
+          </a:p>
+        </p:txBody>
+      </p:sp>
+      <p:sp>
+        <p:nvSpPr>
+          <p:cNvPr id="28" name="TextBox 6">
+            <a:extLst>
+              <a:ext uri="{FF2B5EF4-FFF2-40B4-BE49-F238E27FC236}">
+                <a16:creationId xmlns:a16="http://schemas.microsoft.com/office/drawing/2014/main" id="{357DD274-6419-4E37-BFF2-9D9446896092}"/>
+              </a:ext>
+            </a:extLst>
+          </p:cNvPr>
+          <p:cNvSpPr txBox="1"/>
+          <p:nvPr/>
+        </p:nvSpPr>
+        <p:spPr>
+          <a:xfrm>
+            <a:off x="7563133" y="2067027"/>
+            <a:ext cx="4204779" cy="276999"/>
+          </a:xfrm>
+          <a:prstGeom prst="rect">
+            <a:avLst/>
+          </a:prstGeom>
+          <a:noFill/>
+        </p:spPr>
+        <p:txBody>
+          <a:bodyPr wrap="square" lIns="108000" rIns="108000" rtlCol="0">
+            <a:spAutoFit/>
+          </a:bodyPr>
+          <a:lstStyle/>
+          <a:p>
+            <a:pPr marL="171450" indent="-171450">
+              <a:buFont typeface="Wingdings" panose="05000000000000000000" pitchFamily="2" charset="2"/>
+              <a:buChar char="ü"/>
+            </a:pPr>
+            <a:r>
+              <a:rPr lang="fr-FR" altLang="ko-KR" sz="1200" dirty="0">
+                <a:solidFill>
+                  <a:schemeClr val="bg1"/>
+                </a:solidFill>
+                <a:cs typeface="Arial" pitchFamily="34" charset="0"/>
+              </a:rPr>
+              <a:t>API multiples pour les besoins spécifiques des clients</a:t>
+            </a:r>
+            <a:endParaRPr lang="en-US" altLang="ko-KR" sz="1200" dirty="0">
+              <a:solidFill>
+                <a:schemeClr val="bg1"/>
+              </a:solidFill>
+              <a:ea typeface="FZShuTi" pitchFamily="2" charset="-122"/>
+              <a:cs typeface="Arial" pitchFamily="34" charset="0"/>
+            </a:endParaRPr>
+          </a:p>
+        </p:txBody>
+      </p:sp>
+      <p:sp>
+        <p:nvSpPr>
+          <p:cNvPr id="29" name="TextBox 8">
+            <a:extLst>
+              <a:ext uri="{FF2B5EF4-FFF2-40B4-BE49-F238E27FC236}">
+                <a16:creationId xmlns:a16="http://schemas.microsoft.com/office/drawing/2014/main" id="{141CE8CB-F23D-49AE-931B-E064ED37F5E9}"/>
+              </a:ext>
+            </a:extLst>
+          </p:cNvPr>
+          <p:cNvSpPr txBox="1"/>
+          <p:nvPr/>
+        </p:nvSpPr>
+        <p:spPr>
+          <a:xfrm>
+            <a:off x="7563132" y="2335664"/>
+            <a:ext cx="4204779" cy="276999"/>
+          </a:xfrm>
+          <a:prstGeom prst="rect">
+            <a:avLst/>
+          </a:prstGeom>
+          <a:noFill/>
+        </p:spPr>
+        <p:txBody>
+          <a:bodyPr wrap="square" lIns="108000" rIns="108000" rtlCol="0">
+            <a:spAutoFit/>
+          </a:bodyPr>
+          <a:lstStyle/>
+          <a:p>
+            <a:pPr marL="171450" indent="-171450">
+              <a:buFont typeface="Wingdings" panose="05000000000000000000" pitchFamily="2" charset="2"/>
+              <a:buChar char="ü"/>
+            </a:pPr>
+            <a:r>
+              <a:rPr lang="fr-FR" altLang="ko-KR" sz="1200" dirty="0">
+                <a:solidFill>
+                  <a:schemeClr val="bg1"/>
+                </a:solidFill>
+                <a:cs typeface="Arial" pitchFamily="34" charset="0"/>
+              </a:rPr>
+              <a:t>Aucune documentation de référence </a:t>
+            </a:r>
+            <a:r>
+              <a:rPr lang="fr-FR" altLang="ko-KR" sz="1200" dirty="0" smtClean="0">
+                <a:solidFill>
+                  <a:schemeClr val="bg1"/>
+                </a:solidFill>
+                <a:cs typeface="Arial" pitchFamily="34" charset="0"/>
+              </a:rPr>
+              <a:t>requise</a:t>
+            </a:r>
+            <a:endParaRPr lang="en-US" altLang="ko-KR" sz="1200" dirty="0">
+              <a:solidFill>
+                <a:schemeClr val="bg1"/>
+              </a:solidFill>
+              <a:ea typeface="FZShuTi" pitchFamily="2" charset="-122"/>
+              <a:cs typeface="Arial" pitchFamily="34" charset="0"/>
+            </a:endParaRPr>
+          </a:p>
+        </p:txBody>
+      </p:sp>
+    </p:spTree>
+    <p:extLst>
+      <p:ext uri="{BB962C8B-B14F-4D97-AF65-F5344CB8AC3E}">
+        <p14:creationId xmlns:p14="http://schemas.microsoft.com/office/powerpoint/2010/main" val="1890695372"/>
+      </p:ext>
+    </p:extLst>
+  </p:cSld>
+  <p:clrMapOvr>
+    <a:masterClrMapping/>
+  </p:clrMapOvr>
+  <p:timing>
+    <p:tnLst>
+      <p:par>
+        <p:cTn id="1" dur="indefinite" restart="never" nodeType="tmRoot"/>
+      </p:par>
+    </p:tnLst>
+  </p:timing>
+</p:sld>
+</file>
+
+<file path=ppt/slides/slide17.xml><?xml version="1.0" encoding="utf-8"?>
+<p:sld xmlns:a="http://schemas.openxmlformats.org/drawingml/2006/main" xmlns:r="http://schemas.openxmlformats.org/officeDocument/2006/relationships" xmlns:p="http://schemas.openxmlformats.org/presentationml/2006/main">
+  <p:cSld>
+    <p:spTree>
+      <p:nvGrpSpPr>
+        <p:cNvPr id="1" name=""/>
+        <p:cNvGrpSpPr/>
+        <p:nvPr/>
+      </p:nvGrpSpPr>
+      <p:grpSpPr>
+        <a:xfrm>
+          <a:off x="0" y="0"/>
+          <a:ext cx="0" cy="0"/>
+          <a:chOff x="0" y="0"/>
+          <a:chExt cx="0" cy="0"/>
+        </a:xfrm>
+      </p:grpSpPr>
+      <p:sp>
+        <p:nvSpPr>
           <p:cNvPr id="40" name="TextBox 9">
             <a:extLst>
               <a:ext uri="{FF2B5EF4-FFF2-40B4-BE49-F238E27FC236}">
@@ -10660,7 +12876,7 @@
 </p:sld>
 </file>
 
-<file path=ppt/slides/slide17.xml><?xml version="1.0" encoding="utf-8"?>
+<file path=ppt/slides/slide18.xml><?xml version="1.0" encoding="utf-8"?>
 <p:sld xmlns:a="http://schemas.openxmlformats.org/drawingml/2006/main" xmlns:r="http://schemas.openxmlformats.org/officeDocument/2006/relationships" xmlns:p="http://schemas.openxmlformats.org/presentationml/2006/main">
   <p:cSld>
     <p:spTree>
@@ -11093,7 +13309,7 @@
 </p:sld>
 </file>
 
-<file path=ppt/slides/slide18.xml><?xml version="1.0" encoding="utf-8"?>
+<file path=ppt/slides/slide19.xml><?xml version="1.0" encoding="utf-8"?>
 <p:sld xmlns:a="http://schemas.openxmlformats.org/drawingml/2006/main" xmlns:r="http://schemas.openxmlformats.org/officeDocument/2006/relationships" xmlns:p="http://schemas.openxmlformats.org/presentationml/2006/main">
   <p:cSld>
     <p:spTree>
@@ -12634,638 +14850,6 @@
 </p:sld>
 </file>
 
-<file path=ppt/slides/slide19.xml><?xml version="1.0" encoding="utf-8"?>
-<p:sld xmlns:a="http://schemas.openxmlformats.org/drawingml/2006/main" xmlns:r="http://schemas.openxmlformats.org/officeDocument/2006/relationships" xmlns:p="http://schemas.openxmlformats.org/presentationml/2006/main">
-  <p:cSld>
-    <p:spTree>
-      <p:nvGrpSpPr>
-        <p:cNvPr id="1" name=""/>
-        <p:cNvGrpSpPr/>
-        <p:nvPr/>
-      </p:nvGrpSpPr>
-      <p:grpSpPr>
-        <a:xfrm>
-          <a:off x="0" y="0"/>
-          <a:ext cx="0" cy="0"/>
-          <a:chOff x="0" y="0"/>
-          <a:chExt cx="0" cy="0"/>
-        </a:xfrm>
-      </p:grpSpPr>
-      <p:sp>
-        <p:nvSpPr>
-          <p:cNvPr id="10" name="TextBox 9">
-            <a:extLst>
-              <a:ext uri="{FF2B5EF4-FFF2-40B4-BE49-F238E27FC236}">
-                <a16:creationId xmlns:a16="http://schemas.microsoft.com/office/drawing/2014/main" id="{22EACE2C-F0BB-4B26-BDA0-E1B66FC049A7}"/>
-              </a:ext>
-            </a:extLst>
-          </p:cNvPr>
-          <p:cNvSpPr txBox="1"/>
-          <p:nvPr/>
-        </p:nvSpPr>
-        <p:spPr>
-          <a:xfrm>
-            <a:off x="382441" y="189912"/>
-            <a:ext cx="10969804" cy="830997"/>
-          </a:xfrm>
-          <a:prstGeom prst="rect">
-            <a:avLst/>
-          </a:prstGeom>
-          <a:noFill/>
-        </p:spPr>
-        <p:txBody>
-          <a:bodyPr wrap="square" rtlCol="0" anchor="ctr">
-            <a:spAutoFit/>
-          </a:bodyPr>
-          <a:lstStyle/>
-          <a:p>
-            <a:r>
-              <a:rPr lang="fr-FR" altLang="ko-KR" sz="4800" b="1" dirty="0">
-                <a:solidFill>
-                  <a:schemeClr val="bg1"/>
-                </a:solidFill>
-                <a:latin typeface="+mj-lt"/>
-                <a:cs typeface="Arial" pitchFamily="34" charset="0"/>
-              </a:rPr>
-              <a:t>Quelles </a:t>
-            </a:r>
-            <a:r>
-              <a:rPr lang="fr-FR" altLang="ko-KR" sz="4800" b="1" dirty="0" smtClean="0">
-                <a:solidFill>
-                  <a:schemeClr val="bg1"/>
-                </a:solidFill>
-                <a:latin typeface="+mj-lt"/>
-                <a:cs typeface="Arial" pitchFamily="34" charset="0"/>
-              </a:rPr>
-              <a:t>conséquences ?</a:t>
-            </a:r>
-            <a:endParaRPr lang="ko-KR" altLang="en-US" sz="4800" b="1" dirty="0">
-              <a:solidFill>
-                <a:schemeClr val="bg1"/>
-              </a:solidFill>
-              <a:latin typeface="+mj-lt"/>
-              <a:cs typeface="Arial" pitchFamily="34" charset="0"/>
-            </a:endParaRPr>
-          </a:p>
-        </p:txBody>
-      </p:sp>
-      <p:sp>
-        <p:nvSpPr>
-          <p:cNvPr id="4" name="Rectangle 3">
-            <a:extLst>
-              <a:ext uri="{FF2B5EF4-FFF2-40B4-BE49-F238E27FC236}">
-                <a16:creationId xmlns:a16="http://schemas.microsoft.com/office/drawing/2014/main" id="{B04823C5-AAD3-4FB3-A25D-C238181A022C}"/>
-              </a:ext>
-            </a:extLst>
-          </p:cNvPr>
-          <p:cNvSpPr/>
-          <p:nvPr/>
-        </p:nvSpPr>
-        <p:spPr>
-          <a:xfrm>
-            <a:off x="1118929" y="1667628"/>
-            <a:ext cx="10233316" cy="3128308"/>
-          </a:xfrm>
-          <a:prstGeom prst="rect">
-            <a:avLst/>
-          </a:prstGeom>
-          <a:solidFill>
-            <a:schemeClr val="tx2">
-              <a:lumMod val="50000"/>
-              <a:alpha val="70000"/>
-            </a:schemeClr>
-          </a:solidFill>
-          <a:ln>
-            <a:noFill/>
-          </a:ln>
-          <a:effectLst>
-            <a:outerShdw blurRad="63500" sx="102000" sy="102000" algn="ctr" rotWithShape="0">
-              <a:prstClr val="black">
-                <a:alpha val="40000"/>
-              </a:prstClr>
-            </a:outerShdw>
-          </a:effectLst>
-        </p:spPr>
-        <p:style>
-          <a:lnRef idx="2">
-            <a:schemeClr val="accent1">
-              <a:shade val="50000"/>
-            </a:schemeClr>
-          </a:lnRef>
-          <a:fillRef idx="1">
-            <a:schemeClr val="accent1"/>
-          </a:fillRef>
-          <a:effectRef idx="0">
-            <a:schemeClr val="accent1"/>
-          </a:effectRef>
-          <a:fontRef idx="minor">
-            <a:schemeClr val="lt1"/>
-          </a:fontRef>
-        </p:style>
-        <p:txBody>
-          <a:bodyPr rtlCol="0" anchor="ctr"/>
-          <a:lstStyle/>
-          <a:p>
-            <a:pPr algn="ctr"/>
-            <a:endParaRPr lang="en-US"/>
-          </a:p>
-        </p:txBody>
-      </p:sp>
-      <p:sp>
-        <p:nvSpPr>
-          <p:cNvPr id="5" name="Rectangle: Rounded Corners 19">
-            <a:extLst>
-              <a:ext uri="{FF2B5EF4-FFF2-40B4-BE49-F238E27FC236}">
-                <a16:creationId xmlns:a16="http://schemas.microsoft.com/office/drawing/2014/main" id="{79426DEA-E145-4CB5-A124-03449CFBB3D2}"/>
-              </a:ext>
-            </a:extLst>
-          </p:cNvPr>
-          <p:cNvSpPr/>
-          <p:nvPr/>
-        </p:nvSpPr>
-        <p:spPr>
-          <a:xfrm>
-            <a:off x="872743" y="1436346"/>
-            <a:ext cx="2728872" cy="508280"/>
-          </a:xfrm>
-          <a:prstGeom prst="roundRect">
-            <a:avLst>
-              <a:gd name="adj" fmla="val 16667"/>
-            </a:avLst>
-          </a:prstGeom>
-          <a:solidFill>
-            <a:schemeClr val="accent4"/>
-          </a:solidFill>
-          <a:ln>
-            <a:noFill/>
-          </a:ln>
-          <a:effectLst>
-            <a:outerShdw blurRad="63500" sx="102000" sy="102000" algn="ctr" rotWithShape="0">
-              <a:prstClr val="black">
-                <a:alpha val="40000"/>
-              </a:prstClr>
-            </a:outerShdw>
-          </a:effectLst>
-        </p:spPr>
-        <p:style>
-          <a:lnRef idx="2">
-            <a:schemeClr val="accent1">
-              <a:shade val="50000"/>
-            </a:schemeClr>
-          </a:lnRef>
-          <a:fillRef idx="1">
-            <a:schemeClr val="accent1"/>
-          </a:fillRef>
-          <a:effectRef idx="0">
-            <a:schemeClr val="accent1"/>
-          </a:effectRef>
-          <a:fontRef idx="minor">
-            <a:schemeClr val="lt1"/>
-          </a:fontRef>
-        </p:style>
-        <p:txBody>
-          <a:bodyPr rtlCol="0" anchor="ctr"/>
-          <a:lstStyle/>
-          <a:p>
-            <a:pPr algn="ctr"/>
-            <a:endParaRPr lang="en-US"/>
-          </a:p>
-        </p:txBody>
-      </p:sp>
-      <p:sp>
-        <p:nvSpPr>
-          <p:cNvPr id="6" name="TextBox 20">
-            <a:extLst>
-              <a:ext uri="{FF2B5EF4-FFF2-40B4-BE49-F238E27FC236}">
-                <a16:creationId xmlns:a16="http://schemas.microsoft.com/office/drawing/2014/main" id="{D5DFB5B5-FA64-4BEE-B753-0656AB389907}"/>
-              </a:ext>
-            </a:extLst>
-          </p:cNvPr>
-          <p:cNvSpPr txBox="1"/>
-          <p:nvPr/>
-        </p:nvSpPr>
-        <p:spPr>
-          <a:xfrm>
-            <a:off x="933060" y="1541054"/>
-            <a:ext cx="2668555" cy="276999"/>
-          </a:xfrm>
-          <a:prstGeom prst="rect">
-            <a:avLst/>
-          </a:prstGeom>
-          <a:noFill/>
-        </p:spPr>
-        <p:txBody>
-          <a:bodyPr wrap="square" rtlCol="0">
-            <a:spAutoFit/>
-          </a:bodyPr>
-          <a:lstStyle/>
-          <a:p>
-            <a:pPr algn="ctr"/>
-            <a:r>
-              <a:rPr lang="en-US" altLang="ko-KR" sz="1200" b="1" dirty="0" err="1" smtClean="0">
-                <a:solidFill>
-                  <a:schemeClr val="bg1"/>
-                </a:solidFill>
-                <a:cs typeface="Arial" pitchFamily="34" charset="0"/>
-              </a:rPr>
-              <a:t>Qu’est-ce</a:t>
-            </a:r>
-            <a:r>
-              <a:rPr lang="en-US" altLang="ko-KR" sz="1200" b="1" dirty="0" smtClean="0">
-                <a:solidFill>
-                  <a:schemeClr val="bg1"/>
-                </a:solidFill>
-                <a:cs typeface="Arial" pitchFamily="34" charset="0"/>
-              </a:rPr>
-              <a:t> </a:t>
-            </a:r>
-            <a:r>
-              <a:rPr lang="en-US" altLang="ko-KR" sz="1200" b="1" dirty="0" err="1" smtClean="0">
-                <a:solidFill>
-                  <a:schemeClr val="bg1"/>
-                </a:solidFill>
-                <a:cs typeface="Arial" pitchFamily="34" charset="0"/>
-              </a:rPr>
-              <a:t>qu’une</a:t>
-            </a:r>
-            <a:r>
-              <a:rPr lang="en-US" altLang="ko-KR" sz="1200" b="1" dirty="0" smtClean="0">
-                <a:solidFill>
-                  <a:schemeClr val="bg1"/>
-                </a:solidFill>
-                <a:cs typeface="Arial" pitchFamily="34" charset="0"/>
-              </a:rPr>
-              <a:t> API </a:t>
-            </a:r>
-            <a:r>
-              <a:rPr lang="en-US" altLang="ko-KR" sz="1200" b="1" dirty="0" err="1" smtClean="0">
-                <a:solidFill>
-                  <a:schemeClr val="bg1"/>
-                </a:solidFill>
-                <a:cs typeface="Arial" pitchFamily="34" charset="0"/>
-              </a:rPr>
-              <a:t>GraphQl</a:t>
-            </a:r>
-            <a:endParaRPr lang="ko-KR" altLang="en-US" sz="1200" b="1" dirty="0">
-              <a:solidFill>
-                <a:schemeClr val="bg1"/>
-              </a:solidFill>
-              <a:cs typeface="Arial" pitchFamily="34" charset="0"/>
-            </a:endParaRPr>
-          </a:p>
-        </p:txBody>
-      </p:sp>
-      <p:sp>
-        <p:nvSpPr>
-          <p:cNvPr id="7" name="TextBox 21">
-            <a:extLst>
-              <a:ext uri="{FF2B5EF4-FFF2-40B4-BE49-F238E27FC236}">
-                <a16:creationId xmlns:a16="http://schemas.microsoft.com/office/drawing/2014/main" id="{D6C24BE7-F4B7-4B22-90D0-D58085FC6A1F}"/>
-              </a:ext>
-            </a:extLst>
-          </p:cNvPr>
-          <p:cNvSpPr txBox="1"/>
-          <p:nvPr/>
-        </p:nvSpPr>
-        <p:spPr>
-          <a:xfrm>
-            <a:off x="1118929" y="1944626"/>
-            <a:ext cx="10052924" cy="2677656"/>
-          </a:xfrm>
-          <a:prstGeom prst="rect">
-            <a:avLst/>
-          </a:prstGeom>
-          <a:noFill/>
-        </p:spPr>
-        <p:txBody>
-          <a:bodyPr wrap="square" rtlCol="0">
-            <a:spAutoFit/>
-          </a:bodyPr>
-          <a:lstStyle/>
-          <a:p>
-            <a:pPr algn="just"/>
-            <a:r>
-              <a:rPr lang="fr-FR" altLang="ko-KR" sz="1200" dirty="0" err="1" smtClean="0">
-                <a:solidFill>
-                  <a:schemeClr val="bg1"/>
-                </a:solidFill>
-                <a:latin typeface="Arial" pitchFamily="34" charset="0"/>
-                <a:cs typeface="Arial" pitchFamily="34" charset="0"/>
-              </a:rPr>
-              <a:t>GraphQL</a:t>
-            </a:r>
-            <a:r>
-              <a:rPr lang="fr-FR" altLang="ko-KR" sz="1200" dirty="0" smtClean="0">
-                <a:solidFill>
-                  <a:schemeClr val="bg1"/>
-                </a:solidFill>
-                <a:latin typeface="Arial" pitchFamily="34" charset="0"/>
-                <a:cs typeface="Arial" pitchFamily="34" charset="0"/>
-              </a:rPr>
-              <a:t> (QL pour </a:t>
-            </a:r>
-            <a:r>
-              <a:rPr lang="fr-FR" altLang="ko-KR" sz="1200" dirty="0" err="1" smtClean="0">
-                <a:solidFill>
-                  <a:schemeClr val="bg1"/>
-                </a:solidFill>
-                <a:latin typeface="Arial" pitchFamily="34" charset="0"/>
-                <a:cs typeface="Arial" pitchFamily="34" charset="0"/>
-              </a:rPr>
-              <a:t>Query</a:t>
-            </a:r>
-            <a:r>
-              <a:rPr lang="fr-FR" altLang="ko-KR" sz="1200" dirty="0" smtClean="0">
-                <a:solidFill>
-                  <a:schemeClr val="bg1"/>
-                </a:solidFill>
-                <a:latin typeface="Arial" pitchFamily="34" charset="0"/>
-                <a:cs typeface="Arial" pitchFamily="34" charset="0"/>
-              </a:rPr>
-              <a:t> </a:t>
-            </a:r>
-            <a:r>
-              <a:rPr lang="fr-FR" altLang="ko-KR" sz="1200" dirty="0" err="1" smtClean="0">
-                <a:solidFill>
-                  <a:schemeClr val="bg1"/>
-                </a:solidFill>
-                <a:latin typeface="Arial" pitchFamily="34" charset="0"/>
-                <a:cs typeface="Arial" pitchFamily="34" charset="0"/>
-              </a:rPr>
-              <a:t>Language</a:t>
-            </a:r>
-            <a:r>
-              <a:rPr lang="fr-FR" altLang="ko-KR" sz="1200" dirty="0" smtClean="0">
-                <a:solidFill>
-                  <a:schemeClr val="bg1"/>
-                </a:solidFill>
-                <a:latin typeface="Arial" pitchFamily="34" charset="0"/>
-                <a:cs typeface="Arial" pitchFamily="34" charset="0"/>
-              </a:rPr>
-              <a:t>) est un langage de requête pour les API. Il propose une approche totalement différente des API REST. </a:t>
-            </a:r>
-          </a:p>
-          <a:p>
-            <a:pPr algn="just"/>
-            <a:endParaRPr lang="fr-FR" altLang="ko-KR" sz="1200" dirty="0" smtClean="0">
-              <a:solidFill>
-                <a:schemeClr val="bg1"/>
-              </a:solidFill>
-              <a:latin typeface="Arial" pitchFamily="34" charset="0"/>
-              <a:cs typeface="Arial" pitchFamily="34" charset="0"/>
-            </a:endParaRPr>
-          </a:p>
-          <a:p>
-            <a:pPr algn="just"/>
-            <a:r>
-              <a:rPr lang="fr-FR" altLang="ko-KR" sz="1200" dirty="0" smtClean="0">
-                <a:solidFill>
-                  <a:schemeClr val="bg1"/>
-                </a:solidFill>
-                <a:latin typeface="Arial" pitchFamily="34" charset="0"/>
-                <a:cs typeface="Arial" pitchFamily="34" charset="0"/>
-              </a:rPr>
-              <a:t>Développé et utilisé en production par Facebook en 2012, il est ouvert au grand public en 2015. Depuis d’autres sociétés, dont GitHub, se sont lancées dans l’aventure. </a:t>
-            </a:r>
-          </a:p>
-          <a:p>
-            <a:pPr algn="just"/>
-            <a:endParaRPr lang="fr-FR" altLang="ko-KR" sz="1200" dirty="0" smtClean="0">
-              <a:solidFill>
-                <a:schemeClr val="bg1"/>
-              </a:solidFill>
-              <a:latin typeface="Arial" pitchFamily="34" charset="0"/>
-              <a:cs typeface="Arial" pitchFamily="34" charset="0"/>
-            </a:endParaRPr>
-          </a:p>
-          <a:p>
-            <a:pPr algn="just"/>
-            <a:r>
-              <a:rPr lang="fr-FR" altLang="ko-KR" sz="1200" dirty="0" smtClean="0">
-                <a:solidFill>
-                  <a:schemeClr val="bg1"/>
-                </a:solidFill>
-                <a:latin typeface="Arial" pitchFamily="34" charset="0"/>
-                <a:cs typeface="Arial" pitchFamily="34" charset="0"/>
-              </a:rPr>
-              <a:t>Contrairement </a:t>
-            </a:r>
-            <a:r>
-              <a:rPr lang="fr-FR" altLang="ko-KR" sz="1200" dirty="0">
-                <a:solidFill>
-                  <a:schemeClr val="bg1"/>
-                </a:solidFill>
-                <a:latin typeface="Arial" pitchFamily="34" charset="0"/>
-                <a:cs typeface="Arial" pitchFamily="34" charset="0"/>
-              </a:rPr>
-              <a:t>à REST, </a:t>
-            </a:r>
-            <a:r>
-              <a:rPr lang="fr-FR" altLang="ko-KR" sz="1200" dirty="0" err="1">
-                <a:solidFill>
-                  <a:schemeClr val="bg1"/>
-                </a:solidFill>
-                <a:latin typeface="Arial" pitchFamily="34" charset="0"/>
-                <a:cs typeface="Arial" pitchFamily="34" charset="0"/>
-              </a:rPr>
-              <a:t>GraphQL</a:t>
-            </a:r>
-            <a:r>
-              <a:rPr lang="fr-FR" altLang="ko-KR" sz="1200" dirty="0">
-                <a:solidFill>
-                  <a:schemeClr val="bg1"/>
-                </a:solidFill>
-                <a:latin typeface="Arial" pitchFamily="34" charset="0"/>
-                <a:cs typeface="Arial" pitchFamily="34" charset="0"/>
-              </a:rPr>
-              <a:t> permet de centraliser les requêtes dans un seul point d’entrée, les opérations à effectuer sont passées dans la requête </a:t>
-            </a:r>
-            <a:r>
-              <a:rPr lang="fr-FR" altLang="ko-KR" sz="1200" dirty="0" smtClean="0">
-                <a:solidFill>
-                  <a:schemeClr val="bg1"/>
-                </a:solidFill>
-                <a:latin typeface="Arial" pitchFamily="34" charset="0"/>
-                <a:cs typeface="Arial" pitchFamily="34" charset="0"/>
-              </a:rPr>
-              <a:t>elle-même, </a:t>
-            </a:r>
-            <a:r>
-              <a:rPr lang="fr-FR" altLang="ko-KR" sz="1200" dirty="0" err="1">
-                <a:solidFill>
-                  <a:schemeClr val="bg1"/>
-                </a:solidFill>
-                <a:latin typeface="Arial" pitchFamily="34" charset="0"/>
-                <a:cs typeface="Arial" pitchFamily="34" charset="0"/>
-              </a:rPr>
-              <a:t>GraphQL</a:t>
-            </a:r>
-            <a:r>
-              <a:rPr lang="fr-FR" altLang="ko-KR" sz="1200" dirty="0">
-                <a:solidFill>
-                  <a:schemeClr val="bg1"/>
-                </a:solidFill>
-                <a:latin typeface="Arial" pitchFamily="34" charset="0"/>
-                <a:cs typeface="Arial" pitchFamily="34" charset="0"/>
-              </a:rPr>
-              <a:t> permet aussi de faire des requêtes imbriquées pour obtenir d’un seul coup </a:t>
-            </a:r>
-            <a:r>
-              <a:rPr lang="fr-FR" altLang="ko-KR" sz="1200" dirty="0" smtClean="0">
-                <a:solidFill>
-                  <a:schemeClr val="bg1"/>
-                </a:solidFill>
-                <a:latin typeface="Arial" pitchFamily="34" charset="0"/>
-                <a:cs typeface="Arial" pitchFamily="34" charset="0"/>
-              </a:rPr>
-              <a:t>toutes les données.</a:t>
-            </a:r>
-            <a:endParaRPr lang="fr-FR" altLang="ko-KR" sz="1200" dirty="0">
-              <a:solidFill>
-                <a:schemeClr val="bg1"/>
-              </a:solidFill>
-              <a:latin typeface="Arial" pitchFamily="34" charset="0"/>
-              <a:cs typeface="Arial" pitchFamily="34" charset="0"/>
-            </a:endParaRPr>
-          </a:p>
-          <a:p>
-            <a:pPr algn="just"/>
-            <a:endParaRPr lang="fr-FR" altLang="ko-KR" sz="1200" dirty="0">
-              <a:solidFill>
-                <a:schemeClr val="bg1"/>
-              </a:solidFill>
-              <a:latin typeface="Arial" pitchFamily="34" charset="0"/>
-              <a:cs typeface="Arial" pitchFamily="34" charset="0"/>
-            </a:endParaRPr>
-          </a:p>
-          <a:p>
-            <a:pPr algn="just"/>
-            <a:r>
-              <a:rPr lang="fr-FR" altLang="ko-KR" sz="1200" dirty="0" err="1">
-                <a:solidFill>
-                  <a:schemeClr val="bg1"/>
-                </a:solidFill>
-                <a:latin typeface="Arial" pitchFamily="34" charset="0"/>
-                <a:cs typeface="Arial" pitchFamily="34" charset="0"/>
-              </a:rPr>
-              <a:t>GraphQL</a:t>
-            </a:r>
-            <a:r>
-              <a:rPr lang="fr-FR" altLang="ko-KR" sz="1200" dirty="0">
-                <a:solidFill>
-                  <a:schemeClr val="bg1"/>
-                </a:solidFill>
-                <a:latin typeface="Arial" pitchFamily="34" charset="0"/>
-                <a:cs typeface="Arial" pitchFamily="34" charset="0"/>
-              </a:rPr>
-              <a:t> est venu résoudre d’autre lacunes de REST, et notamment : </a:t>
-            </a:r>
-          </a:p>
-          <a:p>
-            <a:pPr algn="just"/>
-            <a:endParaRPr lang="fr-FR" altLang="ko-KR" sz="1200" dirty="0" smtClean="0">
-              <a:solidFill>
-                <a:schemeClr val="bg1"/>
-              </a:solidFill>
-              <a:latin typeface="Arial" pitchFamily="34" charset="0"/>
-              <a:cs typeface="Arial" pitchFamily="34" charset="0"/>
-            </a:endParaRPr>
-          </a:p>
-          <a:p>
-            <a:pPr algn="just"/>
-            <a:r>
-              <a:rPr lang="fr-FR" altLang="ko-KR" sz="1200" dirty="0" smtClean="0">
-                <a:solidFill>
-                  <a:schemeClr val="bg1"/>
-                </a:solidFill>
-                <a:latin typeface="Arial" pitchFamily="34" charset="0"/>
-                <a:cs typeface="Arial" pitchFamily="34" charset="0"/>
-              </a:rPr>
-              <a:t>Un </a:t>
-            </a:r>
-            <a:r>
-              <a:rPr lang="fr-FR" altLang="ko-KR" sz="1200" dirty="0">
-                <a:solidFill>
-                  <a:schemeClr val="bg1"/>
-                </a:solidFill>
-                <a:latin typeface="Arial" pitchFamily="34" charset="0"/>
-                <a:cs typeface="Arial" pitchFamily="34" charset="0"/>
-              </a:rPr>
-              <a:t>typage fort des données, c’est à dire que vous pouvez savoir avec exactitude la nature des paramètres en entrée et des données en sortie (entier, texte…). </a:t>
-            </a:r>
-          </a:p>
-          <a:p>
-            <a:pPr algn="just"/>
-            <a:endParaRPr lang="fr-FR" altLang="ko-KR" sz="1200" dirty="0" smtClean="0">
-              <a:solidFill>
-                <a:schemeClr val="bg1"/>
-              </a:solidFill>
-              <a:latin typeface="Arial" pitchFamily="34" charset="0"/>
-              <a:cs typeface="Arial" pitchFamily="34" charset="0"/>
-            </a:endParaRPr>
-          </a:p>
-          <a:p>
-            <a:pPr algn="just"/>
-            <a:r>
-              <a:rPr lang="fr-FR" altLang="ko-KR" sz="1200" dirty="0" smtClean="0">
-                <a:solidFill>
-                  <a:schemeClr val="bg1"/>
-                </a:solidFill>
-                <a:latin typeface="Arial" pitchFamily="34" charset="0"/>
-                <a:cs typeface="Arial" pitchFamily="34" charset="0"/>
-              </a:rPr>
-              <a:t>Une </a:t>
-            </a:r>
-            <a:r>
-              <a:rPr lang="fr-FR" altLang="ko-KR" sz="1200" dirty="0">
-                <a:solidFill>
-                  <a:schemeClr val="bg1"/>
-                </a:solidFill>
-                <a:latin typeface="Arial" pitchFamily="34" charset="0"/>
-                <a:cs typeface="Arial" pitchFamily="34" charset="0"/>
-              </a:rPr>
-              <a:t>documentation automatique qui reflète la structure des données qu’il est possible d’obtenir</a:t>
-            </a:r>
-            <a:r>
-              <a:rPr lang="fr-FR" altLang="ko-KR" sz="1200" dirty="0" smtClean="0">
-                <a:solidFill>
-                  <a:schemeClr val="bg1"/>
-                </a:solidFill>
-                <a:latin typeface="Arial" pitchFamily="34" charset="0"/>
-                <a:cs typeface="Arial" pitchFamily="34" charset="0"/>
-              </a:rPr>
-              <a:t>.</a:t>
-            </a:r>
-            <a:endParaRPr lang="en-US" altLang="ko-KR" sz="1200" dirty="0">
-              <a:solidFill>
-                <a:schemeClr val="bg1"/>
-              </a:solidFill>
-              <a:latin typeface="Arial" pitchFamily="34" charset="0"/>
-              <a:cs typeface="Arial" pitchFamily="34" charset="0"/>
-            </a:endParaRPr>
-          </a:p>
-        </p:txBody>
-      </p:sp>
-    </p:spTree>
-    <p:extLst>
-      <p:ext uri="{BB962C8B-B14F-4D97-AF65-F5344CB8AC3E}">
-        <p14:creationId xmlns:p14="http://schemas.microsoft.com/office/powerpoint/2010/main" val="1495281713"/>
-      </p:ext>
-    </p:extLst>
-  </p:cSld>
-  <p:clrMapOvr>
-    <a:masterClrMapping/>
-  </p:clrMapOvr>
-  <p:timing>
-    <p:tnLst>
-      <p:par>
-        <p:cTn id="1" dur="indefinite" restart="never" nodeType="tmRoot"/>
-      </p:par>
-    </p:tnLst>
-  </p:timing>
-</p:sld>
-</file>
-
 <file path=ppt/slides/slide2.xml><?xml version="1.0" encoding="utf-8"?>
 <p:sld xmlns:a="http://schemas.openxmlformats.org/drawingml/2006/main" xmlns:r="http://schemas.openxmlformats.org/officeDocument/2006/relationships" xmlns:p="http://schemas.openxmlformats.org/presentationml/2006/main">
   <p:cSld>
@@ -14142,6 +15726,1859 @@
       </p:grpSpPr>
       <p:sp>
         <p:nvSpPr>
+          <p:cNvPr id="8" name="Rectangle à coins arrondis 7">
+            <a:extLst>
+              <a:ext uri="{FF2B5EF4-FFF2-40B4-BE49-F238E27FC236}">
+                <a16:creationId xmlns:a16="http://schemas.microsoft.com/office/drawing/2014/main" id="{B04823C5-AAD3-4FB3-A25D-C238181A022C}"/>
+              </a:ext>
+            </a:extLst>
+          </p:cNvPr>
+          <p:cNvSpPr/>
+          <p:nvPr/>
+        </p:nvSpPr>
+        <p:spPr>
+          <a:xfrm>
+            <a:off x="1021291" y="1818052"/>
+            <a:ext cx="10418647" cy="3300599"/>
+          </a:xfrm>
+          <a:prstGeom prst="roundRect">
+            <a:avLst/>
+          </a:prstGeom>
+          <a:solidFill>
+            <a:schemeClr val="dk1">
+              <a:alpha val="50000"/>
+            </a:schemeClr>
+          </a:solidFill>
+          <a:ln>
+            <a:solidFill>
+              <a:schemeClr val="bg1">
+                <a:lumMod val="65000"/>
+              </a:schemeClr>
+            </a:solidFill>
+          </a:ln>
+        </p:spPr>
+        <p:style>
+          <a:lnRef idx="0">
+            <a:scrgbClr r="0" g="0" b="0"/>
+          </a:lnRef>
+          <a:fillRef idx="0">
+            <a:scrgbClr r="0" g="0" b="0"/>
+          </a:fillRef>
+          <a:effectRef idx="0">
+            <a:scrgbClr r="0" g="0" b="0"/>
+          </a:effectRef>
+          <a:fontRef idx="minor">
+            <a:schemeClr val="lt1"/>
+          </a:fontRef>
+        </p:style>
+        <p:txBody>
+          <a:bodyPr rtlCol="0" anchor="ctr"/>
+          <a:lstStyle/>
+          <a:p>
+            <a:pPr algn="ctr"/>
+            <a:endParaRPr lang="en-US"/>
+          </a:p>
+        </p:txBody>
+      </p:sp>
+      <p:sp>
+        <p:nvSpPr>
+          <p:cNvPr id="10" name="TextBox 9">
+            <a:extLst>
+              <a:ext uri="{FF2B5EF4-FFF2-40B4-BE49-F238E27FC236}">
+                <a16:creationId xmlns:a16="http://schemas.microsoft.com/office/drawing/2014/main" id="{22EACE2C-F0BB-4B26-BDA0-E1B66FC049A7}"/>
+              </a:ext>
+            </a:extLst>
+          </p:cNvPr>
+          <p:cNvSpPr txBox="1"/>
+          <p:nvPr/>
+        </p:nvSpPr>
+        <p:spPr>
+          <a:xfrm>
+            <a:off x="382441" y="189912"/>
+            <a:ext cx="10969804" cy="830997"/>
+          </a:xfrm>
+          <a:prstGeom prst="rect">
+            <a:avLst/>
+          </a:prstGeom>
+          <a:noFill/>
+        </p:spPr>
+        <p:txBody>
+          <a:bodyPr wrap="square" rtlCol="0" anchor="ctr">
+            <a:spAutoFit/>
+          </a:bodyPr>
+          <a:lstStyle/>
+          <a:p>
+            <a:r>
+              <a:rPr lang="fr-FR" altLang="ko-KR" sz="4800" b="1" dirty="0">
+                <a:solidFill>
+                  <a:schemeClr val="bg1"/>
+                </a:solidFill>
+                <a:latin typeface="+mj-lt"/>
+                <a:cs typeface="Arial" pitchFamily="34" charset="0"/>
+              </a:rPr>
+              <a:t>Quelles </a:t>
+            </a:r>
+            <a:r>
+              <a:rPr lang="fr-FR" altLang="ko-KR" sz="4800" b="1" dirty="0" smtClean="0">
+                <a:solidFill>
+                  <a:schemeClr val="bg1"/>
+                </a:solidFill>
+                <a:latin typeface="+mj-lt"/>
+                <a:cs typeface="Arial" pitchFamily="34" charset="0"/>
+              </a:rPr>
+              <a:t>conséquences ?</a:t>
+            </a:r>
+            <a:endParaRPr lang="ko-KR" altLang="en-US" sz="4800" b="1" dirty="0">
+              <a:solidFill>
+                <a:schemeClr val="bg1"/>
+              </a:solidFill>
+              <a:latin typeface="+mj-lt"/>
+              <a:cs typeface="Arial" pitchFamily="34" charset="0"/>
+            </a:endParaRPr>
+          </a:p>
+        </p:txBody>
+      </p:sp>
+      <p:sp>
+        <p:nvSpPr>
+          <p:cNvPr id="5" name="Rectangle: Rounded Corners 19">
+            <a:extLst>
+              <a:ext uri="{FF2B5EF4-FFF2-40B4-BE49-F238E27FC236}">
+                <a16:creationId xmlns:a16="http://schemas.microsoft.com/office/drawing/2014/main" id="{79426DEA-E145-4CB5-A124-03449CFBB3D2}"/>
+              </a:ext>
+            </a:extLst>
+          </p:cNvPr>
+          <p:cNvSpPr/>
+          <p:nvPr/>
+        </p:nvSpPr>
+        <p:spPr>
+          <a:xfrm>
+            <a:off x="872743" y="1436346"/>
+            <a:ext cx="2728872" cy="508280"/>
+          </a:xfrm>
+          <a:prstGeom prst="roundRect">
+            <a:avLst>
+              <a:gd name="adj" fmla="val 16667"/>
+            </a:avLst>
+          </a:prstGeom>
+          <a:solidFill>
+            <a:schemeClr val="accent4"/>
+          </a:solidFill>
+          <a:ln>
+            <a:noFill/>
+          </a:ln>
+          <a:effectLst>
+            <a:outerShdw blurRad="63500" sx="102000" sy="102000" algn="ctr" rotWithShape="0">
+              <a:prstClr val="black">
+                <a:alpha val="40000"/>
+              </a:prstClr>
+            </a:outerShdw>
+          </a:effectLst>
+        </p:spPr>
+        <p:style>
+          <a:lnRef idx="2">
+            <a:schemeClr val="accent1">
+              <a:shade val="50000"/>
+            </a:schemeClr>
+          </a:lnRef>
+          <a:fillRef idx="1">
+            <a:schemeClr val="accent1"/>
+          </a:fillRef>
+          <a:effectRef idx="0">
+            <a:schemeClr val="accent1"/>
+          </a:effectRef>
+          <a:fontRef idx="minor">
+            <a:schemeClr val="lt1"/>
+          </a:fontRef>
+        </p:style>
+        <p:txBody>
+          <a:bodyPr rtlCol="0" anchor="ctr"/>
+          <a:lstStyle/>
+          <a:p>
+            <a:pPr algn="ctr"/>
+            <a:endParaRPr lang="en-US"/>
+          </a:p>
+        </p:txBody>
+      </p:sp>
+      <p:sp>
+        <p:nvSpPr>
+          <p:cNvPr id="6" name="TextBox 20">
+            <a:extLst>
+              <a:ext uri="{FF2B5EF4-FFF2-40B4-BE49-F238E27FC236}">
+                <a16:creationId xmlns:a16="http://schemas.microsoft.com/office/drawing/2014/main" id="{D5DFB5B5-FA64-4BEE-B753-0656AB389907}"/>
+              </a:ext>
+            </a:extLst>
+          </p:cNvPr>
+          <p:cNvSpPr txBox="1"/>
+          <p:nvPr/>
+        </p:nvSpPr>
+        <p:spPr>
+          <a:xfrm>
+            <a:off x="933060" y="1541054"/>
+            <a:ext cx="2668555" cy="276999"/>
+          </a:xfrm>
+          <a:prstGeom prst="rect">
+            <a:avLst/>
+          </a:prstGeom>
+          <a:noFill/>
+        </p:spPr>
+        <p:txBody>
+          <a:bodyPr wrap="square" rtlCol="0">
+            <a:spAutoFit/>
+          </a:bodyPr>
+          <a:lstStyle/>
+          <a:p>
+            <a:pPr algn="ctr"/>
+            <a:r>
+              <a:rPr lang="en-US" altLang="ko-KR" sz="1200" b="1" dirty="0" err="1" smtClean="0">
+                <a:solidFill>
+                  <a:schemeClr val="bg1"/>
+                </a:solidFill>
+                <a:cs typeface="Arial" pitchFamily="34" charset="0"/>
+              </a:rPr>
+              <a:t>Qu’est-ce</a:t>
+            </a:r>
+            <a:r>
+              <a:rPr lang="en-US" altLang="ko-KR" sz="1200" b="1" dirty="0" smtClean="0">
+                <a:solidFill>
+                  <a:schemeClr val="bg1"/>
+                </a:solidFill>
+                <a:cs typeface="Arial" pitchFamily="34" charset="0"/>
+              </a:rPr>
+              <a:t> </a:t>
+            </a:r>
+            <a:r>
+              <a:rPr lang="en-US" altLang="ko-KR" sz="1200" b="1" dirty="0" err="1" smtClean="0">
+                <a:solidFill>
+                  <a:schemeClr val="bg1"/>
+                </a:solidFill>
+                <a:cs typeface="Arial" pitchFamily="34" charset="0"/>
+              </a:rPr>
+              <a:t>qu’une</a:t>
+            </a:r>
+            <a:r>
+              <a:rPr lang="en-US" altLang="ko-KR" sz="1200" b="1" dirty="0" smtClean="0">
+                <a:solidFill>
+                  <a:schemeClr val="bg1"/>
+                </a:solidFill>
+                <a:cs typeface="Arial" pitchFamily="34" charset="0"/>
+              </a:rPr>
+              <a:t> API </a:t>
+            </a:r>
+            <a:r>
+              <a:rPr lang="en-US" altLang="ko-KR" sz="1200" b="1" dirty="0" err="1" smtClean="0">
+                <a:solidFill>
+                  <a:schemeClr val="bg1"/>
+                </a:solidFill>
+                <a:cs typeface="Arial" pitchFamily="34" charset="0"/>
+              </a:rPr>
+              <a:t>GraphQl</a:t>
+            </a:r>
+            <a:endParaRPr lang="ko-KR" altLang="en-US" sz="1200" b="1" dirty="0">
+              <a:solidFill>
+                <a:schemeClr val="bg1"/>
+              </a:solidFill>
+              <a:cs typeface="Arial" pitchFamily="34" charset="0"/>
+            </a:endParaRPr>
+          </a:p>
+        </p:txBody>
+      </p:sp>
+      <p:sp>
+        <p:nvSpPr>
+          <p:cNvPr id="7" name="TextBox 21">
+            <a:extLst>
+              <a:ext uri="{FF2B5EF4-FFF2-40B4-BE49-F238E27FC236}">
+                <a16:creationId xmlns:a16="http://schemas.microsoft.com/office/drawing/2014/main" id="{D6C24BE7-F4B7-4B22-90D0-D58085FC6A1F}"/>
+              </a:ext>
+            </a:extLst>
+          </p:cNvPr>
+          <p:cNvSpPr txBox="1"/>
+          <p:nvPr/>
+        </p:nvSpPr>
+        <p:spPr>
+          <a:xfrm>
+            <a:off x="1118929" y="1944626"/>
+            <a:ext cx="10052924" cy="2677656"/>
+          </a:xfrm>
+          <a:prstGeom prst="rect">
+            <a:avLst/>
+          </a:prstGeom>
+          <a:noFill/>
+        </p:spPr>
+        <p:txBody>
+          <a:bodyPr wrap="square" rtlCol="0">
+            <a:spAutoFit/>
+          </a:bodyPr>
+          <a:lstStyle/>
+          <a:p>
+            <a:pPr algn="just"/>
+            <a:r>
+              <a:rPr lang="fr-FR" altLang="ko-KR" sz="1200" dirty="0" err="1" smtClean="0">
+                <a:solidFill>
+                  <a:schemeClr val="bg1"/>
+                </a:solidFill>
+                <a:latin typeface="Arial" pitchFamily="34" charset="0"/>
+                <a:cs typeface="Arial" pitchFamily="34" charset="0"/>
+              </a:rPr>
+              <a:t>GraphQL</a:t>
+            </a:r>
+            <a:r>
+              <a:rPr lang="fr-FR" altLang="ko-KR" sz="1200" dirty="0" smtClean="0">
+                <a:solidFill>
+                  <a:schemeClr val="bg1"/>
+                </a:solidFill>
+                <a:latin typeface="Arial" pitchFamily="34" charset="0"/>
+                <a:cs typeface="Arial" pitchFamily="34" charset="0"/>
+              </a:rPr>
+              <a:t> (QL pour </a:t>
+            </a:r>
+            <a:r>
+              <a:rPr lang="fr-FR" altLang="ko-KR" sz="1200" dirty="0" err="1" smtClean="0">
+                <a:solidFill>
+                  <a:schemeClr val="bg1"/>
+                </a:solidFill>
+                <a:latin typeface="Arial" pitchFamily="34" charset="0"/>
+                <a:cs typeface="Arial" pitchFamily="34" charset="0"/>
+              </a:rPr>
+              <a:t>Query</a:t>
+            </a:r>
+            <a:r>
+              <a:rPr lang="fr-FR" altLang="ko-KR" sz="1200" dirty="0" smtClean="0">
+                <a:solidFill>
+                  <a:schemeClr val="bg1"/>
+                </a:solidFill>
+                <a:latin typeface="Arial" pitchFamily="34" charset="0"/>
+                <a:cs typeface="Arial" pitchFamily="34" charset="0"/>
+              </a:rPr>
+              <a:t> </a:t>
+            </a:r>
+            <a:r>
+              <a:rPr lang="fr-FR" altLang="ko-KR" sz="1200" dirty="0" err="1" smtClean="0">
+                <a:solidFill>
+                  <a:schemeClr val="bg1"/>
+                </a:solidFill>
+                <a:latin typeface="Arial" pitchFamily="34" charset="0"/>
+                <a:cs typeface="Arial" pitchFamily="34" charset="0"/>
+              </a:rPr>
+              <a:t>Language</a:t>
+            </a:r>
+            <a:r>
+              <a:rPr lang="fr-FR" altLang="ko-KR" sz="1200" dirty="0" smtClean="0">
+                <a:solidFill>
+                  <a:schemeClr val="bg1"/>
+                </a:solidFill>
+                <a:latin typeface="Arial" pitchFamily="34" charset="0"/>
+                <a:cs typeface="Arial" pitchFamily="34" charset="0"/>
+              </a:rPr>
+              <a:t>) est un langage de requête pour les API. Il propose une approche totalement différente des API REST. </a:t>
+            </a:r>
+          </a:p>
+          <a:p>
+            <a:pPr algn="just"/>
+            <a:endParaRPr lang="fr-FR" altLang="ko-KR" sz="1200" dirty="0" smtClean="0">
+              <a:solidFill>
+                <a:schemeClr val="bg1"/>
+              </a:solidFill>
+              <a:latin typeface="Arial" pitchFamily="34" charset="0"/>
+              <a:cs typeface="Arial" pitchFamily="34" charset="0"/>
+            </a:endParaRPr>
+          </a:p>
+          <a:p>
+            <a:pPr algn="just"/>
+            <a:r>
+              <a:rPr lang="fr-FR" altLang="ko-KR" sz="1200" dirty="0" smtClean="0">
+                <a:solidFill>
+                  <a:schemeClr val="bg1"/>
+                </a:solidFill>
+                <a:latin typeface="Arial" pitchFamily="34" charset="0"/>
+                <a:cs typeface="Arial" pitchFamily="34" charset="0"/>
+              </a:rPr>
+              <a:t>Développé et utilisé en production par Facebook en 2012, il est ouvert au grand public en 2015. Depuis d’autres sociétés, dont GitHub, se sont lancées dans l’aventure. </a:t>
+            </a:r>
+          </a:p>
+          <a:p>
+            <a:pPr algn="just"/>
+            <a:endParaRPr lang="fr-FR" altLang="ko-KR" sz="1200" dirty="0" smtClean="0">
+              <a:solidFill>
+                <a:schemeClr val="bg1"/>
+              </a:solidFill>
+              <a:latin typeface="Arial" pitchFamily="34" charset="0"/>
+              <a:cs typeface="Arial" pitchFamily="34" charset="0"/>
+            </a:endParaRPr>
+          </a:p>
+          <a:p>
+            <a:pPr algn="just"/>
+            <a:r>
+              <a:rPr lang="fr-FR" altLang="ko-KR" sz="1200" dirty="0" smtClean="0">
+                <a:solidFill>
+                  <a:schemeClr val="bg1"/>
+                </a:solidFill>
+                <a:latin typeface="Arial" pitchFamily="34" charset="0"/>
+                <a:cs typeface="Arial" pitchFamily="34" charset="0"/>
+              </a:rPr>
+              <a:t>Contrairement </a:t>
+            </a:r>
+            <a:r>
+              <a:rPr lang="fr-FR" altLang="ko-KR" sz="1200" dirty="0">
+                <a:solidFill>
+                  <a:schemeClr val="bg1"/>
+                </a:solidFill>
+                <a:latin typeface="Arial" pitchFamily="34" charset="0"/>
+                <a:cs typeface="Arial" pitchFamily="34" charset="0"/>
+              </a:rPr>
+              <a:t>à REST, </a:t>
+            </a:r>
+            <a:r>
+              <a:rPr lang="fr-FR" altLang="ko-KR" sz="1200" dirty="0" err="1">
+                <a:solidFill>
+                  <a:schemeClr val="bg1"/>
+                </a:solidFill>
+                <a:latin typeface="Arial" pitchFamily="34" charset="0"/>
+                <a:cs typeface="Arial" pitchFamily="34" charset="0"/>
+              </a:rPr>
+              <a:t>GraphQL</a:t>
+            </a:r>
+            <a:r>
+              <a:rPr lang="fr-FR" altLang="ko-KR" sz="1200" dirty="0">
+                <a:solidFill>
+                  <a:schemeClr val="bg1"/>
+                </a:solidFill>
+                <a:latin typeface="Arial" pitchFamily="34" charset="0"/>
+                <a:cs typeface="Arial" pitchFamily="34" charset="0"/>
+              </a:rPr>
+              <a:t> permet de centraliser les requêtes dans un seul point d’entrée, les opérations à effectuer sont passées dans la requête </a:t>
+            </a:r>
+            <a:r>
+              <a:rPr lang="fr-FR" altLang="ko-KR" sz="1200" dirty="0" smtClean="0">
+                <a:solidFill>
+                  <a:schemeClr val="bg1"/>
+                </a:solidFill>
+                <a:latin typeface="Arial" pitchFamily="34" charset="0"/>
+                <a:cs typeface="Arial" pitchFamily="34" charset="0"/>
+              </a:rPr>
+              <a:t>elle-même, </a:t>
+            </a:r>
+            <a:r>
+              <a:rPr lang="fr-FR" altLang="ko-KR" sz="1200" dirty="0" err="1">
+                <a:solidFill>
+                  <a:schemeClr val="bg1"/>
+                </a:solidFill>
+                <a:latin typeface="Arial" pitchFamily="34" charset="0"/>
+                <a:cs typeface="Arial" pitchFamily="34" charset="0"/>
+              </a:rPr>
+              <a:t>GraphQL</a:t>
+            </a:r>
+            <a:r>
+              <a:rPr lang="fr-FR" altLang="ko-KR" sz="1200" dirty="0">
+                <a:solidFill>
+                  <a:schemeClr val="bg1"/>
+                </a:solidFill>
+                <a:latin typeface="Arial" pitchFamily="34" charset="0"/>
+                <a:cs typeface="Arial" pitchFamily="34" charset="0"/>
+              </a:rPr>
+              <a:t> permet aussi de faire des requêtes imbriquées pour obtenir d’un seul coup </a:t>
+            </a:r>
+            <a:r>
+              <a:rPr lang="fr-FR" altLang="ko-KR" sz="1200" dirty="0" smtClean="0">
+                <a:solidFill>
+                  <a:schemeClr val="bg1"/>
+                </a:solidFill>
+                <a:latin typeface="Arial" pitchFamily="34" charset="0"/>
+                <a:cs typeface="Arial" pitchFamily="34" charset="0"/>
+              </a:rPr>
+              <a:t>toutes les données.</a:t>
+            </a:r>
+            <a:endParaRPr lang="fr-FR" altLang="ko-KR" sz="1200" dirty="0">
+              <a:solidFill>
+                <a:schemeClr val="bg1"/>
+              </a:solidFill>
+              <a:latin typeface="Arial" pitchFamily="34" charset="0"/>
+              <a:cs typeface="Arial" pitchFamily="34" charset="0"/>
+            </a:endParaRPr>
+          </a:p>
+          <a:p>
+            <a:pPr algn="just"/>
+            <a:endParaRPr lang="fr-FR" altLang="ko-KR" sz="1200" dirty="0">
+              <a:solidFill>
+                <a:schemeClr val="bg1"/>
+              </a:solidFill>
+              <a:latin typeface="Arial" pitchFamily="34" charset="0"/>
+              <a:cs typeface="Arial" pitchFamily="34" charset="0"/>
+            </a:endParaRPr>
+          </a:p>
+          <a:p>
+            <a:pPr algn="just"/>
+            <a:r>
+              <a:rPr lang="fr-FR" altLang="ko-KR" sz="1200" dirty="0" err="1">
+                <a:solidFill>
+                  <a:schemeClr val="bg1"/>
+                </a:solidFill>
+                <a:latin typeface="Arial" pitchFamily="34" charset="0"/>
+                <a:cs typeface="Arial" pitchFamily="34" charset="0"/>
+              </a:rPr>
+              <a:t>GraphQL</a:t>
+            </a:r>
+            <a:r>
+              <a:rPr lang="fr-FR" altLang="ko-KR" sz="1200" dirty="0">
+                <a:solidFill>
+                  <a:schemeClr val="bg1"/>
+                </a:solidFill>
+                <a:latin typeface="Arial" pitchFamily="34" charset="0"/>
+                <a:cs typeface="Arial" pitchFamily="34" charset="0"/>
+              </a:rPr>
+              <a:t> est venu résoudre d’autre lacunes de REST, et notamment : </a:t>
+            </a:r>
+          </a:p>
+          <a:p>
+            <a:pPr algn="just"/>
+            <a:endParaRPr lang="fr-FR" altLang="ko-KR" sz="1200" dirty="0" smtClean="0">
+              <a:solidFill>
+                <a:schemeClr val="bg1"/>
+              </a:solidFill>
+              <a:latin typeface="Arial" pitchFamily="34" charset="0"/>
+              <a:cs typeface="Arial" pitchFamily="34" charset="0"/>
+            </a:endParaRPr>
+          </a:p>
+          <a:p>
+            <a:pPr algn="just"/>
+            <a:r>
+              <a:rPr lang="fr-FR" altLang="ko-KR" sz="1200" dirty="0" smtClean="0">
+                <a:solidFill>
+                  <a:schemeClr val="bg1"/>
+                </a:solidFill>
+                <a:latin typeface="Arial" pitchFamily="34" charset="0"/>
+                <a:cs typeface="Arial" pitchFamily="34" charset="0"/>
+              </a:rPr>
+              <a:t>Un </a:t>
+            </a:r>
+            <a:r>
+              <a:rPr lang="fr-FR" altLang="ko-KR" sz="1200" dirty="0">
+                <a:solidFill>
+                  <a:schemeClr val="bg1"/>
+                </a:solidFill>
+                <a:latin typeface="Arial" pitchFamily="34" charset="0"/>
+                <a:cs typeface="Arial" pitchFamily="34" charset="0"/>
+              </a:rPr>
+              <a:t>typage fort des données, c’est à dire que vous pouvez savoir avec exactitude la nature des paramètres en entrée et des données en sortie (entier, texte…). </a:t>
+            </a:r>
+          </a:p>
+          <a:p>
+            <a:pPr algn="just"/>
+            <a:endParaRPr lang="fr-FR" altLang="ko-KR" sz="1200" dirty="0" smtClean="0">
+              <a:solidFill>
+                <a:schemeClr val="bg1"/>
+              </a:solidFill>
+              <a:latin typeface="Arial" pitchFamily="34" charset="0"/>
+              <a:cs typeface="Arial" pitchFamily="34" charset="0"/>
+            </a:endParaRPr>
+          </a:p>
+          <a:p>
+            <a:pPr algn="just"/>
+            <a:r>
+              <a:rPr lang="fr-FR" altLang="ko-KR" sz="1200" dirty="0" smtClean="0">
+                <a:solidFill>
+                  <a:schemeClr val="bg1"/>
+                </a:solidFill>
+                <a:latin typeface="Arial" pitchFamily="34" charset="0"/>
+                <a:cs typeface="Arial" pitchFamily="34" charset="0"/>
+              </a:rPr>
+              <a:t>Une </a:t>
+            </a:r>
+            <a:r>
+              <a:rPr lang="fr-FR" altLang="ko-KR" sz="1200" dirty="0">
+                <a:solidFill>
+                  <a:schemeClr val="bg1"/>
+                </a:solidFill>
+                <a:latin typeface="Arial" pitchFamily="34" charset="0"/>
+                <a:cs typeface="Arial" pitchFamily="34" charset="0"/>
+              </a:rPr>
+              <a:t>documentation automatique qui reflète la structure des données qu’il est possible d’obtenir</a:t>
+            </a:r>
+            <a:r>
+              <a:rPr lang="fr-FR" altLang="ko-KR" sz="1200" dirty="0" smtClean="0">
+                <a:solidFill>
+                  <a:schemeClr val="bg1"/>
+                </a:solidFill>
+                <a:latin typeface="Arial" pitchFamily="34" charset="0"/>
+                <a:cs typeface="Arial" pitchFamily="34" charset="0"/>
+              </a:rPr>
+              <a:t>.</a:t>
+            </a:r>
+            <a:endParaRPr lang="en-US" altLang="ko-KR" sz="1200" dirty="0">
+              <a:solidFill>
+                <a:schemeClr val="bg1"/>
+              </a:solidFill>
+              <a:latin typeface="Arial" pitchFamily="34" charset="0"/>
+              <a:cs typeface="Arial" pitchFamily="34" charset="0"/>
+            </a:endParaRPr>
+          </a:p>
+        </p:txBody>
+      </p:sp>
+    </p:spTree>
+    <p:extLst>
+      <p:ext uri="{BB962C8B-B14F-4D97-AF65-F5344CB8AC3E}">
+        <p14:creationId xmlns:p14="http://schemas.microsoft.com/office/powerpoint/2010/main" val="1495281713"/>
+      </p:ext>
+    </p:extLst>
+  </p:cSld>
+  <p:clrMapOvr>
+    <a:masterClrMapping/>
+  </p:clrMapOvr>
+  <p:timing>
+    <p:tnLst>
+      <p:par>
+        <p:cTn id="1" dur="indefinite" restart="never" nodeType="tmRoot"/>
+      </p:par>
+    </p:tnLst>
+  </p:timing>
+</p:sld>
+</file>
+
+<file path=ppt/slides/slide21.xml><?xml version="1.0" encoding="utf-8"?>
+<p:sld xmlns:a="http://schemas.openxmlformats.org/drawingml/2006/main" xmlns:r="http://schemas.openxmlformats.org/officeDocument/2006/relationships" xmlns:p="http://schemas.openxmlformats.org/presentationml/2006/main">
+  <p:cSld>
+    <p:spTree>
+      <p:nvGrpSpPr>
+        <p:cNvPr id="1" name=""/>
+        <p:cNvGrpSpPr/>
+        <p:nvPr/>
+      </p:nvGrpSpPr>
+      <p:grpSpPr>
+        <a:xfrm>
+          <a:off x="0" y="0"/>
+          <a:ext cx="0" cy="0"/>
+          <a:chOff x="0" y="0"/>
+          <a:chExt cx="0" cy="0"/>
+        </a:xfrm>
+      </p:grpSpPr>
+      <p:sp>
+        <p:nvSpPr>
+          <p:cNvPr id="16" name="Rectangle à coins arrondis 15">
+            <a:extLst>
+              <a:ext uri="{FF2B5EF4-FFF2-40B4-BE49-F238E27FC236}">
+                <a16:creationId xmlns:a16="http://schemas.microsoft.com/office/drawing/2014/main" id="{B04823C5-AAD3-4FB3-A25D-C238181A022C}"/>
+              </a:ext>
+            </a:extLst>
+          </p:cNvPr>
+          <p:cNvSpPr/>
+          <p:nvPr/>
+        </p:nvSpPr>
+        <p:spPr>
+          <a:xfrm>
+            <a:off x="548321" y="792584"/>
+            <a:ext cx="4828750" cy="2593068"/>
+          </a:xfrm>
+          <a:prstGeom prst="roundRect">
+            <a:avLst/>
+          </a:prstGeom>
+          <a:solidFill>
+            <a:schemeClr val="dk1">
+              <a:alpha val="50000"/>
+            </a:schemeClr>
+          </a:solidFill>
+          <a:ln>
+            <a:solidFill>
+              <a:schemeClr val="bg1">
+                <a:lumMod val="65000"/>
+              </a:schemeClr>
+            </a:solidFill>
+          </a:ln>
+        </p:spPr>
+        <p:style>
+          <a:lnRef idx="0">
+            <a:scrgbClr r="0" g="0" b="0"/>
+          </a:lnRef>
+          <a:fillRef idx="0">
+            <a:scrgbClr r="0" g="0" b="0"/>
+          </a:fillRef>
+          <a:effectRef idx="0">
+            <a:scrgbClr r="0" g="0" b="0"/>
+          </a:effectRef>
+          <a:fontRef idx="minor">
+            <a:schemeClr val="lt1"/>
+          </a:fontRef>
+        </p:style>
+        <p:txBody>
+          <a:bodyPr rtlCol="0" anchor="ctr"/>
+          <a:lstStyle/>
+          <a:p>
+            <a:pPr algn="ctr"/>
+            <a:endParaRPr lang="en-US"/>
+          </a:p>
+        </p:txBody>
+      </p:sp>
+      <p:sp>
+        <p:nvSpPr>
+          <p:cNvPr id="5" name="TextBox 4">
+            <a:extLst>
+              <a:ext uri="{FF2B5EF4-FFF2-40B4-BE49-F238E27FC236}">
+                <a16:creationId xmlns:a16="http://schemas.microsoft.com/office/drawing/2014/main" id="{FCC6EBD0-DF5B-4EE2-A230-D05A6519618A}"/>
+              </a:ext>
+            </a:extLst>
+          </p:cNvPr>
+          <p:cNvSpPr txBox="1"/>
+          <p:nvPr/>
+        </p:nvSpPr>
+        <p:spPr>
+          <a:xfrm>
+            <a:off x="940382" y="896164"/>
+            <a:ext cx="957992" cy="461665"/>
+          </a:xfrm>
+          <a:prstGeom prst="rect">
+            <a:avLst/>
+          </a:prstGeom>
+          <a:noFill/>
+        </p:spPr>
+        <p:txBody>
+          <a:bodyPr wrap="square" lIns="108000" rIns="108000" rtlCol="0" anchor="ctr">
+            <a:spAutoFit/>
+          </a:bodyPr>
+          <a:lstStyle/>
+          <a:p>
+            <a:r>
+              <a:rPr lang="en-US" altLang="ko-KR" sz="2400" b="1" dirty="0" smtClean="0">
+                <a:solidFill>
+                  <a:srgbClr val="92D050"/>
+                </a:solidFill>
+                <a:cs typeface="Arial" pitchFamily="34" charset="0"/>
+              </a:rPr>
+              <a:t>Pour</a:t>
+            </a:r>
+            <a:endParaRPr lang="ko-KR" altLang="en-US" sz="2400" b="1" dirty="0">
+              <a:solidFill>
+                <a:srgbClr val="92D050"/>
+              </a:solidFill>
+              <a:cs typeface="Arial" pitchFamily="34" charset="0"/>
+            </a:endParaRPr>
+          </a:p>
+        </p:txBody>
+      </p:sp>
+      <p:sp>
+        <p:nvSpPr>
+          <p:cNvPr id="6" name="TextBox 5">
+            <a:extLst>
+              <a:ext uri="{FF2B5EF4-FFF2-40B4-BE49-F238E27FC236}">
+                <a16:creationId xmlns:a16="http://schemas.microsoft.com/office/drawing/2014/main" id="{606460CB-E570-43FD-893F-C1FD2E7830B3}"/>
+              </a:ext>
+            </a:extLst>
+          </p:cNvPr>
+          <p:cNvSpPr txBox="1"/>
+          <p:nvPr/>
+        </p:nvSpPr>
+        <p:spPr>
+          <a:xfrm>
+            <a:off x="811172" y="1427329"/>
+            <a:ext cx="3046452" cy="276999"/>
+          </a:xfrm>
+          <a:prstGeom prst="rect">
+            <a:avLst/>
+          </a:prstGeom>
+          <a:noFill/>
+        </p:spPr>
+        <p:txBody>
+          <a:bodyPr wrap="square" lIns="108000" rIns="108000" rtlCol="0">
+            <a:spAutoFit/>
+          </a:bodyPr>
+          <a:lstStyle/>
+          <a:p>
+            <a:pPr marL="171450" indent="-171450">
+              <a:buFont typeface="Wingdings" panose="05000000000000000000" pitchFamily="2" charset="2"/>
+              <a:buChar char="ü"/>
+            </a:pPr>
+            <a:r>
+              <a:rPr lang="fr-FR" sz="1200" dirty="0">
+                <a:solidFill>
+                  <a:schemeClr val="bg1"/>
+                </a:solidFill>
+              </a:rPr>
+              <a:t>Facile à démarrer</a:t>
+            </a:r>
+            <a:endParaRPr lang="en-US" altLang="ko-KR" sz="1200" dirty="0">
+              <a:solidFill>
+                <a:schemeClr val="bg1"/>
+              </a:solidFill>
+              <a:ea typeface="FZShuTi" pitchFamily="2" charset="-122"/>
+              <a:cs typeface="Arial" pitchFamily="34" charset="0"/>
+            </a:endParaRPr>
+          </a:p>
+        </p:txBody>
+      </p:sp>
+      <p:sp>
+        <p:nvSpPr>
+          <p:cNvPr id="7" name="TextBox 6">
+            <a:extLst>
+              <a:ext uri="{FF2B5EF4-FFF2-40B4-BE49-F238E27FC236}">
+                <a16:creationId xmlns:a16="http://schemas.microsoft.com/office/drawing/2014/main" id="{357DD274-6419-4E37-BFF2-9D9446896092}"/>
+              </a:ext>
+            </a:extLst>
+          </p:cNvPr>
+          <p:cNvSpPr txBox="1"/>
+          <p:nvPr/>
+        </p:nvSpPr>
+        <p:spPr>
+          <a:xfrm>
+            <a:off x="811172" y="1695966"/>
+            <a:ext cx="3492471" cy="276999"/>
+          </a:xfrm>
+          <a:prstGeom prst="rect">
+            <a:avLst/>
+          </a:prstGeom>
+          <a:noFill/>
+        </p:spPr>
+        <p:txBody>
+          <a:bodyPr wrap="square" lIns="108000" rIns="108000" rtlCol="0">
+            <a:spAutoFit/>
+          </a:bodyPr>
+          <a:lstStyle/>
+          <a:p>
+            <a:pPr marL="171450" indent="-171450">
+              <a:buFont typeface="Wingdings" panose="05000000000000000000" pitchFamily="2" charset="2"/>
+              <a:buChar char="ü"/>
+            </a:pPr>
+            <a:r>
+              <a:rPr lang="fr-FR" altLang="ko-KR" sz="1200" dirty="0">
+                <a:solidFill>
+                  <a:schemeClr val="bg1"/>
+                </a:solidFill>
+                <a:cs typeface="Arial" pitchFamily="34" charset="0"/>
+              </a:rPr>
+              <a:t>Facile à produire et à consommer</a:t>
+            </a:r>
+            <a:endParaRPr lang="en-US" altLang="ko-KR" sz="1200" dirty="0">
+              <a:solidFill>
+                <a:schemeClr val="bg1"/>
+              </a:solidFill>
+              <a:ea typeface="FZShuTi" pitchFamily="2" charset="-122"/>
+              <a:cs typeface="Arial" pitchFamily="34" charset="0"/>
+            </a:endParaRPr>
+          </a:p>
+        </p:txBody>
+      </p:sp>
+      <p:sp>
+        <p:nvSpPr>
+          <p:cNvPr id="9" name="TextBox 8">
+            <a:extLst>
+              <a:ext uri="{FF2B5EF4-FFF2-40B4-BE49-F238E27FC236}">
+                <a16:creationId xmlns:a16="http://schemas.microsoft.com/office/drawing/2014/main" id="{141CE8CB-F23D-49AE-931B-E064ED37F5E9}"/>
+              </a:ext>
+            </a:extLst>
+          </p:cNvPr>
+          <p:cNvSpPr txBox="1"/>
+          <p:nvPr/>
+        </p:nvSpPr>
+        <p:spPr>
+          <a:xfrm>
+            <a:off x="811172" y="1964603"/>
+            <a:ext cx="3046452" cy="276999"/>
+          </a:xfrm>
+          <a:prstGeom prst="rect">
+            <a:avLst/>
+          </a:prstGeom>
+          <a:noFill/>
+        </p:spPr>
+        <p:txBody>
+          <a:bodyPr wrap="square" lIns="108000" rIns="108000" rtlCol="0">
+            <a:spAutoFit/>
+          </a:bodyPr>
+          <a:lstStyle/>
+          <a:p>
+            <a:pPr marL="171450" indent="-171450">
+              <a:buFont typeface="Wingdings" panose="05000000000000000000" pitchFamily="2" charset="2"/>
+              <a:buChar char="ü"/>
+            </a:pPr>
+            <a:r>
+              <a:rPr lang="fr-FR" altLang="ko-KR" sz="1200" dirty="0">
+                <a:solidFill>
+                  <a:schemeClr val="bg1"/>
+                </a:solidFill>
+                <a:cs typeface="Arial" pitchFamily="34" charset="0"/>
+              </a:rPr>
+              <a:t>Entraîné par contrat </a:t>
+            </a:r>
+            <a:r>
+              <a:rPr lang="fr-FR" altLang="ko-KR" sz="1200" dirty="0" smtClean="0">
+                <a:solidFill>
+                  <a:schemeClr val="bg1"/>
+                </a:solidFill>
+                <a:cs typeface="Arial" pitchFamily="34" charset="0"/>
+              </a:rPr>
+              <a:t>de </a:t>
+            </a:r>
+            <a:r>
+              <a:rPr lang="fr-FR" altLang="ko-KR" sz="1200" dirty="0" err="1" smtClean="0">
+                <a:solidFill>
+                  <a:schemeClr val="bg1"/>
+                </a:solidFill>
+                <a:cs typeface="Arial" pitchFamily="34" charset="0"/>
+              </a:rPr>
+              <a:t>facon</a:t>
+            </a:r>
+            <a:r>
+              <a:rPr lang="fr-FR" altLang="ko-KR" sz="1200" dirty="0" smtClean="0">
+                <a:solidFill>
+                  <a:schemeClr val="bg1"/>
+                </a:solidFill>
+                <a:cs typeface="Arial" pitchFamily="34" charset="0"/>
+              </a:rPr>
+              <a:t> naturelle</a:t>
+            </a:r>
+            <a:endParaRPr lang="en-US" altLang="ko-KR" sz="1200" dirty="0">
+              <a:solidFill>
+                <a:schemeClr val="bg1"/>
+              </a:solidFill>
+              <a:ea typeface="FZShuTi" pitchFamily="2" charset="-122"/>
+              <a:cs typeface="Arial" pitchFamily="34" charset="0"/>
+            </a:endParaRPr>
+          </a:p>
+        </p:txBody>
+      </p:sp>
+      <p:sp>
+        <p:nvSpPr>
+          <p:cNvPr id="10" name="TextBox 9">
+            <a:extLst>
+              <a:ext uri="{FF2B5EF4-FFF2-40B4-BE49-F238E27FC236}">
+                <a16:creationId xmlns:a16="http://schemas.microsoft.com/office/drawing/2014/main" id="{8102D300-D7EA-4F7D-B7AA-40CD1851A935}"/>
+              </a:ext>
+            </a:extLst>
+          </p:cNvPr>
+          <p:cNvSpPr txBox="1"/>
+          <p:nvPr/>
+        </p:nvSpPr>
+        <p:spPr>
+          <a:xfrm>
+            <a:off x="811172" y="2233240"/>
+            <a:ext cx="3641558" cy="276999"/>
+          </a:xfrm>
+          <a:prstGeom prst="rect">
+            <a:avLst/>
+          </a:prstGeom>
+          <a:noFill/>
+        </p:spPr>
+        <p:txBody>
+          <a:bodyPr wrap="square" lIns="108000" rIns="108000" rtlCol="0">
+            <a:spAutoFit/>
+          </a:bodyPr>
+          <a:lstStyle/>
+          <a:p>
+            <a:pPr marL="171450" indent="-171450">
+              <a:buFont typeface="Wingdings" panose="05000000000000000000" pitchFamily="2" charset="2"/>
+              <a:buChar char="ü"/>
+            </a:pPr>
+            <a:r>
+              <a:rPr lang="fr-FR" altLang="ko-KR" sz="1200" dirty="0">
+                <a:solidFill>
+                  <a:schemeClr val="bg1"/>
+                </a:solidFill>
+                <a:cs typeface="Arial" pitchFamily="34" charset="0"/>
+              </a:rPr>
+              <a:t>Fonctionne avec n'importe quelle </a:t>
+            </a:r>
+            <a:r>
+              <a:rPr lang="fr-FR" altLang="ko-KR" sz="1200" dirty="0" smtClean="0">
+                <a:solidFill>
+                  <a:schemeClr val="bg1"/>
+                </a:solidFill>
+                <a:cs typeface="Arial" pitchFamily="34" charset="0"/>
+              </a:rPr>
+              <a:t>représentation.</a:t>
+            </a:r>
+            <a:endParaRPr lang="en-US" altLang="ko-KR" sz="1200" dirty="0">
+              <a:solidFill>
+                <a:schemeClr val="bg1"/>
+              </a:solidFill>
+              <a:ea typeface="FZShuTi" pitchFamily="2" charset="-122"/>
+              <a:cs typeface="Arial" pitchFamily="34" charset="0"/>
+            </a:endParaRPr>
+          </a:p>
+        </p:txBody>
+      </p:sp>
+      <p:sp>
+        <p:nvSpPr>
+          <p:cNvPr id="12" name="TextBox 5">
+            <a:extLst>
+              <a:ext uri="{FF2B5EF4-FFF2-40B4-BE49-F238E27FC236}">
+                <a16:creationId xmlns:a16="http://schemas.microsoft.com/office/drawing/2014/main" id="{606460CB-E570-43FD-893F-C1FD2E7830B3}"/>
+              </a:ext>
+            </a:extLst>
+          </p:cNvPr>
+          <p:cNvSpPr txBox="1"/>
+          <p:nvPr/>
+        </p:nvSpPr>
+        <p:spPr>
+          <a:xfrm>
+            <a:off x="811172" y="2501877"/>
+            <a:ext cx="3403087" cy="276999"/>
+          </a:xfrm>
+          <a:prstGeom prst="rect">
+            <a:avLst/>
+          </a:prstGeom>
+          <a:noFill/>
+        </p:spPr>
+        <p:txBody>
+          <a:bodyPr wrap="square" lIns="108000" rIns="108000" rtlCol="0">
+            <a:spAutoFit/>
+          </a:bodyPr>
+          <a:lstStyle/>
+          <a:p>
+            <a:pPr marL="171450" indent="-171450">
+              <a:buFont typeface="Wingdings" panose="05000000000000000000" pitchFamily="2" charset="2"/>
+              <a:buChar char="ü"/>
+            </a:pPr>
+            <a:r>
+              <a:rPr lang="fr-FR" altLang="ko-KR" sz="1200" dirty="0">
+                <a:solidFill>
+                  <a:schemeClr val="bg1"/>
+                </a:solidFill>
+                <a:ea typeface="FZShuTi" pitchFamily="2" charset="-122"/>
+                <a:cs typeface="Arial" pitchFamily="34" charset="0"/>
+              </a:rPr>
+              <a:t>Introspection intégrée</a:t>
+            </a:r>
+            <a:endParaRPr lang="en-US" altLang="ko-KR" sz="1200" dirty="0">
+              <a:solidFill>
+                <a:schemeClr val="bg1"/>
+              </a:solidFill>
+              <a:ea typeface="FZShuTi" pitchFamily="2" charset="-122"/>
+              <a:cs typeface="Arial" pitchFamily="34" charset="0"/>
+            </a:endParaRPr>
+          </a:p>
+        </p:txBody>
+      </p:sp>
+      <p:sp>
+        <p:nvSpPr>
+          <p:cNvPr id="13" name="TextBox 6">
+            <a:extLst>
+              <a:ext uri="{FF2B5EF4-FFF2-40B4-BE49-F238E27FC236}">
+                <a16:creationId xmlns:a16="http://schemas.microsoft.com/office/drawing/2014/main" id="{357DD274-6419-4E37-BFF2-9D9446896092}"/>
+              </a:ext>
+            </a:extLst>
+          </p:cNvPr>
+          <p:cNvSpPr txBox="1"/>
+          <p:nvPr/>
+        </p:nvSpPr>
+        <p:spPr>
+          <a:xfrm>
+            <a:off x="811172" y="2770516"/>
+            <a:ext cx="6063391" cy="276999"/>
+          </a:xfrm>
+          <a:prstGeom prst="rect">
+            <a:avLst/>
+          </a:prstGeom>
+          <a:noFill/>
+        </p:spPr>
+        <p:txBody>
+          <a:bodyPr wrap="square" lIns="108000" rIns="108000" rtlCol="0">
+            <a:spAutoFit/>
+          </a:bodyPr>
+          <a:lstStyle/>
+          <a:p>
+            <a:pPr marL="171450" indent="-171450">
+              <a:buFont typeface="Wingdings" panose="05000000000000000000" pitchFamily="2" charset="2"/>
+              <a:buChar char="ü"/>
+            </a:pPr>
+            <a:r>
+              <a:rPr lang="fr-FR" altLang="ko-KR" sz="1200" dirty="0" smtClean="0">
+                <a:solidFill>
+                  <a:schemeClr val="bg1"/>
+                </a:solidFill>
+                <a:cs typeface="Arial" pitchFamily="34" charset="0"/>
+              </a:rPr>
+              <a:t>Facile </a:t>
+            </a:r>
+            <a:r>
+              <a:rPr lang="fr-FR" altLang="ko-KR" sz="1200" dirty="0">
+                <a:solidFill>
+                  <a:schemeClr val="bg1"/>
+                </a:solidFill>
+                <a:cs typeface="Arial" pitchFamily="34" charset="0"/>
+              </a:rPr>
+              <a:t>de garder la cohérence (à maintenir et à upgrader)</a:t>
+            </a:r>
+            <a:endParaRPr lang="en-US" altLang="ko-KR" sz="1200" dirty="0">
+              <a:solidFill>
+                <a:schemeClr val="bg1"/>
+              </a:solidFill>
+              <a:ea typeface="FZShuTi" pitchFamily="2" charset="-122"/>
+              <a:cs typeface="Arial" pitchFamily="34" charset="0"/>
+            </a:endParaRPr>
+          </a:p>
+        </p:txBody>
+      </p:sp>
+      <p:sp>
+        <p:nvSpPr>
+          <p:cNvPr id="17" name="Rectangle à coins arrondis 16">
+            <a:extLst>
+              <a:ext uri="{FF2B5EF4-FFF2-40B4-BE49-F238E27FC236}">
+                <a16:creationId xmlns:a16="http://schemas.microsoft.com/office/drawing/2014/main" id="{B04823C5-AAD3-4FB3-A25D-C238181A022C}"/>
+              </a:ext>
+            </a:extLst>
+          </p:cNvPr>
+          <p:cNvSpPr/>
+          <p:nvPr/>
+        </p:nvSpPr>
+        <p:spPr>
+          <a:xfrm>
+            <a:off x="1639958" y="4022064"/>
+            <a:ext cx="8547652" cy="2368797"/>
+          </a:xfrm>
+          <a:prstGeom prst="roundRect">
+            <a:avLst/>
+          </a:prstGeom>
+          <a:solidFill>
+            <a:schemeClr val="dk1">
+              <a:alpha val="50000"/>
+            </a:schemeClr>
+          </a:solidFill>
+          <a:ln>
+            <a:solidFill>
+              <a:schemeClr val="bg1">
+                <a:lumMod val="65000"/>
+              </a:schemeClr>
+            </a:solidFill>
+          </a:ln>
+        </p:spPr>
+        <p:style>
+          <a:lnRef idx="0">
+            <a:scrgbClr r="0" g="0" b="0"/>
+          </a:lnRef>
+          <a:fillRef idx="0">
+            <a:scrgbClr r="0" g="0" b="0"/>
+          </a:fillRef>
+          <a:effectRef idx="0">
+            <a:scrgbClr r="0" g="0" b="0"/>
+          </a:effectRef>
+          <a:fontRef idx="minor">
+            <a:schemeClr val="lt1"/>
+          </a:fontRef>
+        </p:style>
+        <p:txBody>
+          <a:bodyPr rtlCol="0" anchor="ctr"/>
+          <a:lstStyle/>
+          <a:p>
+            <a:pPr algn="ctr"/>
+            <a:endParaRPr lang="en-US"/>
+          </a:p>
+        </p:txBody>
+      </p:sp>
+      <p:sp>
+        <p:nvSpPr>
+          <p:cNvPr id="18" name="TextBox 4">
+            <a:extLst>
+              <a:ext uri="{FF2B5EF4-FFF2-40B4-BE49-F238E27FC236}">
+                <a16:creationId xmlns:a16="http://schemas.microsoft.com/office/drawing/2014/main" id="{FCC6EBD0-DF5B-4EE2-A230-D05A6519618A}"/>
+              </a:ext>
+            </a:extLst>
+          </p:cNvPr>
+          <p:cNvSpPr txBox="1"/>
+          <p:nvPr/>
+        </p:nvSpPr>
+        <p:spPr>
+          <a:xfrm>
+            <a:off x="1887909" y="4089935"/>
+            <a:ext cx="1272737" cy="461665"/>
+          </a:xfrm>
+          <a:prstGeom prst="rect">
+            <a:avLst/>
+          </a:prstGeom>
+          <a:noFill/>
+        </p:spPr>
+        <p:txBody>
+          <a:bodyPr wrap="square" lIns="108000" rIns="108000" rtlCol="0" anchor="ctr">
+            <a:spAutoFit/>
+          </a:bodyPr>
+          <a:lstStyle/>
+          <a:p>
+            <a:r>
+              <a:rPr lang="en-US" altLang="ko-KR" sz="2400" b="1" dirty="0" err="1" smtClean="0">
+                <a:solidFill>
+                  <a:srgbClr val="FF0000"/>
+                </a:solidFill>
+                <a:cs typeface="Arial" pitchFamily="34" charset="0"/>
+              </a:rPr>
+              <a:t>Contre</a:t>
+            </a:r>
+            <a:endParaRPr lang="ko-KR" altLang="en-US" sz="2400" b="1" dirty="0">
+              <a:solidFill>
+                <a:srgbClr val="FF0000"/>
+              </a:solidFill>
+              <a:cs typeface="Arial" pitchFamily="34" charset="0"/>
+            </a:endParaRPr>
+          </a:p>
+        </p:txBody>
+      </p:sp>
+      <p:sp>
+        <p:nvSpPr>
+          <p:cNvPr id="19" name="TextBox 5">
+            <a:extLst>
+              <a:ext uri="{FF2B5EF4-FFF2-40B4-BE49-F238E27FC236}">
+                <a16:creationId xmlns:a16="http://schemas.microsoft.com/office/drawing/2014/main" id="{606460CB-E570-43FD-893F-C1FD2E7830B3}"/>
+              </a:ext>
+            </a:extLst>
+          </p:cNvPr>
+          <p:cNvSpPr txBox="1"/>
+          <p:nvPr/>
+        </p:nvSpPr>
+        <p:spPr>
+          <a:xfrm>
+            <a:off x="1758700" y="4621100"/>
+            <a:ext cx="5884492" cy="276999"/>
+          </a:xfrm>
+          <a:prstGeom prst="rect">
+            <a:avLst/>
+          </a:prstGeom>
+          <a:noFill/>
+        </p:spPr>
+        <p:txBody>
+          <a:bodyPr wrap="square" lIns="108000" rIns="108000" rtlCol="0">
+            <a:spAutoFit/>
+          </a:bodyPr>
+          <a:lstStyle/>
+          <a:p>
+            <a:pPr marL="171450" indent="-171450">
+              <a:buFont typeface="Wingdings" panose="05000000000000000000" pitchFamily="2" charset="2"/>
+              <a:buChar char="ü"/>
+            </a:pPr>
+            <a:r>
+              <a:rPr lang="fr-FR" sz="1200" dirty="0">
+                <a:solidFill>
+                  <a:schemeClr val="bg1"/>
+                </a:solidFill>
+              </a:rPr>
+              <a:t>Néglige les problèmes du système distribué</a:t>
+            </a:r>
+            <a:endParaRPr lang="en-US" altLang="ko-KR" sz="1200" dirty="0">
+              <a:solidFill>
+                <a:schemeClr val="bg1"/>
+              </a:solidFill>
+              <a:ea typeface="FZShuTi" pitchFamily="2" charset="-122"/>
+              <a:cs typeface="Arial" pitchFamily="34" charset="0"/>
+            </a:endParaRPr>
+          </a:p>
+        </p:txBody>
+      </p:sp>
+      <p:sp>
+        <p:nvSpPr>
+          <p:cNvPr id="20" name="TextBox 6">
+            <a:extLst>
+              <a:ext uri="{FF2B5EF4-FFF2-40B4-BE49-F238E27FC236}">
+                <a16:creationId xmlns:a16="http://schemas.microsoft.com/office/drawing/2014/main" id="{357DD274-6419-4E37-BFF2-9D9446896092}"/>
+              </a:ext>
+            </a:extLst>
+          </p:cNvPr>
+          <p:cNvSpPr txBox="1"/>
+          <p:nvPr/>
+        </p:nvSpPr>
+        <p:spPr>
+          <a:xfrm>
+            <a:off x="1758699" y="4889737"/>
+            <a:ext cx="8538239" cy="276999"/>
+          </a:xfrm>
+          <a:prstGeom prst="rect">
+            <a:avLst/>
+          </a:prstGeom>
+          <a:noFill/>
+        </p:spPr>
+        <p:txBody>
+          <a:bodyPr wrap="square" lIns="108000" rIns="108000" rtlCol="0">
+            <a:spAutoFit/>
+          </a:bodyPr>
+          <a:lstStyle/>
+          <a:p>
+            <a:pPr marL="171450" indent="-171450">
+              <a:buFont typeface="Wingdings" panose="05000000000000000000" pitchFamily="2" charset="2"/>
+              <a:buChar char="ü"/>
+            </a:pPr>
+            <a:r>
+              <a:rPr lang="fr-FR" altLang="ko-KR" sz="1200" dirty="0">
+                <a:solidFill>
+                  <a:schemeClr val="bg1"/>
+                </a:solidFill>
+                <a:cs typeface="Arial" pitchFamily="34" charset="0"/>
+              </a:rPr>
+              <a:t>Serveur et clients couplés au moment de la programmation client, l'état de l'application n'est pas piloté par le serveur</a:t>
+            </a:r>
+            <a:endParaRPr lang="en-US" altLang="ko-KR" sz="1200" dirty="0">
+              <a:solidFill>
+                <a:schemeClr val="bg1"/>
+              </a:solidFill>
+              <a:ea typeface="FZShuTi" pitchFamily="2" charset="-122"/>
+              <a:cs typeface="Arial" pitchFamily="34" charset="0"/>
+            </a:endParaRPr>
+          </a:p>
+        </p:txBody>
+      </p:sp>
+      <p:sp>
+        <p:nvSpPr>
+          <p:cNvPr id="21" name="TextBox 8">
+            <a:extLst>
+              <a:ext uri="{FF2B5EF4-FFF2-40B4-BE49-F238E27FC236}">
+                <a16:creationId xmlns:a16="http://schemas.microsoft.com/office/drawing/2014/main" id="{141CE8CB-F23D-49AE-931B-E064ED37F5E9}"/>
+              </a:ext>
+            </a:extLst>
+          </p:cNvPr>
+          <p:cNvSpPr txBox="1"/>
+          <p:nvPr/>
+        </p:nvSpPr>
+        <p:spPr>
+          <a:xfrm>
+            <a:off x="1758699" y="5158374"/>
+            <a:ext cx="4652039" cy="276999"/>
+          </a:xfrm>
+          <a:prstGeom prst="rect">
+            <a:avLst/>
+          </a:prstGeom>
+          <a:noFill/>
+        </p:spPr>
+        <p:txBody>
+          <a:bodyPr wrap="square" lIns="108000" rIns="108000" rtlCol="0">
+            <a:spAutoFit/>
+          </a:bodyPr>
+          <a:lstStyle/>
+          <a:p>
+            <a:pPr marL="171450" indent="-171450">
+              <a:buFont typeface="Wingdings" panose="05000000000000000000" pitchFamily="2" charset="2"/>
+              <a:buChar char="ü"/>
+            </a:pPr>
+            <a:r>
+              <a:rPr lang="fr-FR" altLang="ko-KR" sz="1200" dirty="0">
+                <a:solidFill>
+                  <a:schemeClr val="bg1"/>
+                </a:solidFill>
+                <a:cs typeface="Arial" pitchFamily="34" charset="0"/>
+              </a:rPr>
+              <a:t>Optimisation des requêtes</a:t>
+            </a:r>
+            <a:endParaRPr lang="en-US" altLang="ko-KR" sz="1200" dirty="0">
+              <a:solidFill>
+                <a:schemeClr val="bg1"/>
+              </a:solidFill>
+              <a:ea typeface="FZShuTi" pitchFamily="2" charset="-122"/>
+              <a:cs typeface="Arial" pitchFamily="34" charset="0"/>
+            </a:endParaRPr>
+          </a:p>
+        </p:txBody>
+      </p:sp>
+      <p:sp>
+        <p:nvSpPr>
+          <p:cNvPr id="22" name="TextBox 9">
+            <a:extLst>
+              <a:ext uri="{FF2B5EF4-FFF2-40B4-BE49-F238E27FC236}">
+                <a16:creationId xmlns:a16="http://schemas.microsoft.com/office/drawing/2014/main" id="{8102D300-D7EA-4F7D-B7AA-40CD1851A935}"/>
+              </a:ext>
+            </a:extLst>
+          </p:cNvPr>
+          <p:cNvSpPr txBox="1"/>
+          <p:nvPr/>
+        </p:nvSpPr>
+        <p:spPr>
+          <a:xfrm>
+            <a:off x="1758700" y="5427011"/>
+            <a:ext cx="7822622" cy="276999"/>
+          </a:xfrm>
+          <a:prstGeom prst="rect">
+            <a:avLst/>
+          </a:prstGeom>
+          <a:noFill/>
+        </p:spPr>
+        <p:txBody>
+          <a:bodyPr wrap="square" lIns="108000" rIns="108000" rtlCol="0">
+            <a:spAutoFit/>
+          </a:bodyPr>
+          <a:lstStyle/>
+          <a:p>
+            <a:pPr marL="171450" indent="-171450">
+              <a:buFont typeface="Wingdings" panose="05000000000000000000" pitchFamily="2" charset="2"/>
+              <a:buChar char="ü"/>
+            </a:pPr>
+            <a:r>
+              <a:rPr lang="fr-FR" altLang="ko-KR" sz="1200" dirty="0" smtClean="0">
+                <a:solidFill>
+                  <a:schemeClr val="bg1"/>
+                </a:solidFill>
+                <a:cs typeface="Arial" pitchFamily="34" charset="0"/>
+              </a:rPr>
+              <a:t>Négociation </a:t>
+            </a:r>
+            <a:r>
+              <a:rPr lang="fr-FR" altLang="ko-KR" sz="1200" dirty="0">
+                <a:solidFill>
+                  <a:schemeClr val="bg1"/>
+                </a:solidFill>
+                <a:cs typeface="Arial" pitchFamily="34" charset="0"/>
+              </a:rPr>
+              <a:t>de contenu, erreurs réseau, mise en cache</a:t>
+            </a:r>
+            <a:endParaRPr lang="en-US" altLang="ko-KR" sz="1200" dirty="0">
+              <a:solidFill>
+                <a:schemeClr val="bg1"/>
+              </a:solidFill>
+              <a:ea typeface="FZShuTi" pitchFamily="2" charset="-122"/>
+              <a:cs typeface="Arial" pitchFamily="34" charset="0"/>
+            </a:endParaRPr>
+          </a:p>
+        </p:txBody>
+      </p:sp>
+      <p:sp>
+        <p:nvSpPr>
+          <p:cNvPr id="23" name="TextBox 5">
+            <a:extLst>
+              <a:ext uri="{FF2B5EF4-FFF2-40B4-BE49-F238E27FC236}">
+                <a16:creationId xmlns:a16="http://schemas.microsoft.com/office/drawing/2014/main" id="{606460CB-E570-43FD-893F-C1FD2E7830B3}"/>
+              </a:ext>
+            </a:extLst>
+          </p:cNvPr>
+          <p:cNvSpPr txBox="1"/>
+          <p:nvPr/>
+        </p:nvSpPr>
+        <p:spPr>
+          <a:xfrm>
+            <a:off x="1758700" y="5695648"/>
+            <a:ext cx="4953591" cy="276999"/>
+          </a:xfrm>
+          <a:prstGeom prst="rect">
+            <a:avLst/>
+          </a:prstGeom>
+          <a:noFill/>
+        </p:spPr>
+        <p:txBody>
+          <a:bodyPr wrap="square" lIns="108000" rIns="108000" rtlCol="0">
+            <a:spAutoFit/>
+          </a:bodyPr>
+          <a:lstStyle/>
+          <a:p>
+            <a:pPr marL="171450" indent="-171450">
+              <a:buFont typeface="Wingdings" panose="05000000000000000000" pitchFamily="2" charset="2"/>
+              <a:buChar char="ü"/>
+            </a:pPr>
+            <a:r>
+              <a:rPr lang="fr-FR" altLang="ko-KR" sz="1200" dirty="0">
+                <a:solidFill>
+                  <a:schemeClr val="bg1"/>
+                </a:solidFill>
+                <a:ea typeface="FZShuTi" pitchFamily="2" charset="-122"/>
+                <a:cs typeface="Arial" pitchFamily="34" charset="0"/>
+              </a:rPr>
+              <a:t>Vous êtes seul avec </a:t>
+            </a:r>
+            <a:r>
+              <a:rPr lang="fr-FR" altLang="ko-KR" sz="1200" dirty="0" smtClean="0">
+                <a:solidFill>
+                  <a:schemeClr val="bg1"/>
+                </a:solidFill>
+                <a:ea typeface="FZShuTi" pitchFamily="2" charset="-122"/>
+                <a:cs typeface="Arial" pitchFamily="34" charset="0"/>
+              </a:rPr>
+              <a:t>gérer l’évolutivité </a:t>
+            </a:r>
+            <a:r>
+              <a:rPr lang="fr-FR" altLang="ko-KR" sz="1200" dirty="0">
+                <a:solidFill>
+                  <a:schemeClr val="bg1"/>
+                </a:solidFill>
+                <a:ea typeface="FZShuTi" pitchFamily="2" charset="-122"/>
+                <a:cs typeface="Arial" pitchFamily="34" charset="0"/>
+              </a:rPr>
+              <a:t>et </a:t>
+            </a:r>
+            <a:r>
+              <a:rPr lang="fr-FR" altLang="ko-KR" sz="1200" dirty="0" smtClean="0">
+                <a:solidFill>
+                  <a:schemeClr val="bg1"/>
+                </a:solidFill>
+                <a:ea typeface="FZShuTi" pitchFamily="2" charset="-122"/>
+                <a:cs typeface="Arial" pitchFamily="34" charset="0"/>
+              </a:rPr>
+              <a:t>les performances</a:t>
+            </a:r>
+            <a:endParaRPr lang="en-US" altLang="ko-KR" sz="1200" dirty="0">
+              <a:solidFill>
+                <a:schemeClr val="bg1"/>
+              </a:solidFill>
+              <a:ea typeface="FZShuTi" pitchFamily="2" charset="-122"/>
+              <a:cs typeface="Arial" pitchFamily="34" charset="0"/>
+            </a:endParaRPr>
+          </a:p>
+        </p:txBody>
+      </p:sp>
+      <p:sp>
+        <p:nvSpPr>
+          <p:cNvPr id="24" name="TextBox 6">
+            <a:extLst>
+              <a:ext uri="{FF2B5EF4-FFF2-40B4-BE49-F238E27FC236}">
+                <a16:creationId xmlns:a16="http://schemas.microsoft.com/office/drawing/2014/main" id="{357DD274-6419-4E37-BFF2-9D9446896092}"/>
+              </a:ext>
+            </a:extLst>
+          </p:cNvPr>
+          <p:cNvSpPr txBox="1"/>
+          <p:nvPr/>
+        </p:nvSpPr>
+        <p:spPr>
+          <a:xfrm>
+            <a:off x="1758700" y="5964287"/>
+            <a:ext cx="4453257" cy="276999"/>
+          </a:xfrm>
+          <a:prstGeom prst="rect">
+            <a:avLst/>
+          </a:prstGeom>
+          <a:noFill/>
+        </p:spPr>
+        <p:txBody>
+          <a:bodyPr wrap="square" lIns="108000" rIns="108000" rtlCol="0">
+            <a:spAutoFit/>
+          </a:bodyPr>
+          <a:lstStyle/>
+          <a:p>
+            <a:pPr marL="171450" indent="-171450">
+              <a:buFont typeface="Wingdings" panose="05000000000000000000" pitchFamily="2" charset="2"/>
+              <a:buChar char="ü"/>
+            </a:pPr>
+            <a:r>
+              <a:rPr lang="fr-FR" altLang="ko-KR" sz="1200" dirty="0">
+                <a:solidFill>
+                  <a:schemeClr val="bg1"/>
+                </a:solidFill>
+                <a:cs typeface="Arial" pitchFamily="34" charset="0"/>
+              </a:rPr>
+              <a:t>Représentation JSON uniquement</a:t>
+            </a:r>
+            <a:endParaRPr lang="en-US" altLang="ko-KR" sz="1200" dirty="0">
+              <a:solidFill>
+                <a:schemeClr val="bg1"/>
+              </a:solidFill>
+              <a:ea typeface="FZShuTi" pitchFamily="2" charset="-122"/>
+              <a:cs typeface="Arial" pitchFamily="34" charset="0"/>
+            </a:endParaRPr>
+          </a:p>
+        </p:txBody>
+      </p:sp>
+      <p:sp>
+        <p:nvSpPr>
+          <p:cNvPr id="25" name="Rectangle à coins arrondis 24">
+            <a:extLst>
+              <a:ext uri="{FF2B5EF4-FFF2-40B4-BE49-F238E27FC236}">
+                <a16:creationId xmlns:a16="http://schemas.microsoft.com/office/drawing/2014/main" id="{B04823C5-AAD3-4FB3-A25D-C238181A022C}"/>
+              </a:ext>
+            </a:extLst>
+          </p:cNvPr>
+          <p:cNvSpPr/>
+          <p:nvPr/>
+        </p:nvSpPr>
+        <p:spPr>
+          <a:xfrm>
+            <a:off x="6440557" y="1163645"/>
+            <a:ext cx="5446625" cy="1742090"/>
+          </a:xfrm>
+          <a:prstGeom prst="roundRect">
+            <a:avLst/>
+          </a:prstGeom>
+          <a:solidFill>
+            <a:schemeClr val="dk1">
+              <a:alpha val="50000"/>
+            </a:schemeClr>
+          </a:solidFill>
+          <a:ln>
+            <a:solidFill>
+              <a:schemeClr val="bg1">
+                <a:lumMod val="65000"/>
+              </a:schemeClr>
+            </a:solidFill>
+          </a:ln>
+        </p:spPr>
+        <p:style>
+          <a:lnRef idx="0">
+            <a:scrgbClr r="0" g="0" b="0"/>
+          </a:lnRef>
+          <a:fillRef idx="0">
+            <a:scrgbClr r="0" g="0" b="0"/>
+          </a:fillRef>
+          <a:effectRef idx="0">
+            <a:scrgbClr r="0" g="0" b="0"/>
+          </a:effectRef>
+          <a:fontRef idx="minor">
+            <a:schemeClr val="lt1"/>
+          </a:fontRef>
+        </p:style>
+        <p:txBody>
+          <a:bodyPr rtlCol="0" anchor="ctr"/>
+          <a:lstStyle/>
+          <a:p>
+            <a:pPr algn="ctr"/>
+            <a:endParaRPr lang="en-US"/>
+          </a:p>
+        </p:txBody>
+      </p:sp>
+      <p:sp>
+        <p:nvSpPr>
+          <p:cNvPr id="26" name="TextBox 4">
+            <a:extLst>
+              <a:ext uri="{FF2B5EF4-FFF2-40B4-BE49-F238E27FC236}">
+                <a16:creationId xmlns:a16="http://schemas.microsoft.com/office/drawing/2014/main" id="{FCC6EBD0-DF5B-4EE2-A230-D05A6519618A}"/>
+              </a:ext>
+            </a:extLst>
+          </p:cNvPr>
+          <p:cNvSpPr txBox="1"/>
+          <p:nvPr/>
+        </p:nvSpPr>
+        <p:spPr>
+          <a:xfrm>
+            <a:off x="6712291" y="1229129"/>
+            <a:ext cx="1232978" cy="461665"/>
+          </a:xfrm>
+          <a:prstGeom prst="rect">
+            <a:avLst/>
+          </a:prstGeom>
+          <a:noFill/>
+        </p:spPr>
+        <p:txBody>
+          <a:bodyPr wrap="square" lIns="108000" rIns="108000" rtlCol="0" anchor="ctr">
+            <a:spAutoFit/>
+          </a:bodyPr>
+          <a:lstStyle/>
+          <a:p>
+            <a:r>
+              <a:rPr lang="en-US" altLang="ko-KR" sz="2400" b="1" dirty="0" err="1" smtClean="0">
+                <a:solidFill>
+                  <a:schemeClr val="accent2">
+                    <a:lumMod val="60000"/>
+                    <a:lumOff val="40000"/>
+                  </a:schemeClr>
+                </a:solidFill>
+                <a:cs typeface="Arial" pitchFamily="34" charset="0"/>
+              </a:rPr>
+              <a:t>Neutre</a:t>
+            </a:r>
+            <a:endParaRPr lang="ko-KR" altLang="en-US" sz="2400" b="1" dirty="0">
+              <a:solidFill>
+                <a:schemeClr val="accent2">
+                  <a:lumMod val="60000"/>
+                  <a:lumOff val="40000"/>
+                </a:schemeClr>
+              </a:solidFill>
+              <a:cs typeface="Arial" pitchFamily="34" charset="0"/>
+            </a:endParaRPr>
+          </a:p>
+        </p:txBody>
+      </p:sp>
+      <p:sp>
+        <p:nvSpPr>
+          <p:cNvPr id="27" name="TextBox 5">
+            <a:extLst>
+              <a:ext uri="{FF2B5EF4-FFF2-40B4-BE49-F238E27FC236}">
+                <a16:creationId xmlns:a16="http://schemas.microsoft.com/office/drawing/2014/main" id="{606460CB-E570-43FD-893F-C1FD2E7830B3}"/>
+              </a:ext>
+            </a:extLst>
+          </p:cNvPr>
+          <p:cNvSpPr txBox="1"/>
+          <p:nvPr/>
+        </p:nvSpPr>
+        <p:spPr>
+          <a:xfrm>
+            <a:off x="6589644" y="1780667"/>
+            <a:ext cx="5364895" cy="461665"/>
+          </a:xfrm>
+          <a:prstGeom prst="rect">
+            <a:avLst/>
+          </a:prstGeom>
+          <a:noFill/>
+        </p:spPr>
+        <p:txBody>
+          <a:bodyPr wrap="square" lIns="108000" rIns="108000" rtlCol="0">
+            <a:spAutoFit/>
+          </a:bodyPr>
+          <a:lstStyle/>
+          <a:p>
+            <a:pPr marL="171450" indent="-171450">
+              <a:buFont typeface="Wingdings" panose="05000000000000000000" pitchFamily="2" charset="2"/>
+              <a:buChar char="ü"/>
+            </a:pPr>
+            <a:r>
+              <a:rPr lang="fr-FR" sz="1200" dirty="0">
+                <a:solidFill>
+                  <a:schemeClr val="bg1"/>
+                </a:solidFill>
+              </a:rPr>
+              <a:t>Concevez plus tard, créez un schéma, attendez et évaluez les requêtes que les utilisateurs feront, puis optimisez les requêtes.</a:t>
+            </a:r>
+            <a:endParaRPr lang="en-US" altLang="ko-KR" sz="1200" dirty="0">
+              <a:solidFill>
+                <a:schemeClr val="bg1"/>
+              </a:solidFill>
+              <a:ea typeface="FZShuTi" pitchFamily="2" charset="-122"/>
+              <a:cs typeface="Arial" pitchFamily="34" charset="0"/>
+            </a:endParaRPr>
+          </a:p>
+        </p:txBody>
+      </p:sp>
+      <p:sp>
+        <p:nvSpPr>
+          <p:cNvPr id="28" name="TextBox 6">
+            <a:extLst>
+              <a:ext uri="{FF2B5EF4-FFF2-40B4-BE49-F238E27FC236}">
+                <a16:creationId xmlns:a16="http://schemas.microsoft.com/office/drawing/2014/main" id="{357DD274-6419-4E37-BFF2-9D9446896092}"/>
+              </a:ext>
+            </a:extLst>
+          </p:cNvPr>
+          <p:cNvSpPr txBox="1"/>
+          <p:nvPr/>
+        </p:nvSpPr>
+        <p:spPr>
+          <a:xfrm>
+            <a:off x="6589644" y="2543618"/>
+            <a:ext cx="5106478" cy="276999"/>
+          </a:xfrm>
+          <a:prstGeom prst="rect">
+            <a:avLst/>
+          </a:prstGeom>
+          <a:noFill/>
+        </p:spPr>
+        <p:txBody>
+          <a:bodyPr wrap="square" lIns="108000" rIns="108000" rtlCol="0">
+            <a:spAutoFit/>
+          </a:bodyPr>
+          <a:lstStyle/>
+          <a:p>
+            <a:pPr marL="171450" indent="-171450">
+              <a:buFont typeface="Wingdings" panose="05000000000000000000" pitchFamily="2" charset="2"/>
+              <a:buChar char="ü"/>
+            </a:pPr>
+            <a:r>
+              <a:rPr lang="fr-FR" altLang="ko-KR" sz="1200" dirty="0">
+                <a:solidFill>
+                  <a:schemeClr val="bg1"/>
+                </a:solidFill>
+                <a:cs typeface="Arial" pitchFamily="34" charset="0"/>
+              </a:rPr>
+              <a:t>Aucune documentation de référence requise</a:t>
+            </a:r>
+            <a:endParaRPr lang="en-US" altLang="ko-KR" sz="1200" dirty="0">
+              <a:solidFill>
+                <a:schemeClr val="bg1"/>
+              </a:solidFill>
+              <a:ea typeface="FZShuTi" pitchFamily="2" charset="-122"/>
+              <a:cs typeface="Arial" pitchFamily="34" charset="0"/>
+            </a:endParaRPr>
+          </a:p>
+        </p:txBody>
+      </p:sp>
+      <p:sp>
+        <p:nvSpPr>
+          <p:cNvPr id="29" name="TextBox 8">
+            <a:extLst>
+              <a:ext uri="{FF2B5EF4-FFF2-40B4-BE49-F238E27FC236}">
+                <a16:creationId xmlns:a16="http://schemas.microsoft.com/office/drawing/2014/main" id="{141CE8CB-F23D-49AE-931B-E064ED37F5E9}"/>
+              </a:ext>
+            </a:extLst>
+          </p:cNvPr>
+          <p:cNvSpPr txBox="1"/>
+          <p:nvPr/>
+        </p:nvSpPr>
+        <p:spPr>
+          <a:xfrm>
+            <a:off x="6589644" y="2250146"/>
+            <a:ext cx="5106478" cy="276999"/>
+          </a:xfrm>
+          <a:prstGeom prst="rect">
+            <a:avLst/>
+          </a:prstGeom>
+          <a:noFill/>
+        </p:spPr>
+        <p:txBody>
+          <a:bodyPr wrap="square" lIns="108000" rIns="108000" rtlCol="0">
+            <a:spAutoFit/>
+          </a:bodyPr>
+          <a:lstStyle/>
+          <a:p>
+            <a:pPr marL="171450" indent="-171450">
+              <a:buFont typeface="Wingdings" panose="05000000000000000000" pitchFamily="2" charset="2"/>
+              <a:buChar char="ü"/>
+            </a:pPr>
+            <a:r>
+              <a:rPr lang="fr-FR" altLang="ko-KR" sz="1200" dirty="0">
+                <a:solidFill>
+                  <a:schemeClr val="bg1"/>
+                </a:solidFill>
+                <a:cs typeface="Arial" pitchFamily="34" charset="0"/>
+              </a:rPr>
+              <a:t>Une API pour tous les besoins des clients (y compris spécifiques)</a:t>
+            </a:r>
+            <a:endParaRPr lang="en-US" altLang="ko-KR" sz="1200" dirty="0">
+              <a:solidFill>
+                <a:schemeClr val="bg1"/>
+              </a:solidFill>
+              <a:ea typeface="FZShuTi" pitchFamily="2" charset="-122"/>
+              <a:cs typeface="Arial" pitchFamily="34" charset="0"/>
+            </a:endParaRPr>
+          </a:p>
+        </p:txBody>
+      </p:sp>
+      <p:pic>
+        <p:nvPicPr>
+          <p:cNvPr id="32" name="Image 31"/>
+          <p:cNvPicPr>
+            <a:picLocks noChangeAspect="1"/>
+          </p:cNvPicPr>
+          <p:nvPr/>
+        </p:nvPicPr>
+        <p:blipFill>
+          <a:blip r:embed="rId2">
+            <a:extLst>
+              <a:ext uri="{28A0092B-C50C-407E-A947-70E740481C1C}">
+                <a14:useLocalDpi xmlns:a14="http://schemas.microsoft.com/office/drawing/2010/main" val="0"/>
+              </a:ext>
+            </a:extLst>
+          </a:blip>
+          <a:stretch>
+            <a:fillRect/>
+          </a:stretch>
+        </p:blipFill>
+        <p:spPr>
+          <a:xfrm>
+            <a:off x="10435561" y="3050121"/>
+            <a:ext cx="1524815" cy="1715836"/>
+          </a:xfrm>
+          <a:prstGeom prst="rect">
+            <a:avLst/>
+          </a:prstGeom>
+        </p:spPr>
+      </p:pic>
+    </p:spTree>
+    <p:extLst>
+      <p:ext uri="{BB962C8B-B14F-4D97-AF65-F5344CB8AC3E}">
+        <p14:creationId xmlns:p14="http://schemas.microsoft.com/office/powerpoint/2010/main" val="1659916289"/>
+      </p:ext>
+    </p:extLst>
+  </p:cSld>
+  <p:clrMapOvr>
+    <a:masterClrMapping/>
+  </p:clrMapOvr>
+  <p:timing>
+    <p:tnLst>
+      <p:par>
+        <p:cTn id="1" dur="indefinite" restart="never" nodeType="tmRoot"/>
+      </p:par>
+    </p:tnLst>
+  </p:timing>
+</p:sld>
+</file>
+
+<file path=ppt/slides/slide22.xml><?xml version="1.0" encoding="utf-8"?>
+<p:sld xmlns:a="http://schemas.openxmlformats.org/drawingml/2006/main" xmlns:r="http://schemas.openxmlformats.org/officeDocument/2006/relationships" xmlns:p="http://schemas.openxmlformats.org/presentationml/2006/main">
+  <p:cSld>
+    <p:spTree>
+      <p:nvGrpSpPr>
+        <p:cNvPr id="1" name=""/>
+        <p:cNvGrpSpPr/>
+        <p:nvPr/>
+      </p:nvGrpSpPr>
+      <p:grpSpPr>
+        <a:xfrm>
+          <a:off x="0" y="0"/>
+          <a:ext cx="0" cy="0"/>
+          <a:chOff x="0" y="0"/>
+          <a:chExt cx="0" cy="0"/>
+        </a:xfrm>
+      </p:grpSpPr>
+      <p:sp>
+        <p:nvSpPr>
           <p:cNvPr id="40" name="TextBox 9">
             <a:extLst>
               <a:ext uri="{FF2B5EF4-FFF2-40B4-BE49-F238E27FC236}">
@@ -14256,7 +17693,7 @@
 </p:sld>
 </file>
 
-<file path=ppt/slides/slide21.xml><?xml version="1.0" encoding="utf-8"?>
+<file path=ppt/slides/slide23.xml><?xml version="1.0" encoding="utf-8"?>
 <p:sld xmlns:a="http://schemas.openxmlformats.org/drawingml/2006/main" xmlns:r="http://schemas.openxmlformats.org/officeDocument/2006/relationships" xmlns:p="http://schemas.openxmlformats.org/presentationml/2006/main">
   <p:cSld>
     <p:spTree>
@@ -15134,7 +18571,7 @@
         <p:spPr>
           <a:xfrm>
             <a:off x="872743" y="136283"/>
-            <a:ext cx="2287224" cy="462563"/>
+            <a:ext cx="2665586" cy="462563"/>
           </a:xfrm>
           <a:prstGeom prst="roundRect">
             <a:avLst>
@@ -15194,8 +18631,8 @@
         </p:nvSpPr>
         <p:spPr>
           <a:xfrm>
-            <a:off x="933061" y="240991"/>
-            <a:ext cx="2226906" cy="276999"/>
+            <a:off x="891786" y="167214"/>
+            <a:ext cx="2605269" cy="369332"/>
           </a:xfrm>
           <a:prstGeom prst="rect">
             <a:avLst/>
@@ -15210,7 +18647,7 @@
           <a:p>
             <a:pPr algn="ctr"/>
             <a:r>
-              <a:rPr lang="fr-FR" altLang="ko-KR" sz="1200" b="1" dirty="0">
+              <a:rPr lang="fr-FR" altLang="ko-KR" b="1" dirty="0">
                 <a:solidFill>
                   <a:schemeClr val="bg1"/>
                 </a:solidFill>
@@ -15219,7 +18656,7 @@
               <a:t>C’est quoi une API </a:t>
             </a:r>
             <a:r>
-              <a:rPr lang="fr-FR" altLang="ko-KR" sz="1200" b="1" dirty="0" smtClean="0">
+              <a:rPr lang="fr-FR" altLang="ko-KR" b="1" dirty="0" smtClean="0">
                 <a:solidFill>
                   <a:schemeClr val="bg1"/>
                 </a:solidFill>
@@ -15227,7 +18664,7 @@
               </a:rPr>
               <a:t>?</a:t>
             </a:r>
-            <a:endParaRPr lang="ko-KR" altLang="en-US" sz="1200" b="1" dirty="0">
+            <a:endParaRPr lang="ko-KR" altLang="en-US" b="1" dirty="0">
               <a:solidFill>
                 <a:schemeClr val="bg1"/>
               </a:solidFill>
@@ -15251,7 +18688,7 @@
         <p:spPr>
           <a:xfrm>
             <a:off x="1118929" y="657002"/>
-            <a:ext cx="10052924" cy="461665"/>
+            <a:ext cx="10052924" cy="584775"/>
           </a:xfrm>
           <a:prstGeom prst="rect">
             <a:avLst/>
@@ -15266,7 +18703,7 @@
           <a:p>
             <a:pPr algn="just"/>
             <a:r>
-              <a:rPr lang="fr-FR" altLang="ko-KR" sz="1200" dirty="0">
+              <a:rPr lang="fr-FR" altLang="ko-KR" sz="1600" dirty="0">
                 <a:solidFill>
                   <a:schemeClr val="bg1"/>
                 </a:solidFill>
@@ -15276,7 +18713,7 @@
               <a:t>En informatique, API est l'acronyme d'Application que </a:t>
             </a:r>
             <a:r>
-              <a:rPr lang="fr-FR" altLang="ko-KR" sz="1200" dirty="0" err="1">
+              <a:rPr lang="fr-FR" altLang="ko-KR" sz="1600" dirty="0" err="1">
                 <a:solidFill>
                   <a:schemeClr val="bg1"/>
                 </a:solidFill>
@@ -15286,7 +18723,7 @@
               <a:t>que</a:t>
             </a:r>
             <a:r>
-              <a:rPr lang="fr-FR" altLang="ko-KR" sz="1200" dirty="0">
+              <a:rPr lang="fr-FR" altLang="ko-KR" sz="1600" dirty="0">
                 <a:solidFill>
                   <a:schemeClr val="bg1"/>
                 </a:solidFill>
@@ -15295,7 +18732,7 @@
               </a:rPr>
               <a:t> l'on traduit en français par interface de programmation applicative ou interface de programmation d'application</a:t>
             </a:r>
-            <a:endParaRPr lang="en-US" altLang="ko-KR" sz="1200" dirty="0">
+            <a:endParaRPr lang="en-US" altLang="ko-KR" sz="1600" dirty="0">
               <a:solidFill>
                 <a:schemeClr val="bg1"/>
               </a:solidFill>
@@ -15320,7 +18757,7 @@
         <p:spPr>
           <a:xfrm>
             <a:off x="1127546" y="2239799"/>
-            <a:ext cx="4906250" cy="952119"/>
+            <a:ext cx="5909358" cy="1014395"/>
           </a:xfrm>
           <a:prstGeom prst="rect">
             <a:avLst/>
@@ -15442,8 +18879,8 @@
         </p:nvSpPr>
         <p:spPr>
           <a:xfrm>
-            <a:off x="951806" y="2019625"/>
-            <a:ext cx="2204857" cy="276999"/>
+            <a:off x="985471" y="1952222"/>
+            <a:ext cx="2204857" cy="369332"/>
           </a:xfrm>
           <a:prstGeom prst="rect">
             <a:avLst/>
@@ -15458,7 +18895,7 @@
           <a:p>
             <a:pPr algn="ctr"/>
             <a:r>
-              <a:rPr lang="fr-FR" altLang="ko-KR" sz="1200" b="1" dirty="0">
+              <a:rPr lang="fr-FR" altLang="ko-KR" b="1" dirty="0">
                 <a:solidFill>
                   <a:schemeClr val="bg1"/>
                 </a:solidFill>
@@ -15484,7 +18921,7 @@
         <p:spPr>
           <a:xfrm>
             <a:off x="1176416" y="2423197"/>
-            <a:ext cx="4857380" cy="646331"/>
+            <a:ext cx="5631888" cy="830997"/>
           </a:xfrm>
           <a:prstGeom prst="rect">
             <a:avLst/>
@@ -15499,7 +18936,7 @@
           <a:p>
             <a:pPr algn="just"/>
             <a:r>
-              <a:rPr lang="fr-FR" altLang="ko-KR" sz="1200" dirty="0" smtClean="0">
+              <a:rPr lang="fr-FR" altLang="ko-KR" sz="1600" dirty="0" smtClean="0">
                 <a:solidFill>
                   <a:schemeClr val="bg1"/>
                 </a:solidFill>
@@ -15509,7 +18946,7 @@
               <a:t>C’est une </a:t>
             </a:r>
             <a:r>
-              <a:rPr lang="fr-FR" altLang="ko-KR" sz="1200" dirty="0">
+              <a:rPr lang="fr-FR" altLang="ko-KR" sz="1600" dirty="0">
                 <a:solidFill>
                   <a:schemeClr val="bg1"/>
                 </a:solidFill>
@@ -15519,7 +18956,7 @@
               <a:t>solution informatique qui permet à des applications de communiquer entre elles et de s'échanger mutuellement des services ou des données</a:t>
             </a:r>
             <a:r>
-              <a:rPr lang="fr-FR" altLang="ko-KR" sz="1200" dirty="0" smtClean="0">
+              <a:rPr lang="fr-FR" altLang="ko-KR" sz="1600" dirty="0" smtClean="0">
                 <a:solidFill>
                   <a:schemeClr val="bg1"/>
                 </a:solidFill>
@@ -15528,7 +18965,7 @@
               </a:rPr>
               <a:t>.</a:t>
             </a:r>
-            <a:endParaRPr lang="en-US" altLang="ko-KR" sz="1200" dirty="0">
+            <a:endParaRPr lang="en-US" altLang="ko-KR" sz="1600" dirty="0">
               <a:solidFill>
                 <a:schemeClr val="bg1"/>
               </a:solidFill>
@@ -15569,7 +19006,7 @@
         </p:blipFill>
         <p:spPr>
           <a:xfrm>
-            <a:off x="7137309" y="3069528"/>
+            <a:off x="7346030" y="2950259"/>
             <a:ext cx="4258479" cy="3038914"/>
           </a:xfrm>
           <a:prstGeom prst="rect">
@@ -15706,6 +19143,230 @@
           <a:chExt cx="0" cy="0"/>
         </a:xfrm>
       </p:grpSpPr>
+      <p:sp>
+        <p:nvSpPr>
+          <p:cNvPr id="77" name="Rectangle à coins arrondis 76">
+            <a:extLst>
+              <a:ext uri="{FF2B5EF4-FFF2-40B4-BE49-F238E27FC236}">
+                <a16:creationId xmlns:a16="http://schemas.microsoft.com/office/drawing/2014/main" id="{B04823C5-AAD3-4FB3-A25D-C238181A022C}"/>
+              </a:ext>
+            </a:extLst>
+          </p:cNvPr>
+          <p:cNvSpPr/>
+          <p:nvPr/>
+        </p:nvSpPr>
+        <p:spPr>
+          <a:xfrm>
+            <a:off x="529991" y="347864"/>
+            <a:ext cx="7727184" cy="745273"/>
+          </a:xfrm>
+          <a:prstGeom prst="roundRect">
+            <a:avLst/>
+          </a:prstGeom>
+          <a:solidFill>
+            <a:schemeClr val="dk1">
+              <a:alpha val="50000"/>
+            </a:schemeClr>
+          </a:solidFill>
+          <a:ln>
+            <a:solidFill>
+              <a:schemeClr val="bg1">
+                <a:lumMod val="65000"/>
+              </a:schemeClr>
+            </a:solidFill>
+          </a:ln>
+        </p:spPr>
+        <p:style>
+          <a:lnRef idx="0">
+            <a:scrgbClr r="0" g="0" b="0"/>
+          </a:lnRef>
+          <a:fillRef idx="0">
+            <a:scrgbClr r="0" g="0" b="0"/>
+          </a:fillRef>
+          <a:effectRef idx="0">
+            <a:scrgbClr r="0" g="0" b="0"/>
+          </a:effectRef>
+          <a:fontRef idx="minor">
+            <a:schemeClr val="lt1"/>
+          </a:fontRef>
+        </p:style>
+        <p:txBody>
+          <a:bodyPr rtlCol="0" anchor="ctr"/>
+          <a:lstStyle/>
+          <a:p>
+            <a:pPr algn="ctr"/>
+            <a:endParaRPr lang="en-US"/>
+          </a:p>
+        </p:txBody>
+      </p:sp>
+      <p:sp>
+        <p:nvSpPr>
+          <p:cNvPr id="76" name="Rectangle à coins arrondis 75">
+            <a:extLst>
+              <a:ext uri="{FF2B5EF4-FFF2-40B4-BE49-F238E27FC236}">
+                <a16:creationId xmlns:a16="http://schemas.microsoft.com/office/drawing/2014/main" id="{B04823C5-AAD3-4FB3-A25D-C238181A022C}"/>
+              </a:ext>
+            </a:extLst>
+          </p:cNvPr>
+          <p:cNvSpPr/>
+          <p:nvPr/>
+        </p:nvSpPr>
+        <p:spPr>
+          <a:xfrm>
+            <a:off x="996895" y="1436961"/>
+            <a:ext cx="5126952" cy="1299958"/>
+          </a:xfrm>
+          <a:prstGeom prst="roundRect">
+            <a:avLst/>
+          </a:prstGeom>
+          <a:solidFill>
+            <a:schemeClr val="dk1">
+              <a:alpha val="50000"/>
+            </a:schemeClr>
+          </a:solidFill>
+          <a:ln>
+            <a:solidFill>
+              <a:schemeClr val="bg1">
+                <a:lumMod val="65000"/>
+              </a:schemeClr>
+            </a:solidFill>
+          </a:ln>
+        </p:spPr>
+        <p:style>
+          <a:lnRef idx="0">
+            <a:scrgbClr r="0" g="0" b="0"/>
+          </a:lnRef>
+          <a:fillRef idx="0">
+            <a:scrgbClr r="0" g="0" b="0"/>
+          </a:fillRef>
+          <a:effectRef idx="0">
+            <a:scrgbClr r="0" g="0" b="0"/>
+          </a:effectRef>
+          <a:fontRef idx="minor">
+            <a:schemeClr val="lt1"/>
+          </a:fontRef>
+        </p:style>
+        <p:txBody>
+          <a:bodyPr rtlCol="0" anchor="ctr"/>
+          <a:lstStyle/>
+          <a:p>
+            <a:pPr algn="ctr"/>
+            <a:endParaRPr lang="en-US"/>
+          </a:p>
+        </p:txBody>
+      </p:sp>
+      <p:sp>
+        <p:nvSpPr>
+          <p:cNvPr id="75" name="Rectangle à coins arrondis 74">
+            <a:extLst>
+              <a:ext uri="{FF2B5EF4-FFF2-40B4-BE49-F238E27FC236}">
+                <a16:creationId xmlns:a16="http://schemas.microsoft.com/office/drawing/2014/main" id="{B04823C5-AAD3-4FB3-A25D-C238181A022C}"/>
+              </a:ext>
+            </a:extLst>
+          </p:cNvPr>
+          <p:cNvSpPr/>
+          <p:nvPr/>
+        </p:nvSpPr>
+        <p:spPr>
+          <a:xfrm>
+            <a:off x="985074" y="2884826"/>
+            <a:ext cx="5158675" cy="846947"/>
+          </a:xfrm>
+          <a:prstGeom prst="roundRect">
+            <a:avLst/>
+          </a:prstGeom>
+          <a:solidFill>
+            <a:schemeClr val="dk1">
+              <a:alpha val="50000"/>
+            </a:schemeClr>
+          </a:solidFill>
+          <a:ln>
+            <a:solidFill>
+              <a:schemeClr val="bg1">
+                <a:lumMod val="65000"/>
+              </a:schemeClr>
+            </a:solidFill>
+          </a:ln>
+        </p:spPr>
+        <p:style>
+          <a:lnRef idx="0">
+            <a:scrgbClr r="0" g="0" b="0"/>
+          </a:lnRef>
+          <a:fillRef idx="0">
+            <a:scrgbClr r="0" g="0" b="0"/>
+          </a:fillRef>
+          <a:effectRef idx="0">
+            <a:scrgbClr r="0" g="0" b="0"/>
+          </a:effectRef>
+          <a:fontRef idx="minor">
+            <a:schemeClr val="lt1"/>
+          </a:fontRef>
+        </p:style>
+        <p:txBody>
+          <a:bodyPr rtlCol="0" anchor="ctr"/>
+          <a:lstStyle/>
+          <a:p>
+            <a:pPr algn="ctr"/>
+            <a:endParaRPr lang="en-US"/>
+          </a:p>
+        </p:txBody>
+      </p:sp>
+      <p:sp>
+        <p:nvSpPr>
+          <p:cNvPr id="73" name="Rectangle à coins arrondis 72">
+            <a:extLst>
+              <a:ext uri="{FF2B5EF4-FFF2-40B4-BE49-F238E27FC236}">
+                <a16:creationId xmlns:a16="http://schemas.microsoft.com/office/drawing/2014/main" id="{B04823C5-AAD3-4FB3-A25D-C238181A022C}"/>
+              </a:ext>
+            </a:extLst>
+          </p:cNvPr>
+          <p:cNvSpPr/>
+          <p:nvPr/>
+        </p:nvSpPr>
+        <p:spPr>
+          <a:xfrm>
+            <a:off x="1023436" y="4057238"/>
+            <a:ext cx="6060759" cy="1639607"/>
+          </a:xfrm>
+          <a:prstGeom prst="roundRect">
+            <a:avLst/>
+          </a:prstGeom>
+          <a:solidFill>
+            <a:schemeClr val="dk1">
+              <a:alpha val="50000"/>
+            </a:schemeClr>
+          </a:solidFill>
+          <a:ln>
+            <a:solidFill>
+              <a:schemeClr val="bg1">
+                <a:lumMod val="65000"/>
+              </a:schemeClr>
+            </a:solidFill>
+          </a:ln>
+        </p:spPr>
+        <p:style>
+          <a:lnRef idx="0">
+            <a:scrgbClr r="0" g="0" b="0"/>
+          </a:lnRef>
+          <a:fillRef idx="0">
+            <a:scrgbClr r="0" g="0" b="0"/>
+          </a:fillRef>
+          <a:effectRef idx="0">
+            <a:scrgbClr r="0" g="0" b="0"/>
+          </a:effectRef>
+          <a:fontRef idx="minor">
+            <a:schemeClr val="lt1"/>
+          </a:fontRef>
+        </p:style>
+        <p:txBody>
+          <a:bodyPr rtlCol="0" anchor="ctr"/>
+          <a:lstStyle/>
+          <a:p>
+            <a:pPr algn="ctr"/>
+            <a:endParaRPr lang="en-US"/>
+          </a:p>
+        </p:txBody>
+      </p:sp>
       <p:grpSp>
         <p:nvGrpSpPr>
           <p:cNvPr id="57" name="Group 56">
@@ -17046,7 +20707,7 @@
         </p:nvSpPr>
         <p:spPr>
           <a:xfrm>
-            <a:off x="432000" y="1623345"/>
+            <a:off x="448237" y="1653818"/>
             <a:ext cx="470000" cy="400110"/>
           </a:xfrm>
           <a:prstGeom prst="rect">
@@ -17094,7 +20755,7 @@
         </p:nvSpPr>
         <p:spPr>
           <a:xfrm>
-            <a:off x="432000" y="2938262"/>
+            <a:off x="442733" y="2975744"/>
             <a:ext cx="470000" cy="400110"/>
           </a:xfrm>
           <a:prstGeom prst="rect">
@@ -17142,7 +20803,7 @@
         </p:nvSpPr>
         <p:spPr>
           <a:xfrm>
-            <a:off x="432000" y="4152506"/>
+            <a:off x="421247" y="4217145"/>
             <a:ext cx="470000" cy="400110"/>
           </a:xfrm>
           <a:prstGeom prst="rect">
@@ -17308,10 +20969,10 @@
         </p:nvGrpSpPr>
         <p:grpSpPr>
           <a:xfrm>
-            <a:off x="1188000" y="4152506"/>
-            <a:ext cx="4788000" cy="1661994"/>
+            <a:off x="1100161" y="4152504"/>
+            <a:ext cx="5865290" cy="1461471"/>
             <a:chOff x="2551705" y="4283314"/>
-            <a:chExt cx="2357003" cy="1661994"/>
+            <a:chExt cx="2957216" cy="1386770"/>
           </a:xfrm>
         </p:grpSpPr>
         <p:sp>
@@ -17329,7 +20990,7 @@
           <p:spPr>
             <a:xfrm>
               <a:off x="2551707" y="4560313"/>
-              <a:ext cx="2357001" cy="1384995"/>
+              <a:ext cx="2957214" cy="1109771"/>
             </a:xfrm>
             <a:prstGeom prst="rect">
               <a:avLst/>
@@ -21857,6 +25518,62 @@
       </p:grpSpPr>
       <p:sp>
         <p:nvSpPr>
+          <p:cNvPr id="8" name="Rectangle à coins arrondis 7">
+            <a:extLst>
+              <a:ext uri="{FF2B5EF4-FFF2-40B4-BE49-F238E27FC236}">
+                <a16:creationId xmlns:a16="http://schemas.microsoft.com/office/drawing/2014/main" id="{B04823C5-AAD3-4FB3-A25D-C238181A022C}"/>
+              </a:ext>
+            </a:extLst>
+          </p:cNvPr>
+          <p:cNvSpPr/>
+          <p:nvPr/>
+        </p:nvSpPr>
+        <p:spPr>
+          <a:xfrm>
+            <a:off x="933061" y="1679553"/>
+            <a:ext cx="10566513" cy="4780882"/>
+          </a:xfrm>
+          <a:prstGeom prst="roundRect">
+            <a:avLst/>
+          </a:prstGeom>
+          <a:solidFill>
+            <a:schemeClr val="dk1">
+              <a:alpha val="50000"/>
+            </a:schemeClr>
+          </a:solidFill>
+          <a:ln>
+            <a:solidFill>
+              <a:schemeClr val="bg1">
+                <a:lumMod val="65000"/>
+              </a:schemeClr>
+            </a:solidFill>
+          </a:ln>
+        </p:spPr>
+        <p:style>
+          <a:lnRef idx="0">
+            <a:scrgbClr r="0" g="0" b="0"/>
+          </a:lnRef>
+          <a:fillRef idx="0">
+            <a:scrgbClr r="0" g="0" b="0"/>
+          </a:fillRef>
+          <a:effectRef idx="0">
+            <a:scrgbClr r="0" g="0" b="0"/>
+          </a:effectRef>
+          <a:fontRef idx="minor">
+            <a:schemeClr val="lt1"/>
+          </a:fontRef>
+        </p:style>
+        <p:txBody>
+          <a:bodyPr rtlCol="0" anchor="ctr"/>
+          <a:lstStyle/>
+          <a:p>
+            <a:pPr algn="ctr"/>
+            <a:endParaRPr lang="en-US"/>
+          </a:p>
+        </p:txBody>
+      </p:sp>
+      <p:sp>
+        <p:nvSpPr>
           <p:cNvPr id="10" name="TextBox 9">
             <a:extLst>
               <a:ext uri="{FF2B5EF4-FFF2-40B4-BE49-F238E27FC236}">
@@ -21920,68 +25637,6 @@
               <a:latin typeface="+mj-lt"/>
               <a:cs typeface="Arial" pitchFamily="34" charset="0"/>
             </a:endParaRPr>
-          </a:p>
-        </p:txBody>
-      </p:sp>
-      <p:sp>
-        <p:nvSpPr>
-          <p:cNvPr id="4" name="Rectangle 3">
-            <a:extLst>
-              <a:ext uri="{FF2B5EF4-FFF2-40B4-BE49-F238E27FC236}">
-                <a16:creationId xmlns:a16="http://schemas.microsoft.com/office/drawing/2014/main" id="{B04823C5-AAD3-4FB3-A25D-C238181A022C}"/>
-              </a:ext>
-            </a:extLst>
-          </p:cNvPr>
-          <p:cNvSpPr/>
-          <p:nvPr/>
-        </p:nvSpPr>
-        <p:spPr>
-          <a:xfrm>
-            <a:off x="1118929" y="1667626"/>
-            <a:ext cx="10233316" cy="4521679"/>
-          </a:xfrm>
-          <a:prstGeom prst="rect">
-            <a:avLst/>
-          </a:prstGeom>
-          <a:solidFill>
-            <a:schemeClr val="tx2">
-              <a:lumMod val="50000"/>
-              <a:alpha val="70000"/>
-            </a:schemeClr>
-          </a:solidFill>
-          <a:ln>
-            <a:noFill/>
-          </a:ln>
-          <a:effectLst>
-            <a:outerShdw blurRad="63500" sx="102000" sy="102000" algn="ctr" rotWithShape="0">
-              <a:prstClr val="black">
-                <a:alpha val="40000"/>
-              </a:prstClr>
-            </a:outerShdw>
-          </a:effectLst>
-        </p:spPr>
-        <p:style>
-          <a:lnRef idx="2">
-            <a:schemeClr val="accent1">
-              <a:shade val="50000"/>
-            </a:schemeClr>
-          </a:lnRef>
-          <a:fillRef idx="1">
-            <a:schemeClr val="accent1"/>
-          </a:fillRef>
-          <a:effectRef idx="0">
-            <a:schemeClr val="accent1"/>
-          </a:effectRef>
-          <a:fontRef idx="minor">
-            <a:schemeClr val="lt1"/>
-          </a:fontRef>
-        </p:style>
-        <p:txBody>
-          <a:bodyPr rtlCol="0" anchor="ctr"/>
-          <a:lstStyle/>
-          <a:p>
-            <a:pPr algn="ctr"/>
-            <a:endParaRPr lang="en-US"/>
           </a:p>
         </p:txBody>
       </p:sp>
@@ -26965,6 +30620,118 @@
       </p:grpSpPr>
       <p:sp>
         <p:nvSpPr>
+          <p:cNvPr id="16" name="Rectangle à coins arrondis 15">
+            <a:extLst>
+              <a:ext uri="{FF2B5EF4-FFF2-40B4-BE49-F238E27FC236}">
+                <a16:creationId xmlns:a16="http://schemas.microsoft.com/office/drawing/2014/main" id="{B04823C5-AAD3-4FB3-A25D-C238181A022C}"/>
+              </a:ext>
+            </a:extLst>
+          </p:cNvPr>
+          <p:cNvSpPr/>
+          <p:nvPr/>
+        </p:nvSpPr>
+        <p:spPr>
+          <a:xfrm>
+            <a:off x="789998" y="1244887"/>
+            <a:ext cx="11129452" cy="828503"/>
+          </a:xfrm>
+          <a:prstGeom prst="roundRect">
+            <a:avLst/>
+          </a:prstGeom>
+          <a:solidFill>
+            <a:schemeClr val="dk1">
+              <a:alpha val="50000"/>
+            </a:schemeClr>
+          </a:solidFill>
+          <a:ln>
+            <a:solidFill>
+              <a:schemeClr val="bg1">
+                <a:lumMod val="65000"/>
+              </a:schemeClr>
+            </a:solidFill>
+          </a:ln>
+        </p:spPr>
+        <p:style>
+          <a:lnRef idx="0">
+            <a:scrgbClr r="0" g="0" b="0"/>
+          </a:lnRef>
+          <a:fillRef idx="0">
+            <a:scrgbClr r="0" g="0" b="0"/>
+          </a:fillRef>
+          <a:effectRef idx="0">
+            <a:scrgbClr r="0" g="0" b="0"/>
+          </a:effectRef>
+          <a:fontRef idx="minor">
+            <a:schemeClr val="lt1"/>
+          </a:fontRef>
+        </p:style>
+        <p:txBody>
+          <a:bodyPr rtlCol="0" anchor="ctr"/>
+          <a:lstStyle/>
+          <a:p>
+            <a:pPr algn="ctr"/>
+            <a:endParaRPr lang="en-US"/>
+          </a:p>
+        </p:txBody>
+      </p:sp>
+      <p:sp>
+        <p:nvSpPr>
+          <p:cNvPr id="15" name="Rectangle à coins arrondis 14">
+            <a:extLst>
+              <a:ext uri="{FF2B5EF4-FFF2-40B4-BE49-F238E27FC236}">
+                <a16:creationId xmlns:a16="http://schemas.microsoft.com/office/drawing/2014/main" id="{B04823C5-AAD3-4FB3-A25D-C238181A022C}"/>
+              </a:ext>
+            </a:extLst>
+          </p:cNvPr>
+          <p:cNvSpPr/>
+          <p:nvPr/>
+        </p:nvSpPr>
+        <p:spPr>
+          <a:xfrm>
+            <a:off x="1118929" y="2857379"/>
+            <a:ext cx="9028923" cy="1828257"/>
+          </a:xfrm>
+          <a:prstGeom prst="roundRect">
+            <a:avLst/>
+          </a:prstGeom>
+          <a:solidFill>
+            <a:schemeClr val="dk1">
+              <a:alpha val="50000"/>
+            </a:schemeClr>
+          </a:solidFill>
+          <a:ln>
+            <a:solidFill>
+              <a:schemeClr val="bg1">
+                <a:lumMod val="65000"/>
+              </a:schemeClr>
+            </a:solidFill>
+          </a:ln>
+        </p:spPr>
+        <p:style>
+          <a:lnRef idx="0">
+            <a:scrgbClr r="0" g="0" b="0"/>
+          </a:lnRef>
+          <a:fillRef idx="0">
+            <a:scrgbClr r="0" g="0" b="0"/>
+          </a:fillRef>
+          <a:effectRef idx="0">
+            <a:scrgbClr r="0" g="0" b="0"/>
+          </a:effectRef>
+          <a:fontRef idx="minor">
+            <a:schemeClr val="lt1"/>
+          </a:fontRef>
+        </p:style>
+        <p:txBody>
+          <a:bodyPr rtlCol="0" anchor="ctr"/>
+          <a:lstStyle/>
+          <a:p>
+            <a:pPr algn="ctr"/>
+            <a:endParaRPr lang="en-US"/>
+          </a:p>
+        </p:txBody>
+      </p:sp>
+      <p:sp>
+        <p:nvSpPr>
           <p:cNvPr id="32" name="Rectangle: Rounded Corners 19">
             <a:extLst>
               <a:ext uri="{FF2B5EF4-FFF2-40B4-BE49-F238E27FC236}">
@@ -27698,67 +31465,6 @@
       </p:sp>
       <p:sp>
         <p:nvSpPr>
-          <p:cNvPr id="28" name="Rectangle 27">
-            <a:extLst>
-              <a:ext uri="{FF2B5EF4-FFF2-40B4-BE49-F238E27FC236}">
-                <a16:creationId xmlns:a16="http://schemas.microsoft.com/office/drawing/2014/main" id="{B04823C5-AAD3-4FB3-A25D-C238181A022C}"/>
-              </a:ext>
-            </a:extLst>
-          </p:cNvPr>
-          <p:cNvSpPr/>
-          <p:nvPr/>
-        </p:nvSpPr>
-        <p:spPr>
-          <a:xfrm>
-            <a:off x="1118929" y="2316823"/>
-            <a:ext cx="8908754" cy="1651798"/>
-          </a:xfrm>
-          <a:prstGeom prst="rect">
-            <a:avLst/>
-          </a:prstGeom>
-          <a:solidFill>
-            <a:schemeClr val="accent5">
-              <a:alpha val="70000"/>
-            </a:schemeClr>
-          </a:solidFill>
-          <a:ln>
-            <a:noFill/>
-          </a:ln>
-          <a:effectLst>
-            <a:outerShdw blurRad="63500" sx="102000" sy="102000" algn="ctr" rotWithShape="0">
-              <a:prstClr val="black">
-                <a:alpha val="40000"/>
-              </a:prstClr>
-            </a:outerShdw>
-          </a:effectLst>
-        </p:spPr>
-        <p:style>
-          <a:lnRef idx="2">
-            <a:schemeClr val="accent1">
-              <a:shade val="50000"/>
-            </a:schemeClr>
-          </a:lnRef>
-          <a:fillRef idx="1">
-            <a:schemeClr val="accent1"/>
-          </a:fillRef>
-          <a:effectRef idx="0">
-            <a:schemeClr val="accent1"/>
-          </a:effectRef>
-          <a:fontRef idx="minor">
-            <a:schemeClr val="lt1"/>
-          </a:fontRef>
-        </p:style>
-        <p:txBody>
-          <a:bodyPr rtlCol="0" anchor="ctr"/>
-          <a:lstStyle/>
-          <a:p>
-            <a:pPr algn="ctr"/>
-            <a:endParaRPr lang="en-US"/>
-          </a:p>
-        </p:txBody>
-      </p:sp>
-      <p:sp>
-        <p:nvSpPr>
           <p:cNvPr id="29" name="Rectangle: Rounded Corners 19">
             <a:hlinkClick r:id="rId2" action="ppaction://hlinksldjump"/>
             <a:extLst>
@@ -27772,7 +31478,7 @@
         </p:nvSpPr>
         <p:spPr>
           <a:xfrm>
-            <a:off x="869161" y="2091509"/>
+            <a:off x="869161" y="2667979"/>
             <a:ext cx="1898274" cy="391282"/>
           </a:xfrm>
           <a:prstGeom prst="roundRect">
@@ -27834,7 +31540,7 @@
         </p:nvSpPr>
         <p:spPr>
           <a:xfrm>
-            <a:off x="894139" y="2142410"/>
+            <a:off x="894139" y="2718880"/>
             <a:ext cx="1944395" cy="276999"/>
           </a:xfrm>
           <a:prstGeom prst="rect">
@@ -27908,7 +31614,7 @@
         </p:nvSpPr>
         <p:spPr>
           <a:xfrm>
-            <a:off x="1118929" y="2585305"/>
+            <a:off x="1118929" y="3161775"/>
             <a:ext cx="8908754" cy="1200329"/>
           </a:xfrm>
           <a:prstGeom prst="rect">
@@ -28228,6 +31934,207 @@
 </file>
 
 <file path=ppt/theme/theme2.xml><?xml version="1.0" encoding="utf-8"?>
+<a:theme xmlns:a="http://schemas.openxmlformats.org/drawingml/2006/main" name="Contents Slide Master">
+  <a:themeElements>
+    <a:clrScheme name="ALLPPT COLOR - 104">
+      <a:dk1>
+        <a:sysClr val="windowText" lastClr="000000"/>
+      </a:dk1>
+      <a:lt1>
+        <a:sysClr val="window" lastClr="FFFFFF"/>
+      </a:lt1>
+      <a:dk2>
+        <a:srgbClr val="1F497D"/>
+      </a:dk2>
+      <a:lt2>
+        <a:srgbClr val="EEECE1"/>
+      </a:lt2>
+      <a:accent1>
+        <a:srgbClr val="196491"/>
+      </a:accent1>
+      <a:accent2>
+        <a:srgbClr val="0587AF"/>
+      </a:accent2>
+      <a:accent3>
+        <a:srgbClr val="19A5BE"/>
+      </a:accent3>
+      <a:accent4>
+        <a:srgbClr val="53C3CD"/>
+      </a:accent4>
+      <a:accent5>
+        <a:srgbClr val="5AB4C1"/>
+      </a:accent5>
+      <a:accent6>
+        <a:srgbClr val="1A8EA9"/>
+      </a:accent6>
+      <a:hlink>
+        <a:srgbClr val="0000FF"/>
+      </a:hlink>
+      <a:folHlink>
+        <a:srgbClr val="800080"/>
+      </a:folHlink>
+    </a:clrScheme>
+    <a:fontScheme name="ALLPPT FONT">
+      <a:majorFont>
+        <a:latin typeface="Arial"/>
+        <a:ea typeface="Arial Unicode MS"/>
+        <a:cs typeface=""/>
+      </a:majorFont>
+      <a:minorFont>
+        <a:latin typeface="Arial"/>
+        <a:ea typeface="Arial Unicode MS"/>
+        <a:cs typeface=""/>
+      </a:minorFont>
+    </a:fontScheme>
+    <a:fmtScheme name="Office">
+      <a:fillStyleLst>
+        <a:solidFill>
+          <a:schemeClr val="phClr"/>
+        </a:solidFill>
+        <a:gradFill rotWithShape="1">
+          <a:gsLst>
+            <a:gs pos="0">
+              <a:schemeClr val="phClr">
+                <a:lumMod val="110000"/>
+                <a:satMod val="105000"/>
+                <a:tint val="67000"/>
+              </a:schemeClr>
+            </a:gs>
+            <a:gs pos="50000">
+              <a:schemeClr val="phClr">
+                <a:lumMod val="105000"/>
+                <a:satMod val="103000"/>
+                <a:tint val="73000"/>
+              </a:schemeClr>
+            </a:gs>
+            <a:gs pos="100000">
+              <a:schemeClr val="phClr">
+                <a:lumMod val="105000"/>
+                <a:satMod val="109000"/>
+                <a:tint val="81000"/>
+              </a:schemeClr>
+            </a:gs>
+          </a:gsLst>
+          <a:lin ang="5400000" scaled="0"/>
+        </a:gradFill>
+        <a:gradFill rotWithShape="1">
+          <a:gsLst>
+            <a:gs pos="0">
+              <a:schemeClr val="phClr">
+                <a:satMod val="103000"/>
+                <a:lumMod val="102000"/>
+                <a:tint val="94000"/>
+              </a:schemeClr>
+            </a:gs>
+            <a:gs pos="50000">
+              <a:schemeClr val="phClr">
+                <a:satMod val="110000"/>
+                <a:lumMod val="100000"/>
+                <a:shade val="100000"/>
+              </a:schemeClr>
+            </a:gs>
+            <a:gs pos="100000">
+              <a:schemeClr val="phClr">
+                <a:lumMod val="99000"/>
+                <a:satMod val="120000"/>
+                <a:shade val="78000"/>
+              </a:schemeClr>
+            </a:gs>
+          </a:gsLst>
+          <a:lin ang="5400000" scaled="0"/>
+        </a:gradFill>
+      </a:fillStyleLst>
+      <a:lnStyleLst>
+        <a:ln w="6350" cap="flat" cmpd="sng" algn="ctr">
+          <a:solidFill>
+            <a:schemeClr val="phClr"/>
+          </a:solidFill>
+          <a:prstDash val="solid"/>
+          <a:miter lim="800000"/>
+        </a:ln>
+        <a:ln w="12700" cap="flat" cmpd="sng" algn="ctr">
+          <a:solidFill>
+            <a:schemeClr val="phClr"/>
+          </a:solidFill>
+          <a:prstDash val="solid"/>
+          <a:miter lim="800000"/>
+        </a:ln>
+        <a:ln w="19050" cap="flat" cmpd="sng" algn="ctr">
+          <a:solidFill>
+            <a:schemeClr val="phClr"/>
+          </a:solidFill>
+          <a:prstDash val="solid"/>
+          <a:miter lim="800000"/>
+        </a:ln>
+      </a:lnStyleLst>
+      <a:effectStyleLst>
+        <a:effectStyle>
+          <a:effectLst/>
+        </a:effectStyle>
+        <a:effectStyle>
+          <a:effectLst/>
+        </a:effectStyle>
+        <a:effectStyle>
+          <a:effectLst>
+            <a:outerShdw blurRad="57150" dist="19050" dir="5400000" algn="ctr" rotWithShape="0">
+              <a:srgbClr val="000000">
+                <a:alpha val="63000"/>
+              </a:srgbClr>
+            </a:outerShdw>
+          </a:effectLst>
+        </a:effectStyle>
+      </a:effectStyleLst>
+      <a:bgFillStyleLst>
+        <a:solidFill>
+          <a:schemeClr val="phClr"/>
+        </a:solidFill>
+        <a:solidFill>
+          <a:schemeClr val="phClr">
+            <a:tint val="95000"/>
+            <a:satMod val="170000"/>
+          </a:schemeClr>
+        </a:solidFill>
+        <a:gradFill rotWithShape="1">
+          <a:gsLst>
+            <a:gs pos="0">
+              <a:schemeClr val="phClr">
+                <a:tint val="93000"/>
+                <a:satMod val="150000"/>
+                <a:shade val="98000"/>
+                <a:lumMod val="102000"/>
+              </a:schemeClr>
+            </a:gs>
+            <a:gs pos="50000">
+              <a:schemeClr val="phClr">
+                <a:tint val="98000"/>
+                <a:satMod val="130000"/>
+                <a:shade val="90000"/>
+                <a:lumMod val="103000"/>
+              </a:schemeClr>
+            </a:gs>
+            <a:gs pos="100000">
+              <a:schemeClr val="phClr">
+                <a:shade val="63000"/>
+                <a:satMod val="120000"/>
+              </a:schemeClr>
+            </a:gs>
+          </a:gsLst>
+          <a:lin ang="5400000" scaled="0"/>
+        </a:gradFill>
+      </a:bgFillStyleLst>
+    </a:fmtScheme>
+  </a:themeElements>
+  <a:objectDefaults/>
+  <a:extraClrSchemeLst/>
+  <a:extLst>
+    <a:ext uri="{05A4C25C-085E-4340-85A3-A5531E510DB2}">
+      <thm15:themeFamily xmlns:thm15="http://schemas.microsoft.com/office/thememl/2012/main" name="Office Theme" id="{62F939B6-93AF-4DB8-9C6B-D6C7DFDC589F}" vid="{4A3C46E8-61CC-4603-A589-7422A47A8E4A}"/>
+    </a:ext>
+  </a:extLst>
+</a:theme>
+</file>
+
+<file path=ppt/theme/theme3.xml><?xml version="1.0" encoding="utf-8"?>
 <a:theme xmlns:a="http://schemas.openxmlformats.org/drawingml/2006/main" name="Thème Office">
   <a:themeElements>
     <a:clrScheme name="Office">

--- a/prestentation.pptx
+++ b/prestentation.pptx
@@ -18437,8 +18437,8 @@
         </p:nvSpPr>
         <p:spPr>
           <a:xfrm>
-            <a:off x="7074222" y="4454108"/>
-            <a:ext cx="3537794" cy="622427"/>
+            <a:off x="6906126" y="4454108"/>
+            <a:ext cx="3705890" cy="622427"/>
           </a:xfrm>
           <a:prstGeom prst="roundRect">
             <a:avLst/>
@@ -19334,7 +19334,7 @@
         <p:spPr>
           <a:xfrm>
             <a:off x="3342701" y="5536824"/>
-            <a:ext cx="3637043" cy="276999"/>
+            <a:ext cx="1818521" cy="276999"/>
           </a:xfrm>
           <a:prstGeom prst="rect">
             <a:avLst/>
@@ -19601,9 +19601,1354 @@
   <p:timing>
     <p:tnLst>
       <p:par>
-        <p:cTn id="1" dur="indefinite" restart="never" nodeType="tmRoot"/>
+        <p:cTn id="1" dur="indefinite" restart="never" nodeType="tmRoot">
+          <p:childTnLst>
+            <p:seq concurrent="1" nextAc="seek">
+              <p:cTn id="2" dur="indefinite" nodeType="mainSeq">
+                <p:childTnLst>
+                  <p:par>
+                    <p:cTn id="3" fill="hold">
+                      <p:stCondLst>
+                        <p:cond delay="indefinite"/>
+                      </p:stCondLst>
+                      <p:childTnLst>
+                        <p:par>
+                          <p:cTn id="4" fill="hold">
+                            <p:stCondLst>
+                              <p:cond delay="0"/>
+                            </p:stCondLst>
+                            <p:childTnLst>
+                              <p:par>
+                                <p:cTn id="5" presetID="42" presetClass="entr" presetSubtype="0" fill="hold" grpId="0" nodeType="clickEffect">
+                                  <p:stCondLst>
+                                    <p:cond delay="0"/>
+                                  </p:stCondLst>
+                                  <p:childTnLst>
+                                    <p:set>
+                                      <p:cBhvr>
+                                        <p:cTn id="6" dur="1" fill="hold">
+                                          <p:stCondLst>
+                                            <p:cond delay="0"/>
+                                          </p:stCondLst>
+                                        </p:cTn>
+                                        <p:tgtEl>
+                                          <p:spTgt spid="28"/>
+                                        </p:tgtEl>
+                                        <p:attrNameLst>
+                                          <p:attrName>style.visibility</p:attrName>
+                                        </p:attrNameLst>
+                                      </p:cBhvr>
+                                      <p:to>
+                                        <p:strVal val="visible"/>
+                                      </p:to>
+                                    </p:set>
+                                    <p:animEffect transition="in" filter="fade">
+                                      <p:cBhvr>
+                                        <p:cTn id="7" dur="1000"/>
+                                        <p:tgtEl>
+                                          <p:spTgt spid="28"/>
+                                        </p:tgtEl>
+                                      </p:cBhvr>
+                                    </p:animEffect>
+                                    <p:anim calcmode="lin" valueType="num">
+                                      <p:cBhvr>
+                                        <p:cTn id="8" dur="1000" fill="hold"/>
+                                        <p:tgtEl>
+                                          <p:spTgt spid="28"/>
+                                        </p:tgtEl>
+                                        <p:attrNameLst>
+                                          <p:attrName>ppt_x</p:attrName>
+                                        </p:attrNameLst>
+                                      </p:cBhvr>
+                                      <p:tavLst>
+                                        <p:tav tm="0">
+                                          <p:val>
+                                            <p:strVal val="#ppt_x"/>
+                                          </p:val>
+                                        </p:tav>
+                                        <p:tav tm="100000">
+                                          <p:val>
+                                            <p:strVal val="#ppt_x"/>
+                                          </p:val>
+                                        </p:tav>
+                                      </p:tavLst>
+                                    </p:anim>
+                                    <p:anim calcmode="lin" valueType="num">
+                                      <p:cBhvr>
+                                        <p:cTn id="9" dur="1000" fill="hold"/>
+                                        <p:tgtEl>
+                                          <p:spTgt spid="28"/>
+                                        </p:tgtEl>
+                                        <p:attrNameLst>
+                                          <p:attrName>ppt_y</p:attrName>
+                                        </p:attrNameLst>
+                                      </p:cBhvr>
+                                      <p:tavLst>
+                                        <p:tav tm="0">
+                                          <p:val>
+                                            <p:strVal val="#ppt_y+.1"/>
+                                          </p:val>
+                                        </p:tav>
+                                        <p:tav tm="100000">
+                                          <p:val>
+                                            <p:strVal val="#ppt_y"/>
+                                          </p:val>
+                                        </p:tav>
+                                      </p:tavLst>
+                                    </p:anim>
+                                  </p:childTnLst>
+                                </p:cTn>
+                              </p:par>
+                              <p:par>
+                                <p:cTn id="10" presetID="42" presetClass="entr" presetSubtype="0" fill="hold" grpId="0" nodeType="withEffect">
+                                  <p:stCondLst>
+                                    <p:cond delay="0"/>
+                                  </p:stCondLst>
+                                  <p:childTnLst>
+                                    <p:set>
+                                      <p:cBhvr>
+                                        <p:cTn id="11" dur="1" fill="hold">
+                                          <p:stCondLst>
+                                            <p:cond delay="0"/>
+                                          </p:stCondLst>
+                                        </p:cTn>
+                                        <p:tgtEl>
+                                          <p:spTgt spid="10"/>
+                                        </p:tgtEl>
+                                        <p:attrNameLst>
+                                          <p:attrName>style.visibility</p:attrName>
+                                        </p:attrNameLst>
+                                      </p:cBhvr>
+                                      <p:to>
+                                        <p:strVal val="visible"/>
+                                      </p:to>
+                                    </p:set>
+                                    <p:animEffect transition="in" filter="fade">
+                                      <p:cBhvr>
+                                        <p:cTn id="12" dur="1000"/>
+                                        <p:tgtEl>
+                                          <p:spTgt spid="10"/>
+                                        </p:tgtEl>
+                                      </p:cBhvr>
+                                    </p:animEffect>
+                                    <p:anim calcmode="lin" valueType="num">
+                                      <p:cBhvr>
+                                        <p:cTn id="13" dur="1000" fill="hold"/>
+                                        <p:tgtEl>
+                                          <p:spTgt spid="10"/>
+                                        </p:tgtEl>
+                                        <p:attrNameLst>
+                                          <p:attrName>ppt_x</p:attrName>
+                                        </p:attrNameLst>
+                                      </p:cBhvr>
+                                      <p:tavLst>
+                                        <p:tav tm="0">
+                                          <p:val>
+                                            <p:strVal val="#ppt_x"/>
+                                          </p:val>
+                                        </p:tav>
+                                        <p:tav tm="100000">
+                                          <p:val>
+                                            <p:strVal val="#ppt_x"/>
+                                          </p:val>
+                                        </p:tav>
+                                      </p:tavLst>
+                                    </p:anim>
+                                    <p:anim calcmode="lin" valueType="num">
+                                      <p:cBhvr>
+                                        <p:cTn id="14" dur="1000" fill="hold"/>
+                                        <p:tgtEl>
+                                          <p:spTgt spid="10"/>
+                                        </p:tgtEl>
+                                        <p:attrNameLst>
+                                          <p:attrName>ppt_y</p:attrName>
+                                        </p:attrNameLst>
+                                      </p:cBhvr>
+                                      <p:tavLst>
+                                        <p:tav tm="0">
+                                          <p:val>
+                                            <p:strVal val="#ppt_y+.1"/>
+                                          </p:val>
+                                        </p:tav>
+                                        <p:tav tm="100000">
+                                          <p:val>
+                                            <p:strVal val="#ppt_y"/>
+                                          </p:val>
+                                        </p:tav>
+                                      </p:tavLst>
+                                    </p:anim>
+                                  </p:childTnLst>
+                                </p:cTn>
+                              </p:par>
+                              <p:par>
+                                <p:cTn id="15" presetID="42" presetClass="entr" presetSubtype="0" fill="hold" grpId="0" nodeType="withEffect">
+                                  <p:stCondLst>
+                                    <p:cond delay="0"/>
+                                  </p:stCondLst>
+                                  <p:childTnLst>
+                                    <p:set>
+                                      <p:cBhvr>
+                                        <p:cTn id="16" dur="1" fill="hold">
+                                          <p:stCondLst>
+                                            <p:cond delay="0"/>
+                                          </p:stCondLst>
+                                        </p:cTn>
+                                        <p:tgtEl>
+                                          <p:spTgt spid="9"/>
+                                        </p:tgtEl>
+                                        <p:attrNameLst>
+                                          <p:attrName>style.visibility</p:attrName>
+                                        </p:attrNameLst>
+                                      </p:cBhvr>
+                                      <p:to>
+                                        <p:strVal val="visible"/>
+                                      </p:to>
+                                    </p:set>
+                                    <p:animEffect transition="in" filter="fade">
+                                      <p:cBhvr>
+                                        <p:cTn id="17" dur="1000"/>
+                                        <p:tgtEl>
+                                          <p:spTgt spid="9"/>
+                                        </p:tgtEl>
+                                      </p:cBhvr>
+                                    </p:animEffect>
+                                    <p:anim calcmode="lin" valueType="num">
+                                      <p:cBhvr>
+                                        <p:cTn id="18" dur="1000" fill="hold"/>
+                                        <p:tgtEl>
+                                          <p:spTgt spid="9"/>
+                                        </p:tgtEl>
+                                        <p:attrNameLst>
+                                          <p:attrName>ppt_x</p:attrName>
+                                        </p:attrNameLst>
+                                      </p:cBhvr>
+                                      <p:tavLst>
+                                        <p:tav tm="0">
+                                          <p:val>
+                                            <p:strVal val="#ppt_x"/>
+                                          </p:val>
+                                        </p:tav>
+                                        <p:tav tm="100000">
+                                          <p:val>
+                                            <p:strVal val="#ppt_x"/>
+                                          </p:val>
+                                        </p:tav>
+                                      </p:tavLst>
+                                    </p:anim>
+                                    <p:anim calcmode="lin" valueType="num">
+                                      <p:cBhvr>
+                                        <p:cTn id="19" dur="1000" fill="hold"/>
+                                        <p:tgtEl>
+                                          <p:spTgt spid="9"/>
+                                        </p:tgtEl>
+                                        <p:attrNameLst>
+                                          <p:attrName>ppt_y</p:attrName>
+                                        </p:attrNameLst>
+                                      </p:cBhvr>
+                                      <p:tavLst>
+                                        <p:tav tm="0">
+                                          <p:val>
+                                            <p:strVal val="#ppt_y+.1"/>
+                                          </p:val>
+                                        </p:tav>
+                                        <p:tav tm="100000">
+                                          <p:val>
+                                            <p:strVal val="#ppt_y"/>
+                                          </p:val>
+                                        </p:tav>
+                                      </p:tavLst>
+                                    </p:anim>
+                                  </p:childTnLst>
+                                </p:cTn>
+                              </p:par>
+                            </p:childTnLst>
+                          </p:cTn>
+                        </p:par>
+                      </p:childTnLst>
+                    </p:cTn>
+                  </p:par>
+                  <p:par>
+                    <p:cTn id="20" fill="hold">
+                      <p:stCondLst>
+                        <p:cond delay="indefinite"/>
+                      </p:stCondLst>
+                      <p:childTnLst>
+                        <p:par>
+                          <p:cTn id="21" fill="hold">
+                            <p:stCondLst>
+                              <p:cond delay="0"/>
+                            </p:stCondLst>
+                            <p:childTnLst>
+                              <p:par>
+                                <p:cTn id="22" presetID="42" presetClass="entr" presetSubtype="0" fill="hold" grpId="0" nodeType="clickEffect">
+                                  <p:stCondLst>
+                                    <p:cond delay="0"/>
+                                  </p:stCondLst>
+                                  <p:childTnLst>
+                                    <p:set>
+                                      <p:cBhvr>
+                                        <p:cTn id="23" dur="1" fill="hold">
+                                          <p:stCondLst>
+                                            <p:cond delay="0"/>
+                                          </p:stCondLst>
+                                        </p:cTn>
+                                        <p:tgtEl>
+                                          <p:spTgt spid="24"/>
+                                        </p:tgtEl>
+                                        <p:attrNameLst>
+                                          <p:attrName>style.visibility</p:attrName>
+                                        </p:attrNameLst>
+                                      </p:cBhvr>
+                                      <p:to>
+                                        <p:strVal val="visible"/>
+                                      </p:to>
+                                    </p:set>
+                                    <p:animEffect transition="in" filter="fade">
+                                      <p:cBhvr>
+                                        <p:cTn id="24" dur="1000"/>
+                                        <p:tgtEl>
+                                          <p:spTgt spid="24"/>
+                                        </p:tgtEl>
+                                      </p:cBhvr>
+                                    </p:animEffect>
+                                    <p:anim calcmode="lin" valueType="num">
+                                      <p:cBhvr>
+                                        <p:cTn id="25" dur="1000" fill="hold"/>
+                                        <p:tgtEl>
+                                          <p:spTgt spid="24"/>
+                                        </p:tgtEl>
+                                        <p:attrNameLst>
+                                          <p:attrName>ppt_x</p:attrName>
+                                        </p:attrNameLst>
+                                      </p:cBhvr>
+                                      <p:tavLst>
+                                        <p:tav tm="0">
+                                          <p:val>
+                                            <p:strVal val="#ppt_x"/>
+                                          </p:val>
+                                        </p:tav>
+                                        <p:tav tm="100000">
+                                          <p:val>
+                                            <p:strVal val="#ppt_x"/>
+                                          </p:val>
+                                        </p:tav>
+                                      </p:tavLst>
+                                    </p:anim>
+                                    <p:anim calcmode="lin" valueType="num">
+                                      <p:cBhvr>
+                                        <p:cTn id="26" dur="1000" fill="hold"/>
+                                        <p:tgtEl>
+                                          <p:spTgt spid="24"/>
+                                        </p:tgtEl>
+                                        <p:attrNameLst>
+                                          <p:attrName>ppt_y</p:attrName>
+                                        </p:attrNameLst>
+                                      </p:cBhvr>
+                                      <p:tavLst>
+                                        <p:tav tm="0">
+                                          <p:val>
+                                            <p:strVal val="#ppt_y+.1"/>
+                                          </p:val>
+                                        </p:tav>
+                                        <p:tav tm="100000">
+                                          <p:val>
+                                            <p:strVal val="#ppt_y"/>
+                                          </p:val>
+                                        </p:tav>
+                                      </p:tavLst>
+                                    </p:anim>
+                                  </p:childTnLst>
+                                </p:cTn>
+                              </p:par>
+                              <p:par>
+                                <p:cTn id="27" presetID="42" presetClass="entr" presetSubtype="0" fill="hold" grpId="0" nodeType="withEffect">
+                                  <p:stCondLst>
+                                    <p:cond delay="0"/>
+                                  </p:stCondLst>
+                                  <p:childTnLst>
+                                    <p:set>
+                                      <p:cBhvr>
+                                        <p:cTn id="28" dur="1" fill="hold">
+                                          <p:stCondLst>
+                                            <p:cond delay="0"/>
+                                          </p:stCondLst>
+                                        </p:cTn>
+                                        <p:tgtEl>
+                                          <p:spTgt spid="16"/>
+                                        </p:tgtEl>
+                                        <p:attrNameLst>
+                                          <p:attrName>style.visibility</p:attrName>
+                                        </p:attrNameLst>
+                                      </p:cBhvr>
+                                      <p:to>
+                                        <p:strVal val="visible"/>
+                                      </p:to>
+                                    </p:set>
+                                    <p:animEffect transition="in" filter="fade">
+                                      <p:cBhvr>
+                                        <p:cTn id="29" dur="1000"/>
+                                        <p:tgtEl>
+                                          <p:spTgt spid="16"/>
+                                        </p:tgtEl>
+                                      </p:cBhvr>
+                                    </p:animEffect>
+                                    <p:anim calcmode="lin" valueType="num">
+                                      <p:cBhvr>
+                                        <p:cTn id="30" dur="1000" fill="hold"/>
+                                        <p:tgtEl>
+                                          <p:spTgt spid="16"/>
+                                        </p:tgtEl>
+                                        <p:attrNameLst>
+                                          <p:attrName>ppt_x</p:attrName>
+                                        </p:attrNameLst>
+                                      </p:cBhvr>
+                                      <p:tavLst>
+                                        <p:tav tm="0">
+                                          <p:val>
+                                            <p:strVal val="#ppt_x"/>
+                                          </p:val>
+                                        </p:tav>
+                                        <p:tav tm="100000">
+                                          <p:val>
+                                            <p:strVal val="#ppt_x"/>
+                                          </p:val>
+                                        </p:tav>
+                                      </p:tavLst>
+                                    </p:anim>
+                                    <p:anim calcmode="lin" valueType="num">
+                                      <p:cBhvr>
+                                        <p:cTn id="31" dur="1000" fill="hold"/>
+                                        <p:tgtEl>
+                                          <p:spTgt spid="16"/>
+                                        </p:tgtEl>
+                                        <p:attrNameLst>
+                                          <p:attrName>ppt_y</p:attrName>
+                                        </p:attrNameLst>
+                                      </p:cBhvr>
+                                      <p:tavLst>
+                                        <p:tav tm="0">
+                                          <p:val>
+                                            <p:strVal val="#ppt_y+.1"/>
+                                          </p:val>
+                                        </p:tav>
+                                        <p:tav tm="100000">
+                                          <p:val>
+                                            <p:strVal val="#ppt_y"/>
+                                          </p:val>
+                                        </p:tav>
+                                      </p:tavLst>
+                                    </p:anim>
+                                  </p:childTnLst>
+                                </p:cTn>
+                              </p:par>
+                              <p:par>
+                                <p:cTn id="32" presetID="42" presetClass="entr" presetSubtype="0" fill="hold" grpId="0" nodeType="withEffect">
+                                  <p:stCondLst>
+                                    <p:cond delay="0"/>
+                                  </p:stCondLst>
+                                  <p:childTnLst>
+                                    <p:set>
+                                      <p:cBhvr>
+                                        <p:cTn id="33" dur="1" fill="hold">
+                                          <p:stCondLst>
+                                            <p:cond delay="0"/>
+                                          </p:stCondLst>
+                                        </p:cTn>
+                                        <p:tgtEl>
+                                          <p:spTgt spid="15"/>
+                                        </p:tgtEl>
+                                        <p:attrNameLst>
+                                          <p:attrName>style.visibility</p:attrName>
+                                        </p:attrNameLst>
+                                      </p:cBhvr>
+                                      <p:to>
+                                        <p:strVal val="visible"/>
+                                      </p:to>
+                                    </p:set>
+                                    <p:animEffect transition="in" filter="fade">
+                                      <p:cBhvr>
+                                        <p:cTn id="34" dur="1000"/>
+                                        <p:tgtEl>
+                                          <p:spTgt spid="15"/>
+                                        </p:tgtEl>
+                                      </p:cBhvr>
+                                    </p:animEffect>
+                                    <p:anim calcmode="lin" valueType="num">
+                                      <p:cBhvr>
+                                        <p:cTn id="35" dur="1000" fill="hold"/>
+                                        <p:tgtEl>
+                                          <p:spTgt spid="15"/>
+                                        </p:tgtEl>
+                                        <p:attrNameLst>
+                                          <p:attrName>ppt_x</p:attrName>
+                                        </p:attrNameLst>
+                                      </p:cBhvr>
+                                      <p:tavLst>
+                                        <p:tav tm="0">
+                                          <p:val>
+                                            <p:strVal val="#ppt_x"/>
+                                          </p:val>
+                                        </p:tav>
+                                        <p:tav tm="100000">
+                                          <p:val>
+                                            <p:strVal val="#ppt_x"/>
+                                          </p:val>
+                                        </p:tav>
+                                      </p:tavLst>
+                                    </p:anim>
+                                    <p:anim calcmode="lin" valueType="num">
+                                      <p:cBhvr>
+                                        <p:cTn id="36" dur="1000" fill="hold"/>
+                                        <p:tgtEl>
+                                          <p:spTgt spid="15"/>
+                                        </p:tgtEl>
+                                        <p:attrNameLst>
+                                          <p:attrName>ppt_y</p:attrName>
+                                        </p:attrNameLst>
+                                      </p:cBhvr>
+                                      <p:tavLst>
+                                        <p:tav tm="0">
+                                          <p:val>
+                                            <p:strVal val="#ppt_y+.1"/>
+                                          </p:val>
+                                        </p:tav>
+                                        <p:tav tm="100000">
+                                          <p:val>
+                                            <p:strVal val="#ppt_y"/>
+                                          </p:val>
+                                        </p:tav>
+                                      </p:tavLst>
+                                    </p:anim>
+                                  </p:childTnLst>
+                                </p:cTn>
+                              </p:par>
+                            </p:childTnLst>
+                          </p:cTn>
+                        </p:par>
+                      </p:childTnLst>
+                    </p:cTn>
+                  </p:par>
+                  <p:par>
+                    <p:cTn id="37" fill="hold">
+                      <p:stCondLst>
+                        <p:cond delay="indefinite"/>
+                      </p:stCondLst>
+                      <p:childTnLst>
+                        <p:par>
+                          <p:cTn id="38" fill="hold">
+                            <p:stCondLst>
+                              <p:cond delay="0"/>
+                            </p:stCondLst>
+                            <p:childTnLst>
+                              <p:par>
+                                <p:cTn id="39" presetID="42" presetClass="entr" presetSubtype="0" fill="hold" grpId="0" nodeType="clickEffect">
+                                  <p:stCondLst>
+                                    <p:cond delay="0"/>
+                                  </p:stCondLst>
+                                  <p:childTnLst>
+                                    <p:set>
+                                      <p:cBhvr>
+                                        <p:cTn id="40" dur="1" fill="hold">
+                                          <p:stCondLst>
+                                            <p:cond delay="0"/>
+                                          </p:stCondLst>
+                                        </p:cTn>
+                                        <p:tgtEl>
+                                          <p:spTgt spid="29"/>
+                                        </p:tgtEl>
+                                        <p:attrNameLst>
+                                          <p:attrName>style.visibility</p:attrName>
+                                        </p:attrNameLst>
+                                      </p:cBhvr>
+                                      <p:to>
+                                        <p:strVal val="visible"/>
+                                      </p:to>
+                                    </p:set>
+                                    <p:animEffect transition="in" filter="fade">
+                                      <p:cBhvr>
+                                        <p:cTn id="41" dur="1000"/>
+                                        <p:tgtEl>
+                                          <p:spTgt spid="29"/>
+                                        </p:tgtEl>
+                                      </p:cBhvr>
+                                    </p:animEffect>
+                                    <p:anim calcmode="lin" valueType="num">
+                                      <p:cBhvr>
+                                        <p:cTn id="42" dur="1000" fill="hold"/>
+                                        <p:tgtEl>
+                                          <p:spTgt spid="29"/>
+                                        </p:tgtEl>
+                                        <p:attrNameLst>
+                                          <p:attrName>ppt_x</p:attrName>
+                                        </p:attrNameLst>
+                                      </p:cBhvr>
+                                      <p:tavLst>
+                                        <p:tav tm="0">
+                                          <p:val>
+                                            <p:strVal val="#ppt_x"/>
+                                          </p:val>
+                                        </p:tav>
+                                        <p:tav tm="100000">
+                                          <p:val>
+                                            <p:strVal val="#ppt_x"/>
+                                          </p:val>
+                                        </p:tav>
+                                      </p:tavLst>
+                                    </p:anim>
+                                    <p:anim calcmode="lin" valueType="num">
+                                      <p:cBhvr>
+                                        <p:cTn id="43" dur="1000" fill="hold"/>
+                                        <p:tgtEl>
+                                          <p:spTgt spid="29"/>
+                                        </p:tgtEl>
+                                        <p:attrNameLst>
+                                          <p:attrName>ppt_y</p:attrName>
+                                        </p:attrNameLst>
+                                      </p:cBhvr>
+                                      <p:tavLst>
+                                        <p:tav tm="0">
+                                          <p:val>
+                                            <p:strVal val="#ppt_y+.1"/>
+                                          </p:val>
+                                        </p:tav>
+                                        <p:tav tm="100000">
+                                          <p:val>
+                                            <p:strVal val="#ppt_y"/>
+                                          </p:val>
+                                        </p:tav>
+                                      </p:tavLst>
+                                    </p:anim>
+                                  </p:childTnLst>
+                                </p:cTn>
+                              </p:par>
+                              <p:par>
+                                <p:cTn id="44" presetID="42" presetClass="entr" presetSubtype="0" fill="hold" grpId="0" nodeType="withEffect">
+                                  <p:stCondLst>
+                                    <p:cond delay="0"/>
+                                  </p:stCondLst>
+                                  <p:childTnLst>
+                                    <p:set>
+                                      <p:cBhvr>
+                                        <p:cTn id="45" dur="1" fill="hold">
+                                          <p:stCondLst>
+                                            <p:cond delay="0"/>
+                                          </p:stCondLst>
+                                        </p:cTn>
+                                        <p:tgtEl>
+                                          <p:spTgt spid="12"/>
+                                        </p:tgtEl>
+                                        <p:attrNameLst>
+                                          <p:attrName>style.visibility</p:attrName>
+                                        </p:attrNameLst>
+                                      </p:cBhvr>
+                                      <p:to>
+                                        <p:strVal val="visible"/>
+                                      </p:to>
+                                    </p:set>
+                                    <p:animEffect transition="in" filter="fade">
+                                      <p:cBhvr>
+                                        <p:cTn id="46" dur="1000"/>
+                                        <p:tgtEl>
+                                          <p:spTgt spid="12"/>
+                                        </p:tgtEl>
+                                      </p:cBhvr>
+                                    </p:animEffect>
+                                    <p:anim calcmode="lin" valueType="num">
+                                      <p:cBhvr>
+                                        <p:cTn id="47" dur="1000" fill="hold"/>
+                                        <p:tgtEl>
+                                          <p:spTgt spid="12"/>
+                                        </p:tgtEl>
+                                        <p:attrNameLst>
+                                          <p:attrName>ppt_x</p:attrName>
+                                        </p:attrNameLst>
+                                      </p:cBhvr>
+                                      <p:tavLst>
+                                        <p:tav tm="0">
+                                          <p:val>
+                                            <p:strVal val="#ppt_x"/>
+                                          </p:val>
+                                        </p:tav>
+                                        <p:tav tm="100000">
+                                          <p:val>
+                                            <p:strVal val="#ppt_x"/>
+                                          </p:val>
+                                        </p:tav>
+                                      </p:tavLst>
+                                    </p:anim>
+                                    <p:anim calcmode="lin" valueType="num">
+                                      <p:cBhvr>
+                                        <p:cTn id="48" dur="1000" fill="hold"/>
+                                        <p:tgtEl>
+                                          <p:spTgt spid="12"/>
+                                        </p:tgtEl>
+                                        <p:attrNameLst>
+                                          <p:attrName>ppt_y</p:attrName>
+                                        </p:attrNameLst>
+                                      </p:cBhvr>
+                                      <p:tavLst>
+                                        <p:tav tm="0">
+                                          <p:val>
+                                            <p:strVal val="#ppt_y+.1"/>
+                                          </p:val>
+                                        </p:tav>
+                                        <p:tav tm="100000">
+                                          <p:val>
+                                            <p:strVal val="#ppt_y"/>
+                                          </p:val>
+                                        </p:tav>
+                                      </p:tavLst>
+                                    </p:anim>
+                                  </p:childTnLst>
+                                </p:cTn>
+                              </p:par>
+                              <p:par>
+                                <p:cTn id="49" presetID="42" presetClass="entr" presetSubtype="0" fill="hold" grpId="0" nodeType="withEffect">
+                                  <p:stCondLst>
+                                    <p:cond delay="0"/>
+                                  </p:stCondLst>
+                                  <p:childTnLst>
+                                    <p:set>
+                                      <p:cBhvr>
+                                        <p:cTn id="50" dur="1" fill="hold">
+                                          <p:stCondLst>
+                                            <p:cond delay="0"/>
+                                          </p:stCondLst>
+                                        </p:cTn>
+                                        <p:tgtEl>
+                                          <p:spTgt spid="11"/>
+                                        </p:tgtEl>
+                                        <p:attrNameLst>
+                                          <p:attrName>style.visibility</p:attrName>
+                                        </p:attrNameLst>
+                                      </p:cBhvr>
+                                      <p:to>
+                                        <p:strVal val="visible"/>
+                                      </p:to>
+                                    </p:set>
+                                    <p:animEffect transition="in" filter="fade">
+                                      <p:cBhvr>
+                                        <p:cTn id="51" dur="1000"/>
+                                        <p:tgtEl>
+                                          <p:spTgt spid="11"/>
+                                        </p:tgtEl>
+                                      </p:cBhvr>
+                                    </p:animEffect>
+                                    <p:anim calcmode="lin" valueType="num">
+                                      <p:cBhvr>
+                                        <p:cTn id="52" dur="1000" fill="hold"/>
+                                        <p:tgtEl>
+                                          <p:spTgt spid="11"/>
+                                        </p:tgtEl>
+                                        <p:attrNameLst>
+                                          <p:attrName>ppt_x</p:attrName>
+                                        </p:attrNameLst>
+                                      </p:cBhvr>
+                                      <p:tavLst>
+                                        <p:tav tm="0">
+                                          <p:val>
+                                            <p:strVal val="#ppt_x"/>
+                                          </p:val>
+                                        </p:tav>
+                                        <p:tav tm="100000">
+                                          <p:val>
+                                            <p:strVal val="#ppt_x"/>
+                                          </p:val>
+                                        </p:tav>
+                                      </p:tavLst>
+                                    </p:anim>
+                                    <p:anim calcmode="lin" valueType="num">
+                                      <p:cBhvr>
+                                        <p:cTn id="53" dur="1000" fill="hold"/>
+                                        <p:tgtEl>
+                                          <p:spTgt spid="11"/>
+                                        </p:tgtEl>
+                                        <p:attrNameLst>
+                                          <p:attrName>ppt_y</p:attrName>
+                                        </p:attrNameLst>
+                                      </p:cBhvr>
+                                      <p:tavLst>
+                                        <p:tav tm="0">
+                                          <p:val>
+                                            <p:strVal val="#ppt_y+.1"/>
+                                          </p:val>
+                                        </p:tav>
+                                        <p:tav tm="100000">
+                                          <p:val>
+                                            <p:strVal val="#ppt_y"/>
+                                          </p:val>
+                                        </p:tav>
+                                      </p:tavLst>
+                                    </p:anim>
+                                  </p:childTnLst>
+                                </p:cTn>
+                              </p:par>
+                            </p:childTnLst>
+                          </p:cTn>
+                        </p:par>
+                      </p:childTnLst>
+                    </p:cTn>
+                  </p:par>
+                  <p:par>
+                    <p:cTn id="54" fill="hold">
+                      <p:stCondLst>
+                        <p:cond delay="indefinite"/>
+                      </p:stCondLst>
+                      <p:childTnLst>
+                        <p:par>
+                          <p:cTn id="55" fill="hold">
+                            <p:stCondLst>
+                              <p:cond delay="0"/>
+                            </p:stCondLst>
+                            <p:childTnLst>
+                              <p:par>
+                                <p:cTn id="56" presetID="42" presetClass="entr" presetSubtype="0" fill="hold" grpId="0" nodeType="clickEffect">
+                                  <p:stCondLst>
+                                    <p:cond delay="0"/>
+                                  </p:stCondLst>
+                                  <p:childTnLst>
+                                    <p:set>
+                                      <p:cBhvr>
+                                        <p:cTn id="57" dur="1" fill="hold">
+                                          <p:stCondLst>
+                                            <p:cond delay="0"/>
+                                          </p:stCondLst>
+                                        </p:cTn>
+                                        <p:tgtEl>
+                                          <p:spTgt spid="25"/>
+                                        </p:tgtEl>
+                                        <p:attrNameLst>
+                                          <p:attrName>style.visibility</p:attrName>
+                                        </p:attrNameLst>
+                                      </p:cBhvr>
+                                      <p:to>
+                                        <p:strVal val="visible"/>
+                                      </p:to>
+                                    </p:set>
+                                    <p:animEffect transition="in" filter="fade">
+                                      <p:cBhvr>
+                                        <p:cTn id="58" dur="1000"/>
+                                        <p:tgtEl>
+                                          <p:spTgt spid="25"/>
+                                        </p:tgtEl>
+                                      </p:cBhvr>
+                                    </p:animEffect>
+                                    <p:anim calcmode="lin" valueType="num">
+                                      <p:cBhvr>
+                                        <p:cTn id="59" dur="1000" fill="hold"/>
+                                        <p:tgtEl>
+                                          <p:spTgt spid="25"/>
+                                        </p:tgtEl>
+                                        <p:attrNameLst>
+                                          <p:attrName>ppt_x</p:attrName>
+                                        </p:attrNameLst>
+                                      </p:cBhvr>
+                                      <p:tavLst>
+                                        <p:tav tm="0">
+                                          <p:val>
+                                            <p:strVal val="#ppt_x"/>
+                                          </p:val>
+                                        </p:tav>
+                                        <p:tav tm="100000">
+                                          <p:val>
+                                            <p:strVal val="#ppt_x"/>
+                                          </p:val>
+                                        </p:tav>
+                                      </p:tavLst>
+                                    </p:anim>
+                                    <p:anim calcmode="lin" valueType="num">
+                                      <p:cBhvr>
+                                        <p:cTn id="60" dur="1000" fill="hold"/>
+                                        <p:tgtEl>
+                                          <p:spTgt spid="25"/>
+                                        </p:tgtEl>
+                                        <p:attrNameLst>
+                                          <p:attrName>ppt_y</p:attrName>
+                                        </p:attrNameLst>
+                                      </p:cBhvr>
+                                      <p:tavLst>
+                                        <p:tav tm="0">
+                                          <p:val>
+                                            <p:strVal val="#ppt_y+.1"/>
+                                          </p:val>
+                                        </p:tav>
+                                        <p:tav tm="100000">
+                                          <p:val>
+                                            <p:strVal val="#ppt_y"/>
+                                          </p:val>
+                                        </p:tav>
+                                      </p:tavLst>
+                                    </p:anim>
+                                  </p:childTnLst>
+                                </p:cTn>
+                              </p:par>
+                              <p:par>
+                                <p:cTn id="61" presetID="42" presetClass="entr" presetSubtype="0" fill="hold" grpId="0" nodeType="withEffect">
+                                  <p:stCondLst>
+                                    <p:cond delay="0"/>
+                                  </p:stCondLst>
+                                  <p:childTnLst>
+                                    <p:set>
+                                      <p:cBhvr>
+                                        <p:cTn id="62" dur="1" fill="hold">
+                                          <p:stCondLst>
+                                            <p:cond delay="0"/>
+                                          </p:stCondLst>
+                                        </p:cTn>
+                                        <p:tgtEl>
+                                          <p:spTgt spid="18"/>
+                                        </p:tgtEl>
+                                        <p:attrNameLst>
+                                          <p:attrName>style.visibility</p:attrName>
+                                        </p:attrNameLst>
+                                      </p:cBhvr>
+                                      <p:to>
+                                        <p:strVal val="visible"/>
+                                      </p:to>
+                                    </p:set>
+                                    <p:animEffect transition="in" filter="fade">
+                                      <p:cBhvr>
+                                        <p:cTn id="63" dur="1000"/>
+                                        <p:tgtEl>
+                                          <p:spTgt spid="18"/>
+                                        </p:tgtEl>
+                                      </p:cBhvr>
+                                    </p:animEffect>
+                                    <p:anim calcmode="lin" valueType="num">
+                                      <p:cBhvr>
+                                        <p:cTn id="64" dur="1000" fill="hold"/>
+                                        <p:tgtEl>
+                                          <p:spTgt spid="18"/>
+                                        </p:tgtEl>
+                                        <p:attrNameLst>
+                                          <p:attrName>ppt_x</p:attrName>
+                                        </p:attrNameLst>
+                                      </p:cBhvr>
+                                      <p:tavLst>
+                                        <p:tav tm="0">
+                                          <p:val>
+                                            <p:strVal val="#ppt_x"/>
+                                          </p:val>
+                                        </p:tav>
+                                        <p:tav tm="100000">
+                                          <p:val>
+                                            <p:strVal val="#ppt_x"/>
+                                          </p:val>
+                                        </p:tav>
+                                      </p:tavLst>
+                                    </p:anim>
+                                    <p:anim calcmode="lin" valueType="num">
+                                      <p:cBhvr>
+                                        <p:cTn id="65" dur="1000" fill="hold"/>
+                                        <p:tgtEl>
+                                          <p:spTgt spid="18"/>
+                                        </p:tgtEl>
+                                        <p:attrNameLst>
+                                          <p:attrName>ppt_y</p:attrName>
+                                        </p:attrNameLst>
+                                      </p:cBhvr>
+                                      <p:tavLst>
+                                        <p:tav tm="0">
+                                          <p:val>
+                                            <p:strVal val="#ppt_y+.1"/>
+                                          </p:val>
+                                        </p:tav>
+                                        <p:tav tm="100000">
+                                          <p:val>
+                                            <p:strVal val="#ppt_y"/>
+                                          </p:val>
+                                        </p:tav>
+                                      </p:tavLst>
+                                    </p:anim>
+                                  </p:childTnLst>
+                                </p:cTn>
+                              </p:par>
+                              <p:par>
+                                <p:cTn id="66" presetID="42" presetClass="entr" presetSubtype="0" fill="hold" grpId="0" nodeType="withEffect">
+                                  <p:stCondLst>
+                                    <p:cond delay="0"/>
+                                  </p:stCondLst>
+                                  <p:childTnLst>
+                                    <p:set>
+                                      <p:cBhvr>
+                                        <p:cTn id="67" dur="1" fill="hold">
+                                          <p:stCondLst>
+                                            <p:cond delay="0"/>
+                                          </p:stCondLst>
+                                        </p:cTn>
+                                        <p:tgtEl>
+                                          <p:spTgt spid="17"/>
+                                        </p:tgtEl>
+                                        <p:attrNameLst>
+                                          <p:attrName>style.visibility</p:attrName>
+                                        </p:attrNameLst>
+                                      </p:cBhvr>
+                                      <p:to>
+                                        <p:strVal val="visible"/>
+                                      </p:to>
+                                    </p:set>
+                                    <p:animEffect transition="in" filter="fade">
+                                      <p:cBhvr>
+                                        <p:cTn id="68" dur="1000"/>
+                                        <p:tgtEl>
+                                          <p:spTgt spid="17"/>
+                                        </p:tgtEl>
+                                      </p:cBhvr>
+                                    </p:animEffect>
+                                    <p:anim calcmode="lin" valueType="num">
+                                      <p:cBhvr>
+                                        <p:cTn id="69" dur="1000" fill="hold"/>
+                                        <p:tgtEl>
+                                          <p:spTgt spid="17"/>
+                                        </p:tgtEl>
+                                        <p:attrNameLst>
+                                          <p:attrName>ppt_x</p:attrName>
+                                        </p:attrNameLst>
+                                      </p:cBhvr>
+                                      <p:tavLst>
+                                        <p:tav tm="0">
+                                          <p:val>
+                                            <p:strVal val="#ppt_x"/>
+                                          </p:val>
+                                        </p:tav>
+                                        <p:tav tm="100000">
+                                          <p:val>
+                                            <p:strVal val="#ppt_x"/>
+                                          </p:val>
+                                        </p:tav>
+                                      </p:tavLst>
+                                    </p:anim>
+                                    <p:anim calcmode="lin" valueType="num">
+                                      <p:cBhvr>
+                                        <p:cTn id="70" dur="1000" fill="hold"/>
+                                        <p:tgtEl>
+                                          <p:spTgt spid="17"/>
+                                        </p:tgtEl>
+                                        <p:attrNameLst>
+                                          <p:attrName>ppt_y</p:attrName>
+                                        </p:attrNameLst>
+                                      </p:cBhvr>
+                                      <p:tavLst>
+                                        <p:tav tm="0">
+                                          <p:val>
+                                            <p:strVal val="#ppt_y+.1"/>
+                                          </p:val>
+                                        </p:tav>
+                                        <p:tav tm="100000">
+                                          <p:val>
+                                            <p:strVal val="#ppt_y"/>
+                                          </p:val>
+                                        </p:tav>
+                                      </p:tavLst>
+                                    </p:anim>
+                                  </p:childTnLst>
+                                </p:cTn>
+                              </p:par>
+                            </p:childTnLst>
+                          </p:cTn>
+                        </p:par>
+                      </p:childTnLst>
+                    </p:cTn>
+                  </p:par>
+                  <p:par>
+                    <p:cTn id="71" fill="hold">
+                      <p:stCondLst>
+                        <p:cond delay="indefinite"/>
+                      </p:stCondLst>
+                      <p:childTnLst>
+                        <p:par>
+                          <p:cTn id="72" fill="hold">
+                            <p:stCondLst>
+                              <p:cond delay="0"/>
+                            </p:stCondLst>
+                            <p:childTnLst>
+                              <p:par>
+                                <p:cTn id="73" presetID="42" presetClass="entr" presetSubtype="0" fill="hold" grpId="0" nodeType="clickEffect">
+                                  <p:stCondLst>
+                                    <p:cond delay="0"/>
+                                  </p:stCondLst>
+                                  <p:childTnLst>
+                                    <p:set>
+                                      <p:cBhvr>
+                                        <p:cTn id="74" dur="1" fill="hold">
+                                          <p:stCondLst>
+                                            <p:cond delay="0"/>
+                                          </p:stCondLst>
+                                        </p:cTn>
+                                        <p:tgtEl>
+                                          <p:spTgt spid="27"/>
+                                        </p:tgtEl>
+                                        <p:attrNameLst>
+                                          <p:attrName>style.visibility</p:attrName>
+                                        </p:attrNameLst>
+                                      </p:cBhvr>
+                                      <p:to>
+                                        <p:strVal val="visible"/>
+                                      </p:to>
+                                    </p:set>
+                                    <p:animEffect transition="in" filter="fade">
+                                      <p:cBhvr>
+                                        <p:cTn id="75" dur="1000"/>
+                                        <p:tgtEl>
+                                          <p:spTgt spid="27"/>
+                                        </p:tgtEl>
+                                      </p:cBhvr>
+                                    </p:animEffect>
+                                    <p:anim calcmode="lin" valueType="num">
+                                      <p:cBhvr>
+                                        <p:cTn id="76" dur="1000" fill="hold"/>
+                                        <p:tgtEl>
+                                          <p:spTgt spid="27"/>
+                                        </p:tgtEl>
+                                        <p:attrNameLst>
+                                          <p:attrName>ppt_x</p:attrName>
+                                        </p:attrNameLst>
+                                      </p:cBhvr>
+                                      <p:tavLst>
+                                        <p:tav tm="0">
+                                          <p:val>
+                                            <p:strVal val="#ppt_x"/>
+                                          </p:val>
+                                        </p:tav>
+                                        <p:tav tm="100000">
+                                          <p:val>
+                                            <p:strVal val="#ppt_x"/>
+                                          </p:val>
+                                        </p:tav>
+                                      </p:tavLst>
+                                    </p:anim>
+                                    <p:anim calcmode="lin" valueType="num">
+                                      <p:cBhvr>
+                                        <p:cTn id="77" dur="1000" fill="hold"/>
+                                        <p:tgtEl>
+                                          <p:spTgt spid="27"/>
+                                        </p:tgtEl>
+                                        <p:attrNameLst>
+                                          <p:attrName>ppt_y</p:attrName>
+                                        </p:attrNameLst>
+                                      </p:cBhvr>
+                                      <p:tavLst>
+                                        <p:tav tm="0">
+                                          <p:val>
+                                            <p:strVal val="#ppt_y+.1"/>
+                                          </p:val>
+                                        </p:tav>
+                                        <p:tav tm="100000">
+                                          <p:val>
+                                            <p:strVal val="#ppt_y"/>
+                                          </p:val>
+                                        </p:tav>
+                                      </p:tavLst>
+                                    </p:anim>
+                                  </p:childTnLst>
+                                </p:cTn>
+                              </p:par>
+                              <p:par>
+                                <p:cTn id="78" presetID="42" presetClass="entr" presetSubtype="0" fill="hold" grpId="0" nodeType="withEffect">
+                                  <p:stCondLst>
+                                    <p:cond delay="0"/>
+                                  </p:stCondLst>
+                                  <p:childTnLst>
+                                    <p:set>
+                                      <p:cBhvr>
+                                        <p:cTn id="79" dur="1" fill="hold">
+                                          <p:stCondLst>
+                                            <p:cond delay="0"/>
+                                          </p:stCondLst>
+                                        </p:cTn>
+                                        <p:tgtEl>
+                                          <p:spTgt spid="14"/>
+                                        </p:tgtEl>
+                                        <p:attrNameLst>
+                                          <p:attrName>style.visibility</p:attrName>
+                                        </p:attrNameLst>
+                                      </p:cBhvr>
+                                      <p:to>
+                                        <p:strVal val="visible"/>
+                                      </p:to>
+                                    </p:set>
+                                    <p:animEffect transition="in" filter="fade">
+                                      <p:cBhvr>
+                                        <p:cTn id="80" dur="1000"/>
+                                        <p:tgtEl>
+                                          <p:spTgt spid="14"/>
+                                        </p:tgtEl>
+                                      </p:cBhvr>
+                                    </p:animEffect>
+                                    <p:anim calcmode="lin" valueType="num">
+                                      <p:cBhvr>
+                                        <p:cTn id="81" dur="1000" fill="hold"/>
+                                        <p:tgtEl>
+                                          <p:spTgt spid="14"/>
+                                        </p:tgtEl>
+                                        <p:attrNameLst>
+                                          <p:attrName>ppt_x</p:attrName>
+                                        </p:attrNameLst>
+                                      </p:cBhvr>
+                                      <p:tavLst>
+                                        <p:tav tm="0">
+                                          <p:val>
+                                            <p:strVal val="#ppt_x"/>
+                                          </p:val>
+                                        </p:tav>
+                                        <p:tav tm="100000">
+                                          <p:val>
+                                            <p:strVal val="#ppt_x"/>
+                                          </p:val>
+                                        </p:tav>
+                                      </p:tavLst>
+                                    </p:anim>
+                                    <p:anim calcmode="lin" valueType="num">
+                                      <p:cBhvr>
+                                        <p:cTn id="82" dur="1000" fill="hold"/>
+                                        <p:tgtEl>
+                                          <p:spTgt spid="14"/>
+                                        </p:tgtEl>
+                                        <p:attrNameLst>
+                                          <p:attrName>ppt_y</p:attrName>
+                                        </p:attrNameLst>
+                                      </p:cBhvr>
+                                      <p:tavLst>
+                                        <p:tav tm="0">
+                                          <p:val>
+                                            <p:strVal val="#ppt_y+.1"/>
+                                          </p:val>
+                                        </p:tav>
+                                        <p:tav tm="100000">
+                                          <p:val>
+                                            <p:strVal val="#ppt_y"/>
+                                          </p:val>
+                                        </p:tav>
+                                      </p:tavLst>
+                                    </p:anim>
+                                  </p:childTnLst>
+                                </p:cTn>
+                              </p:par>
+                              <p:par>
+                                <p:cTn id="83" presetID="42" presetClass="entr" presetSubtype="0" fill="hold" grpId="0" nodeType="withEffect">
+                                  <p:stCondLst>
+                                    <p:cond delay="0"/>
+                                  </p:stCondLst>
+                                  <p:childTnLst>
+                                    <p:set>
+                                      <p:cBhvr>
+                                        <p:cTn id="84" dur="1" fill="hold">
+                                          <p:stCondLst>
+                                            <p:cond delay="0"/>
+                                          </p:stCondLst>
+                                        </p:cTn>
+                                        <p:tgtEl>
+                                          <p:spTgt spid="13"/>
+                                        </p:tgtEl>
+                                        <p:attrNameLst>
+                                          <p:attrName>style.visibility</p:attrName>
+                                        </p:attrNameLst>
+                                      </p:cBhvr>
+                                      <p:to>
+                                        <p:strVal val="visible"/>
+                                      </p:to>
+                                    </p:set>
+                                    <p:animEffect transition="in" filter="fade">
+                                      <p:cBhvr>
+                                        <p:cTn id="85" dur="1000"/>
+                                        <p:tgtEl>
+                                          <p:spTgt spid="13"/>
+                                        </p:tgtEl>
+                                      </p:cBhvr>
+                                    </p:animEffect>
+                                    <p:anim calcmode="lin" valueType="num">
+                                      <p:cBhvr>
+                                        <p:cTn id="86" dur="1000" fill="hold"/>
+                                        <p:tgtEl>
+                                          <p:spTgt spid="13"/>
+                                        </p:tgtEl>
+                                        <p:attrNameLst>
+                                          <p:attrName>ppt_x</p:attrName>
+                                        </p:attrNameLst>
+                                      </p:cBhvr>
+                                      <p:tavLst>
+                                        <p:tav tm="0">
+                                          <p:val>
+                                            <p:strVal val="#ppt_x"/>
+                                          </p:val>
+                                        </p:tav>
+                                        <p:tav tm="100000">
+                                          <p:val>
+                                            <p:strVal val="#ppt_x"/>
+                                          </p:val>
+                                        </p:tav>
+                                      </p:tavLst>
+                                    </p:anim>
+                                    <p:anim calcmode="lin" valueType="num">
+                                      <p:cBhvr>
+                                        <p:cTn id="87" dur="1000" fill="hold"/>
+                                        <p:tgtEl>
+                                          <p:spTgt spid="13"/>
+                                        </p:tgtEl>
+                                        <p:attrNameLst>
+                                          <p:attrName>ppt_y</p:attrName>
+                                        </p:attrNameLst>
+                                      </p:cBhvr>
+                                      <p:tavLst>
+                                        <p:tav tm="0">
+                                          <p:val>
+                                            <p:strVal val="#ppt_y+.1"/>
+                                          </p:val>
+                                        </p:tav>
+                                        <p:tav tm="100000">
+                                          <p:val>
+                                            <p:strVal val="#ppt_y"/>
+                                          </p:val>
+                                        </p:tav>
+                                      </p:tavLst>
+                                    </p:anim>
+                                  </p:childTnLst>
+                                </p:cTn>
+                              </p:par>
+                            </p:childTnLst>
+                          </p:cTn>
+                        </p:par>
+                      </p:childTnLst>
+                    </p:cTn>
+                  </p:par>
+                </p:childTnLst>
+              </p:cTn>
+              <p:prevCondLst>
+                <p:cond evt="onPrev" delay="0">
+                  <p:tgtEl>
+                    <p:sldTgt/>
+                  </p:tgtEl>
+                </p:cond>
+              </p:prevCondLst>
+              <p:nextCondLst>
+                <p:cond evt="onNext" delay="0">
+                  <p:tgtEl>
+                    <p:sldTgt/>
+                  </p:tgtEl>
+                </p:cond>
+              </p:nextCondLst>
+            </p:seq>
+          </p:childTnLst>
+        </p:cTn>
       </p:par>
     </p:tnLst>
+    <p:bldLst>
+      <p:bldP spid="27" grpId="0" animBg="1"/>
+      <p:bldP spid="29" grpId="0" animBg="1"/>
+      <p:bldP spid="28" grpId="0" animBg="1"/>
+      <p:bldP spid="25" grpId="0" animBg="1"/>
+      <p:bldP spid="24" grpId="0" animBg="1"/>
+      <p:bldP spid="9" grpId="0"/>
+      <p:bldP spid="10" grpId="0"/>
+      <p:bldP spid="11" grpId="0"/>
+      <p:bldP spid="12" grpId="0"/>
+      <p:bldP spid="13" grpId="0"/>
+      <p:bldP spid="14" grpId="0"/>
+      <p:bldP spid="15" grpId="0"/>
+      <p:bldP spid="16" grpId="0"/>
+      <p:bldP spid="17" grpId="0"/>
+      <p:bldP spid="18" grpId="0"/>
+    </p:bldLst>
   </p:timing>
 </p:sld>
 </file>
@@ -20213,7 +21558,7 @@
         <p:spPr>
           <a:xfrm>
             <a:off x="3309204" y="4621100"/>
-            <a:ext cx="5884492" cy="276999"/>
+            <a:ext cx="4848207" cy="276999"/>
           </a:xfrm>
           <a:prstGeom prst="rect">
             <a:avLst/>
@@ -20786,9 +22131,1136 @@
   <p:timing>
     <p:tnLst>
       <p:par>
-        <p:cTn id="1" dur="indefinite" restart="never" nodeType="tmRoot"/>
+        <p:cTn id="1" dur="indefinite" restart="never" nodeType="tmRoot">
+          <p:childTnLst>
+            <p:seq concurrent="1" nextAc="seek">
+              <p:cTn id="2" dur="indefinite" nodeType="mainSeq">
+                <p:childTnLst>
+                  <p:par>
+                    <p:cTn id="3" fill="hold">
+                      <p:stCondLst>
+                        <p:cond delay="indefinite"/>
+                      </p:stCondLst>
+                      <p:childTnLst>
+                        <p:par>
+                          <p:cTn id="4" fill="hold">
+                            <p:stCondLst>
+                              <p:cond delay="0"/>
+                            </p:stCondLst>
+                            <p:childTnLst>
+                              <p:par>
+                                <p:cTn id="5" presetID="53" presetClass="entr" presetSubtype="16" fill="hold" grpId="0" nodeType="clickEffect">
+                                  <p:stCondLst>
+                                    <p:cond delay="0"/>
+                                  </p:stCondLst>
+                                  <p:childTnLst>
+                                    <p:set>
+                                      <p:cBhvr>
+                                        <p:cTn id="6" dur="1" fill="hold">
+                                          <p:stCondLst>
+                                            <p:cond delay="0"/>
+                                          </p:stCondLst>
+                                        </p:cTn>
+                                        <p:tgtEl>
+                                          <p:spTgt spid="17"/>
+                                        </p:tgtEl>
+                                        <p:attrNameLst>
+                                          <p:attrName>style.visibility</p:attrName>
+                                        </p:attrNameLst>
+                                      </p:cBhvr>
+                                      <p:to>
+                                        <p:strVal val="visible"/>
+                                      </p:to>
+                                    </p:set>
+                                    <p:anim calcmode="lin" valueType="num">
+                                      <p:cBhvr>
+                                        <p:cTn id="7" dur="500" fill="hold"/>
+                                        <p:tgtEl>
+                                          <p:spTgt spid="17"/>
+                                        </p:tgtEl>
+                                        <p:attrNameLst>
+                                          <p:attrName>ppt_w</p:attrName>
+                                        </p:attrNameLst>
+                                      </p:cBhvr>
+                                      <p:tavLst>
+                                        <p:tav tm="0">
+                                          <p:val>
+                                            <p:fltVal val="0"/>
+                                          </p:val>
+                                        </p:tav>
+                                        <p:tav tm="100000">
+                                          <p:val>
+                                            <p:strVal val="#ppt_w"/>
+                                          </p:val>
+                                        </p:tav>
+                                      </p:tavLst>
+                                    </p:anim>
+                                    <p:anim calcmode="lin" valueType="num">
+                                      <p:cBhvr>
+                                        <p:cTn id="8" dur="500" fill="hold"/>
+                                        <p:tgtEl>
+                                          <p:spTgt spid="17"/>
+                                        </p:tgtEl>
+                                        <p:attrNameLst>
+                                          <p:attrName>ppt_h</p:attrName>
+                                        </p:attrNameLst>
+                                      </p:cBhvr>
+                                      <p:tavLst>
+                                        <p:tav tm="0">
+                                          <p:val>
+                                            <p:fltVal val="0"/>
+                                          </p:val>
+                                        </p:tav>
+                                        <p:tav tm="100000">
+                                          <p:val>
+                                            <p:strVal val="#ppt_h"/>
+                                          </p:val>
+                                        </p:tav>
+                                      </p:tavLst>
+                                    </p:anim>
+                                    <p:animEffect transition="in" filter="fade">
+                                      <p:cBhvr>
+                                        <p:cTn id="9" dur="500"/>
+                                        <p:tgtEl>
+                                          <p:spTgt spid="17"/>
+                                        </p:tgtEl>
+                                      </p:cBhvr>
+                                    </p:animEffect>
+                                  </p:childTnLst>
+                                </p:cTn>
+                              </p:par>
+                              <p:par>
+                                <p:cTn id="10" presetID="53" presetClass="entr" presetSubtype="16" fill="hold" grpId="0" nodeType="withEffect">
+                                  <p:stCondLst>
+                                    <p:cond delay="0"/>
+                                  </p:stCondLst>
+                                  <p:childTnLst>
+                                    <p:set>
+                                      <p:cBhvr>
+                                        <p:cTn id="11" dur="1" fill="hold">
+                                          <p:stCondLst>
+                                            <p:cond delay="0"/>
+                                          </p:stCondLst>
+                                        </p:cTn>
+                                        <p:tgtEl>
+                                          <p:spTgt spid="18"/>
+                                        </p:tgtEl>
+                                        <p:attrNameLst>
+                                          <p:attrName>style.visibility</p:attrName>
+                                        </p:attrNameLst>
+                                      </p:cBhvr>
+                                      <p:to>
+                                        <p:strVal val="visible"/>
+                                      </p:to>
+                                    </p:set>
+                                    <p:anim calcmode="lin" valueType="num">
+                                      <p:cBhvr>
+                                        <p:cTn id="12" dur="500" fill="hold"/>
+                                        <p:tgtEl>
+                                          <p:spTgt spid="18"/>
+                                        </p:tgtEl>
+                                        <p:attrNameLst>
+                                          <p:attrName>ppt_w</p:attrName>
+                                        </p:attrNameLst>
+                                      </p:cBhvr>
+                                      <p:tavLst>
+                                        <p:tav tm="0">
+                                          <p:val>
+                                            <p:fltVal val="0"/>
+                                          </p:val>
+                                        </p:tav>
+                                        <p:tav tm="100000">
+                                          <p:val>
+                                            <p:strVal val="#ppt_w"/>
+                                          </p:val>
+                                        </p:tav>
+                                      </p:tavLst>
+                                    </p:anim>
+                                    <p:anim calcmode="lin" valueType="num">
+                                      <p:cBhvr>
+                                        <p:cTn id="13" dur="500" fill="hold"/>
+                                        <p:tgtEl>
+                                          <p:spTgt spid="18"/>
+                                        </p:tgtEl>
+                                        <p:attrNameLst>
+                                          <p:attrName>ppt_h</p:attrName>
+                                        </p:attrNameLst>
+                                      </p:cBhvr>
+                                      <p:tavLst>
+                                        <p:tav tm="0">
+                                          <p:val>
+                                            <p:fltVal val="0"/>
+                                          </p:val>
+                                        </p:tav>
+                                        <p:tav tm="100000">
+                                          <p:val>
+                                            <p:strVal val="#ppt_h"/>
+                                          </p:val>
+                                        </p:tav>
+                                      </p:tavLst>
+                                    </p:anim>
+                                    <p:animEffect transition="in" filter="fade">
+                                      <p:cBhvr>
+                                        <p:cTn id="14" dur="500"/>
+                                        <p:tgtEl>
+                                          <p:spTgt spid="18"/>
+                                        </p:tgtEl>
+                                      </p:cBhvr>
+                                    </p:animEffect>
+                                  </p:childTnLst>
+                                </p:cTn>
+                              </p:par>
+                              <p:par>
+                                <p:cTn id="15" presetID="53" presetClass="entr" presetSubtype="16" fill="hold" grpId="0" nodeType="withEffect">
+                                  <p:stCondLst>
+                                    <p:cond delay="0"/>
+                                  </p:stCondLst>
+                                  <p:childTnLst>
+                                    <p:set>
+                                      <p:cBhvr>
+                                        <p:cTn id="16" dur="1" fill="hold">
+                                          <p:stCondLst>
+                                            <p:cond delay="0"/>
+                                          </p:stCondLst>
+                                        </p:cTn>
+                                        <p:tgtEl>
+                                          <p:spTgt spid="19"/>
+                                        </p:tgtEl>
+                                        <p:attrNameLst>
+                                          <p:attrName>style.visibility</p:attrName>
+                                        </p:attrNameLst>
+                                      </p:cBhvr>
+                                      <p:to>
+                                        <p:strVal val="visible"/>
+                                      </p:to>
+                                    </p:set>
+                                    <p:anim calcmode="lin" valueType="num">
+                                      <p:cBhvr>
+                                        <p:cTn id="17" dur="500" fill="hold"/>
+                                        <p:tgtEl>
+                                          <p:spTgt spid="19"/>
+                                        </p:tgtEl>
+                                        <p:attrNameLst>
+                                          <p:attrName>ppt_w</p:attrName>
+                                        </p:attrNameLst>
+                                      </p:cBhvr>
+                                      <p:tavLst>
+                                        <p:tav tm="0">
+                                          <p:val>
+                                            <p:fltVal val="0"/>
+                                          </p:val>
+                                        </p:tav>
+                                        <p:tav tm="100000">
+                                          <p:val>
+                                            <p:strVal val="#ppt_w"/>
+                                          </p:val>
+                                        </p:tav>
+                                      </p:tavLst>
+                                    </p:anim>
+                                    <p:anim calcmode="lin" valueType="num">
+                                      <p:cBhvr>
+                                        <p:cTn id="18" dur="500" fill="hold"/>
+                                        <p:tgtEl>
+                                          <p:spTgt spid="19"/>
+                                        </p:tgtEl>
+                                        <p:attrNameLst>
+                                          <p:attrName>ppt_h</p:attrName>
+                                        </p:attrNameLst>
+                                      </p:cBhvr>
+                                      <p:tavLst>
+                                        <p:tav tm="0">
+                                          <p:val>
+                                            <p:fltVal val="0"/>
+                                          </p:val>
+                                        </p:tav>
+                                        <p:tav tm="100000">
+                                          <p:val>
+                                            <p:strVal val="#ppt_h"/>
+                                          </p:val>
+                                        </p:tav>
+                                      </p:tavLst>
+                                    </p:anim>
+                                    <p:animEffect transition="in" filter="fade">
+                                      <p:cBhvr>
+                                        <p:cTn id="19" dur="500"/>
+                                        <p:tgtEl>
+                                          <p:spTgt spid="19"/>
+                                        </p:tgtEl>
+                                      </p:cBhvr>
+                                    </p:animEffect>
+                                  </p:childTnLst>
+                                </p:cTn>
+                              </p:par>
+                              <p:par>
+                                <p:cTn id="20" presetID="53" presetClass="entr" presetSubtype="16" fill="hold" grpId="0" nodeType="withEffect">
+                                  <p:stCondLst>
+                                    <p:cond delay="0"/>
+                                  </p:stCondLst>
+                                  <p:childTnLst>
+                                    <p:set>
+                                      <p:cBhvr>
+                                        <p:cTn id="21" dur="1" fill="hold">
+                                          <p:stCondLst>
+                                            <p:cond delay="0"/>
+                                          </p:stCondLst>
+                                        </p:cTn>
+                                        <p:tgtEl>
+                                          <p:spTgt spid="20"/>
+                                        </p:tgtEl>
+                                        <p:attrNameLst>
+                                          <p:attrName>style.visibility</p:attrName>
+                                        </p:attrNameLst>
+                                      </p:cBhvr>
+                                      <p:to>
+                                        <p:strVal val="visible"/>
+                                      </p:to>
+                                    </p:set>
+                                    <p:anim calcmode="lin" valueType="num">
+                                      <p:cBhvr>
+                                        <p:cTn id="22" dur="500" fill="hold"/>
+                                        <p:tgtEl>
+                                          <p:spTgt spid="20"/>
+                                        </p:tgtEl>
+                                        <p:attrNameLst>
+                                          <p:attrName>ppt_w</p:attrName>
+                                        </p:attrNameLst>
+                                      </p:cBhvr>
+                                      <p:tavLst>
+                                        <p:tav tm="0">
+                                          <p:val>
+                                            <p:fltVal val="0"/>
+                                          </p:val>
+                                        </p:tav>
+                                        <p:tav tm="100000">
+                                          <p:val>
+                                            <p:strVal val="#ppt_w"/>
+                                          </p:val>
+                                        </p:tav>
+                                      </p:tavLst>
+                                    </p:anim>
+                                    <p:anim calcmode="lin" valueType="num">
+                                      <p:cBhvr>
+                                        <p:cTn id="23" dur="500" fill="hold"/>
+                                        <p:tgtEl>
+                                          <p:spTgt spid="20"/>
+                                        </p:tgtEl>
+                                        <p:attrNameLst>
+                                          <p:attrName>ppt_h</p:attrName>
+                                        </p:attrNameLst>
+                                      </p:cBhvr>
+                                      <p:tavLst>
+                                        <p:tav tm="0">
+                                          <p:val>
+                                            <p:fltVal val="0"/>
+                                          </p:val>
+                                        </p:tav>
+                                        <p:tav tm="100000">
+                                          <p:val>
+                                            <p:strVal val="#ppt_h"/>
+                                          </p:val>
+                                        </p:tav>
+                                      </p:tavLst>
+                                    </p:anim>
+                                    <p:animEffect transition="in" filter="fade">
+                                      <p:cBhvr>
+                                        <p:cTn id="24" dur="500"/>
+                                        <p:tgtEl>
+                                          <p:spTgt spid="20"/>
+                                        </p:tgtEl>
+                                      </p:cBhvr>
+                                    </p:animEffect>
+                                  </p:childTnLst>
+                                </p:cTn>
+                              </p:par>
+                              <p:par>
+                                <p:cTn id="25" presetID="53" presetClass="entr" presetSubtype="16" fill="hold" grpId="0" nodeType="withEffect">
+                                  <p:stCondLst>
+                                    <p:cond delay="0"/>
+                                  </p:stCondLst>
+                                  <p:childTnLst>
+                                    <p:set>
+                                      <p:cBhvr>
+                                        <p:cTn id="26" dur="1" fill="hold">
+                                          <p:stCondLst>
+                                            <p:cond delay="0"/>
+                                          </p:stCondLst>
+                                        </p:cTn>
+                                        <p:tgtEl>
+                                          <p:spTgt spid="21"/>
+                                        </p:tgtEl>
+                                        <p:attrNameLst>
+                                          <p:attrName>style.visibility</p:attrName>
+                                        </p:attrNameLst>
+                                      </p:cBhvr>
+                                      <p:to>
+                                        <p:strVal val="visible"/>
+                                      </p:to>
+                                    </p:set>
+                                    <p:anim calcmode="lin" valueType="num">
+                                      <p:cBhvr>
+                                        <p:cTn id="27" dur="500" fill="hold"/>
+                                        <p:tgtEl>
+                                          <p:spTgt spid="21"/>
+                                        </p:tgtEl>
+                                        <p:attrNameLst>
+                                          <p:attrName>ppt_w</p:attrName>
+                                        </p:attrNameLst>
+                                      </p:cBhvr>
+                                      <p:tavLst>
+                                        <p:tav tm="0">
+                                          <p:val>
+                                            <p:fltVal val="0"/>
+                                          </p:val>
+                                        </p:tav>
+                                        <p:tav tm="100000">
+                                          <p:val>
+                                            <p:strVal val="#ppt_w"/>
+                                          </p:val>
+                                        </p:tav>
+                                      </p:tavLst>
+                                    </p:anim>
+                                    <p:anim calcmode="lin" valueType="num">
+                                      <p:cBhvr>
+                                        <p:cTn id="28" dur="500" fill="hold"/>
+                                        <p:tgtEl>
+                                          <p:spTgt spid="21"/>
+                                        </p:tgtEl>
+                                        <p:attrNameLst>
+                                          <p:attrName>ppt_h</p:attrName>
+                                        </p:attrNameLst>
+                                      </p:cBhvr>
+                                      <p:tavLst>
+                                        <p:tav tm="0">
+                                          <p:val>
+                                            <p:fltVal val="0"/>
+                                          </p:val>
+                                        </p:tav>
+                                        <p:tav tm="100000">
+                                          <p:val>
+                                            <p:strVal val="#ppt_h"/>
+                                          </p:val>
+                                        </p:tav>
+                                      </p:tavLst>
+                                    </p:anim>
+                                    <p:animEffect transition="in" filter="fade">
+                                      <p:cBhvr>
+                                        <p:cTn id="29" dur="500"/>
+                                        <p:tgtEl>
+                                          <p:spTgt spid="21"/>
+                                        </p:tgtEl>
+                                      </p:cBhvr>
+                                    </p:animEffect>
+                                  </p:childTnLst>
+                                </p:cTn>
+                              </p:par>
+                              <p:par>
+                                <p:cTn id="30" presetID="53" presetClass="entr" presetSubtype="16" fill="hold" grpId="0" nodeType="withEffect">
+                                  <p:stCondLst>
+                                    <p:cond delay="0"/>
+                                  </p:stCondLst>
+                                  <p:childTnLst>
+                                    <p:set>
+                                      <p:cBhvr>
+                                        <p:cTn id="31" dur="1" fill="hold">
+                                          <p:stCondLst>
+                                            <p:cond delay="0"/>
+                                          </p:stCondLst>
+                                        </p:cTn>
+                                        <p:tgtEl>
+                                          <p:spTgt spid="22"/>
+                                        </p:tgtEl>
+                                        <p:attrNameLst>
+                                          <p:attrName>style.visibility</p:attrName>
+                                        </p:attrNameLst>
+                                      </p:cBhvr>
+                                      <p:to>
+                                        <p:strVal val="visible"/>
+                                      </p:to>
+                                    </p:set>
+                                    <p:anim calcmode="lin" valueType="num">
+                                      <p:cBhvr>
+                                        <p:cTn id="32" dur="500" fill="hold"/>
+                                        <p:tgtEl>
+                                          <p:spTgt spid="22"/>
+                                        </p:tgtEl>
+                                        <p:attrNameLst>
+                                          <p:attrName>ppt_w</p:attrName>
+                                        </p:attrNameLst>
+                                      </p:cBhvr>
+                                      <p:tavLst>
+                                        <p:tav tm="0">
+                                          <p:val>
+                                            <p:fltVal val="0"/>
+                                          </p:val>
+                                        </p:tav>
+                                        <p:tav tm="100000">
+                                          <p:val>
+                                            <p:strVal val="#ppt_w"/>
+                                          </p:val>
+                                        </p:tav>
+                                      </p:tavLst>
+                                    </p:anim>
+                                    <p:anim calcmode="lin" valueType="num">
+                                      <p:cBhvr>
+                                        <p:cTn id="33" dur="500" fill="hold"/>
+                                        <p:tgtEl>
+                                          <p:spTgt spid="22"/>
+                                        </p:tgtEl>
+                                        <p:attrNameLst>
+                                          <p:attrName>ppt_h</p:attrName>
+                                        </p:attrNameLst>
+                                      </p:cBhvr>
+                                      <p:tavLst>
+                                        <p:tav tm="0">
+                                          <p:val>
+                                            <p:fltVal val="0"/>
+                                          </p:val>
+                                        </p:tav>
+                                        <p:tav tm="100000">
+                                          <p:val>
+                                            <p:strVal val="#ppt_h"/>
+                                          </p:val>
+                                        </p:tav>
+                                      </p:tavLst>
+                                    </p:anim>
+                                    <p:animEffect transition="in" filter="fade">
+                                      <p:cBhvr>
+                                        <p:cTn id="34" dur="500"/>
+                                        <p:tgtEl>
+                                          <p:spTgt spid="22"/>
+                                        </p:tgtEl>
+                                      </p:cBhvr>
+                                    </p:animEffect>
+                                  </p:childTnLst>
+                                </p:cTn>
+                              </p:par>
+                              <p:par>
+                                <p:cTn id="35" presetID="53" presetClass="entr" presetSubtype="16" fill="hold" grpId="0" nodeType="withEffect">
+                                  <p:stCondLst>
+                                    <p:cond delay="0"/>
+                                  </p:stCondLst>
+                                  <p:childTnLst>
+                                    <p:set>
+                                      <p:cBhvr>
+                                        <p:cTn id="36" dur="1" fill="hold">
+                                          <p:stCondLst>
+                                            <p:cond delay="0"/>
+                                          </p:stCondLst>
+                                        </p:cTn>
+                                        <p:tgtEl>
+                                          <p:spTgt spid="23"/>
+                                        </p:tgtEl>
+                                        <p:attrNameLst>
+                                          <p:attrName>style.visibility</p:attrName>
+                                        </p:attrNameLst>
+                                      </p:cBhvr>
+                                      <p:to>
+                                        <p:strVal val="visible"/>
+                                      </p:to>
+                                    </p:set>
+                                    <p:anim calcmode="lin" valueType="num">
+                                      <p:cBhvr>
+                                        <p:cTn id="37" dur="500" fill="hold"/>
+                                        <p:tgtEl>
+                                          <p:spTgt spid="23"/>
+                                        </p:tgtEl>
+                                        <p:attrNameLst>
+                                          <p:attrName>ppt_w</p:attrName>
+                                        </p:attrNameLst>
+                                      </p:cBhvr>
+                                      <p:tavLst>
+                                        <p:tav tm="0">
+                                          <p:val>
+                                            <p:fltVal val="0"/>
+                                          </p:val>
+                                        </p:tav>
+                                        <p:tav tm="100000">
+                                          <p:val>
+                                            <p:strVal val="#ppt_w"/>
+                                          </p:val>
+                                        </p:tav>
+                                      </p:tavLst>
+                                    </p:anim>
+                                    <p:anim calcmode="lin" valueType="num">
+                                      <p:cBhvr>
+                                        <p:cTn id="38" dur="500" fill="hold"/>
+                                        <p:tgtEl>
+                                          <p:spTgt spid="23"/>
+                                        </p:tgtEl>
+                                        <p:attrNameLst>
+                                          <p:attrName>ppt_h</p:attrName>
+                                        </p:attrNameLst>
+                                      </p:cBhvr>
+                                      <p:tavLst>
+                                        <p:tav tm="0">
+                                          <p:val>
+                                            <p:fltVal val="0"/>
+                                          </p:val>
+                                        </p:tav>
+                                        <p:tav tm="100000">
+                                          <p:val>
+                                            <p:strVal val="#ppt_h"/>
+                                          </p:val>
+                                        </p:tav>
+                                      </p:tavLst>
+                                    </p:anim>
+                                    <p:animEffect transition="in" filter="fade">
+                                      <p:cBhvr>
+                                        <p:cTn id="39" dur="500"/>
+                                        <p:tgtEl>
+                                          <p:spTgt spid="23"/>
+                                        </p:tgtEl>
+                                      </p:cBhvr>
+                                    </p:animEffect>
+                                  </p:childTnLst>
+                                </p:cTn>
+                              </p:par>
+                              <p:par>
+                                <p:cTn id="40" presetID="53" presetClass="entr" presetSubtype="16" fill="hold" grpId="0" nodeType="withEffect">
+                                  <p:stCondLst>
+                                    <p:cond delay="0"/>
+                                  </p:stCondLst>
+                                  <p:childTnLst>
+                                    <p:set>
+                                      <p:cBhvr>
+                                        <p:cTn id="41" dur="1" fill="hold">
+                                          <p:stCondLst>
+                                            <p:cond delay="0"/>
+                                          </p:stCondLst>
+                                        </p:cTn>
+                                        <p:tgtEl>
+                                          <p:spTgt spid="24"/>
+                                        </p:tgtEl>
+                                        <p:attrNameLst>
+                                          <p:attrName>style.visibility</p:attrName>
+                                        </p:attrNameLst>
+                                      </p:cBhvr>
+                                      <p:to>
+                                        <p:strVal val="visible"/>
+                                      </p:to>
+                                    </p:set>
+                                    <p:anim calcmode="lin" valueType="num">
+                                      <p:cBhvr>
+                                        <p:cTn id="42" dur="500" fill="hold"/>
+                                        <p:tgtEl>
+                                          <p:spTgt spid="24"/>
+                                        </p:tgtEl>
+                                        <p:attrNameLst>
+                                          <p:attrName>ppt_w</p:attrName>
+                                        </p:attrNameLst>
+                                      </p:cBhvr>
+                                      <p:tavLst>
+                                        <p:tav tm="0">
+                                          <p:val>
+                                            <p:fltVal val="0"/>
+                                          </p:val>
+                                        </p:tav>
+                                        <p:tav tm="100000">
+                                          <p:val>
+                                            <p:strVal val="#ppt_w"/>
+                                          </p:val>
+                                        </p:tav>
+                                      </p:tavLst>
+                                    </p:anim>
+                                    <p:anim calcmode="lin" valueType="num">
+                                      <p:cBhvr>
+                                        <p:cTn id="43" dur="500" fill="hold"/>
+                                        <p:tgtEl>
+                                          <p:spTgt spid="24"/>
+                                        </p:tgtEl>
+                                        <p:attrNameLst>
+                                          <p:attrName>ppt_h</p:attrName>
+                                        </p:attrNameLst>
+                                      </p:cBhvr>
+                                      <p:tavLst>
+                                        <p:tav tm="0">
+                                          <p:val>
+                                            <p:fltVal val="0"/>
+                                          </p:val>
+                                        </p:tav>
+                                        <p:tav tm="100000">
+                                          <p:val>
+                                            <p:strVal val="#ppt_h"/>
+                                          </p:val>
+                                        </p:tav>
+                                      </p:tavLst>
+                                    </p:anim>
+                                    <p:animEffect transition="in" filter="fade">
+                                      <p:cBhvr>
+                                        <p:cTn id="44" dur="500"/>
+                                        <p:tgtEl>
+                                          <p:spTgt spid="24"/>
+                                        </p:tgtEl>
+                                      </p:cBhvr>
+                                    </p:animEffect>
+                                  </p:childTnLst>
+                                </p:cTn>
+                              </p:par>
+                            </p:childTnLst>
+                          </p:cTn>
+                        </p:par>
+                      </p:childTnLst>
+                    </p:cTn>
+                  </p:par>
+                  <p:par>
+                    <p:cTn id="45" fill="hold">
+                      <p:stCondLst>
+                        <p:cond delay="indefinite"/>
+                      </p:stCondLst>
+                      <p:childTnLst>
+                        <p:par>
+                          <p:cTn id="46" fill="hold">
+                            <p:stCondLst>
+                              <p:cond delay="0"/>
+                            </p:stCondLst>
+                            <p:childTnLst>
+                              <p:par>
+                                <p:cTn id="47" presetID="53" presetClass="entr" presetSubtype="16" fill="hold" grpId="0" nodeType="clickEffect">
+                                  <p:stCondLst>
+                                    <p:cond delay="0"/>
+                                  </p:stCondLst>
+                                  <p:childTnLst>
+                                    <p:set>
+                                      <p:cBhvr>
+                                        <p:cTn id="48" dur="1" fill="hold">
+                                          <p:stCondLst>
+                                            <p:cond delay="0"/>
+                                          </p:stCondLst>
+                                        </p:cTn>
+                                        <p:tgtEl>
+                                          <p:spTgt spid="25"/>
+                                        </p:tgtEl>
+                                        <p:attrNameLst>
+                                          <p:attrName>style.visibility</p:attrName>
+                                        </p:attrNameLst>
+                                      </p:cBhvr>
+                                      <p:to>
+                                        <p:strVal val="visible"/>
+                                      </p:to>
+                                    </p:set>
+                                    <p:anim calcmode="lin" valueType="num">
+                                      <p:cBhvr>
+                                        <p:cTn id="49" dur="500" fill="hold"/>
+                                        <p:tgtEl>
+                                          <p:spTgt spid="25"/>
+                                        </p:tgtEl>
+                                        <p:attrNameLst>
+                                          <p:attrName>ppt_w</p:attrName>
+                                        </p:attrNameLst>
+                                      </p:cBhvr>
+                                      <p:tavLst>
+                                        <p:tav tm="0">
+                                          <p:val>
+                                            <p:fltVal val="0"/>
+                                          </p:val>
+                                        </p:tav>
+                                        <p:tav tm="100000">
+                                          <p:val>
+                                            <p:strVal val="#ppt_w"/>
+                                          </p:val>
+                                        </p:tav>
+                                      </p:tavLst>
+                                    </p:anim>
+                                    <p:anim calcmode="lin" valueType="num">
+                                      <p:cBhvr>
+                                        <p:cTn id="50" dur="500" fill="hold"/>
+                                        <p:tgtEl>
+                                          <p:spTgt spid="25"/>
+                                        </p:tgtEl>
+                                        <p:attrNameLst>
+                                          <p:attrName>ppt_h</p:attrName>
+                                        </p:attrNameLst>
+                                      </p:cBhvr>
+                                      <p:tavLst>
+                                        <p:tav tm="0">
+                                          <p:val>
+                                            <p:fltVal val="0"/>
+                                          </p:val>
+                                        </p:tav>
+                                        <p:tav tm="100000">
+                                          <p:val>
+                                            <p:strVal val="#ppt_h"/>
+                                          </p:val>
+                                        </p:tav>
+                                      </p:tavLst>
+                                    </p:anim>
+                                    <p:animEffect transition="in" filter="fade">
+                                      <p:cBhvr>
+                                        <p:cTn id="51" dur="500"/>
+                                        <p:tgtEl>
+                                          <p:spTgt spid="25"/>
+                                        </p:tgtEl>
+                                      </p:cBhvr>
+                                    </p:animEffect>
+                                  </p:childTnLst>
+                                </p:cTn>
+                              </p:par>
+                              <p:par>
+                                <p:cTn id="52" presetID="53" presetClass="entr" presetSubtype="16" fill="hold" grpId="0" nodeType="withEffect">
+                                  <p:stCondLst>
+                                    <p:cond delay="0"/>
+                                  </p:stCondLst>
+                                  <p:childTnLst>
+                                    <p:set>
+                                      <p:cBhvr>
+                                        <p:cTn id="53" dur="1" fill="hold">
+                                          <p:stCondLst>
+                                            <p:cond delay="0"/>
+                                          </p:stCondLst>
+                                        </p:cTn>
+                                        <p:tgtEl>
+                                          <p:spTgt spid="26"/>
+                                        </p:tgtEl>
+                                        <p:attrNameLst>
+                                          <p:attrName>style.visibility</p:attrName>
+                                        </p:attrNameLst>
+                                      </p:cBhvr>
+                                      <p:to>
+                                        <p:strVal val="visible"/>
+                                      </p:to>
+                                    </p:set>
+                                    <p:anim calcmode="lin" valueType="num">
+                                      <p:cBhvr>
+                                        <p:cTn id="54" dur="500" fill="hold"/>
+                                        <p:tgtEl>
+                                          <p:spTgt spid="26"/>
+                                        </p:tgtEl>
+                                        <p:attrNameLst>
+                                          <p:attrName>ppt_w</p:attrName>
+                                        </p:attrNameLst>
+                                      </p:cBhvr>
+                                      <p:tavLst>
+                                        <p:tav tm="0">
+                                          <p:val>
+                                            <p:fltVal val="0"/>
+                                          </p:val>
+                                        </p:tav>
+                                        <p:tav tm="100000">
+                                          <p:val>
+                                            <p:strVal val="#ppt_w"/>
+                                          </p:val>
+                                        </p:tav>
+                                      </p:tavLst>
+                                    </p:anim>
+                                    <p:anim calcmode="lin" valueType="num">
+                                      <p:cBhvr>
+                                        <p:cTn id="55" dur="500" fill="hold"/>
+                                        <p:tgtEl>
+                                          <p:spTgt spid="26"/>
+                                        </p:tgtEl>
+                                        <p:attrNameLst>
+                                          <p:attrName>ppt_h</p:attrName>
+                                        </p:attrNameLst>
+                                      </p:cBhvr>
+                                      <p:tavLst>
+                                        <p:tav tm="0">
+                                          <p:val>
+                                            <p:fltVal val="0"/>
+                                          </p:val>
+                                        </p:tav>
+                                        <p:tav tm="100000">
+                                          <p:val>
+                                            <p:strVal val="#ppt_h"/>
+                                          </p:val>
+                                        </p:tav>
+                                      </p:tavLst>
+                                    </p:anim>
+                                    <p:animEffect transition="in" filter="fade">
+                                      <p:cBhvr>
+                                        <p:cTn id="56" dur="500"/>
+                                        <p:tgtEl>
+                                          <p:spTgt spid="26"/>
+                                        </p:tgtEl>
+                                      </p:cBhvr>
+                                    </p:animEffect>
+                                  </p:childTnLst>
+                                </p:cTn>
+                              </p:par>
+                              <p:par>
+                                <p:cTn id="57" presetID="53" presetClass="entr" presetSubtype="16" fill="hold" grpId="0" nodeType="withEffect">
+                                  <p:stCondLst>
+                                    <p:cond delay="0"/>
+                                  </p:stCondLst>
+                                  <p:childTnLst>
+                                    <p:set>
+                                      <p:cBhvr>
+                                        <p:cTn id="58" dur="1" fill="hold">
+                                          <p:stCondLst>
+                                            <p:cond delay="0"/>
+                                          </p:stCondLst>
+                                        </p:cTn>
+                                        <p:tgtEl>
+                                          <p:spTgt spid="27"/>
+                                        </p:tgtEl>
+                                        <p:attrNameLst>
+                                          <p:attrName>style.visibility</p:attrName>
+                                        </p:attrNameLst>
+                                      </p:cBhvr>
+                                      <p:to>
+                                        <p:strVal val="visible"/>
+                                      </p:to>
+                                    </p:set>
+                                    <p:anim calcmode="lin" valueType="num">
+                                      <p:cBhvr>
+                                        <p:cTn id="59" dur="500" fill="hold"/>
+                                        <p:tgtEl>
+                                          <p:spTgt spid="27"/>
+                                        </p:tgtEl>
+                                        <p:attrNameLst>
+                                          <p:attrName>ppt_w</p:attrName>
+                                        </p:attrNameLst>
+                                      </p:cBhvr>
+                                      <p:tavLst>
+                                        <p:tav tm="0">
+                                          <p:val>
+                                            <p:fltVal val="0"/>
+                                          </p:val>
+                                        </p:tav>
+                                        <p:tav tm="100000">
+                                          <p:val>
+                                            <p:strVal val="#ppt_w"/>
+                                          </p:val>
+                                        </p:tav>
+                                      </p:tavLst>
+                                    </p:anim>
+                                    <p:anim calcmode="lin" valueType="num">
+                                      <p:cBhvr>
+                                        <p:cTn id="60" dur="500" fill="hold"/>
+                                        <p:tgtEl>
+                                          <p:spTgt spid="27"/>
+                                        </p:tgtEl>
+                                        <p:attrNameLst>
+                                          <p:attrName>ppt_h</p:attrName>
+                                        </p:attrNameLst>
+                                      </p:cBhvr>
+                                      <p:tavLst>
+                                        <p:tav tm="0">
+                                          <p:val>
+                                            <p:fltVal val="0"/>
+                                          </p:val>
+                                        </p:tav>
+                                        <p:tav tm="100000">
+                                          <p:val>
+                                            <p:strVal val="#ppt_h"/>
+                                          </p:val>
+                                        </p:tav>
+                                      </p:tavLst>
+                                    </p:anim>
+                                    <p:animEffect transition="in" filter="fade">
+                                      <p:cBhvr>
+                                        <p:cTn id="61" dur="500"/>
+                                        <p:tgtEl>
+                                          <p:spTgt spid="27"/>
+                                        </p:tgtEl>
+                                      </p:cBhvr>
+                                    </p:animEffect>
+                                  </p:childTnLst>
+                                </p:cTn>
+                              </p:par>
+                              <p:par>
+                                <p:cTn id="62" presetID="53" presetClass="entr" presetSubtype="16" fill="hold" grpId="0" nodeType="withEffect">
+                                  <p:stCondLst>
+                                    <p:cond delay="0"/>
+                                  </p:stCondLst>
+                                  <p:childTnLst>
+                                    <p:set>
+                                      <p:cBhvr>
+                                        <p:cTn id="63" dur="1" fill="hold">
+                                          <p:stCondLst>
+                                            <p:cond delay="0"/>
+                                          </p:stCondLst>
+                                        </p:cTn>
+                                        <p:tgtEl>
+                                          <p:spTgt spid="28"/>
+                                        </p:tgtEl>
+                                        <p:attrNameLst>
+                                          <p:attrName>style.visibility</p:attrName>
+                                        </p:attrNameLst>
+                                      </p:cBhvr>
+                                      <p:to>
+                                        <p:strVal val="visible"/>
+                                      </p:to>
+                                    </p:set>
+                                    <p:anim calcmode="lin" valueType="num">
+                                      <p:cBhvr>
+                                        <p:cTn id="64" dur="500" fill="hold"/>
+                                        <p:tgtEl>
+                                          <p:spTgt spid="28"/>
+                                        </p:tgtEl>
+                                        <p:attrNameLst>
+                                          <p:attrName>ppt_w</p:attrName>
+                                        </p:attrNameLst>
+                                      </p:cBhvr>
+                                      <p:tavLst>
+                                        <p:tav tm="0">
+                                          <p:val>
+                                            <p:fltVal val="0"/>
+                                          </p:val>
+                                        </p:tav>
+                                        <p:tav tm="100000">
+                                          <p:val>
+                                            <p:strVal val="#ppt_w"/>
+                                          </p:val>
+                                        </p:tav>
+                                      </p:tavLst>
+                                    </p:anim>
+                                    <p:anim calcmode="lin" valueType="num">
+                                      <p:cBhvr>
+                                        <p:cTn id="65" dur="500" fill="hold"/>
+                                        <p:tgtEl>
+                                          <p:spTgt spid="28"/>
+                                        </p:tgtEl>
+                                        <p:attrNameLst>
+                                          <p:attrName>ppt_h</p:attrName>
+                                        </p:attrNameLst>
+                                      </p:cBhvr>
+                                      <p:tavLst>
+                                        <p:tav tm="0">
+                                          <p:val>
+                                            <p:fltVal val="0"/>
+                                          </p:val>
+                                        </p:tav>
+                                        <p:tav tm="100000">
+                                          <p:val>
+                                            <p:strVal val="#ppt_h"/>
+                                          </p:val>
+                                        </p:tav>
+                                      </p:tavLst>
+                                    </p:anim>
+                                    <p:animEffect transition="in" filter="fade">
+                                      <p:cBhvr>
+                                        <p:cTn id="66" dur="500"/>
+                                        <p:tgtEl>
+                                          <p:spTgt spid="28"/>
+                                        </p:tgtEl>
+                                      </p:cBhvr>
+                                    </p:animEffect>
+                                  </p:childTnLst>
+                                </p:cTn>
+                              </p:par>
+                              <p:par>
+                                <p:cTn id="67" presetID="53" presetClass="entr" presetSubtype="16" fill="hold" grpId="0" nodeType="withEffect">
+                                  <p:stCondLst>
+                                    <p:cond delay="0"/>
+                                  </p:stCondLst>
+                                  <p:childTnLst>
+                                    <p:set>
+                                      <p:cBhvr>
+                                        <p:cTn id="68" dur="1" fill="hold">
+                                          <p:stCondLst>
+                                            <p:cond delay="0"/>
+                                          </p:stCondLst>
+                                        </p:cTn>
+                                        <p:tgtEl>
+                                          <p:spTgt spid="29"/>
+                                        </p:tgtEl>
+                                        <p:attrNameLst>
+                                          <p:attrName>style.visibility</p:attrName>
+                                        </p:attrNameLst>
+                                      </p:cBhvr>
+                                      <p:to>
+                                        <p:strVal val="visible"/>
+                                      </p:to>
+                                    </p:set>
+                                    <p:anim calcmode="lin" valueType="num">
+                                      <p:cBhvr>
+                                        <p:cTn id="69" dur="500" fill="hold"/>
+                                        <p:tgtEl>
+                                          <p:spTgt spid="29"/>
+                                        </p:tgtEl>
+                                        <p:attrNameLst>
+                                          <p:attrName>ppt_w</p:attrName>
+                                        </p:attrNameLst>
+                                      </p:cBhvr>
+                                      <p:tavLst>
+                                        <p:tav tm="0">
+                                          <p:val>
+                                            <p:fltVal val="0"/>
+                                          </p:val>
+                                        </p:tav>
+                                        <p:tav tm="100000">
+                                          <p:val>
+                                            <p:strVal val="#ppt_w"/>
+                                          </p:val>
+                                        </p:tav>
+                                      </p:tavLst>
+                                    </p:anim>
+                                    <p:anim calcmode="lin" valueType="num">
+                                      <p:cBhvr>
+                                        <p:cTn id="70" dur="500" fill="hold"/>
+                                        <p:tgtEl>
+                                          <p:spTgt spid="29"/>
+                                        </p:tgtEl>
+                                        <p:attrNameLst>
+                                          <p:attrName>ppt_h</p:attrName>
+                                        </p:attrNameLst>
+                                      </p:cBhvr>
+                                      <p:tavLst>
+                                        <p:tav tm="0">
+                                          <p:val>
+                                            <p:fltVal val="0"/>
+                                          </p:val>
+                                        </p:tav>
+                                        <p:tav tm="100000">
+                                          <p:val>
+                                            <p:strVal val="#ppt_h"/>
+                                          </p:val>
+                                        </p:tav>
+                                      </p:tavLst>
+                                    </p:anim>
+                                    <p:animEffect transition="in" filter="fade">
+                                      <p:cBhvr>
+                                        <p:cTn id="71" dur="500"/>
+                                        <p:tgtEl>
+                                          <p:spTgt spid="29"/>
+                                        </p:tgtEl>
+                                      </p:cBhvr>
+                                    </p:animEffect>
+                                  </p:childTnLst>
+                                </p:cTn>
+                              </p:par>
+                            </p:childTnLst>
+                          </p:cTn>
+                        </p:par>
+                      </p:childTnLst>
+                    </p:cTn>
+                  </p:par>
+                </p:childTnLst>
+              </p:cTn>
+              <p:prevCondLst>
+                <p:cond evt="onPrev" delay="0">
+                  <p:tgtEl>
+                    <p:sldTgt/>
+                  </p:tgtEl>
+                </p:cond>
+              </p:prevCondLst>
+              <p:nextCondLst>
+                <p:cond evt="onNext" delay="0">
+                  <p:tgtEl>
+                    <p:sldTgt/>
+                  </p:tgtEl>
+                </p:cond>
+              </p:nextCondLst>
+            </p:seq>
+          </p:childTnLst>
+        </p:cTn>
       </p:par>
     </p:tnLst>
+    <p:bldLst>
+      <p:bldP spid="17" grpId="0" animBg="1"/>
+      <p:bldP spid="18" grpId="0"/>
+      <p:bldP spid="19" grpId="0"/>
+      <p:bldP spid="20" grpId="0"/>
+      <p:bldP spid="21" grpId="0"/>
+      <p:bldP spid="22" grpId="0"/>
+      <p:bldP spid="23" grpId="0"/>
+      <p:bldP spid="24" grpId="0"/>
+      <p:bldP spid="25" grpId="0" animBg="1"/>
+      <p:bldP spid="26" grpId="0"/>
+      <p:bldP spid="27" grpId="0"/>
+      <p:bldP spid="28" grpId="0"/>
+      <p:bldP spid="29" grpId="0"/>
+    </p:bldLst>
   </p:timing>
 </p:sld>
 </file>
@@ -27871,9 +30343,164 @@
   <p:timing>
     <p:tnLst>
       <p:par>
-        <p:cTn id="1" dur="indefinite" restart="never" nodeType="tmRoot"/>
+        <p:cTn id="1" dur="indefinite" restart="never" nodeType="tmRoot">
+          <p:childTnLst>
+            <p:seq concurrent="1" nextAc="seek">
+              <p:cTn id="2" dur="indefinite" nodeType="mainSeq">
+                <p:childTnLst>
+                  <p:par>
+                    <p:cTn id="3" fill="hold">
+                      <p:stCondLst>
+                        <p:cond delay="indefinite"/>
+                      </p:stCondLst>
+                      <p:childTnLst>
+                        <p:par>
+                          <p:cTn id="4" fill="hold">
+                            <p:stCondLst>
+                              <p:cond delay="0"/>
+                            </p:stCondLst>
+                            <p:childTnLst>
+                              <p:par>
+                                <p:cTn id="5" presetID="1" presetClass="entr" presetSubtype="0" fill="hold" grpId="0" nodeType="clickEffect">
+                                  <p:stCondLst>
+                                    <p:cond delay="0"/>
+                                  </p:stCondLst>
+                                  <p:childTnLst>
+                                    <p:set>
+                                      <p:cBhvr>
+                                        <p:cTn id="6" dur="1" fill="hold">
+                                          <p:stCondLst>
+                                            <p:cond delay="0"/>
+                                          </p:stCondLst>
+                                        </p:cTn>
+                                        <p:tgtEl>
+                                          <p:spTgt spid="14"/>
+                                        </p:tgtEl>
+                                        <p:attrNameLst>
+                                          <p:attrName>style.visibility</p:attrName>
+                                        </p:attrNameLst>
+                                      </p:cBhvr>
+                                      <p:to>
+                                        <p:strVal val="visible"/>
+                                      </p:to>
+                                    </p:set>
+                                  </p:childTnLst>
+                                </p:cTn>
+                              </p:par>
+                              <p:par>
+                                <p:cTn id="7" presetID="1" presetClass="entr" presetSubtype="0" fill="hold" grpId="0" nodeType="withEffect">
+                                  <p:stCondLst>
+                                    <p:cond delay="0"/>
+                                  </p:stCondLst>
+                                  <p:childTnLst>
+                                    <p:set>
+                                      <p:cBhvr>
+                                        <p:cTn id="8" dur="1" fill="hold">
+                                          <p:stCondLst>
+                                            <p:cond delay="0"/>
+                                          </p:stCondLst>
+                                        </p:cTn>
+                                        <p:tgtEl>
+                                          <p:spTgt spid="15"/>
+                                        </p:tgtEl>
+                                        <p:attrNameLst>
+                                          <p:attrName>style.visibility</p:attrName>
+                                        </p:attrNameLst>
+                                      </p:cBhvr>
+                                      <p:to>
+                                        <p:strVal val="visible"/>
+                                      </p:to>
+                                    </p:set>
+                                  </p:childTnLst>
+                                </p:cTn>
+                              </p:par>
+                              <p:par>
+                                <p:cTn id="9" presetID="1" presetClass="entr" presetSubtype="0" fill="hold" grpId="0" nodeType="withEffect">
+                                  <p:stCondLst>
+                                    <p:cond delay="0"/>
+                                  </p:stCondLst>
+                                  <p:childTnLst>
+                                    <p:set>
+                                      <p:cBhvr>
+                                        <p:cTn id="10" dur="1" fill="hold">
+                                          <p:stCondLst>
+                                            <p:cond delay="0"/>
+                                          </p:stCondLst>
+                                        </p:cTn>
+                                        <p:tgtEl>
+                                          <p:spTgt spid="18"/>
+                                        </p:tgtEl>
+                                        <p:attrNameLst>
+                                          <p:attrName>style.visibility</p:attrName>
+                                        </p:attrNameLst>
+                                      </p:cBhvr>
+                                      <p:to>
+                                        <p:strVal val="visible"/>
+                                      </p:to>
+                                    </p:set>
+                                  </p:childTnLst>
+                                </p:cTn>
+                              </p:par>
+                              <p:par>
+                                <p:cTn id="11" presetID="1" presetClass="entr" presetSubtype="0" fill="hold" grpId="0" nodeType="withEffect">
+                                  <p:stCondLst>
+                                    <p:cond delay="0"/>
+                                  </p:stCondLst>
+                                  <p:childTnLst>
+                                    <p:set>
+                                      <p:cBhvr>
+                                        <p:cTn id="12" dur="1" fill="hold">
+                                          <p:stCondLst>
+                                            <p:cond delay="0"/>
+                                          </p:stCondLst>
+                                        </p:cTn>
+                                        <p:tgtEl>
+                                          <p:spTgt spid="19"/>
+                                        </p:tgtEl>
+                                        <p:attrNameLst>
+                                          <p:attrName>style.visibility</p:attrName>
+                                        </p:attrNameLst>
+                                      </p:cBhvr>
+                                      <p:to>
+                                        <p:strVal val="visible"/>
+                                      </p:to>
+                                    </p:set>
+                                  </p:childTnLst>
+                                </p:cTn>
+                              </p:par>
+                            </p:childTnLst>
+                          </p:cTn>
+                        </p:par>
+                      </p:childTnLst>
+                    </p:cTn>
+                  </p:par>
+                </p:childTnLst>
+              </p:cTn>
+              <p:prevCondLst>
+                <p:cond evt="onPrev" delay="0">
+                  <p:tgtEl>
+                    <p:sldTgt/>
+                  </p:tgtEl>
+                </p:cond>
+              </p:prevCondLst>
+              <p:nextCondLst>
+                <p:cond evt="onNext" delay="0">
+                  <p:tgtEl>
+                    <p:sldTgt/>
+                  </p:tgtEl>
+                </p:cond>
+              </p:nextCondLst>
+            </p:seq>
+          </p:childTnLst>
+        </p:cTn>
       </p:par>
     </p:tnLst>
+    <p:bldLst>
+      <p:bldP spid="14" grpId="0" animBg="1"/>
+      <p:bldP spid="15" grpId="0" animBg="1"/>
+      <p:bldP spid="18" grpId="0"/>
+      <p:bldP spid="19" grpId="0"/>
+    </p:bldLst>
   </p:timing>
 </p:sld>
 </file>
@@ -34111,9 +36738,421 @@
   <p:timing>
     <p:tnLst>
       <p:par>
-        <p:cTn id="1" dur="indefinite" restart="never" nodeType="tmRoot"/>
+        <p:cTn id="1" dur="indefinite" restart="never" nodeType="tmRoot">
+          <p:childTnLst>
+            <p:seq concurrent="1" nextAc="seek">
+              <p:cTn id="2" dur="indefinite" nodeType="mainSeq">
+                <p:childTnLst>
+                  <p:par>
+                    <p:cTn id="3" fill="hold">
+                      <p:stCondLst>
+                        <p:cond delay="indefinite"/>
+                      </p:stCondLst>
+                      <p:childTnLst>
+                        <p:par>
+                          <p:cTn id="4" fill="hold">
+                            <p:stCondLst>
+                              <p:cond delay="0"/>
+                            </p:stCondLst>
+                            <p:childTnLst>
+                              <p:par>
+                                <p:cTn id="5" presetID="1" presetClass="entr" presetSubtype="0" fill="hold" grpId="0" nodeType="clickEffect">
+                                  <p:stCondLst>
+                                    <p:cond delay="0"/>
+                                  </p:stCondLst>
+                                  <p:childTnLst>
+                                    <p:set>
+                                      <p:cBhvr>
+                                        <p:cTn id="6" dur="1" fill="hold">
+                                          <p:stCondLst>
+                                            <p:cond delay="0"/>
+                                          </p:stCondLst>
+                                        </p:cTn>
+                                        <p:tgtEl>
+                                          <p:spTgt spid="76"/>
+                                        </p:tgtEl>
+                                        <p:attrNameLst>
+                                          <p:attrName>style.visibility</p:attrName>
+                                        </p:attrNameLst>
+                                      </p:cBhvr>
+                                      <p:to>
+                                        <p:strVal val="visible"/>
+                                      </p:to>
+                                    </p:set>
+                                  </p:childTnLst>
+                                </p:cTn>
+                              </p:par>
+                              <p:par>
+                                <p:cTn id="7" presetID="1" presetClass="entr" presetSubtype="0" fill="hold" grpId="0" nodeType="withEffect">
+                                  <p:stCondLst>
+                                    <p:cond delay="0"/>
+                                  </p:stCondLst>
+                                  <p:childTnLst>
+                                    <p:set>
+                                      <p:cBhvr>
+                                        <p:cTn id="8" dur="1" fill="hold">
+                                          <p:stCondLst>
+                                            <p:cond delay="0"/>
+                                          </p:stCondLst>
+                                        </p:cTn>
+                                        <p:tgtEl>
+                                          <p:spTgt spid="5"/>
+                                        </p:tgtEl>
+                                        <p:attrNameLst>
+                                          <p:attrName>style.visibility</p:attrName>
+                                        </p:attrNameLst>
+                                      </p:cBhvr>
+                                      <p:to>
+                                        <p:strVal val="visible"/>
+                                      </p:to>
+                                    </p:set>
+                                  </p:childTnLst>
+                                </p:cTn>
+                              </p:par>
+                              <p:par>
+                                <p:cTn id="9" presetID="1" presetClass="entr" presetSubtype="0" fill="hold" grpId="0" nodeType="withEffect">
+                                  <p:stCondLst>
+                                    <p:cond delay="0"/>
+                                  </p:stCondLst>
+                                  <p:childTnLst>
+                                    <p:set>
+                                      <p:cBhvr>
+                                        <p:cTn id="10" dur="1" fill="hold">
+                                          <p:stCondLst>
+                                            <p:cond delay="0"/>
+                                          </p:stCondLst>
+                                        </p:cTn>
+                                        <p:tgtEl>
+                                          <p:spTgt spid="10"/>
+                                        </p:tgtEl>
+                                        <p:attrNameLst>
+                                          <p:attrName>style.visibility</p:attrName>
+                                        </p:attrNameLst>
+                                      </p:cBhvr>
+                                      <p:to>
+                                        <p:strVal val="visible"/>
+                                      </p:to>
+                                    </p:set>
+                                  </p:childTnLst>
+                                </p:cTn>
+                              </p:par>
+                              <p:par>
+                                <p:cTn id="11" presetID="1" presetClass="entr" presetSubtype="0" fill="hold" nodeType="withEffect">
+                                  <p:stCondLst>
+                                    <p:cond delay="0"/>
+                                  </p:stCondLst>
+                                  <p:childTnLst>
+                                    <p:set>
+                                      <p:cBhvr>
+                                        <p:cTn id="12" dur="1" fill="hold">
+                                          <p:stCondLst>
+                                            <p:cond delay="0"/>
+                                          </p:stCondLst>
+                                        </p:cTn>
+                                        <p:tgtEl>
+                                          <p:spTgt spid="14"/>
+                                        </p:tgtEl>
+                                        <p:attrNameLst>
+                                          <p:attrName>style.visibility</p:attrName>
+                                        </p:attrNameLst>
+                                      </p:cBhvr>
+                                      <p:to>
+                                        <p:strVal val="visible"/>
+                                      </p:to>
+                                    </p:set>
+                                  </p:childTnLst>
+                                </p:cTn>
+                              </p:par>
+                            </p:childTnLst>
+                          </p:cTn>
+                        </p:par>
+                      </p:childTnLst>
+                    </p:cTn>
+                  </p:par>
+                  <p:par>
+                    <p:cTn id="13" fill="hold">
+                      <p:stCondLst>
+                        <p:cond delay="indefinite"/>
+                      </p:stCondLst>
+                      <p:childTnLst>
+                        <p:par>
+                          <p:cTn id="14" fill="hold">
+                            <p:stCondLst>
+                              <p:cond delay="0"/>
+                            </p:stCondLst>
+                            <p:childTnLst>
+                              <p:par>
+                                <p:cTn id="15" presetID="1" presetClass="entr" presetSubtype="0" fill="hold" grpId="0" nodeType="clickEffect">
+                                  <p:stCondLst>
+                                    <p:cond delay="0"/>
+                                  </p:stCondLst>
+                                  <p:childTnLst>
+                                    <p:set>
+                                      <p:cBhvr>
+                                        <p:cTn id="16" dur="1" fill="hold">
+                                          <p:stCondLst>
+                                            <p:cond delay="0"/>
+                                          </p:stCondLst>
+                                        </p:cTn>
+                                        <p:tgtEl>
+                                          <p:spTgt spid="75"/>
+                                        </p:tgtEl>
+                                        <p:attrNameLst>
+                                          <p:attrName>style.visibility</p:attrName>
+                                        </p:attrNameLst>
+                                      </p:cBhvr>
+                                      <p:to>
+                                        <p:strVal val="visible"/>
+                                      </p:to>
+                                    </p:set>
+                                  </p:childTnLst>
+                                </p:cTn>
+                              </p:par>
+                              <p:par>
+                                <p:cTn id="17" presetID="1" presetClass="entr" presetSubtype="0" fill="hold" grpId="0" nodeType="withEffect">
+                                  <p:stCondLst>
+                                    <p:cond delay="0"/>
+                                  </p:stCondLst>
+                                  <p:childTnLst>
+                                    <p:set>
+                                      <p:cBhvr>
+                                        <p:cTn id="18" dur="1" fill="hold">
+                                          <p:stCondLst>
+                                            <p:cond delay="0"/>
+                                          </p:stCondLst>
+                                        </p:cTn>
+                                        <p:tgtEl>
+                                          <p:spTgt spid="6"/>
+                                        </p:tgtEl>
+                                        <p:attrNameLst>
+                                          <p:attrName>style.visibility</p:attrName>
+                                        </p:attrNameLst>
+                                      </p:cBhvr>
+                                      <p:to>
+                                        <p:strVal val="visible"/>
+                                      </p:to>
+                                    </p:set>
+                                  </p:childTnLst>
+                                </p:cTn>
+                              </p:par>
+                              <p:par>
+                                <p:cTn id="19" presetID="1" presetClass="entr" presetSubtype="0" fill="hold" grpId="0" nodeType="withEffect">
+                                  <p:stCondLst>
+                                    <p:cond delay="0"/>
+                                  </p:stCondLst>
+                                  <p:childTnLst>
+                                    <p:set>
+                                      <p:cBhvr>
+                                        <p:cTn id="20" dur="1" fill="hold">
+                                          <p:stCondLst>
+                                            <p:cond delay="0"/>
+                                          </p:stCondLst>
+                                        </p:cTn>
+                                        <p:tgtEl>
+                                          <p:spTgt spid="11"/>
+                                        </p:tgtEl>
+                                        <p:attrNameLst>
+                                          <p:attrName>style.visibility</p:attrName>
+                                        </p:attrNameLst>
+                                      </p:cBhvr>
+                                      <p:to>
+                                        <p:strVal val="visible"/>
+                                      </p:to>
+                                    </p:set>
+                                  </p:childTnLst>
+                                </p:cTn>
+                              </p:par>
+                              <p:par>
+                                <p:cTn id="21" presetID="1" presetClass="entr" presetSubtype="0" fill="hold" nodeType="withEffect">
+                                  <p:stCondLst>
+                                    <p:cond delay="0"/>
+                                  </p:stCondLst>
+                                  <p:childTnLst>
+                                    <p:set>
+                                      <p:cBhvr>
+                                        <p:cTn id="22" dur="1" fill="hold">
+                                          <p:stCondLst>
+                                            <p:cond delay="0"/>
+                                          </p:stCondLst>
+                                        </p:cTn>
+                                        <p:tgtEl>
+                                          <p:spTgt spid="70"/>
+                                        </p:tgtEl>
+                                        <p:attrNameLst>
+                                          <p:attrName>style.visibility</p:attrName>
+                                        </p:attrNameLst>
+                                      </p:cBhvr>
+                                      <p:to>
+                                        <p:strVal val="visible"/>
+                                      </p:to>
+                                    </p:set>
+                                  </p:childTnLst>
+                                </p:cTn>
+                              </p:par>
+                            </p:childTnLst>
+                          </p:cTn>
+                        </p:par>
+                      </p:childTnLst>
+                    </p:cTn>
+                  </p:par>
+                  <p:par>
+                    <p:cTn id="23" fill="hold">
+                      <p:stCondLst>
+                        <p:cond delay="indefinite"/>
+                      </p:stCondLst>
+                      <p:childTnLst>
+                        <p:par>
+                          <p:cTn id="24" fill="hold">
+                            <p:stCondLst>
+                              <p:cond delay="0"/>
+                            </p:stCondLst>
+                            <p:childTnLst>
+                              <p:par>
+                                <p:cTn id="25" presetID="1" presetClass="entr" presetSubtype="0" fill="hold" grpId="0" nodeType="clickEffect">
+                                  <p:stCondLst>
+                                    <p:cond delay="0"/>
+                                  </p:stCondLst>
+                                  <p:childTnLst>
+                                    <p:set>
+                                      <p:cBhvr>
+                                        <p:cTn id="26" dur="1" fill="hold">
+                                          <p:stCondLst>
+                                            <p:cond delay="0"/>
+                                          </p:stCondLst>
+                                        </p:cTn>
+                                        <p:tgtEl>
+                                          <p:spTgt spid="73"/>
+                                        </p:tgtEl>
+                                        <p:attrNameLst>
+                                          <p:attrName>style.visibility</p:attrName>
+                                        </p:attrNameLst>
+                                      </p:cBhvr>
+                                      <p:to>
+                                        <p:strVal val="visible"/>
+                                      </p:to>
+                                    </p:set>
+                                  </p:childTnLst>
+                                </p:cTn>
+                              </p:par>
+                              <p:par>
+                                <p:cTn id="27" presetID="1" presetClass="entr" presetSubtype="0" fill="hold" grpId="0" nodeType="withEffect">
+                                  <p:stCondLst>
+                                    <p:cond delay="0"/>
+                                  </p:stCondLst>
+                                  <p:childTnLst>
+                                    <p:set>
+                                      <p:cBhvr>
+                                        <p:cTn id="28" dur="1" fill="hold">
+                                          <p:stCondLst>
+                                            <p:cond delay="0"/>
+                                          </p:stCondLst>
+                                        </p:cTn>
+                                        <p:tgtEl>
+                                          <p:spTgt spid="8"/>
+                                        </p:tgtEl>
+                                        <p:attrNameLst>
+                                          <p:attrName>style.visibility</p:attrName>
+                                        </p:attrNameLst>
+                                      </p:cBhvr>
+                                      <p:to>
+                                        <p:strVal val="visible"/>
+                                      </p:to>
+                                    </p:set>
+                                  </p:childTnLst>
+                                </p:cTn>
+                              </p:par>
+                              <p:par>
+                                <p:cTn id="29" presetID="1" presetClass="entr" presetSubtype="0" fill="hold" grpId="0" nodeType="withEffect">
+                                  <p:stCondLst>
+                                    <p:cond delay="0"/>
+                                  </p:stCondLst>
+                                  <p:childTnLst>
+                                    <p:set>
+                                      <p:cBhvr>
+                                        <p:cTn id="30" dur="1" fill="hold">
+                                          <p:stCondLst>
+                                            <p:cond delay="0"/>
+                                          </p:stCondLst>
+                                        </p:cTn>
+                                        <p:tgtEl>
+                                          <p:spTgt spid="12"/>
+                                        </p:tgtEl>
+                                        <p:attrNameLst>
+                                          <p:attrName>style.visibility</p:attrName>
+                                        </p:attrNameLst>
+                                      </p:cBhvr>
+                                      <p:to>
+                                        <p:strVal val="visible"/>
+                                      </p:to>
+                                    </p:set>
+                                  </p:childTnLst>
+                                </p:cTn>
+                              </p:par>
+                              <p:par>
+                                <p:cTn id="31" presetID="1" presetClass="entr" presetSubtype="0" fill="hold" nodeType="withEffect">
+                                  <p:stCondLst>
+                                    <p:cond delay="0"/>
+                                  </p:stCondLst>
+                                  <p:childTnLst>
+                                    <p:set>
+                                      <p:cBhvr>
+                                        <p:cTn id="32" dur="1" fill="hold">
+                                          <p:stCondLst>
+                                            <p:cond delay="0"/>
+                                          </p:stCondLst>
+                                        </p:cTn>
+                                        <p:tgtEl>
+                                          <p:spTgt spid="20"/>
+                                        </p:tgtEl>
+                                        <p:attrNameLst>
+                                          <p:attrName>style.visibility</p:attrName>
+                                        </p:attrNameLst>
+                                      </p:cBhvr>
+                                      <p:to>
+                                        <p:strVal val="visible"/>
+                                      </p:to>
+                                    </p:set>
+                                  </p:childTnLst>
+                                </p:cTn>
+                              </p:par>
+                            </p:childTnLst>
+                          </p:cTn>
+                        </p:par>
+                      </p:childTnLst>
+                    </p:cTn>
+                  </p:par>
+                </p:childTnLst>
+              </p:cTn>
+              <p:prevCondLst>
+                <p:cond evt="onPrev" delay="0">
+                  <p:tgtEl>
+                    <p:sldTgt/>
+                  </p:tgtEl>
+                </p:cond>
+              </p:prevCondLst>
+              <p:nextCondLst>
+                <p:cond evt="onNext" delay="0">
+                  <p:tgtEl>
+                    <p:sldTgt/>
+                  </p:tgtEl>
+                </p:cond>
+              </p:nextCondLst>
+            </p:seq>
+          </p:childTnLst>
+        </p:cTn>
       </p:par>
     </p:tnLst>
+    <p:bldLst>
+      <p:bldP spid="76" grpId="0" animBg="1"/>
+      <p:bldP spid="75" grpId="0" animBg="1"/>
+      <p:bldP spid="73" grpId="0" animBg="1"/>
+      <p:bldP spid="5" grpId="0" animBg="1"/>
+      <p:bldP spid="6" grpId="0" animBg="1"/>
+      <p:bldP spid="8" grpId="0" animBg="1"/>
+      <p:bldP spid="10" grpId="0"/>
+      <p:bldP spid="11" grpId="0"/>
+      <p:bldP spid="12" grpId="0"/>
+    </p:bldLst>
   </p:timing>
 </p:sld>
 </file>
@@ -34672,7 +37711,7 @@
         <p:spPr>
           <a:xfrm>
             <a:off x="1135498" y="3501887"/>
-            <a:ext cx="10233316" cy="2710070"/>
+            <a:ext cx="10233316" cy="2979124"/>
           </a:xfrm>
           <a:prstGeom prst="rect">
             <a:avLst/>
@@ -34842,7 +37881,7 @@
         <p:spPr>
           <a:xfrm>
             <a:off x="1135498" y="3774571"/>
-            <a:ext cx="10052924" cy="2308324"/>
+            <a:ext cx="10052924" cy="2554545"/>
           </a:xfrm>
           <a:prstGeom prst="rect">
             <a:avLst/>
@@ -34933,8 +37972,21 @@
                 <a:latin typeface="Arial" pitchFamily="34" charset="0"/>
                 <a:cs typeface="Arial" pitchFamily="34" charset="0"/>
               </a:rPr>
-              <a:t>Les APIs permettent donc aux développeurs de déléguer le service qu’ils consomment. </a:t>
-            </a:r>
+              <a:t>Les APIs permettent donc aux développeurs de déléguer le service qu’ils consomment</a:t>
+            </a:r>
+            <a:r>
+              <a:rPr lang="fr-FR" altLang="ko-KR" sz="1600" dirty="0" smtClean="0">
+                <a:solidFill>
+                  <a:schemeClr val="bg1"/>
+                </a:solidFill>
+                <a:latin typeface="Arial" pitchFamily="34" charset="0"/>
+                <a:cs typeface="Arial" pitchFamily="34" charset="0"/>
+              </a:rPr>
+              <a:t>.</a:t>
+            </a:r>
+          </a:p>
+          <a:p>
+            <a:pPr algn="just"/>
             <a:endParaRPr lang="fr-FR" altLang="ko-KR" sz="1600" dirty="0" smtClean="0">
               <a:solidFill>
                 <a:schemeClr val="bg1"/>
@@ -34988,9 +38040,726 @@
   <p:timing>
     <p:tnLst>
       <p:par>
-        <p:cTn id="1" dur="indefinite" restart="never" nodeType="tmRoot"/>
+        <p:cTn id="1" dur="indefinite" restart="never" nodeType="tmRoot">
+          <p:childTnLst>
+            <p:seq concurrent="1" nextAc="seek">
+              <p:cTn id="2" dur="indefinite" nodeType="mainSeq">
+                <p:childTnLst>
+                  <p:par>
+                    <p:cTn id="3" fill="hold">
+                      <p:stCondLst>
+                        <p:cond delay="indefinite"/>
+                      </p:stCondLst>
+                      <p:childTnLst>
+                        <p:par>
+                          <p:cTn id="4" fill="hold">
+                            <p:stCondLst>
+                              <p:cond delay="0"/>
+                            </p:stCondLst>
+                            <p:childTnLst>
+                              <p:par>
+                                <p:cTn id="5" presetID="42" presetClass="entr" presetSubtype="0" fill="hold" grpId="0" nodeType="clickEffect">
+                                  <p:stCondLst>
+                                    <p:cond delay="0"/>
+                                  </p:stCondLst>
+                                  <p:childTnLst>
+                                    <p:set>
+                                      <p:cBhvr>
+                                        <p:cTn id="6" dur="1" fill="hold">
+                                          <p:stCondLst>
+                                            <p:cond delay="0"/>
+                                          </p:stCondLst>
+                                        </p:cTn>
+                                        <p:tgtEl>
+                                          <p:spTgt spid="14"/>
+                                        </p:tgtEl>
+                                        <p:attrNameLst>
+                                          <p:attrName>style.visibility</p:attrName>
+                                        </p:attrNameLst>
+                                      </p:cBhvr>
+                                      <p:to>
+                                        <p:strVal val="visible"/>
+                                      </p:to>
+                                    </p:set>
+                                    <p:animEffect transition="in" filter="fade">
+                                      <p:cBhvr>
+                                        <p:cTn id="7" dur="1000"/>
+                                        <p:tgtEl>
+                                          <p:spTgt spid="14"/>
+                                        </p:tgtEl>
+                                      </p:cBhvr>
+                                    </p:animEffect>
+                                    <p:anim calcmode="lin" valueType="num">
+                                      <p:cBhvr>
+                                        <p:cTn id="8" dur="1000" fill="hold"/>
+                                        <p:tgtEl>
+                                          <p:spTgt spid="14"/>
+                                        </p:tgtEl>
+                                        <p:attrNameLst>
+                                          <p:attrName>ppt_x</p:attrName>
+                                        </p:attrNameLst>
+                                      </p:cBhvr>
+                                      <p:tavLst>
+                                        <p:tav tm="0">
+                                          <p:val>
+                                            <p:strVal val="#ppt_x"/>
+                                          </p:val>
+                                        </p:tav>
+                                        <p:tav tm="100000">
+                                          <p:val>
+                                            <p:strVal val="#ppt_x"/>
+                                          </p:val>
+                                        </p:tav>
+                                      </p:tavLst>
+                                    </p:anim>
+                                    <p:anim calcmode="lin" valueType="num">
+                                      <p:cBhvr>
+                                        <p:cTn id="9" dur="1000" fill="hold"/>
+                                        <p:tgtEl>
+                                          <p:spTgt spid="14"/>
+                                        </p:tgtEl>
+                                        <p:attrNameLst>
+                                          <p:attrName>ppt_y</p:attrName>
+                                        </p:attrNameLst>
+                                      </p:cBhvr>
+                                      <p:tavLst>
+                                        <p:tav tm="0">
+                                          <p:val>
+                                            <p:strVal val="#ppt_y+.1"/>
+                                          </p:val>
+                                        </p:tav>
+                                        <p:tav tm="100000">
+                                          <p:val>
+                                            <p:strVal val="#ppt_y"/>
+                                          </p:val>
+                                        </p:tav>
+                                      </p:tavLst>
+                                    </p:anim>
+                                  </p:childTnLst>
+                                </p:cTn>
+                              </p:par>
+                              <p:par>
+                                <p:cTn id="10" presetID="42" presetClass="entr" presetSubtype="0" fill="hold" grpId="0" nodeType="withEffect">
+                                  <p:stCondLst>
+                                    <p:cond delay="0"/>
+                                  </p:stCondLst>
+                                  <p:childTnLst>
+                                    <p:set>
+                                      <p:cBhvr>
+                                        <p:cTn id="11" dur="1" fill="hold">
+                                          <p:stCondLst>
+                                            <p:cond delay="0"/>
+                                          </p:stCondLst>
+                                        </p:cTn>
+                                        <p:tgtEl>
+                                          <p:spTgt spid="15"/>
+                                        </p:tgtEl>
+                                        <p:attrNameLst>
+                                          <p:attrName>style.visibility</p:attrName>
+                                        </p:attrNameLst>
+                                      </p:cBhvr>
+                                      <p:to>
+                                        <p:strVal val="visible"/>
+                                      </p:to>
+                                    </p:set>
+                                    <p:animEffect transition="in" filter="fade">
+                                      <p:cBhvr>
+                                        <p:cTn id="12" dur="1000"/>
+                                        <p:tgtEl>
+                                          <p:spTgt spid="15"/>
+                                        </p:tgtEl>
+                                      </p:cBhvr>
+                                    </p:animEffect>
+                                    <p:anim calcmode="lin" valueType="num">
+                                      <p:cBhvr>
+                                        <p:cTn id="13" dur="1000" fill="hold"/>
+                                        <p:tgtEl>
+                                          <p:spTgt spid="15"/>
+                                        </p:tgtEl>
+                                        <p:attrNameLst>
+                                          <p:attrName>ppt_x</p:attrName>
+                                        </p:attrNameLst>
+                                      </p:cBhvr>
+                                      <p:tavLst>
+                                        <p:tav tm="0">
+                                          <p:val>
+                                            <p:strVal val="#ppt_x"/>
+                                          </p:val>
+                                        </p:tav>
+                                        <p:tav tm="100000">
+                                          <p:val>
+                                            <p:strVal val="#ppt_x"/>
+                                          </p:val>
+                                        </p:tav>
+                                      </p:tavLst>
+                                    </p:anim>
+                                    <p:anim calcmode="lin" valueType="num">
+                                      <p:cBhvr>
+                                        <p:cTn id="14" dur="1000" fill="hold"/>
+                                        <p:tgtEl>
+                                          <p:spTgt spid="15"/>
+                                        </p:tgtEl>
+                                        <p:attrNameLst>
+                                          <p:attrName>ppt_y</p:attrName>
+                                        </p:attrNameLst>
+                                      </p:cBhvr>
+                                      <p:tavLst>
+                                        <p:tav tm="0">
+                                          <p:val>
+                                            <p:strVal val="#ppt_y+.1"/>
+                                          </p:val>
+                                        </p:tav>
+                                        <p:tav tm="100000">
+                                          <p:val>
+                                            <p:strVal val="#ppt_y"/>
+                                          </p:val>
+                                        </p:tav>
+                                      </p:tavLst>
+                                    </p:anim>
+                                  </p:childTnLst>
+                                </p:cTn>
+                              </p:par>
+                              <p:par>
+                                <p:cTn id="15" presetID="42" presetClass="entr" presetSubtype="0" fill="hold" grpId="0" nodeType="withEffect">
+                                  <p:stCondLst>
+                                    <p:cond delay="0"/>
+                                  </p:stCondLst>
+                                  <p:childTnLst>
+                                    <p:set>
+                                      <p:cBhvr>
+                                        <p:cTn id="16" dur="1" fill="hold">
+                                          <p:stCondLst>
+                                            <p:cond delay="0"/>
+                                          </p:stCondLst>
+                                        </p:cTn>
+                                        <p:tgtEl>
+                                          <p:spTgt spid="18"/>
+                                        </p:tgtEl>
+                                        <p:attrNameLst>
+                                          <p:attrName>style.visibility</p:attrName>
+                                        </p:attrNameLst>
+                                      </p:cBhvr>
+                                      <p:to>
+                                        <p:strVal val="visible"/>
+                                      </p:to>
+                                    </p:set>
+                                    <p:animEffect transition="in" filter="fade">
+                                      <p:cBhvr>
+                                        <p:cTn id="17" dur="1000"/>
+                                        <p:tgtEl>
+                                          <p:spTgt spid="18"/>
+                                        </p:tgtEl>
+                                      </p:cBhvr>
+                                    </p:animEffect>
+                                    <p:anim calcmode="lin" valueType="num">
+                                      <p:cBhvr>
+                                        <p:cTn id="18" dur="1000" fill="hold"/>
+                                        <p:tgtEl>
+                                          <p:spTgt spid="18"/>
+                                        </p:tgtEl>
+                                        <p:attrNameLst>
+                                          <p:attrName>ppt_x</p:attrName>
+                                        </p:attrNameLst>
+                                      </p:cBhvr>
+                                      <p:tavLst>
+                                        <p:tav tm="0">
+                                          <p:val>
+                                            <p:strVal val="#ppt_x"/>
+                                          </p:val>
+                                        </p:tav>
+                                        <p:tav tm="100000">
+                                          <p:val>
+                                            <p:strVal val="#ppt_x"/>
+                                          </p:val>
+                                        </p:tav>
+                                      </p:tavLst>
+                                    </p:anim>
+                                    <p:anim calcmode="lin" valueType="num">
+                                      <p:cBhvr>
+                                        <p:cTn id="19" dur="1000" fill="hold"/>
+                                        <p:tgtEl>
+                                          <p:spTgt spid="18"/>
+                                        </p:tgtEl>
+                                        <p:attrNameLst>
+                                          <p:attrName>ppt_y</p:attrName>
+                                        </p:attrNameLst>
+                                      </p:cBhvr>
+                                      <p:tavLst>
+                                        <p:tav tm="0">
+                                          <p:val>
+                                            <p:strVal val="#ppt_y+.1"/>
+                                          </p:val>
+                                        </p:tav>
+                                        <p:tav tm="100000">
+                                          <p:val>
+                                            <p:strVal val="#ppt_y"/>
+                                          </p:val>
+                                        </p:tav>
+                                      </p:tavLst>
+                                    </p:anim>
+                                  </p:childTnLst>
+                                </p:cTn>
+                              </p:par>
+                              <p:par>
+                                <p:cTn id="20" presetID="42" presetClass="entr" presetSubtype="0" fill="hold" grpId="0" nodeType="withEffect">
+                                  <p:stCondLst>
+                                    <p:cond delay="0"/>
+                                  </p:stCondLst>
+                                  <p:childTnLst>
+                                    <p:set>
+                                      <p:cBhvr>
+                                        <p:cTn id="21" dur="1" fill="hold">
+                                          <p:stCondLst>
+                                            <p:cond delay="0"/>
+                                          </p:stCondLst>
+                                        </p:cTn>
+                                        <p:tgtEl>
+                                          <p:spTgt spid="19"/>
+                                        </p:tgtEl>
+                                        <p:attrNameLst>
+                                          <p:attrName>style.visibility</p:attrName>
+                                        </p:attrNameLst>
+                                      </p:cBhvr>
+                                      <p:to>
+                                        <p:strVal val="visible"/>
+                                      </p:to>
+                                    </p:set>
+                                    <p:animEffect transition="in" filter="fade">
+                                      <p:cBhvr>
+                                        <p:cTn id="22" dur="1000"/>
+                                        <p:tgtEl>
+                                          <p:spTgt spid="19"/>
+                                        </p:tgtEl>
+                                      </p:cBhvr>
+                                    </p:animEffect>
+                                    <p:anim calcmode="lin" valueType="num">
+                                      <p:cBhvr>
+                                        <p:cTn id="23" dur="1000" fill="hold"/>
+                                        <p:tgtEl>
+                                          <p:spTgt spid="19"/>
+                                        </p:tgtEl>
+                                        <p:attrNameLst>
+                                          <p:attrName>ppt_x</p:attrName>
+                                        </p:attrNameLst>
+                                      </p:cBhvr>
+                                      <p:tavLst>
+                                        <p:tav tm="0">
+                                          <p:val>
+                                            <p:strVal val="#ppt_x"/>
+                                          </p:val>
+                                        </p:tav>
+                                        <p:tav tm="100000">
+                                          <p:val>
+                                            <p:strVal val="#ppt_x"/>
+                                          </p:val>
+                                        </p:tav>
+                                      </p:tavLst>
+                                    </p:anim>
+                                    <p:anim calcmode="lin" valueType="num">
+                                      <p:cBhvr>
+                                        <p:cTn id="24" dur="1000" fill="hold"/>
+                                        <p:tgtEl>
+                                          <p:spTgt spid="19"/>
+                                        </p:tgtEl>
+                                        <p:attrNameLst>
+                                          <p:attrName>ppt_y</p:attrName>
+                                        </p:attrNameLst>
+                                      </p:cBhvr>
+                                      <p:tavLst>
+                                        <p:tav tm="0">
+                                          <p:val>
+                                            <p:strVal val="#ppt_y+.1"/>
+                                          </p:val>
+                                        </p:tav>
+                                        <p:tav tm="100000">
+                                          <p:val>
+                                            <p:strVal val="#ppt_y"/>
+                                          </p:val>
+                                        </p:tav>
+                                      </p:tavLst>
+                                    </p:anim>
+                                  </p:childTnLst>
+                                </p:cTn>
+                              </p:par>
+                            </p:childTnLst>
+                          </p:cTn>
+                        </p:par>
+                      </p:childTnLst>
+                    </p:cTn>
+                  </p:par>
+                  <p:par>
+                    <p:cTn id="25" fill="hold">
+                      <p:stCondLst>
+                        <p:cond delay="indefinite"/>
+                      </p:stCondLst>
+                      <p:childTnLst>
+                        <p:par>
+                          <p:cTn id="26" fill="hold">
+                            <p:stCondLst>
+                              <p:cond delay="0"/>
+                            </p:stCondLst>
+                            <p:childTnLst>
+                              <p:par>
+                                <p:cTn id="27" presetID="42" presetClass="entr" presetSubtype="0" fill="hold" grpId="0" nodeType="clickEffect">
+                                  <p:stCondLst>
+                                    <p:cond delay="0"/>
+                                  </p:stCondLst>
+                                  <p:childTnLst>
+                                    <p:set>
+                                      <p:cBhvr>
+                                        <p:cTn id="28" dur="1" fill="hold">
+                                          <p:stCondLst>
+                                            <p:cond delay="0"/>
+                                          </p:stCondLst>
+                                        </p:cTn>
+                                        <p:tgtEl>
+                                          <p:spTgt spid="10"/>
+                                        </p:tgtEl>
+                                        <p:attrNameLst>
+                                          <p:attrName>style.visibility</p:attrName>
+                                        </p:attrNameLst>
+                                      </p:cBhvr>
+                                      <p:to>
+                                        <p:strVal val="visible"/>
+                                      </p:to>
+                                    </p:set>
+                                    <p:animEffect transition="in" filter="fade">
+                                      <p:cBhvr>
+                                        <p:cTn id="29" dur="1000"/>
+                                        <p:tgtEl>
+                                          <p:spTgt spid="10"/>
+                                        </p:tgtEl>
+                                      </p:cBhvr>
+                                    </p:animEffect>
+                                    <p:anim calcmode="lin" valueType="num">
+                                      <p:cBhvr>
+                                        <p:cTn id="30" dur="1000" fill="hold"/>
+                                        <p:tgtEl>
+                                          <p:spTgt spid="10"/>
+                                        </p:tgtEl>
+                                        <p:attrNameLst>
+                                          <p:attrName>ppt_x</p:attrName>
+                                        </p:attrNameLst>
+                                      </p:cBhvr>
+                                      <p:tavLst>
+                                        <p:tav tm="0">
+                                          <p:val>
+                                            <p:strVal val="#ppt_x"/>
+                                          </p:val>
+                                        </p:tav>
+                                        <p:tav tm="100000">
+                                          <p:val>
+                                            <p:strVal val="#ppt_x"/>
+                                          </p:val>
+                                        </p:tav>
+                                      </p:tavLst>
+                                    </p:anim>
+                                    <p:anim calcmode="lin" valueType="num">
+                                      <p:cBhvr>
+                                        <p:cTn id="31" dur="1000" fill="hold"/>
+                                        <p:tgtEl>
+                                          <p:spTgt spid="10"/>
+                                        </p:tgtEl>
+                                        <p:attrNameLst>
+                                          <p:attrName>ppt_y</p:attrName>
+                                        </p:attrNameLst>
+                                      </p:cBhvr>
+                                      <p:tavLst>
+                                        <p:tav tm="0">
+                                          <p:val>
+                                            <p:strVal val="#ppt_y+.1"/>
+                                          </p:val>
+                                        </p:tav>
+                                        <p:tav tm="100000">
+                                          <p:val>
+                                            <p:strVal val="#ppt_y"/>
+                                          </p:val>
+                                        </p:tav>
+                                      </p:tavLst>
+                                    </p:anim>
+                                  </p:childTnLst>
+                                </p:cTn>
+                              </p:par>
+                              <p:par>
+                                <p:cTn id="32" presetID="42" presetClass="entr" presetSubtype="0" fill="hold" grpId="0" nodeType="withEffect">
+                                  <p:stCondLst>
+                                    <p:cond delay="0"/>
+                                  </p:stCondLst>
+                                  <p:childTnLst>
+                                    <p:set>
+                                      <p:cBhvr>
+                                        <p:cTn id="33" dur="1" fill="hold">
+                                          <p:stCondLst>
+                                            <p:cond delay="0"/>
+                                          </p:stCondLst>
+                                        </p:cTn>
+                                        <p:tgtEl>
+                                          <p:spTgt spid="11"/>
+                                        </p:tgtEl>
+                                        <p:attrNameLst>
+                                          <p:attrName>style.visibility</p:attrName>
+                                        </p:attrNameLst>
+                                      </p:cBhvr>
+                                      <p:to>
+                                        <p:strVal val="visible"/>
+                                      </p:to>
+                                    </p:set>
+                                    <p:animEffect transition="in" filter="fade">
+                                      <p:cBhvr>
+                                        <p:cTn id="34" dur="1000"/>
+                                        <p:tgtEl>
+                                          <p:spTgt spid="11"/>
+                                        </p:tgtEl>
+                                      </p:cBhvr>
+                                    </p:animEffect>
+                                    <p:anim calcmode="lin" valueType="num">
+                                      <p:cBhvr>
+                                        <p:cTn id="35" dur="1000" fill="hold"/>
+                                        <p:tgtEl>
+                                          <p:spTgt spid="11"/>
+                                        </p:tgtEl>
+                                        <p:attrNameLst>
+                                          <p:attrName>ppt_x</p:attrName>
+                                        </p:attrNameLst>
+                                      </p:cBhvr>
+                                      <p:tavLst>
+                                        <p:tav tm="0">
+                                          <p:val>
+                                            <p:strVal val="#ppt_x"/>
+                                          </p:val>
+                                        </p:tav>
+                                        <p:tav tm="100000">
+                                          <p:val>
+                                            <p:strVal val="#ppt_x"/>
+                                          </p:val>
+                                        </p:tav>
+                                      </p:tavLst>
+                                    </p:anim>
+                                    <p:anim calcmode="lin" valueType="num">
+                                      <p:cBhvr>
+                                        <p:cTn id="36" dur="1000" fill="hold"/>
+                                        <p:tgtEl>
+                                          <p:spTgt spid="11"/>
+                                        </p:tgtEl>
+                                        <p:attrNameLst>
+                                          <p:attrName>ppt_y</p:attrName>
+                                        </p:attrNameLst>
+                                      </p:cBhvr>
+                                      <p:tavLst>
+                                        <p:tav tm="0">
+                                          <p:val>
+                                            <p:strVal val="#ppt_y+.1"/>
+                                          </p:val>
+                                        </p:tav>
+                                        <p:tav tm="100000">
+                                          <p:val>
+                                            <p:strVal val="#ppt_y"/>
+                                          </p:val>
+                                        </p:tav>
+                                      </p:tavLst>
+                                    </p:anim>
+                                  </p:childTnLst>
+                                </p:cTn>
+                              </p:par>
+                              <p:par>
+                                <p:cTn id="37" presetID="42" presetClass="entr" presetSubtype="0" fill="hold" grpId="0" nodeType="withEffect">
+                                  <p:stCondLst>
+                                    <p:cond delay="0"/>
+                                  </p:stCondLst>
+                                  <p:childTnLst>
+                                    <p:set>
+                                      <p:cBhvr>
+                                        <p:cTn id="38" dur="1" fill="hold">
+                                          <p:stCondLst>
+                                            <p:cond delay="0"/>
+                                          </p:stCondLst>
+                                        </p:cTn>
+                                        <p:tgtEl>
+                                          <p:spTgt spid="12"/>
+                                        </p:tgtEl>
+                                        <p:attrNameLst>
+                                          <p:attrName>style.visibility</p:attrName>
+                                        </p:attrNameLst>
+                                      </p:cBhvr>
+                                      <p:to>
+                                        <p:strVal val="visible"/>
+                                      </p:to>
+                                    </p:set>
+                                    <p:animEffect transition="in" filter="fade">
+                                      <p:cBhvr>
+                                        <p:cTn id="39" dur="1000"/>
+                                        <p:tgtEl>
+                                          <p:spTgt spid="12"/>
+                                        </p:tgtEl>
+                                      </p:cBhvr>
+                                    </p:animEffect>
+                                    <p:anim calcmode="lin" valueType="num">
+                                      <p:cBhvr>
+                                        <p:cTn id="40" dur="1000" fill="hold"/>
+                                        <p:tgtEl>
+                                          <p:spTgt spid="12"/>
+                                        </p:tgtEl>
+                                        <p:attrNameLst>
+                                          <p:attrName>ppt_x</p:attrName>
+                                        </p:attrNameLst>
+                                      </p:cBhvr>
+                                      <p:tavLst>
+                                        <p:tav tm="0">
+                                          <p:val>
+                                            <p:strVal val="#ppt_x"/>
+                                          </p:val>
+                                        </p:tav>
+                                        <p:tav tm="100000">
+                                          <p:val>
+                                            <p:strVal val="#ppt_x"/>
+                                          </p:val>
+                                        </p:tav>
+                                      </p:tavLst>
+                                    </p:anim>
+                                    <p:anim calcmode="lin" valueType="num">
+                                      <p:cBhvr>
+                                        <p:cTn id="41" dur="1000" fill="hold"/>
+                                        <p:tgtEl>
+                                          <p:spTgt spid="12"/>
+                                        </p:tgtEl>
+                                        <p:attrNameLst>
+                                          <p:attrName>ppt_y</p:attrName>
+                                        </p:attrNameLst>
+                                      </p:cBhvr>
+                                      <p:tavLst>
+                                        <p:tav tm="0">
+                                          <p:val>
+                                            <p:strVal val="#ppt_y+.1"/>
+                                          </p:val>
+                                        </p:tav>
+                                        <p:tav tm="100000">
+                                          <p:val>
+                                            <p:strVal val="#ppt_y"/>
+                                          </p:val>
+                                        </p:tav>
+                                      </p:tavLst>
+                                    </p:anim>
+                                  </p:childTnLst>
+                                </p:cTn>
+                              </p:par>
+                              <p:par>
+                                <p:cTn id="42" presetID="42" presetClass="entr" presetSubtype="0" fill="hold" grpId="0" nodeType="withEffect">
+                                  <p:stCondLst>
+                                    <p:cond delay="0"/>
+                                  </p:stCondLst>
+                                  <p:childTnLst>
+                                    <p:set>
+                                      <p:cBhvr>
+                                        <p:cTn id="43" dur="1" fill="hold">
+                                          <p:stCondLst>
+                                            <p:cond delay="0"/>
+                                          </p:stCondLst>
+                                        </p:cTn>
+                                        <p:tgtEl>
+                                          <p:spTgt spid="13"/>
+                                        </p:tgtEl>
+                                        <p:attrNameLst>
+                                          <p:attrName>style.visibility</p:attrName>
+                                        </p:attrNameLst>
+                                      </p:cBhvr>
+                                      <p:to>
+                                        <p:strVal val="visible"/>
+                                      </p:to>
+                                    </p:set>
+                                    <p:animEffect transition="in" filter="fade">
+                                      <p:cBhvr>
+                                        <p:cTn id="44" dur="1000"/>
+                                        <p:tgtEl>
+                                          <p:spTgt spid="13"/>
+                                        </p:tgtEl>
+                                      </p:cBhvr>
+                                    </p:animEffect>
+                                    <p:anim calcmode="lin" valueType="num">
+                                      <p:cBhvr>
+                                        <p:cTn id="45" dur="1000" fill="hold"/>
+                                        <p:tgtEl>
+                                          <p:spTgt spid="13"/>
+                                        </p:tgtEl>
+                                        <p:attrNameLst>
+                                          <p:attrName>ppt_x</p:attrName>
+                                        </p:attrNameLst>
+                                      </p:cBhvr>
+                                      <p:tavLst>
+                                        <p:tav tm="0">
+                                          <p:val>
+                                            <p:strVal val="#ppt_x"/>
+                                          </p:val>
+                                        </p:tav>
+                                        <p:tav tm="100000">
+                                          <p:val>
+                                            <p:strVal val="#ppt_x"/>
+                                          </p:val>
+                                        </p:tav>
+                                      </p:tavLst>
+                                    </p:anim>
+                                    <p:anim calcmode="lin" valueType="num">
+                                      <p:cBhvr>
+                                        <p:cTn id="46" dur="1000" fill="hold"/>
+                                        <p:tgtEl>
+                                          <p:spTgt spid="13"/>
+                                        </p:tgtEl>
+                                        <p:attrNameLst>
+                                          <p:attrName>ppt_y</p:attrName>
+                                        </p:attrNameLst>
+                                      </p:cBhvr>
+                                      <p:tavLst>
+                                        <p:tav tm="0">
+                                          <p:val>
+                                            <p:strVal val="#ppt_y+.1"/>
+                                          </p:val>
+                                        </p:tav>
+                                        <p:tav tm="100000">
+                                          <p:val>
+                                            <p:strVal val="#ppt_y"/>
+                                          </p:val>
+                                        </p:tav>
+                                      </p:tavLst>
+                                    </p:anim>
+                                  </p:childTnLst>
+                                </p:cTn>
+                              </p:par>
+                            </p:childTnLst>
+                          </p:cTn>
+                        </p:par>
+                      </p:childTnLst>
+                    </p:cTn>
+                  </p:par>
+                </p:childTnLst>
+              </p:cTn>
+              <p:prevCondLst>
+                <p:cond evt="onPrev" delay="0">
+                  <p:tgtEl>
+                    <p:sldTgt/>
+                  </p:tgtEl>
+                </p:cond>
+              </p:prevCondLst>
+              <p:nextCondLst>
+                <p:cond evt="onNext" delay="0">
+                  <p:tgtEl>
+                    <p:sldTgt/>
+                  </p:tgtEl>
+                </p:cond>
+              </p:nextCondLst>
+            </p:seq>
+          </p:childTnLst>
+        </p:cTn>
       </p:par>
     </p:tnLst>
+    <p:bldLst>
+      <p:bldP spid="14" grpId="0" animBg="1"/>
+      <p:bldP spid="15" grpId="0" animBg="1"/>
+      <p:bldP spid="18" grpId="0"/>
+      <p:bldP spid="19" grpId="0"/>
+      <p:bldP spid="10" grpId="0" animBg="1"/>
+      <p:bldP spid="11" grpId="0" animBg="1"/>
+      <p:bldP spid="12" grpId="0"/>
+      <p:bldP spid="13" grpId="0"/>
+    </p:bldLst>
   </p:timing>
 </p:sld>
 </file>
